--- a/Разработка вероятностного метода  отслеживания объектов в видеопотоке.pptx
+++ b/Разработка вероятностного метода  отслеживания объектов в видеопотоке.pptx
@@ -5,21 +5,22 @@
     <p:sldMasterId id="2147483660" r:id="rId1"/>
   </p:sldMasterIdLst>
   <p:notesMasterIdLst>
-    <p:notesMasterId r:id="rId14"/>
+    <p:notesMasterId r:id="rId15"/>
   </p:notesMasterIdLst>
   <p:sldIdLst>
     <p:sldId id="256" r:id="rId2"/>
     <p:sldId id="257" r:id="rId3"/>
-    <p:sldId id="258" r:id="rId4"/>
-    <p:sldId id="259" r:id="rId5"/>
-    <p:sldId id="260" r:id="rId6"/>
-    <p:sldId id="261" r:id="rId7"/>
-    <p:sldId id="262" r:id="rId8"/>
-    <p:sldId id="263" r:id="rId9"/>
-    <p:sldId id="264" r:id="rId10"/>
-    <p:sldId id="265" r:id="rId11"/>
-    <p:sldId id="266" r:id="rId12"/>
-    <p:sldId id="267" r:id="rId13"/>
+    <p:sldId id="268" r:id="rId4"/>
+    <p:sldId id="258" r:id="rId5"/>
+    <p:sldId id="259" r:id="rId6"/>
+    <p:sldId id="260" r:id="rId7"/>
+    <p:sldId id="261" r:id="rId8"/>
+    <p:sldId id="262" r:id="rId9"/>
+    <p:sldId id="263" r:id="rId10"/>
+    <p:sldId id="264" r:id="rId11"/>
+    <p:sldId id="265" r:id="rId12"/>
+    <p:sldId id="266" r:id="rId13"/>
+    <p:sldId id="267" r:id="rId14"/>
   </p:sldIdLst>
   <p:sldSz cx="9144000" cy="6858000" type="screen4x3"/>
   <p:notesSz cx="6858000" cy="9144000"/>
@@ -203,7 +204,8 @@
           <a:p>
             <a:fld id="{53081E6D-8C6E-4711-813E-E2FA21F30C0E}" type="datetimeFigureOut">
               <a:rPr lang="ru-RU" smtClean="0"/>
-              <a:t>08.05.2014</a:t>
+              <a:pPr/>
+              <a:t>11.05.2014</a:t>
             </a:fld>
             <a:endParaRPr lang="ru-RU"/>
           </a:p>
@@ -364,6 +366,7 @@
           <a:p>
             <a:fld id="{6E0F53BC-7893-4736-8259-754443F254F9}" type="slidenum">
               <a:rPr lang="ru-RU" smtClean="0"/>
+              <a:pPr/>
               <a:t>‹#›</a:t>
             </a:fld>
             <a:endParaRPr lang="ru-RU"/>
@@ -535,6 +538,7 @@
           <a:p>
             <a:fld id="{6E0F53BC-7893-4736-8259-754443F254F9}" type="slidenum">
               <a:rPr lang="ru-RU" smtClean="0"/>
+              <a:pPr/>
               <a:t>1</a:t>
             </a:fld>
             <a:endParaRPr lang="ru-RU"/>
@@ -797,7 +801,8 @@
           <a:p>
             <a:fld id="{4641F885-48D2-4260-9120-FA9BBCEB77D6}" type="datetime1">
               <a:rPr lang="ru-RU" smtClean="0"/>
-              <a:t>08.05.2014</a:t>
+              <a:pPr/>
+              <a:t>11.05.2014</a:t>
             </a:fld>
             <a:endParaRPr lang="ru-RU"/>
           </a:p>
@@ -839,6 +844,7 @@
           <a:p>
             <a:fld id="{F9D62829-C74A-48E8-BA30-BE2CEDDA2708}" type="slidenum">
               <a:rPr lang="ru-RU" smtClean="0"/>
+              <a:pPr/>
               <a:t>‹#›</a:t>
             </a:fld>
             <a:endParaRPr lang="ru-RU"/>
@@ -1020,7 +1026,8 @@
           <a:p>
             <a:fld id="{5CE8E11B-C095-4A16-A3F7-79F83ACC1E4E}" type="datetime1">
               <a:rPr lang="ru-RU" smtClean="0"/>
-              <a:t>08.05.2014</a:t>
+              <a:pPr/>
+              <a:t>11.05.2014</a:t>
             </a:fld>
             <a:endParaRPr lang="ru-RU"/>
           </a:p>
@@ -1062,6 +1069,7 @@
           <a:p>
             <a:fld id="{F9D62829-C74A-48E8-BA30-BE2CEDDA2708}" type="slidenum">
               <a:rPr lang="ru-RU" smtClean="0"/>
+              <a:pPr/>
               <a:t>‹#›</a:t>
             </a:fld>
             <a:endParaRPr lang="ru-RU"/>
@@ -1300,7 +1308,8 @@
           <a:p>
             <a:fld id="{F215F34A-F843-4053-8B10-C2353028FC71}" type="datetime1">
               <a:rPr lang="ru-RU" smtClean="0"/>
-              <a:t>08.05.2014</a:t>
+              <a:pPr/>
+              <a:t>11.05.2014</a:t>
             </a:fld>
             <a:endParaRPr lang="ru-RU"/>
           </a:p>
@@ -1347,6 +1356,7 @@
           <a:p>
             <a:fld id="{F9D62829-C74A-48E8-BA30-BE2CEDDA2708}" type="slidenum">
               <a:rPr lang="ru-RU" smtClean="0"/>
+              <a:pPr/>
               <a:t>‹#›</a:t>
             </a:fld>
             <a:endParaRPr lang="ru-RU"/>
@@ -1479,7 +1489,8 @@
           <a:p>
             <a:fld id="{AA883DE3-4AFD-486A-96FE-D1AEA3679642}" type="datetime1">
               <a:rPr lang="ru-RU" smtClean="0"/>
-              <a:t>08.05.2014</a:t>
+              <a:pPr/>
+              <a:t>11.05.2014</a:t>
             </a:fld>
             <a:endParaRPr lang="ru-RU"/>
           </a:p>
@@ -1521,6 +1532,7 @@
           <a:p>
             <a:fld id="{F9D62829-C74A-48E8-BA30-BE2CEDDA2708}" type="slidenum">
               <a:rPr lang="ru-RU" smtClean="0"/>
+              <a:pPr/>
               <a:t>‹#›</a:t>
             </a:fld>
             <a:endParaRPr lang="ru-RU"/>
@@ -1837,7 +1849,8 @@
           <a:p>
             <a:fld id="{4B103306-F3D7-497F-89C2-D4FA44B7D765}" type="datetime1">
               <a:rPr lang="ru-RU" smtClean="0"/>
-              <a:t>08.05.2014</a:t>
+              <a:pPr/>
+              <a:t>11.05.2014</a:t>
             </a:fld>
             <a:endParaRPr lang="ru-RU"/>
           </a:p>
@@ -1879,6 +1892,7 @@
           <a:p>
             <a:fld id="{F9D62829-C74A-48E8-BA30-BE2CEDDA2708}" type="slidenum">
               <a:rPr lang="ru-RU" smtClean="0"/>
+              <a:pPr/>
               <a:t>‹#›</a:t>
             </a:fld>
             <a:endParaRPr lang="ru-RU"/>
@@ -2124,7 +2138,8 @@
           <a:p>
             <a:fld id="{D0015848-C03C-46EA-9103-C8590DC23437}" type="datetime1">
               <a:rPr lang="ru-RU" smtClean="0"/>
-              <a:t>08.05.2014</a:t>
+              <a:pPr/>
+              <a:t>11.05.2014</a:t>
             </a:fld>
             <a:endParaRPr lang="ru-RU"/>
           </a:p>
@@ -2166,6 +2181,7 @@
           <a:p>
             <a:fld id="{F9D62829-C74A-48E8-BA30-BE2CEDDA2708}" type="slidenum">
               <a:rPr lang="ru-RU" smtClean="0"/>
+              <a:pPr/>
               <a:t>‹#›</a:t>
             </a:fld>
             <a:endParaRPr lang="ru-RU"/>
@@ -2546,7 +2562,8 @@
           <a:p>
             <a:fld id="{A31CBC74-5B64-4A8E-A796-A95BF2DA3177}" type="datetime1">
               <a:rPr lang="ru-RU" smtClean="0"/>
-              <a:t>08.05.2014</a:t>
+              <a:pPr/>
+              <a:t>11.05.2014</a:t>
             </a:fld>
             <a:endParaRPr lang="ru-RU"/>
           </a:p>
@@ -2588,6 +2605,7 @@
           <a:p>
             <a:fld id="{F9D62829-C74A-48E8-BA30-BE2CEDDA2708}" type="slidenum">
               <a:rPr lang="ru-RU" smtClean="0"/>
+              <a:pPr/>
               <a:t>‹#›</a:t>
             </a:fld>
             <a:endParaRPr lang="ru-RU"/>
@@ -2661,7 +2679,8 @@
           <a:p>
             <a:fld id="{B134833C-94C4-4380-8C3E-FDCCA862BA07}" type="datetime1">
               <a:rPr lang="ru-RU" smtClean="0"/>
-              <a:t>08.05.2014</a:t>
+              <a:pPr/>
+              <a:t>11.05.2014</a:t>
             </a:fld>
             <a:endParaRPr lang="ru-RU"/>
           </a:p>
@@ -2703,6 +2722,7 @@
           <a:p>
             <a:fld id="{F9D62829-C74A-48E8-BA30-BE2CEDDA2708}" type="slidenum">
               <a:rPr lang="ru-RU" smtClean="0"/>
+              <a:pPr/>
               <a:t>‹#›</a:t>
             </a:fld>
             <a:endParaRPr lang="ru-RU"/>
@@ -2751,7 +2771,8 @@
           <a:p>
             <a:fld id="{D58EDACC-0373-4819-A4FB-6098255A2B87}" type="datetime1">
               <a:rPr lang="ru-RU" smtClean="0"/>
-              <a:t>08.05.2014</a:t>
+              <a:pPr/>
+              <a:t>11.05.2014</a:t>
             </a:fld>
             <a:endParaRPr lang="ru-RU"/>
           </a:p>
@@ -2793,6 +2814,7 @@
           <a:p>
             <a:fld id="{F9D62829-C74A-48E8-BA30-BE2CEDDA2708}" type="slidenum">
               <a:rPr lang="ru-RU" smtClean="0"/>
+              <a:pPr/>
               <a:t>‹#›</a:t>
             </a:fld>
             <a:endParaRPr lang="ru-RU"/>
@@ -3029,7 +3051,8 @@
           <a:p>
             <a:fld id="{FC087297-2D8B-4F15-81E7-D131F16C91A3}" type="datetime1">
               <a:rPr lang="ru-RU" smtClean="0"/>
-              <a:t>08.05.2014</a:t>
+              <a:pPr/>
+              <a:t>11.05.2014</a:t>
             </a:fld>
             <a:endParaRPr lang="ru-RU"/>
           </a:p>
@@ -3071,6 +3094,7 @@
           <a:p>
             <a:fld id="{F9D62829-C74A-48E8-BA30-BE2CEDDA2708}" type="slidenum">
               <a:rPr lang="ru-RU" smtClean="0"/>
+              <a:pPr/>
               <a:t>‹#›</a:t>
             </a:fld>
             <a:endParaRPr lang="ru-RU"/>
@@ -3395,7 +3419,8 @@
           <a:p>
             <a:fld id="{E6149E41-6746-48B2-8A6F-D68C6EC9C686}" type="datetime1">
               <a:rPr lang="ru-RU" smtClean="0"/>
-              <a:t>08.05.2014</a:t>
+              <a:pPr/>
+              <a:t>11.05.2014</a:t>
             </a:fld>
             <a:endParaRPr lang="ru-RU"/>
           </a:p>
@@ -3551,6 +3576,7 @@
           <a:p>
             <a:fld id="{F9D62829-C74A-48E8-BA30-BE2CEDDA2708}" type="slidenum">
               <a:rPr lang="ru-RU" smtClean="0"/>
+              <a:pPr/>
               <a:t>‹#›</a:t>
             </a:fld>
             <a:endParaRPr lang="ru-RU"/>
@@ -3832,7 +3858,8 @@
           <a:p>
             <a:fld id="{E11633FC-756B-4CF3-A295-C028E58888D3}" type="datetime1">
               <a:rPr lang="ru-RU" smtClean="0"/>
-              <a:t>08.05.2014</a:t>
+              <a:pPr/>
+              <a:t>11.05.2014</a:t>
             </a:fld>
             <a:endParaRPr lang="ru-RU"/>
           </a:p>
@@ -3912,6 +3939,7 @@
           <a:p>
             <a:fld id="{F9D62829-C74A-48E8-BA30-BE2CEDDA2708}" type="slidenum">
               <a:rPr lang="ru-RU" smtClean="0"/>
+              <a:pPr/>
               <a:t>‹#›</a:t>
             </a:fld>
             <a:endParaRPr lang="ru-RU"/>
@@ -4305,11 +4333,7 @@
             </a:r>
             <a:r>
               <a:rPr lang="ru-RU" dirty="0" smtClean="0"/>
-              <a:t> Елена, </a:t>
-            </a:r>
-            <a:r>
-              <a:rPr lang="ru-RU" dirty="0" smtClean="0"/>
-              <a:t>ИУ7-49</a:t>
+              <a:t> Елена, ИУ7-49</a:t>
             </a:r>
             <a:endParaRPr lang="en-US" dirty="0" smtClean="0"/>
           </a:p>
@@ -4330,6 +4354,13 @@
   <p:clrMapOvr>
     <a:masterClrMapping/>
   </p:clrMapOvr>
+  <p:timing>
+    <p:tnLst>
+      <p:par>
+        <p:cTn id="1" dur="indefinite" restart="never" nodeType="tmRoot"/>
+      </p:par>
+    </p:tnLst>
+  </p:timing>
 </p:sld>
 </file>
 
@@ -4374,6 +4405,289 @@
           </a:p>
         </p:txBody>
       </p:sp>
+      <p:sp>
+        <p:nvSpPr>
+          <p:cNvPr id="3" name="Содержимое 2"/>
+          <p:cNvSpPr>
+            <a:spLocks noGrp="1"/>
+          </p:cNvSpPr>
+          <p:nvPr>
+            <p:ph idx="1"/>
+          </p:nvPr>
+        </p:nvSpPr>
+        <p:spPr/>
+        <p:txBody>
+          <a:bodyPr>
+            <a:normAutofit fontScale="92500" lnSpcReduction="10000"/>
+          </a:bodyPr>
+          <a:lstStyle/>
+          <a:p>
+            <a:pPr>
+              <a:lnSpc>
+                <a:spcPct val="150000"/>
+              </a:lnSpc>
+            </a:pPr>
+            <a:r>
+              <a:rPr lang="ru-RU" b="1" dirty="0" smtClean="0">
+                <a:solidFill>
+                  <a:srgbClr val="FF0000"/>
+                </a:solidFill>
+              </a:rPr>
+              <a:t>Индекс точности</a:t>
+            </a:r>
+          </a:p>
+          <a:p>
+            <a:pPr lvl="1"/>
+            <a:r>
+              <a:rPr lang="ru-RU" dirty="0" smtClean="0"/>
+              <a:t>        — площадь вычисленной области объекта</a:t>
+            </a:r>
+          </a:p>
+          <a:p>
+            <a:pPr lvl="1"/>
+            <a:r>
+              <a:rPr lang="ru-RU" dirty="0" smtClean="0"/>
+              <a:t>        — площадь эталонной области объекта</a:t>
+            </a:r>
+          </a:p>
+          <a:p>
+            <a:pPr lvl="1"/>
+            <a:r>
+              <a:rPr lang="en-US" dirty="0" smtClean="0"/>
+              <a:t> </a:t>
+            </a:r>
+            <a:r>
+              <a:rPr lang="ru-RU" dirty="0" smtClean="0"/>
+              <a:t>       —</a:t>
+            </a:r>
+            <a:r>
+              <a:rPr lang="en-US" dirty="0" smtClean="0"/>
+              <a:t> </a:t>
+            </a:r>
+            <a:r>
+              <a:rPr lang="ru-RU" dirty="0" smtClean="0"/>
+              <a:t>площадь пересечения вычисленной и эталонной областей </a:t>
+            </a:r>
+          </a:p>
+          <a:p>
+            <a:pPr lvl="1"/>
+            <a:endParaRPr lang="ru-RU" dirty="0" smtClean="0"/>
+          </a:p>
+          <a:p>
+            <a:r>
+              <a:rPr lang="ru-RU" dirty="0" smtClean="0"/>
+              <a:t>                                                                              — </a:t>
+            </a:r>
+          </a:p>
+          <a:p>
+            <a:pPr>
+              <a:buNone/>
+            </a:pPr>
+            <a:r>
+              <a:rPr lang="ru-RU" dirty="0" smtClean="0"/>
+              <a:t>    число кадров, в которых объект был успешно определен</a:t>
+            </a:r>
+          </a:p>
+          <a:p>
+            <a:pPr lvl="1"/>
+            <a:r>
+              <a:rPr lang="en-US" i="1" dirty="0" smtClean="0"/>
+              <a:t>M</a:t>
+            </a:r>
+            <a:r>
+              <a:rPr lang="en-US" dirty="0" smtClean="0"/>
+              <a:t> – </a:t>
+            </a:r>
+            <a:r>
+              <a:rPr lang="ru-RU" dirty="0" smtClean="0"/>
+              <a:t>длина видеозаписи в кадрах</a:t>
+            </a:r>
+          </a:p>
+          <a:p>
+            <a:pPr lvl="1">
+              <a:buNone/>
+            </a:pPr>
+            <a:endParaRPr lang="ru-RU" dirty="0" smtClean="0"/>
+          </a:p>
+          <a:p>
+            <a:pPr lvl="1"/>
+            <a:endParaRPr lang="ru-RU" dirty="0"/>
+          </a:p>
+        </p:txBody>
+      </p:sp>
+      <p:graphicFrame>
+        <p:nvGraphicFramePr>
+          <p:cNvPr id="5122" name="Object 2"/>
+          <p:cNvGraphicFramePr>
+            <a:graphicFrameLocks noChangeAspect="1"/>
+          </p:cNvGraphicFramePr>
+          <p:nvPr/>
+        </p:nvGraphicFramePr>
+        <p:xfrm>
+          <a:off x="4283968" y="1700808"/>
+          <a:ext cx="2354754" cy="931292"/>
+        </p:xfrm>
+        <a:graphic>
+          <a:graphicData uri="http://schemas.openxmlformats.org/presentationml/2006/ole">
+            <p:oleObj spid="_x0000_s5122" name="Формула" r:id="rId3" imgW="1130040" imgH="444240" progId="Equation.3">
+              <p:embed/>
+            </p:oleObj>
+          </a:graphicData>
+        </a:graphic>
+      </p:graphicFrame>
+      <p:graphicFrame>
+        <p:nvGraphicFramePr>
+          <p:cNvPr id="5123" name="Object 3"/>
+          <p:cNvGraphicFramePr>
+            <a:graphicFrameLocks noChangeAspect="1"/>
+          </p:cNvGraphicFramePr>
+          <p:nvPr/>
+        </p:nvGraphicFramePr>
+        <p:xfrm>
+          <a:off x="1259632" y="3429000"/>
+          <a:ext cx="376932" cy="457703"/>
+        </p:xfrm>
+        <a:graphic>
+          <a:graphicData uri="http://schemas.openxmlformats.org/presentationml/2006/ole">
+            <p:oleObj spid="_x0000_s5123" name="Формула" r:id="rId4" imgW="177480" imgH="215640" progId="Equation.3">
+              <p:embed/>
+            </p:oleObj>
+          </a:graphicData>
+        </a:graphic>
+      </p:graphicFrame>
+      <p:graphicFrame>
+        <p:nvGraphicFramePr>
+          <p:cNvPr id="5125" name="Object 5"/>
+          <p:cNvGraphicFramePr>
+            <a:graphicFrameLocks noChangeAspect="1"/>
+          </p:cNvGraphicFramePr>
+          <p:nvPr/>
+        </p:nvGraphicFramePr>
+        <p:xfrm>
+          <a:off x="1259632" y="2492896"/>
+          <a:ext cx="349250" cy="484188"/>
+        </p:xfrm>
+        <a:graphic>
+          <a:graphicData uri="http://schemas.openxmlformats.org/presentationml/2006/ole">
+            <p:oleObj spid="_x0000_s5125" name="Формула" r:id="rId5" imgW="164880" imgH="228600" progId="Equation.3">
+              <p:embed/>
+            </p:oleObj>
+          </a:graphicData>
+        </a:graphic>
+      </p:graphicFrame>
+      <p:graphicFrame>
+        <p:nvGraphicFramePr>
+          <p:cNvPr id="5126" name="Object 6"/>
+          <p:cNvGraphicFramePr>
+            <a:graphicFrameLocks noChangeAspect="1"/>
+          </p:cNvGraphicFramePr>
+          <p:nvPr/>
+        </p:nvGraphicFramePr>
+        <p:xfrm>
+          <a:off x="1259632" y="2996952"/>
+          <a:ext cx="538162" cy="511175"/>
+        </p:xfrm>
+        <a:graphic>
+          <a:graphicData uri="http://schemas.openxmlformats.org/presentationml/2006/ole">
+            <p:oleObj spid="_x0000_s5126" name="Формула" r:id="rId6" imgW="253800" imgH="241200" progId="Equation.3">
+              <p:embed/>
+            </p:oleObj>
+          </a:graphicData>
+        </a:graphic>
+      </p:graphicFrame>
+      <p:graphicFrame>
+        <p:nvGraphicFramePr>
+          <p:cNvPr id="5140" name="Object 20"/>
+          <p:cNvGraphicFramePr>
+            <a:graphicFrameLocks noChangeAspect="1"/>
+          </p:cNvGraphicFramePr>
+          <p:nvPr/>
+        </p:nvGraphicFramePr>
+        <p:xfrm>
+          <a:off x="971600" y="4509120"/>
+          <a:ext cx="5897562" cy="614362"/>
+        </p:xfrm>
+        <a:graphic>
+          <a:graphicData uri="http://schemas.openxmlformats.org/presentationml/2006/ole">
+            <p:oleObj spid="_x0000_s5140" name="Формула" r:id="rId7" imgW="2158920" imgH="266400" progId="Equation.3">
+              <p:embed/>
+            </p:oleObj>
+          </a:graphicData>
+        </a:graphic>
+      </p:graphicFrame>
+      <p:sp>
+        <p:nvSpPr>
+          <p:cNvPr id="24" name="Номер слайда 23"/>
+          <p:cNvSpPr>
+            <a:spLocks noGrp="1"/>
+          </p:cNvSpPr>
+          <p:nvPr>
+            <p:ph type="sldNum" sz="quarter" idx="12"/>
+          </p:nvPr>
+        </p:nvSpPr>
+        <p:spPr/>
+        <p:txBody>
+          <a:bodyPr/>
+          <a:lstStyle/>
+          <a:p>
+            <a:fld id="{F9D62829-C74A-48E8-BA30-BE2CEDDA2708}" type="slidenum">
+              <a:rPr lang="ru-RU" sz="3200" smtClean="0"/>
+              <a:pPr/>
+              <a:t>10</a:t>
+            </a:fld>
+            <a:endParaRPr lang="ru-RU" sz="3200" dirty="0"/>
+          </a:p>
+        </p:txBody>
+      </p:sp>
+    </p:spTree>
+  </p:cSld>
+  <p:clrMapOvr>
+    <a:masterClrMapping/>
+  </p:clrMapOvr>
+</p:sld>
+</file>
+
+<file path=ppt/slides/slide11.xml><?xml version="1.0" encoding="utf-8"?>
+<p:sld xmlns:a="http://schemas.openxmlformats.org/drawingml/2006/main" xmlns:r="http://schemas.openxmlformats.org/officeDocument/2006/relationships" xmlns:p="http://schemas.openxmlformats.org/presentationml/2006/main">
+  <p:cSld>
+    <p:spTree>
+      <p:nvGrpSpPr>
+        <p:cNvPr id="1" name=""/>
+        <p:cNvGrpSpPr/>
+        <p:nvPr/>
+      </p:nvGrpSpPr>
+      <p:grpSpPr>
+        <a:xfrm>
+          <a:off x="0" y="0"/>
+          <a:ext cx="0" cy="0"/>
+          <a:chOff x="0" y="0"/>
+          <a:chExt cx="0" cy="0"/>
+        </a:xfrm>
+      </p:grpSpPr>
+      <p:sp>
+        <p:nvSpPr>
+          <p:cNvPr id="2" name="Заголовок 1"/>
+          <p:cNvSpPr>
+            <a:spLocks noGrp="1"/>
+          </p:cNvSpPr>
+          <p:nvPr>
+            <p:ph type="title"/>
+          </p:nvPr>
+        </p:nvSpPr>
+        <p:spPr/>
+        <p:txBody>
+          <a:bodyPr/>
+          <a:lstStyle/>
+          <a:p>
+            <a:pPr algn="ctr"/>
+            <a:r>
+              <a:rPr lang="ru-RU" dirty="0" smtClean="0"/>
+              <a:t>Анализ результатов</a:t>
+            </a:r>
+            <a:endParaRPr lang="ru-RU" dirty="0"/>
+          </a:p>
+        </p:txBody>
+      </p:sp>
       <p:pic>
         <p:nvPicPr>
           <p:cNvPr id="4" name="Содержимое 3" descr="quality.jpg"/>
@@ -4461,7 +4775,8 @@
           <a:p>
             <a:fld id="{F9D62829-C74A-48E8-BA30-BE2CEDDA2708}" type="slidenum">
               <a:rPr lang="ru-RU" sz="3200" smtClean="0"/>
-              <a:t>10</a:t>
+              <a:pPr/>
+              <a:t>11</a:t>
             </a:fld>
             <a:endParaRPr lang="ru-RU" sz="3200" dirty="0"/>
           </a:p>
@@ -4475,7 +4790,7 @@
 </p:sld>
 </file>
 
-<file path=ppt/slides/slide11.xml><?xml version="1.0" encoding="utf-8"?>
+<file path=ppt/slides/slide12.xml><?xml version="1.0" encoding="utf-8"?>
 <p:sld xmlns:a="http://schemas.openxmlformats.org/drawingml/2006/main" xmlns:r="http://schemas.openxmlformats.org/officeDocument/2006/relationships" xmlns:p="http://schemas.openxmlformats.org/presentationml/2006/main">
   <p:cSld>
     <p:spTree>
@@ -4953,7 +5268,8 @@
           <a:p>
             <a:fld id="{F9D62829-C74A-48E8-BA30-BE2CEDDA2708}" type="slidenum">
               <a:rPr lang="ru-RU" sz="3200" smtClean="0"/>
-              <a:t>11</a:t>
+              <a:pPr/>
+              <a:t>12</a:t>
             </a:fld>
             <a:endParaRPr lang="ru-RU" sz="3200" dirty="0"/>
           </a:p>
@@ -4967,7 +5283,7 @@
 </p:sld>
 </file>
 
-<file path=ppt/slides/slide12.xml><?xml version="1.0" encoding="utf-8"?>
+<file path=ppt/slides/slide13.xml><?xml version="1.0" encoding="utf-8"?>
 <p:sld xmlns:a="http://schemas.openxmlformats.org/drawingml/2006/main" xmlns:r="http://schemas.openxmlformats.org/officeDocument/2006/relationships" xmlns:p="http://schemas.openxmlformats.org/presentationml/2006/main">
   <p:cSld>
     <p:spTree>
@@ -5041,11 +5357,7 @@
             <a:pPr lvl="1"/>
             <a:r>
               <a:rPr lang="ru-RU" dirty="0" smtClean="0"/>
-              <a:t>у</a:t>
-            </a:r>
-            <a:r>
-              <a:rPr lang="ru-RU" dirty="0" smtClean="0"/>
-              <a:t>меньшает среднее время восстановления после потери объекта</a:t>
+              <a:t>уменьшает среднее время восстановления после потери объекта</a:t>
             </a:r>
           </a:p>
           <a:p>
@@ -5058,22 +5370,14 @@
             <a:pPr lvl="1"/>
             <a:r>
               <a:rPr lang="ru-RU" dirty="0" smtClean="0"/>
-              <a:t>с</a:t>
-            </a:r>
+              <a:t>слабая модель представления объекта с помощью цветовой гистограммы</a:t>
+            </a:r>
+          </a:p>
+          <a:p>
+            <a:pPr lvl="1"/>
             <a:r>
               <a:rPr lang="ru-RU" dirty="0" smtClean="0"/>
-              <a:t>лабая модель представления объекта с помощью цветовой гистограммы</a:t>
-            </a:r>
-          </a:p>
-          <a:p>
-            <a:pPr lvl="1"/>
-            <a:r>
-              <a:rPr lang="ru-RU" dirty="0" smtClean="0"/>
-              <a:t>о</a:t>
-            </a:r>
-            <a:r>
-              <a:rPr lang="ru-RU" dirty="0" smtClean="0"/>
-              <a:t>тсутствие возможности отслеживать несколько похожих объектов</a:t>
+              <a:t>отсутствие возможности отслеживать несколько похожих объектов</a:t>
             </a:r>
           </a:p>
           <a:p>
@@ -5086,11 +5390,7 @@
             <a:pPr lvl="1"/>
             <a:r>
               <a:rPr lang="ru-RU" dirty="0" smtClean="0"/>
-              <a:t>в</a:t>
-            </a:r>
-            <a:r>
-              <a:rPr lang="ru-RU" dirty="0" smtClean="0"/>
-              <a:t>ыбор альтернативного  способа представления объекта (контуры, признаки Хаара, локальные бинарные шаблоны и т.п.) </a:t>
+              <a:t>выбор альтернативного  способа представления объекта (контуры, признаки Хаара, локальные бинарные шаблоны и т.п.) </a:t>
             </a:r>
           </a:p>
           <a:p>
@@ -5119,7 +5419,8 @@
           <a:p>
             <a:fld id="{F9D62829-C74A-48E8-BA30-BE2CEDDA2708}" type="slidenum">
               <a:rPr lang="ru-RU" sz="3200" smtClean="0"/>
-              <a:t>12</a:t>
+              <a:pPr/>
+              <a:t>13</a:t>
             </a:fld>
             <a:endParaRPr lang="ru-RU" sz="3200" dirty="0"/>
           </a:p>
@@ -5187,37 +5488,109 @@
         <p:spPr/>
         <p:txBody>
           <a:bodyPr>
-            <a:normAutofit fontScale="92500" lnSpcReduction="10000"/>
+            <a:normAutofit fontScale="85000" lnSpcReduction="10000"/>
           </a:bodyPr>
           <a:lstStyle/>
           <a:p>
             <a:r>
+              <a:rPr lang="ru-RU" dirty="0" smtClean="0">
+                <a:solidFill>
+                  <a:srgbClr val="FF0000"/>
+                </a:solidFill>
+              </a:rPr>
+              <a:t>Цель</a:t>
+            </a:r>
+            <a:r>
               <a:rPr lang="ru-RU" dirty="0" smtClean="0"/>
-              <a:t>Цель: разработать вероятностный метод отслеживания объектов в </a:t>
-            </a:r>
-            <a:r>
-              <a:rPr lang="ru-RU" dirty="0" err="1" smtClean="0"/>
+              <a:t>: </a:t>
+            </a:r>
+            <a:r>
+              <a:rPr lang="ru-RU" dirty="0" smtClean="0"/>
+              <a:t>разработать метод вероятностного отслеживания </a:t>
+            </a:r>
+            <a:r>
+              <a:rPr lang="ru-RU" dirty="0" smtClean="0"/>
+              <a:t>объектов в </a:t>
+            </a:r>
+            <a:r>
+              <a:rPr lang="ru-RU" dirty="0" smtClean="0"/>
               <a:t>видеопотоке</a:t>
             </a:r>
+            <a:endParaRPr lang="ru-RU" dirty="0" smtClean="0"/>
+          </a:p>
+          <a:p>
+            <a:endParaRPr lang="ru-RU" dirty="0" smtClean="0"/>
+          </a:p>
+          <a:p>
+            <a:r>
+              <a:rPr lang="ru-RU" dirty="0" smtClean="0">
+                <a:solidFill>
+                  <a:srgbClr val="FF0000"/>
+                </a:solidFill>
+              </a:rPr>
+              <a:t>Задачи</a:t>
+            </a:r>
             <a:r>
               <a:rPr lang="ru-RU" dirty="0" smtClean="0"/>
-              <a:t> на основе фильтра частиц</a:t>
-            </a:r>
-          </a:p>
-          <a:p>
+              <a:t>:</a:t>
+            </a:r>
+          </a:p>
+          <a:p>
+            <a:pPr lvl="1"/>
+            <a:r>
+              <a:rPr lang="ru-RU" dirty="0" smtClean="0"/>
+              <a:t>проанализировать существующие </a:t>
+            </a:r>
+            <a:r>
+              <a:rPr lang="ru-RU" dirty="0" smtClean="0"/>
+              <a:t>методы, </a:t>
+            </a:r>
+            <a:r>
+              <a:rPr lang="ru-RU" dirty="0" smtClean="0"/>
+              <a:t>выявить их  достоинства и </a:t>
+            </a:r>
+            <a:r>
+              <a:rPr lang="ru-RU" dirty="0" smtClean="0"/>
+              <a:t>недостатки</a:t>
+            </a:r>
+            <a:r>
+              <a:rPr lang="ru-RU" dirty="0" smtClean="0"/>
+              <a:t>;</a:t>
+            </a:r>
+          </a:p>
+          <a:p>
+            <a:pPr lvl="1"/>
+            <a:r>
+              <a:rPr lang="ru-RU" dirty="0" smtClean="0"/>
+              <a:t>р</a:t>
+            </a:r>
+            <a:r>
+              <a:rPr lang="ru-RU" dirty="0" smtClean="0"/>
+              <a:t>азработать математический аппарат для предлагаемого метода;</a:t>
+            </a:r>
             <a:endParaRPr lang="ru-RU" dirty="0" smtClean="0"/>
           </a:p>
           <a:p>
+            <a:pPr lvl="1"/>
             <a:r>
               <a:rPr lang="ru-RU" dirty="0" smtClean="0"/>
-              <a:t>Задачи:</a:t>
-            </a:r>
+              <a:t>р</a:t>
+            </a:r>
+            <a:r>
+              <a:rPr lang="ru-RU" dirty="0" smtClean="0"/>
+              <a:t>азработать алгоритм отслеживания на основе предлагаемого метода;</a:t>
+            </a:r>
+            <a:endParaRPr lang="ru-RU" dirty="0" smtClean="0"/>
           </a:p>
           <a:p>
             <a:pPr lvl="1"/>
             <a:r>
               <a:rPr lang="ru-RU" dirty="0" smtClean="0"/>
-              <a:t>проанализировать существующие методы, выявить их  достоинства и недостатки;</a:t>
+              <a:t>р</a:t>
+            </a:r>
+            <a:r>
+              <a:rPr lang="ru-RU" dirty="0" smtClean="0"/>
+              <a:t>азработать ПО, реализующее предлагаемый метод;</a:t>
             </a:r>
           </a:p>
           <a:p>
@@ -5228,19 +5601,13 @@
             </a:r>
             <a:r>
               <a:rPr lang="ru-RU" dirty="0" smtClean="0"/>
-              <a:t>редложить возможное решение для повышения точности отслеживания и реализовать его;</a:t>
-            </a:r>
-          </a:p>
-          <a:p>
-            <a:pPr lvl="1"/>
+              <a:t>ровести исследование </a:t>
+            </a:r>
             <a:r>
               <a:rPr lang="ru-RU" dirty="0" smtClean="0"/>
-              <a:t>п</a:t>
-            </a:r>
-            <a:r>
-              <a:rPr lang="ru-RU" dirty="0" smtClean="0"/>
-              <a:t>ровести анализ полученных результатов.  </a:t>
-            </a:r>
+              <a:t>полученных результатов</a:t>
+            </a:r>
+            <a:endParaRPr lang="ru-RU" dirty="0" smtClean="0"/>
           </a:p>
           <a:p>
             <a:pPr lvl="1"/>
@@ -5265,6 +5632,7 @@
           <a:p>
             <a:fld id="{F9D62829-C74A-48E8-BA30-BE2CEDDA2708}" type="slidenum">
               <a:rPr lang="ru-RU" sz="3200" smtClean="0"/>
+              <a:pPr/>
               <a:t>2</a:t>
             </a:fld>
             <a:endParaRPr lang="ru-RU" sz="3200" dirty="0"/>
@@ -5276,6 +5644,13 @@
   <p:clrMapOvr>
     <a:masterClrMapping/>
   </p:clrMapOvr>
+  <p:timing>
+    <p:tnLst>
+      <p:par>
+        <p:cTn id="1" dur="indefinite" restart="never" nodeType="tmRoot"/>
+      </p:par>
+    </p:tnLst>
+  </p:timing>
 </p:sld>
 </file>
 
@@ -5308,123 +5683,78 @@
         </p:nvSpPr>
         <p:spPr/>
         <p:txBody>
+          <a:bodyPr>
+            <a:normAutofit fontScale="90000"/>
+          </a:bodyPr>
+          <a:lstStyle/>
+          <a:p>
+            <a:r>
+              <a:rPr lang="ru-RU" dirty="0" smtClean="0"/>
+              <a:t>Подходы к отслеживанию. Классификация</a:t>
+            </a:r>
+            <a:endParaRPr lang="ru-RU" dirty="0"/>
+          </a:p>
+        </p:txBody>
+      </p:sp>
+      <p:sp>
+        <p:nvSpPr>
+          <p:cNvPr id="4" name="Номер слайда 3"/>
+          <p:cNvSpPr>
+            <a:spLocks noGrp="1"/>
+          </p:cNvSpPr>
+          <p:nvPr>
+            <p:ph type="sldNum" sz="quarter" idx="12"/>
+          </p:nvPr>
+        </p:nvSpPr>
+        <p:spPr/>
+        <p:txBody>
           <a:bodyPr/>
           <a:lstStyle/>
           <a:p>
-            <a:pPr algn="ctr"/>
-            <a:r>
-              <a:rPr lang="ru-RU" dirty="0" smtClean="0"/>
-              <a:t>Проблемы отслеживания</a:t>
-            </a:r>
-            <a:endParaRPr lang="ru-RU" dirty="0"/>
-          </a:p>
-        </p:txBody>
-      </p:sp>
-      <p:sp>
-        <p:nvSpPr>
-          <p:cNvPr id="3" name="Содержимое 2"/>
-          <p:cNvSpPr>
-            <a:spLocks noGrp="1"/>
-          </p:cNvSpPr>
-          <p:nvPr>
-            <p:ph idx="1"/>
-          </p:nvPr>
-        </p:nvSpPr>
-        <p:spPr/>
-        <p:txBody>
-          <a:bodyPr/>
-          <a:lstStyle/>
-          <a:p>
-            <a:r>
-              <a:rPr lang="ru-RU" dirty="0" smtClean="0"/>
-              <a:t>м</a:t>
-            </a:r>
-            <a:r>
-              <a:rPr lang="ru-RU" dirty="0" smtClean="0"/>
-              <a:t>еняющийся фон</a:t>
-            </a:r>
-          </a:p>
-          <a:p>
-            <a:r>
-              <a:rPr lang="ru-RU" dirty="0" smtClean="0"/>
-              <a:t>и</a:t>
-            </a:r>
-            <a:r>
-              <a:rPr lang="ru-RU" dirty="0" smtClean="0"/>
-              <a:t>зменение освещения</a:t>
-            </a:r>
-          </a:p>
-          <a:p>
-            <a:r>
-              <a:rPr lang="ru-RU" dirty="0" smtClean="0"/>
-              <a:t>и</a:t>
-            </a:r>
-            <a:r>
-              <a:rPr lang="ru-RU" dirty="0" smtClean="0"/>
-              <a:t>зменение внешнего облика объекта</a:t>
-            </a:r>
-          </a:p>
-          <a:p>
-            <a:r>
-              <a:rPr lang="ru-RU" dirty="0" smtClean="0"/>
-              <a:t>р</a:t>
-            </a:r>
-            <a:r>
-              <a:rPr lang="ru-RU" dirty="0" smtClean="0"/>
-              <a:t>езкие изменения скорости и направления движения</a:t>
-            </a:r>
-          </a:p>
-          <a:p>
-            <a:r>
-              <a:rPr lang="ru-RU" dirty="0" smtClean="0"/>
-              <a:t>и</a:t>
-            </a:r>
-            <a:r>
-              <a:rPr lang="ru-RU" dirty="0" smtClean="0"/>
-              <a:t>зменение масштаба объекта</a:t>
-            </a:r>
-          </a:p>
-          <a:p>
-            <a:r>
-              <a:rPr lang="ru-RU" dirty="0" smtClean="0"/>
-              <a:t>ч</a:t>
-            </a:r>
-            <a:r>
-              <a:rPr lang="ru-RU" dirty="0" smtClean="0"/>
-              <a:t>астичные и полные перекрытия объекта</a:t>
-            </a:r>
-            <a:endParaRPr lang="ru-RU" dirty="0"/>
-          </a:p>
-        </p:txBody>
-      </p:sp>
-      <p:sp>
-        <p:nvSpPr>
-          <p:cNvPr id="4" name="Номер слайда 3"/>
-          <p:cNvSpPr>
-            <a:spLocks noGrp="1"/>
-          </p:cNvSpPr>
-          <p:nvPr>
-            <p:ph type="sldNum" sz="quarter" idx="12"/>
-          </p:nvPr>
-        </p:nvSpPr>
-        <p:spPr/>
-        <p:txBody>
-          <a:bodyPr/>
-          <a:lstStyle/>
-          <a:p>
             <a:fld id="{F9D62829-C74A-48E8-BA30-BE2CEDDA2708}" type="slidenum">
-              <a:rPr lang="ru-RU" sz="3200" smtClean="0"/>
+              <a:rPr lang="ru-RU" smtClean="0"/>
+              <a:pPr/>
               <a:t>3</a:t>
             </a:fld>
-            <a:endParaRPr lang="ru-RU" sz="3200" dirty="0"/>
-          </a:p>
-        </p:txBody>
-      </p:sp>
+            <a:endParaRPr lang="ru-RU"/>
+          </a:p>
+        </p:txBody>
+      </p:sp>
+      <p:pic>
+        <p:nvPicPr>
+          <p:cNvPr id="9" name="Содержимое 8" descr="classification.png"/>
+          <p:cNvPicPr>
+            <a:picLocks noGrp="1" noChangeAspect="1"/>
+          </p:cNvPicPr>
+          <p:nvPr>
+            <p:ph idx="1"/>
+          </p:nvPr>
+        </p:nvPicPr>
+        <p:blipFill>
+          <a:blip r:embed="rId2" cstate="print"/>
+          <a:stretch>
+            <a:fillRect/>
+          </a:stretch>
+        </p:blipFill>
+        <p:spPr>
+          <a:xfrm>
+            <a:off x="2309688" y="1774825"/>
+            <a:ext cx="4524623" cy="4625975"/>
+          </a:xfrm>
+        </p:spPr>
+      </p:pic>
     </p:spTree>
   </p:cSld>
   <p:clrMapOvr>
     <a:masterClrMapping/>
   </p:clrMapOvr>
+  <p:timing>
+    <p:tnLst>
+      <p:par>
+        <p:cTn id="1" dur="indefinite" restart="never" nodeType="tmRoot"/>
+      </p:par>
+    </p:tnLst>
+  </p:timing>
 </p:sld>
 </file>
 
@@ -5463,7 +5793,7 @@
             <a:pPr algn="ctr"/>
             <a:r>
               <a:rPr lang="ru-RU" dirty="0" smtClean="0"/>
-              <a:t>Ограничения</a:t>
+              <a:t>Проблемы отслеживания</a:t>
             </a:r>
             <a:endParaRPr lang="ru-RU" dirty="0"/>
           </a:p>
@@ -5486,29 +5816,45 @@
           <a:p>
             <a:r>
               <a:rPr lang="ru-RU" dirty="0" smtClean="0"/>
-              <a:t>Заранее известна цветовая гистограмма объекта.</a:t>
+              <a:t>меняющийся фон</a:t>
             </a:r>
           </a:p>
           <a:p>
             <a:r>
               <a:rPr lang="ru-RU" dirty="0" smtClean="0"/>
-              <a:t>Цветовая гистограмма объекта должна отличаться от гистограммы фона.</a:t>
+              <a:t>изменение освещения</a:t>
             </a:r>
           </a:p>
           <a:p>
             <a:r>
               <a:rPr lang="ru-RU" dirty="0" smtClean="0"/>
-              <a:t>В сцене не должно быть элементов с похожей цветовой гистограммой.</a:t>
-            </a:r>
-          </a:p>
-          <a:p>
+              <a:t>изменение внешнего облика объекта</a:t>
+            </a:r>
+          </a:p>
+          <a:p>
+            <a:r>
+              <a:rPr lang="ru-RU" dirty="0" smtClean="0"/>
+              <a:t>резкие изменения скорости и направления движения</a:t>
+            </a:r>
+          </a:p>
+          <a:p>
+            <a:r>
+              <a:rPr lang="ru-RU" dirty="0" smtClean="0"/>
+              <a:t>изменение масштаба объекта</a:t>
+            </a:r>
+          </a:p>
+          <a:p>
+            <a:r>
+              <a:rPr lang="ru-RU" dirty="0" smtClean="0"/>
+              <a:t>частичные и полные перекрытия объекта</a:t>
+            </a:r>
             <a:endParaRPr lang="ru-RU" dirty="0"/>
           </a:p>
         </p:txBody>
       </p:sp>
       <p:sp>
         <p:nvSpPr>
-          <p:cNvPr id="5" name="Номер слайда 4"/>
+          <p:cNvPr id="4" name="Номер слайда 3"/>
           <p:cNvSpPr>
             <a:spLocks noGrp="1"/>
           </p:cNvSpPr>
@@ -5523,6 +5869,7 @@
           <a:p>
             <a:fld id="{F9D62829-C74A-48E8-BA30-BE2CEDDA2708}" type="slidenum">
               <a:rPr lang="ru-RU" sz="3200" smtClean="0"/>
+              <a:pPr/>
               <a:t>4</a:t>
             </a:fld>
             <a:endParaRPr lang="ru-RU" sz="3200" dirty="0"/>
@@ -5534,10 +5881,134 @@
   <p:clrMapOvr>
     <a:masterClrMapping/>
   </p:clrMapOvr>
+  <p:timing>
+    <p:tnLst>
+      <p:par>
+        <p:cTn id="1" dur="indefinite" restart="never" nodeType="tmRoot"/>
+      </p:par>
+    </p:tnLst>
+  </p:timing>
 </p:sld>
 </file>
 
 <file path=ppt/slides/slide5.xml><?xml version="1.0" encoding="utf-8"?>
+<p:sld xmlns:a="http://schemas.openxmlformats.org/drawingml/2006/main" xmlns:r="http://schemas.openxmlformats.org/officeDocument/2006/relationships" xmlns:p="http://schemas.openxmlformats.org/presentationml/2006/main">
+  <p:cSld>
+    <p:spTree>
+      <p:nvGrpSpPr>
+        <p:cNvPr id="1" name=""/>
+        <p:cNvGrpSpPr/>
+        <p:nvPr/>
+      </p:nvGrpSpPr>
+      <p:grpSpPr>
+        <a:xfrm>
+          <a:off x="0" y="0"/>
+          <a:ext cx="0" cy="0"/>
+          <a:chOff x="0" y="0"/>
+          <a:chExt cx="0" cy="0"/>
+        </a:xfrm>
+      </p:grpSpPr>
+      <p:sp>
+        <p:nvSpPr>
+          <p:cNvPr id="2" name="Заголовок 1"/>
+          <p:cNvSpPr>
+            <a:spLocks noGrp="1"/>
+          </p:cNvSpPr>
+          <p:nvPr>
+            <p:ph type="title"/>
+          </p:nvPr>
+        </p:nvSpPr>
+        <p:spPr/>
+        <p:txBody>
+          <a:bodyPr/>
+          <a:lstStyle/>
+          <a:p>
+            <a:pPr algn="ctr"/>
+            <a:r>
+              <a:rPr lang="ru-RU" dirty="0" smtClean="0"/>
+              <a:t>Ограничения</a:t>
+            </a:r>
+            <a:endParaRPr lang="ru-RU" dirty="0"/>
+          </a:p>
+        </p:txBody>
+      </p:sp>
+      <p:sp>
+        <p:nvSpPr>
+          <p:cNvPr id="3" name="Содержимое 2"/>
+          <p:cNvSpPr>
+            <a:spLocks noGrp="1"/>
+          </p:cNvSpPr>
+          <p:nvPr>
+            <p:ph idx="1"/>
+          </p:nvPr>
+        </p:nvSpPr>
+        <p:spPr/>
+        <p:txBody>
+          <a:bodyPr/>
+          <a:lstStyle/>
+          <a:p>
+            <a:r>
+              <a:rPr lang="ru-RU" dirty="0" smtClean="0"/>
+              <a:t>Заранее известна цветовая гистограмма объекта.</a:t>
+            </a:r>
+          </a:p>
+          <a:p>
+            <a:r>
+              <a:rPr lang="ru-RU" dirty="0" smtClean="0"/>
+              <a:t>Цветовая гистограмма объекта должна отличаться от гистограммы фона.</a:t>
+            </a:r>
+          </a:p>
+          <a:p>
+            <a:r>
+              <a:rPr lang="ru-RU" dirty="0" smtClean="0"/>
+              <a:t>В сцене не должно быть элементов с похожей цветовой гистограммой.</a:t>
+            </a:r>
+          </a:p>
+          <a:p>
+            <a:endParaRPr lang="ru-RU" dirty="0"/>
+          </a:p>
+        </p:txBody>
+      </p:sp>
+      <p:sp>
+        <p:nvSpPr>
+          <p:cNvPr id="5" name="Номер слайда 4"/>
+          <p:cNvSpPr>
+            <a:spLocks noGrp="1"/>
+          </p:cNvSpPr>
+          <p:nvPr>
+            <p:ph type="sldNum" sz="quarter" idx="12"/>
+          </p:nvPr>
+        </p:nvSpPr>
+        <p:spPr/>
+        <p:txBody>
+          <a:bodyPr/>
+          <a:lstStyle/>
+          <a:p>
+            <a:fld id="{F9D62829-C74A-48E8-BA30-BE2CEDDA2708}" type="slidenum">
+              <a:rPr lang="ru-RU" sz="3200" smtClean="0"/>
+              <a:pPr/>
+              <a:t>5</a:t>
+            </a:fld>
+            <a:endParaRPr lang="ru-RU" sz="3200" dirty="0"/>
+          </a:p>
+        </p:txBody>
+      </p:sp>
+    </p:spTree>
+  </p:cSld>
+  <p:clrMapOvr>
+    <a:masterClrMapping/>
+  </p:clrMapOvr>
+  <p:timing>
+    <p:tnLst>
+      <p:par>
+        <p:cTn id="1" dur="indefinite" restart="never" nodeType="tmRoot"/>
+      </p:par>
+    </p:tnLst>
+  </p:timing>
+</p:sld>
+</file>
+
+<file path=ppt/slides/slide6.xml><?xml version="1.0" encoding="utf-8"?>
 <p:sld xmlns:a="http://schemas.openxmlformats.org/drawingml/2006/main" xmlns:r="http://schemas.openxmlformats.org/officeDocument/2006/relationships" xmlns:p="http://schemas.openxmlformats.org/presentationml/2006/main">
   <p:cSld>
     <p:spTree>
@@ -5947,7 +6418,8 @@
           <a:p>
             <a:fld id="{F9D62829-C74A-48E8-BA30-BE2CEDDA2708}" type="slidenum">
               <a:rPr lang="ru-RU" sz="3600" smtClean="0"/>
-              <a:t>5</a:t>
+              <a:pPr/>
+              <a:t>6</a:t>
             </a:fld>
             <a:endParaRPr lang="ru-RU" sz="3600" dirty="0"/>
           </a:p>
@@ -5961,7 +6433,7 @@
 </p:sld>
 </file>
 
-<file path=ppt/slides/slide6.xml><?xml version="1.0" encoding="utf-8"?>
+<file path=ppt/slides/slide7.xml><?xml version="1.0" encoding="utf-8"?>
 <p:sld xmlns:a="http://schemas.openxmlformats.org/drawingml/2006/main" xmlns:r="http://schemas.openxmlformats.org/officeDocument/2006/relationships" xmlns:p="http://schemas.openxmlformats.org/presentationml/2006/main">
   <p:cSld>
     <p:spTree>
@@ -6056,11 +6528,7 @@
             </a:pPr>
             <a:r>
               <a:rPr lang="ru-RU" dirty="0" smtClean="0"/>
-              <a:t>	</a:t>
-            </a:r>
-            <a:r>
-              <a:rPr lang="ru-RU" dirty="0" smtClean="0"/>
-              <a:t>			              — уравнение движения</a:t>
+              <a:t>				              — уравнение движения</a:t>
             </a:r>
           </a:p>
           <a:p>
@@ -6192,7 +6660,8 @@
           <a:p>
             <a:fld id="{F9D62829-C74A-48E8-BA30-BE2CEDDA2708}" type="slidenum">
               <a:rPr lang="ru-RU" sz="3200" smtClean="0"/>
-              <a:t>6</a:t>
+              <a:pPr/>
+              <a:t>7</a:t>
             </a:fld>
             <a:endParaRPr lang="ru-RU" sz="3200" dirty="0"/>
           </a:p>
@@ -6213,7 +6682,7 @@
 </p:sld>
 </file>
 
-<file path=ppt/slides/slide7.xml><?xml version="1.0" encoding="utf-8"?>
+<file path=ppt/slides/slide8.xml><?xml version="1.0" encoding="utf-8"?>
 <p:sld xmlns:a="http://schemas.openxmlformats.org/drawingml/2006/main" xmlns:r="http://schemas.openxmlformats.org/officeDocument/2006/relationships" xmlns:p="http://schemas.openxmlformats.org/presentationml/2006/main">
   <p:cSld>
     <p:spTree>
@@ -6595,7 +7064,8 @@
           <a:p>
             <a:fld id="{F9D62829-C74A-48E8-BA30-BE2CEDDA2708}" type="slidenum">
               <a:rPr lang="ru-RU" sz="3200" smtClean="0"/>
-              <a:t>7</a:t>
+              <a:pPr/>
+              <a:t>8</a:t>
             </a:fld>
             <a:endParaRPr lang="ru-RU" sz="3200" dirty="0"/>
           </a:p>
@@ -6616,7 +7086,7 @@
 </p:sld>
 </file>
 
-<file path=ppt/slides/slide8.xml><?xml version="1.0" encoding="utf-8"?>
+<file path=ppt/slides/slide9.xml><?xml version="1.0" encoding="utf-8"?>
 <p:sld xmlns:a="http://schemas.openxmlformats.org/drawingml/2006/main" xmlns:r="http://schemas.openxmlformats.org/officeDocument/2006/relationships" xmlns:p="http://schemas.openxmlformats.org/presentationml/2006/main">
   <p:cSld>
     <p:spTree>
@@ -6676,11 +7146,7 @@
           <a:p>
             <a:r>
               <a:rPr lang="ru-RU" dirty="0" smtClean="0"/>
-              <a:t>Стандартные отклонения </a:t>
-            </a:r>
-            <a:r>
-              <a:rPr lang="ru-RU" dirty="0" smtClean="0"/>
-              <a:t>для</a:t>
+              <a:t>Стандартные отклонения для</a:t>
             </a:r>
           </a:p>
           <a:p>
@@ -7212,300 +7678,7 @@
           <a:p>
             <a:fld id="{F9D62829-C74A-48E8-BA30-BE2CEDDA2708}" type="slidenum">
               <a:rPr lang="ru-RU" sz="3200" smtClean="0"/>
-              <a:t>8</a:t>
-            </a:fld>
-            <a:endParaRPr lang="ru-RU" sz="3200" dirty="0"/>
-          </a:p>
-        </p:txBody>
-      </p:sp>
-    </p:spTree>
-  </p:cSld>
-  <p:clrMapOvr>
-    <a:masterClrMapping/>
-  </p:clrMapOvr>
-</p:sld>
-</file>
-
-<file path=ppt/slides/slide9.xml><?xml version="1.0" encoding="utf-8"?>
-<p:sld xmlns:a="http://schemas.openxmlformats.org/drawingml/2006/main" xmlns:r="http://schemas.openxmlformats.org/officeDocument/2006/relationships" xmlns:p="http://schemas.openxmlformats.org/presentationml/2006/main">
-  <p:cSld>
-    <p:spTree>
-      <p:nvGrpSpPr>
-        <p:cNvPr id="1" name=""/>
-        <p:cNvGrpSpPr/>
-        <p:nvPr/>
-      </p:nvGrpSpPr>
-      <p:grpSpPr>
-        <a:xfrm>
-          <a:off x="0" y="0"/>
-          <a:ext cx="0" cy="0"/>
-          <a:chOff x="0" y="0"/>
-          <a:chExt cx="0" cy="0"/>
-        </a:xfrm>
-      </p:grpSpPr>
-      <p:sp>
-        <p:nvSpPr>
-          <p:cNvPr id="2" name="Заголовок 1"/>
-          <p:cNvSpPr>
-            <a:spLocks noGrp="1"/>
-          </p:cNvSpPr>
-          <p:nvPr>
-            <p:ph type="title"/>
-          </p:nvPr>
-        </p:nvSpPr>
-        <p:spPr/>
-        <p:txBody>
-          <a:bodyPr/>
-          <a:lstStyle/>
-          <a:p>
-            <a:pPr algn="ctr"/>
-            <a:r>
-              <a:rPr lang="ru-RU" dirty="0" smtClean="0"/>
-              <a:t>Анализ результатов</a:t>
-            </a:r>
-            <a:endParaRPr lang="ru-RU" dirty="0"/>
-          </a:p>
-        </p:txBody>
-      </p:sp>
-      <p:sp>
-        <p:nvSpPr>
-          <p:cNvPr id="3" name="Содержимое 2"/>
-          <p:cNvSpPr>
-            <a:spLocks noGrp="1"/>
-          </p:cNvSpPr>
-          <p:nvPr>
-            <p:ph idx="1"/>
-          </p:nvPr>
-        </p:nvSpPr>
-        <p:spPr/>
-        <p:txBody>
-          <a:bodyPr>
-            <a:normAutofit fontScale="92500" lnSpcReduction="10000"/>
-          </a:bodyPr>
-          <a:lstStyle/>
-          <a:p>
-            <a:pPr>
-              <a:lnSpc>
-                <a:spcPct val="150000"/>
-              </a:lnSpc>
-            </a:pPr>
-            <a:r>
-              <a:rPr lang="ru-RU" b="1" dirty="0" smtClean="0">
-                <a:solidFill>
-                  <a:srgbClr val="FF0000"/>
-                </a:solidFill>
-              </a:rPr>
-              <a:t>Индекс точности</a:t>
-            </a:r>
-          </a:p>
-          <a:p>
-            <a:pPr lvl="1"/>
-            <a:r>
-              <a:rPr lang="ru-RU" dirty="0" smtClean="0"/>
-              <a:t>        — площадь вычисленной области объекта</a:t>
-            </a:r>
-          </a:p>
-          <a:p>
-            <a:pPr lvl="1"/>
-            <a:r>
-              <a:rPr lang="ru-RU" dirty="0" smtClean="0"/>
-              <a:t> </a:t>
-            </a:r>
-            <a:r>
-              <a:rPr lang="ru-RU" dirty="0" smtClean="0"/>
-              <a:t>       — площадь эталонной области объекта</a:t>
-            </a:r>
-          </a:p>
-          <a:p>
-            <a:pPr lvl="1"/>
-            <a:r>
-              <a:rPr lang="en-US" dirty="0" smtClean="0"/>
-              <a:t> </a:t>
-            </a:r>
-            <a:r>
-              <a:rPr lang="ru-RU" dirty="0" smtClean="0"/>
-              <a:t>       —</a:t>
-            </a:r>
-            <a:r>
-              <a:rPr lang="en-US" dirty="0" smtClean="0"/>
-              <a:t> </a:t>
-            </a:r>
-            <a:r>
-              <a:rPr lang="ru-RU" dirty="0" smtClean="0"/>
-              <a:t>площадь пересечения вычисленной и эталонной </a:t>
-            </a:r>
-            <a:r>
-              <a:rPr lang="ru-RU" dirty="0" smtClean="0"/>
-              <a:t>областей </a:t>
-            </a:r>
-          </a:p>
-          <a:p>
-            <a:pPr lvl="1"/>
-            <a:endParaRPr lang="ru-RU" dirty="0" smtClean="0"/>
-          </a:p>
-          <a:p>
-            <a:r>
-              <a:rPr lang="ru-RU" dirty="0" smtClean="0"/>
-              <a:t>                                                                              — </a:t>
-            </a:r>
-          </a:p>
-          <a:p>
-            <a:pPr>
-              <a:buNone/>
-            </a:pPr>
-            <a:r>
-              <a:rPr lang="ru-RU" dirty="0" smtClean="0"/>
-              <a:t> </a:t>
-            </a:r>
-            <a:r>
-              <a:rPr lang="ru-RU" dirty="0" smtClean="0"/>
-              <a:t>   число кадров, в которых объект был успешно определен</a:t>
-            </a:r>
-          </a:p>
-          <a:p>
-            <a:pPr lvl="1"/>
-            <a:r>
-              <a:rPr lang="en-US" i="1" dirty="0" smtClean="0"/>
-              <a:t>M</a:t>
-            </a:r>
-            <a:r>
-              <a:rPr lang="en-US" dirty="0" smtClean="0"/>
-              <a:t> – </a:t>
-            </a:r>
-            <a:r>
-              <a:rPr lang="ru-RU" dirty="0" smtClean="0"/>
-              <a:t>длина видеозаписи в кадрах</a:t>
-            </a:r>
-          </a:p>
-          <a:p>
-            <a:pPr lvl="1">
-              <a:buNone/>
-            </a:pPr>
-            <a:endParaRPr lang="ru-RU" dirty="0" smtClean="0"/>
-          </a:p>
-          <a:p>
-            <a:pPr lvl="1"/>
-            <a:endParaRPr lang="ru-RU" dirty="0"/>
-          </a:p>
-        </p:txBody>
-      </p:sp>
-      <p:graphicFrame>
-        <p:nvGraphicFramePr>
-          <p:cNvPr id="5122" name="Object 2"/>
-          <p:cNvGraphicFramePr>
-            <a:graphicFrameLocks noChangeAspect="1"/>
-          </p:cNvGraphicFramePr>
-          <p:nvPr/>
-        </p:nvGraphicFramePr>
-        <p:xfrm>
-          <a:off x="4283968" y="1700808"/>
-          <a:ext cx="2354754" cy="931292"/>
-        </p:xfrm>
-        <a:graphic>
-          <a:graphicData uri="http://schemas.openxmlformats.org/presentationml/2006/ole">
-            <p:oleObj spid="_x0000_s5122" name="Формула" r:id="rId3" imgW="1130040" imgH="444240" progId="Equation.3">
-              <p:embed/>
-            </p:oleObj>
-          </a:graphicData>
-        </a:graphic>
-      </p:graphicFrame>
-      <p:graphicFrame>
-        <p:nvGraphicFramePr>
-          <p:cNvPr id="5123" name="Object 3"/>
-          <p:cNvGraphicFramePr>
-            <a:graphicFrameLocks noChangeAspect="1"/>
-          </p:cNvGraphicFramePr>
-          <p:nvPr/>
-        </p:nvGraphicFramePr>
-        <p:xfrm>
-          <a:off x="1259632" y="3429000"/>
-          <a:ext cx="376932" cy="457703"/>
-        </p:xfrm>
-        <a:graphic>
-          <a:graphicData uri="http://schemas.openxmlformats.org/presentationml/2006/ole">
-            <p:oleObj spid="_x0000_s5123" name="Формула" r:id="rId4" imgW="177480" imgH="215640" progId="Equation.3">
-              <p:embed/>
-            </p:oleObj>
-          </a:graphicData>
-        </a:graphic>
-      </p:graphicFrame>
-      <p:graphicFrame>
-        <p:nvGraphicFramePr>
-          <p:cNvPr id="5125" name="Object 5"/>
-          <p:cNvGraphicFramePr>
-            <a:graphicFrameLocks noChangeAspect="1"/>
-          </p:cNvGraphicFramePr>
-          <p:nvPr/>
-        </p:nvGraphicFramePr>
-        <p:xfrm>
-          <a:off x="1259632" y="2492896"/>
-          <a:ext cx="349250" cy="484188"/>
-        </p:xfrm>
-        <a:graphic>
-          <a:graphicData uri="http://schemas.openxmlformats.org/presentationml/2006/ole">
-            <p:oleObj spid="_x0000_s5125" name="Формула" r:id="rId5" imgW="164880" imgH="228600" progId="Equation.3">
-              <p:embed/>
-            </p:oleObj>
-          </a:graphicData>
-        </a:graphic>
-      </p:graphicFrame>
-      <p:graphicFrame>
-        <p:nvGraphicFramePr>
-          <p:cNvPr id="5126" name="Object 6"/>
-          <p:cNvGraphicFramePr>
-            <a:graphicFrameLocks noChangeAspect="1"/>
-          </p:cNvGraphicFramePr>
-          <p:nvPr/>
-        </p:nvGraphicFramePr>
-        <p:xfrm>
-          <a:off x="1259632" y="2996952"/>
-          <a:ext cx="538162" cy="511175"/>
-        </p:xfrm>
-        <a:graphic>
-          <a:graphicData uri="http://schemas.openxmlformats.org/presentationml/2006/ole">
-            <p:oleObj spid="_x0000_s5126" name="Формула" r:id="rId6" imgW="253800" imgH="241200" progId="Equation.3">
-              <p:embed/>
-            </p:oleObj>
-          </a:graphicData>
-        </a:graphic>
-      </p:graphicFrame>
-      <p:graphicFrame>
-        <p:nvGraphicFramePr>
-          <p:cNvPr id="5140" name="Object 20"/>
-          <p:cNvGraphicFramePr>
-            <a:graphicFrameLocks noChangeAspect="1"/>
-          </p:cNvGraphicFramePr>
-          <p:nvPr/>
-        </p:nvGraphicFramePr>
-        <p:xfrm>
-          <a:off x="971600" y="4509120"/>
-          <a:ext cx="5897562" cy="614362"/>
-        </p:xfrm>
-        <a:graphic>
-          <a:graphicData uri="http://schemas.openxmlformats.org/presentationml/2006/ole">
-            <p:oleObj spid="_x0000_s5140" name="Формула" r:id="rId7" imgW="2158920" imgH="266400" progId="Equation.3">
-              <p:embed/>
-            </p:oleObj>
-          </a:graphicData>
-        </a:graphic>
-      </p:graphicFrame>
-      <p:sp>
-        <p:nvSpPr>
-          <p:cNvPr id="24" name="Номер слайда 23"/>
-          <p:cNvSpPr>
-            <a:spLocks noGrp="1"/>
-          </p:cNvSpPr>
-          <p:nvPr>
-            <p:ph type="sldNum" sz="quarter" idx="12"/>
-          </p:nvPr>
-        </p:nvSpPr>
-        <p:spPr/>
-        <p:txBody>
-          <a:bodyPr/>
-          <a:lstStyle/>
-          <a:p>
-            <a:fld id="{F9D62829-C74A-48E8-BA30-BE2CEDDA2708}" type="slidenum">
-              <a:rPr lang="ru-RU" sz="3200" smtClean="0"/>
+              <a:pPr/>
               <a:t>9</a:t>
             </a:fld>
             <a:endParaRPr lang="ru-RU" sz="3200" dirty="0"/>

--- a/Разработка вероятностного метода  отслеживания объектов в видеопотоке.pptx
+++ b/Разработка вероятностного метода  отслеживания объектов в видеопотоке.pptx
@@ -205,7 +205,7 @@
             <a:fld id="{53081E6D-8C6E-4711-813E-E2FA21F30C0E}" type="datetimeFigureOut">
               <a:rPr lang="ru-RU" smtClean="0"/>
               <a:pPr/>
-              <a:t>11.05.2014</a:t>
+              <a:t>13.05.2014</a:t>
             </a:fld>
             <a:endParaRPr lang="ru-RU"/>
           </a:p>
@@ -802,7 +802,7 @@
             <a:fld id="{4641F885-48D2-4260-9120-FA9BBCEB77D6}" type="datetime1">
               <a:rPr lang="ru-RU" smtClean="0"/>
               <a:pPr/>
-              <a:t>11.05.2014</a:t>
+              <a:t>13.05.2014</a:t>
             </a:fld>
             <a:endParaRPr lang="ru-RU"/>
           </a:p>
@@ -1027,7 +1027,7 @@
             <a:fld id="{5CE8E11B-C095-4A16-A3F7-79F83ACC1E4E}" type="datetime1">
               <a:rPr lang="ru-RU" smtClean="0"/>
               <a:pPr/>
-              <a:t>11.05.2014</a:t>
+              <a:t>13.05.2014</a:t>
             </a:fld>
             <a:endParaRPr lang="ru-RU"/>
           </a:p>
@@ -1309,7 +1309,7 @@
             <a:fld id="{F215F34A-F843-4053-8B10-C2353028FC71}" type="datetime1">
               <a:rPr lang="ru-RU" smtClean="0"/>
               <a:pPr/>
-              <a:t>11.05.2014</a:t>
+              <a:t>13.05.2014</a:t>
             </a:fld>
             <a:endParaRPr lang="ru-RU"/>
           </a:p>
@@ -1490,7 +1490,7 @@
             <a:fld id="{AA883DE3-4AFD-486A-96FE-D1AEA3679642}" type="datetime1">
               <a:rPr lang="ru-RU" smtClean="0"/>
               <a:pPr/>
-              <a:t>11.05.2014</a:t>
+              <a:t>13.05.2014</a:t>
             </a:fld>
             <a:endParaRPr lang="ru-RU"/>
           </a:p>
@@ -1850,7 +1850,7 @@
             <a:fld id="{4B103306-F3D7-497F-89C2-D4FA44B7D765}" type="datetime1">
               <a:rPr lang="ru-RU" smtClean="0"/>
               <a:pPr/>
-              <a:t>11.05.2014</a:t>
+              <a:t>13.05.2014</a:t>
             </a:fld>
             <a:endParaRPr lang="ru-RU"/>
           </a:p>
@@ -2139,7 +2139,7 @@
             <a:fld id="{D0015848-C03C-46EA-9103-C8590DC23437}" type="datetime1">
               <a:rPr lang="ru-RU" smtClean="0"/>
               <a:pPr/>
-              <a:t>11.05.2014</a:t>
+              <a:t>13.05.2014</a:t>
             </a:fld>
             <a:endParaRPr lang="ru-RU"/>
           </a:p>
@@ -2563,7 +2563,7 @@
             <a:fld id="{A31CBC74-5B64-4A8E-A796-A95BF2DA3177}" type="datetime1">
               <a:rPr lang="ru-RU" smtClean="0"/>
               <a:pPr/>
-              <a:t>11.05.2014</a:t>
+              <a:t>13.05.2014</a:t>
             </a:fld>
             <a:endParaRPr lang="ru-RU"/>
           </a:p>
@@ -2680,7 +2680,7 @@
             <a:fld id="{B134833C-94C4-4380-8C3E-FDCCA862BA07}" type="datetime1">
               <a:rPr lang="ru-RU" smtClean="0"/>
               <a:pPr/>
-              <a:t>11.05.2014</a:t>
+              <a:t>13.05.2014</a:t>
             </a:fld>
             <a:endParaRPr lang="ru-RU"/>
           </a:p>
@@ -2772,7 +2772,7 @@
             <a:fld id="{D58EDACC-0373-4819-A4FB-6098255A2B87}" type="datetime1">
               <a:rPr lang="ru-RU" smtClean="0"/>
               <a:pPr/>
-              <a:t>11.05.2014</a:t>
+              <a:t>13.05.2014</a:t>
             </a:fld>
             <a:endParaRPr lang="ru-RU"/>
           </a:p>
@@ -3052,7 +3052,7 @@
             <a:fld id="{FC087297-2D8B-4F15-81E7-D131F16C91A3}" type="datetime1">
               <a:rPr lang="ru-RU" smtClean="0"/>
               <a:pPr/>
-              <a:t>11.05.2014</a:t>
+              <a:t>13.05.2014</a:t>
             </a:fld>
             <a:endParaRPr lang="ru-RU"/>
           </a:p>
@@ -3420,7 +3420,7 @@
             <a:fld id="{E6149E41-6746-48B2-8A6F-D68C6EC9C686}" type="datetime1">
               <a:rPr lang="ru-RU" smtClean="0"/>
               <a:pPr/>
-              <a:t>11.05.2014</a:t>
+              <a:t>13.05.2014</a:t>
             </a:fld>
             <a:endParaRPr lang="ru-RU"/>
           </a:p>
@@ -3859,7 +3859,7 @@
             <a:fld id="{E11633FC-756B-4CF3-A295-C028E58888D3}" type="datetime1">
               <a:rPr lang="ru-RU" smtClean="0"/>
               <a:pPr/>
-              <a:t>11.05.2014</a:t>
+              <a:t>13.05.2014</a:t>
             </a:fld>
             <a:endParaRPr lang="ru-RU"/>
           </a:p>
@@ -5502,21 +5502,8 @@
             </a:r>
             <a:r>
               <a:rPr lang="ru-RU" dirty="0" smtClean="0"/>
-              <a:t>: </a:t>
-            </a:r>
-            <a:r>
-              <a:rPr lang="ru-RU" dirty="0" smtClean="0"/>
-              <a:t>разработать метод вероятностного отслеживания </a:t>
-            </a:r>
-            <a:r>
-              <a:rPr lang="ru-RU" dirty="0" smtClean="0"/>
-              <a:t>объектов в </a:t>
-            </a:r>
-            <a:r>
-              <a:rPr lang="ru-RU" dirty="0" smtClean="0"/>
-              <a:t>видеопотоке</a:t>
-            </a:r>
-            <a:endParaRPr lang="ru-RU" dirty="0" smtClean="0"/>
+              <a:t>: разработать метод вероятностного отслеживания объектов в видеопотоке</a:t>
+            </a:r>
           </a:p>
           <a:p>
             <a:endParaRPr lang="ru-RU" dirty="0" smtClean="0"/>
@@ -5539,75 +5526,36 @@
             <a:pPr lvl="1"/>
             <a:r>
               <a:rPr lang="ru-RU" dirty="0" smtClean="0"/>
-              <a:t>проанализировать существующие </a:t>
-            </a:r>
+              <a:t>проанализировать существующие методы, выявить их  достоинства и недостатки;</a:t>
+            </a:r>
+          </a:p>
+          <a:p>
+            <a:pPr lvl="1"/>
             <a:r>
               <a:rPr lang="ru-RU" dirty="0" smtClean="0"/>
-              <a:t>методы, </a:t>
-            </a:r>
+              <a:t>разработать математический аппарат для предлагаемого метода;</a:t>
+            </a:r>
+          </a:p>
+          <a:p>
+            <a:pPr lvl="1"/>
             <a:r>
               <a:rPr lang="ru-RU" dirty="0" smtClean="0"/>
-              <a:t>выявить их  достоинства и </a:t>
-            </a:r>
+              <a:t>разработать алгоритм отслеживания на основе предлагаемого метода;</a:t>
+            </a:r>
+          </a:p>
+          <a:p>
+            <a:pPr lvl="1"/>
             <a:r>
               <a:rPr lang="ru-RU" dirty="0" smtClean="0"/>
-              <a:t>недостатки</a:t>
-            </a:r>
+              <a:t>разработать ПО, реализующее предлагаемый метод;</a:t>
+            </a:r>
+          </a:p>
+          <a:p>
+            <a:pPr lvl="1"/>
             <a:r>
               <a:rPr lang="ru-RU" dirty="0" smtClean="0"/>
-              <a:t>;</a:t>
-            </a:r>
-          </a:p>
-          <a:p>
-            <a:pPr lvl="1"/>
-            <a:r>
-              <a:rPr lang="ru-RU" dirty="0" smtClean="0"/>
-              <a:t>р</a:t>
-            </a:r>
-            <a:r>
-              <a:rPr lang="ru-RU" dirty="0" smtClean="0"/>
-              <a:t>азработать математический аппарат для предлагаемого метода;</a:t>
-            </a:r>
-            <a:endParaRPr lang="ru-RU" dirty="0" smtClean="0"/>
-          </a:p>
-          <a:p>
-            <a:pPr lvl="1"/>
-            <a:r>
-              <a:rPr lang="ru-RU" dirty="0" smtClean="0"/>
-              <a:t>р</a:t>
-            </a:r>
-            <a:r>
-              <a:rPr lang="ru-RU" dirty="0" smtClean="0"/>
-              <a:t>азработать алгоритм отслеживания на основе предлагаемого метода;</a:t>
-            </a:r>
-            <a:endParaRPr lang="ru-RU" dirty="0" smtClean="0"/>
-          </a:p>
-          <a:p>
-            <a:pPr lvl="1"/>
-            <a:r>
-              <a:rPr lang="ru-RU" dirty="0" smtClean="0"/>
-              <a:t>р</a:t>
-            </a:r>
-            <a:r>
-              <a:rPr lang="ru-RU" dirty="0" smtClean="0"/>
-              <a:t>азработать ПО, реализующее предлагаемый метод;</a:t>
-            </a:r>
-          </a:p>
-          <a:p>
-            <a:pPr lvl="1"/>
-            <a:r>
-              <a:rPr lang="ru-RU" dirty="0" smtClean="0"/>
-              <a:t>п</a:t>
-            </a:r>
-            <a:r>
-              <a:rPr lang="ru-RU" dirty="0" smtClean="0"/>
-              <a:t>ровести исследование </a:t>
-            </a:r>
-            <a:r>
-              <a:rPr lang="ru-RU" dirty="0" smtClean="0"/>
-              <a:t>полученных результатов</a:t>
-            </a:r>
-            <a:endParaRPr lang="ru-RU" dirty="0" smtClean="0"/>
+              <a:t>провести исследование полученных результатов</a:t>
+            </a:r>
           </a:p>
           <a:p>
             <a:pPr lvl="1"/>
@@ -5722,7 +5670,7 @@
       </p:sp>
       <p:pic>
         <p:nvPicPr>
-          <p:cNvPr id="9" name="Содержимое 8" descr="classification.png"/>
+          <p:cNvPr id="6" name="Содержимое 5" descr="Классификация_схема_презентация.png"/>
           <p:cNvPicPr>
             <a:picLocks noGrp="1" noChangeAspect="1"/>
           </p:cNvPicPr>
@@ -5738,8 +5686,8 @@
         </p:blipFill>
         <p:spPr>
           <a:xfrm>
-            <a:off x="2309688" y="1774825"/>
-            <a:ext cx="4524623" cy="4625975"/>
+            <a:off x="251519" y="1844824"/>
+            <a:ext cx="8640961" cy="4536504"/>
           </a:xfrm>
         </p:spPr>
       </p:pic>
@@ -6430,6 +6378,13 @@
   <p:clrMapOvr>
     <a:masterClrMapping/>
   </p:clrMapOvr>
+  <p:timing>
+    <p:tnLst>
+      <p:par>
+        <p:cTn id="1" dur="indefinite" restart="never" nodeType="tmRoot"/>
+      </p:par>
+    </p:tnLst>
+  </p:timing>
 </p:sld>
 </file>
 

--- a/Разработка вероятностного метода  отслеживания объектов в видеопотоке.pptx
+++ b/Разработка вероятностного метода  отслеживания объектов в видеопотоке.pptx
@@ -5,22 +5,27 @@
     <p:sldMasterId id="2147483660" r:id="rId1"/>
   </p:sldMasterIdLst>
   <p:notesMasterIdLst>
-    <p:notesMasterId r:id="rId15"/>
+    <p:notesMasterId r:id="rId20"/>
   </p:notesMasterIdLst>
   <p:sldIdLst>
     <p:sldId id="256" r:id="rId2"/>
     <p:sldId id="257" r:id="rId3"/>
     <p:sldId id="268" r:id="rId4"/>
-    <p:sldId id="258" r:id="rId5"/>
-    <p:sldId id="259" r:id="rId6"/>
-    <p:sldId id="260" r:id="rId7"/>
-    <p:sldId id="261" r:id="rId8"/>
-    <p:sldId id="262" r:id="rId9"/>
-    <p:sldId id="263" r:id="rId10"/>
-    <p:sldId id="264" r:id="rId11"/>
-    <p:sldId id="265" r:id="rId12"/>
-    <p:sldId id="266" r:id="rId13"/>
-    <p:sldId id="267" r:id="rId14"/>
+    <p:sldId id="269" r:id="rId5"/>
+    <p:sldId id="270" r:id="rId6"/>
+    <p:sldId id="272" r:id="rId7"/>
+    <p:sldId id="271" r:id="rId8"/>
+    <p:sldId id="274" r:id="rId9"/>
+    <p:sldId id="258" r:id="rId10"/>
+    <p:sldId id="259" r:id="rId11"/>
+    <p:sldId id="260" r:id="rId12"/>
+    <p:sldId id="261" r:id="rId13"/>
+    <p:sldId id="262" r:id="rId14"/>
+    <p:sldId id="263" r:id="rId15"/>
+    <p:sldId id="264" r:id="rId16"/>
+    <p:sldId id="265" r:id="rId17"/>
+    <p:sldId id="266" r:id="rId18"/>
+    <p:sldId id="267" r:id="rId19"/>
   </p:sldIdLst>
   <p:sldSz cx="9144000" cy="6858000" type="screen4x3"/>
   <p:notesSz cx="6858000" cy="9144000"/>
@@ -205,7 +210,7 @@
             <a:fld id="{53081E6D-8C6E-4711-813E-E2FA21F30C0E}" type="datetimeFigureOut">
               <a:rPr lang="ru-RU" smtClean="0"/>
               <a:pPr/>
-              <a:t>13.05.2014</a:t>
+              <a:t>16.05.2014</a:t>
             </a:fld>
             <a:endParaRPr lang="ru-RU"/>
           </a:p>
@@ -802,7 +807,7 @@
             <a:fld id="{4641F885-48D2-4260-9120-FA9BBCEB77D6}" type="datetime1">
               <a:rPr lang="ru-RU" smtClean="0"/>
               <a:pPr/>
-              <a:t>13.05.2014</a:t>
+              <a:t>16.05.2014</a:t>
             </a:fld>
             <a:endParaRPr lang="ru-RU"/>
           </a:p>
@@ -1027,7 +1032,7 @@
             <a:fld id="{5CE8E11B-C095-4A16-A3F7-79F83ACC1E4E}" type="datetime1">
               <a:rPr lang="ru-RU" smtClean="0"/>
               <a:pPr/>
-              <a:t>13.05.2014</a:t>
+              <a:t>16.05.2014</a:t>
             </a:fld>
             <a:endParaRPr lang="ru-RU"/>
           </a:p>
@@ -1309,7 +1314,7 @@
             <a:fld id="{F215F34A-F843-4053-8B10-C2353028FC71}" type="datetime1">
               <a:rPr lang="ru-RU" smtClean="0"/>
               <a:pPr/>
-              <a:t>13.05.2014</a:t>
+              <a:t>16.05.2014</a:t>
             </a:fld>
             <a:endParaRPr lang="ru-RU"/>
           </a:p>
@@ -1490,7 +1495,7 @@
             <a:fld id="{AA883DE3-4AFD-486A-96FE-D1AEA3679642}" type="datetime1">
               <a:rPr lang="ru-RU" smtClean="0"/>
               <a:pPr/>
-              <a:t>13.05.2014</a:t>
+              <a:t>16.05.2014</a:t>
             </a:fld>
             <a:endParaRPr lang="ru-RU"/>
           </a:p>
@@ -1850,7 +1855,7 @@
             <a:fld id="{4B103306-F3D7-497F-89C2-D4FA44B7D765}" type="datetime1">
               <a:rPr lang="ru-RU" smtClean="0"/>
               <a:pPr/>
-              <a:t>13.05.2014</a:t>
+              <a:t>16.05.2014</a:t>
             </a:fld>
             <a:endParaRPr lang="ru-RU"/>
           </a:p>
@@ -2139,7 +2144,7 @@
             <a:fld id="{D0015848-C03C-46EA-9103-C8590DC23437}" type="datetime1">
               <a:rPr lang="ru-RU" smtClean="0"/>
               <a:pPr/>
-              <a:t>13.05.2014</a:t>
+              <a:t>16.05.2014</a:t>
             </a:fld>
             <a:endParaRPr lang="ru-RU"/>
           </a:p>
@@ -2563,7 +2568,7 @@
             <a:fld id="{A31CBC74-5B64-4A8E-A796-A95BF2DA3177}" type="datetime1">
               <a:rPr lang="ru-RU" smtClean="0"/>
               <a:pPr/>
-              <a:t>13.05.2014</a:t>
+              <a:t>16.05.2014</a:t>
             </a:fld>
             <a:endParaRPr lang="ru-RU"/>
           </a:p>
@@ -2680,7 +2685,7 @@
             <a:fld id="{B134833C-94C4-4380-8C3E-FDCCA862BA07}" type="datetime1">
               <a:rPr lang="ru-RU" smtClean="0"/>
               <a:pPr/>
-              <a:t>13.05.2014</a:t>
+              <a:t>16.05.2014</a:t>
             </a:fld>
             <a:endParaRPr lang="ru-RU"/>
           </a:p>
@@ -2772,7 +2777,7 @@
             <a:fld id="{D58EDACC-0373-4819-A4FB-6098255A2B87}" type="datetime1">
               <a:rPr lang="ru-RU" smtClean="0"/>
               <a:pPr/>
-              <a:t>13.05.2014</a:t>
+              <a:t>16.05.2014</a:t>
             </a:fld>
             <a:endParaRPr lang="ru-RU"/>
           </a:p>
@@ -3052,7 +3057,7 @@
             <a:fld id="{FC087297-2D8B-4F15-81E7-D131F16C91A3}" type="datetime1">
               <a:rPr lang="ru-RU" smtClean="0"/>
               <a:pPr/>
-              <a:t>13.05.2014</a:t>
+              <a:t>16.05.2014</a:t>
             </a:fld>
             <a:endParaRPr lang="ru-RU"/>
           </a:p>
@@ -3420,7 +3425,7 @@
             <a:fld id="{E6149E41-6746-48B2-8A6F-D68C6EC9C686}" type="datetime1">
               <a:rPr lang="ru-RU" smtClean="0"/>
               <a:pPr/>
-              <a:t>13.05.2014</a:t>
+              <a:t>16.05.2014</a:t>
             </a:fld>
             <a:endParaRPr lang="ru-RU"/>
           </a:p>
@@ -3859,7 +3864,7 @@
             <a:fld id="{E11633FC-756B-4CF3-A295-C028E58888D3}" type="datetime1">
               <a:rPr lang="ru-RU" smtClean="0"/>
               <a:pPr/>
-              <a:t>13.05.2014</a:t>
+              <a:t>16.05.2014</a:t>
             </a:fld>
             <a:endParaRPr lang="ru-RU"/>
           </a:p>
@@ -4399,7 +4404,7 @@
             <a:pPr algn="ctr"/>
             <a:r>
               <a:rPr lang="ru-RU" dirty="0" smtClean="0"/>
-              <a:t>Анализ результатов</a:t>
+              <a:t>Ограничения</a:t>
             </a:r>
             <a:endParaRPr lang="ru-RU" dirty="0"/>
           </a:p>
@@ -4417,207 +4422,34 @@
         </p:nvSpPr>
         <p:spPr/>
         <p:txBody>
-          <a:bodyPr>
-            <a:normAutofit fontScale="92500" lnSpcReduction="10000"/>
-          </a:bodyPr>
-          <a:lstStyle/>
-          <a:p>
-            <a:pPr>
-              <a:lnSpc>
-                <a:spcPct val="150000"/>
-              </a:lnSpc>
-            </a:pPr>
-            <a:r>
-              <a:rPr lang="ru-RU" b="1" dirty="0" smtClean="0">
-                <a:solidFill>
-                  <a:srgbClr val="FF0000"/>
-                </a:solidFill>
-              </a:rPr>
-              <a:t>Индекс точности</a:t>
-            </a:r>
-          </a:p>
-          <a:p>
-            <a:pPr lvl="1"/>
+          <a:bodyPr/>
+          <a:lstStyle/>
+          <a:p>
             <a:r>
               <a:rPr lang="ru-RU" dirty="0" smtClean="0"/>
-              <a:t>        — площадь вычисленной области объекта</a:t>
-            </a:r>
-          </a:p>
-          <a:p>
-            <a:pPr lvl="1"/>
+              <a:t>Заранее известна цветовая гистограмма объекта.</a:t>
+            </a:r>
+          </a:p>
+          <a:p>
             <a:r>
               <a:rPr lang="ru-RU" dirty="0" smtClean="0"/>
-              <a:t>        — площадь эталонной области объекта</a:t>
-            </a:r>
-          </a:p>
-          <a:p>
-            <a:pPr lvl="1"/>
-            <a:r>
-              <a:rPr lang="en-US" dirty="0" smtClean="0"/>
-              <a:t> </a:t>
-            </a:r>
+              <a:t>Цветовая гистограмма объекта должна отличаться от гистограммы фона.</a:t>
+            </a:r>
+          </a:p>
+          <a:p>
             <a:r>
               <a:rPr lang="ru-RU" dirty="0" smtClean="0"/>
-              <a:t>       —</a:t>
-            </a:r>
-            <a:r>
-              <a:rPr lang="en-US" dirty="0" smtClean="0"/>
-              <a:t> </a:t>
-            </a:r>
-            <a:r>
-              <a:rPr lang="ru-RU" dirty="0" smtClean="0"/>
-              <a:t>площадь пересечения вычисленной и эталонной областей </a:t>
-            </a:r>
-          </a:p>
-          <a:p>
-            <a:pPr lvl="1"/>
-            <a:endParaRPr lang="ru-RU" dirty="0" smtClean="0"/>
-          </a:p>
-          <a:p>
-            <a:r>
-              <a:rPr lang="ru-RU" dirty="0" smtClean="0"/>
-              <a:t>                                                                              — </a:t>
-            </a:r>
-          </a:p>
-          <a:p>
-            <a:pPr>
-              <a:buNone/>
-            </a:pPr>
-            <a:r>
-              <a:rPr lang="ru-RU" dirty="0" smtClean="0"/>
-              <a:t>    число кадров, в которых объект был успешно определен</a:t>
-            </a:r>
-          </a:p>
-          <a:p>
-            <a:pPr lvl="1"/>
-            <a:r>
-              <a:rPr lang="en-US" i="1" dirty="0" smtClean="0"/>
-              <a:t>M</a:t>
-            </a:r>
-            <a:r>
-              <a:rPr lang="en-US" dirty="0" smtClean="0"/>
-              <a:t> – </a:t>
-            </a:r>
-            <a:r>
-              <a:rPr lang="ru-RU" dirty="0" smtClean="0"/>
-              <a:t>длина видеозаписи в кадрах</a:t>
-            </a:r>
-          </a:p>
-          <a:p>
-            <a:pPr lvl="1">
-              <a:buNone/>
-            </a:pPr>
-            <a:endParaRPr lang="ru-RU" dirty="0" smtClean="0"/>
-          </a:p>
-          <a:p>
-            <a:pPr lvl="1"/>
+              <a:t>В сцене не должно быть элементов с похожей цветовой гистограммой.</a:t>
+            </a:r>
+          </a:p>
+          <a:p>
             <a:endParaRPr lang="ru-RU" dirty="0"/>
           </a:p>
         </p:txBody>
       </p:sp>
-      <p:graphicFrame>
-        <p:nvGraphicFramePr>
-          <p:cNvPr id="5122" name="Object 2"/>
-          <p:cNvGraphicFramePr>
-            <a:graphicFrameLocks noChangeAspect="1"/>
-          </p:cNvGraphicFramePr>
-          <p:nvPr/>
-        </p:nvGraphicFramePr>
-        <p:xfrm>
-          <a:off x="4283968" y="1700808"/>
-          <a:ext cx="2354754" cy="931292"/>
-        </p:xfrm>
-        <a:graphic>
-          <a:graphicData uri="http://schemas.openxmlformats.org/presentationml/2006/ole">
-            <p:oleObj spid="_x0000_s5122" name="Формула" r:id="rId3" imgW="1130040" imgH="444240" progId="Equation.3">
-              <p:embed/>
-            </p:oleObj>
-          </a:graphicData>
-        </a:graphic>
-      </p:graphicFrame>
-      <p:graphicFrame>
-        <p:nvGraphicFramePr>
-          <p:cNvPr id="5123" name="Object 3"/>
-          <p:cNvGraphicFramePr>
-            <a:graphicFrameLocks noChangeAspect="1"/>
-          </p:cNvGraphicFramePr>
-          <p:nvPr/>
-        </p:nvGraphicFramePr>
-        <p:xfrm>
-          <a:off x="1259632" y="3429000"/>
-          <a:ext cx="376932" cy="457703"/>
-        </p:xfrm>
-        <a:graphic>
-          <a:graphicData uri="http://schemas.openxmlformats.org/presentationml/2006/ole">
-            <p:oleObj spid="_x0000_s5123" name="Формула" r:id="rId4" imgW="177480" imgH="215640" progId="Equation.3">
-              <p:embed/>
-            </p:oleObj>
-          </a:graphicData>
-        </a:graphic>
-      </p:graphicFrame>
-      <p:graphicFrame>
-        <p:nvGraphicFramePr>
-          <p:cNvPr id="5125" name="Object 5"/>
-          <p:cNvGraphicFramePr>
-            <a:graphicFrameLocks noChangeAspect="1"/>
-          </p:cNvGraphicFramePr>
-          <p:nvPr/>
-        </p:nvGraphicFramePr>
-        <p:xfrm>
-          <a:off x="1259632" y="2492896"/>
-          <a:ext cx="349250" cy="484188"/>
-        </p:xfrm>
-        <a:graphic>
-          <a:graphicData uri="http://schemas.openxmlformats.org/presentationml/2006/ole">
-            <p:oleObj spid="_x0000_s5125" name="Формула" r:id="rId5" imgW="164880" imgH="228600" progId="Equation.3">
-              <p:embed/>
-            </p:oleObj>
-          </a:graphicData>
-        </a:graphic>
-      </p:graphicFrame>
-      <p:graphicFrame>
-        <p:nvGraphicFramePr>
-          <p:cNvPr id="5126" name="Object 6"/>
-          <p:cNvGraphicFramePr>
-            <a:graphicFrameLocks noChangeAspect="1"/>
-          </p:cNvGraphicFramePr>
-          <p:nvPr/>
-        </p:nvGraphicFramePr>
-        <p:xfrm>
-          <a:off x="1259632" y="2996952"/>
-          <a:ext cx="538162" cy="511175"/>
-        </p:xfrm>
-        <a:graphic>
-          <a:graphicData uri="http://schemas.openxmlformats.org/presentationml/2006/ole">
-            <p:oleObj spid="_x0000_s5126" name="Формула" r:id="rId6" imgW="253800" imgH="241200" progId="Equation.3">
-              <p:embed/>
-            </p:oleObj>
-          </a:graphicData>
-        </a:graphic>
-      </p:graphicFrame>
-      <p:graphicFrame>
-        <p:nvGraphicFramePr>
-          <p:cNvPr id="5140" name="Object 20"/>
-          <p:cNvGraphicFramePr>
-            <a:graphicFrameLocks noChangeAspect="1"/>
-          </p:cNvGraphicFramePr>
-          <p:nvPr/>
-        </p:nvGraphicFramePr>
-        <p:xfrm>
-          <a:off x="971600" y="4509120"/>
-          <a:ext cx="5897562" cy="614362"/>
-        </p:xfrm>
-        <a:graphic>
-          <a:graphicData uri="http://schemas.openxmlformats.org/presentationml/2006/ole">
-            <p:oleObj spid="_x0000_s5140" name="Формула" r:id="rId7" imgW="2158920" imgH="266400" progId="Equation.3">
-              <p:embed/>
-            </p:oleObj>
-          </a:graphicData>
-        </a:graphic>
-      </p:graphicFrame>
-      <p:sp>
-        <p:nvSpPr>
-          <p:cNvPr id="24" name="Номер слайда 23"/>
+      <p:sp>
+        <p:nvSpPr>
+          <p:cNvPr id="5" name="Номер слайда 4"/>
           <p:cNvSpPr>
             <a:spLocks noGrp="1"/>
           </p:cNvSpPr>
@@ -4634,954 +4466,6 @@
               <a:rPr lang="ru-RU" sz="3200" smtClean="0"/>
               <a:pPr/>
               <a:t>10</a:t>
-            </a:fld>
-            <a:endParaRPr lang="ru-RU" sz="3200" dirty="0"/>
-          </a:p>
-        </p:txBody>
-      </p:sp>
-    </p:spTree>
-  </p:cSld>
-  <p:clrMapOvr>
-    <a:masterClrMapping/>
-  </p:clrMapOvr>
-</p:sld>
-</file>
-
-<file path=ppt/slides/slide11.xml><?xml version="1.0" encoding="utf-8"?>
-<p:sld xmlns:a="http://schemas.openxmlformats.org/drawingml/2006/main" xmlns:r="http://schemas.openxmlformats.org/officeDocument/2006/relationships" xmlns:p="http://schemas.openxmlformats.org/presentationml/2006/main">
-  <p:cSld>
-    <p:spTree>
-      <p:nvGrpSpPr>
-        <p:cNvPr id="1" name=""/>
-        <p:cNvGrpSpPr/>
-        <p:nvPr/>
-      </p:nvGrpSpPr>
-      <p:grpSpPr>
-        <a:xfrm>
-          <a:off x="0" y="0"/>
-          <a:ext cx="0" cy="0"/>
-          <a:chOff x="0" y="0"/>
-          <a:chExt cx="0" cy="0"/>
-        </a:xfrm>
-      </p:grpSpPr>
-      <p:sp>
-        <p:nvSpPr>
-          <p:cNvPr id="2" name="Заголовок 1"/>
-          <p:cNvSpPr>
-            <a:spLocks noGrp="1"/>
-          </p:cNvSpPr>
-          <p:nvPr>
-            <p:ph type="title"/>
-          </p:nvPr>
-        </p:nvSpPr>
-        <p:spPr/>
-        <p:txBody>
-          <a:bodyPr/>
-          <a:lstStyle/>
-          <a:p>
-            <a:pPr algn="ctr"/>
-            <a:r>
-              <a:rPr lang="ru-RU" dirty="0" smtClean="0"/>
-              <a:t>Анализ результатов</a:t>
-            </a:r>
-            <a:endParaRPr lang="ru-RU" dirty="0"/>
-          </a:p>
-        </p:txBody>
-      </p:sp>
-      <p:pic>
-        <p:nvPicPr>
-          <p:cNvPr id="4" name="Содержимое 3" descr="quality.jpg"/>
-          <p:cNvPicPr>
-            <a:picLocks noGrp="1"/>
-          </p:cNvPicPr>
-          <p:nvPr>
-            <p:ph idx="1"/>
-          </p:nvPr>
-        </p:nvPicPr>
-        <p:blipFill>
-          <a:blip r:embed="rId2" cstate="print"/>
-          <a:stretch>
-            <a:fillRect/>
-          </a:stretch>
-        </p:blipFill>
-        <p:spPr>
-          <a:xfrm>
-            <a:off x="1115616" y="1556792"/>
-            <a:ext cx="6336704" cy="4392488"/>
-          </a:xfrm>
-          <a:prstGeom prst="rect">
-            <a:avLst/>
-          </a:prstGeom>
-        </p:spPr>
-      </p:pic>
-      <p:sp>
-        <p:nvSpPr>
-          <p:cNvPr id="5" name="TextBox 4"/>
-          <p:cNvSpPr txBox="1"/>
-          <p:nvPr/>
-        </p:nvSpPr>
-        <p:spPr>
-          <a:xfrm>
-            <a:off x="2123728" y="5949280"/>
-            <a:ext cx="4879349" cy="646331"/>
-          </a:xfrm>
-          <a:prstGeom prst="rect">
-            <a:avLst/>
-          </a:prstGeom>
-          <a:noFill/>
-        </p:spPr>
-        <p:txBody>
-          <a:bodyPr wrap="none" rtlCol="0">
-            <a:spAutoFit/>
-          </a:bodyPr>
-          <a:lstStyle/>
-          <a:p>
-            <a:r>
-              <a:rPr lang="ru-RU" dirty="0" smtClean="0"/>
-              <a:t>Точность отслеживания для </a:t>
-            </a:r>
-            <a:r>
-              <a:rPr lang="ru-RU" dirty="0"/>
-              <a:t>фильтра частиц  и </a:t>
-            </a:r>
-            <a:endParaRPr lang="ru-RU" dirty="0" smtClean="0"/>
-          </a:p>
-          <a:p>
-            <a:r>
-              <a:rPr lang="ru-RU" dirty="0" smtClean="0"/>
-              <a:t>фильтра </a:t>
-            </a:r>
-            <a:r>
-              <a:rPr lang="ru-RU" dirty="0"/>
-              <a:t>частиц с адаптацией погрешностей</a:t>
-            </a:r>
-          </a:p>
-        </p:txBody>
-      </p:sp>
-      <p:sp>
-        <p:nvSpPr>
-          <p:cNvPr id="6" name="Номер слайда 5"/>
-          <p:cNvSpPr>
-            <a:spLocks noGrp="1"/>
-          </p:cNvSpPr>
-          <p:nvPr>
-            <p:ph type="sldNum" sz="quarter" idx="12"/>
-          </p:nvPr>
-        </p:nvSpPr>
-        <p:spPr/>
-        <p:txBody>
-          <a:bodyPr/>
-          <a:lstStyle/>
-          <a:p>
-            <a:fld id="{F9D62829-C74A-48E8-BA30-BE2CEDDA2708}" type="slidenum">
-              <a:rPr lang="ru-RU" sz="3200" smtClean="0"/>
-              <a:pPr/>
-              <a:t>11</a:t>
-            </a:fld>
-            <a:endParaRPr lang="ru-RU" sz="3200" dirty="0"/>
-          </a:p>
-        </p:txBody>
-      </p:sp>
-    </p:spTree>
-  </p:cSld>
-  <p:clrMapOvr>
-    <a:masterClrMapping/>
-  </p:clrMapOvr>
-</p:sld>
-</file>
-
-<file path=ppt/slides/slide12.xml><?xml version="1.0" encoding="utf-8"?>
-<p:sld xmlns:a="http://schemas.openxmlformats.org/drawingml/2006/main" xmlns:r="http://schemas.openxmlformats.org/officeDocument/2006/relationships" xmlns:p="http://schemas.openxmlformats.org/presentationml/2006/main">
-  <p:cSld>
-    <p:spTree>
-      <p:nvGrpSpPr>
-        <p:cNvPr id="1" name=""/>
-        <p:cNvGrpSpPr/>
-        <p:nvPr/>
-      </p:nvGrpSpPr>
-      <p:grpSpPr>
-        <a:xfrm>
-          <a:off x="0" y="0"/>
-          <a:ext cx="0" cy="0"/>
-          <a:chOff x="0" y="0"/>
-          <a:chExt cx="0" cy="0"/>
-        </a:xfrm>
-      </p:grpSpPr>
-      <p:sp>
-        <p:nvSpPr>
-          <p:cNvPr id="2" name="Заголовок 1"/>
-          <p:cNvSpPr>
-            <a:spLocks noGrp="1"/>
-          </p:cNvSpPr>
-          <p:nvPr>
-            <p:ph type="title"/>
-          </p:nvPr>
-        </p:nvSpPr>
-        <p:spPr/>
-        <p:txBody>
-          <a:bodyPr/>
-          <a:lstStyle/>
-          <a:p>
-            <a:pPr algn="ctr"/>
-            <a:r>
-              <a:rPr lang="ru-RU" dirty="0" smtClean="0"/>
-              <a:t>Анализ результатов</a:t>
-            </a:r>
-            <a:endParaRPr lang="ru-RU" dirty="0"/>
-          </a:p>
-        </p:txBody>
-      </p:sp>
-      <p:graphicFrame>
-        <p:nvGraphicFramePr>
-          <p:cNvPr id="4" name="Содержимое 3"/>
-          <p:cNvGraphicFramePr>
-            <a:graphicFrameLocks noGrp="1"/>
-          </p:cNvGraphicFramePr>
-          <p:nvPr>
-            <p:ph idx="1"/>
-          </p:nvPr>
-        </p:nvGraphicFramePr>
-        <p:xfrm>
-          <a:off x="539552" y="1916832"/>
-          <a:ext cx="8229600" cy="3749040"/>
-        </p:xfrm>
-        <a:graphic>
-          <a:graphicData uri="http://schemas.openxmlformats.org/drawingml/2006/table">
-            <a:tbl>
-              <a:tblPr firstRow="1" bandRow="1">
-                <a:tableStyleId>{5C22544A-7EE6-4342-B048-85BDC9FD1C3A}</a:tableStyleId>
-              </a:tblPr>
-              <a:tblGrid>
-                <a:gridCol w="1882552"/>
-                <a:gridCol w="2880320"/>
-                <a:gridCol w="1728192"/>
-                <a:gridCol w="1738536"/>
-              </a:tblGrid>
-              <a:tr h="370840">
-                <a:tc>
-                  <a:txBody>
-                    <a:bodyPr/>
-                    <a:lstStyle/>
-                    <a:p>
-                      <a:pPr algn="ctr"/>
-                      <a:r>
-                        <a:rPr lang="ru-RU" dirty="0" smtClean="0"/>
-                        <a:t>Характеристика</a:t>
-                      </a:r>
-                      <a:endParaRPr lang="ru-RU" dirty="0"/>
-                    </a:p>
-                  </a:txBody>
-                  <a:tcPr anchor="ctr"/>
-                </a:tc>
-                <a:tc>
-                  <a:txBody>
-                    <a:bodyPr/>
-                    <a:lstStyle/>
-                    <a:p>
-                      <a:pPr algn="ctr"/>
-                      <a:r>
-                        <a:rPr lang="ru-RU" dirty="0" smtClean="0"/>
-                        <a:t>Описание</a:t>
-                      </a:r>
-                      <a:endParaRPr lang="ru-RU" dirty="0"/>
-                    </a:p>
-                  </a:txBody>
-                  <a:tcPr anchor="ctr"/>
-                </a:tc>
-                <a:tc>
-                  <a:txBody>
-                    <a:bodyPr/>
-                    <a:lstStyle/>
-                    <a:p>
-                      <a:pPr algn="ctr"/>
-                      <a:r>
-                        <a:rPr lang="ru-RU" dirty="0" smtClean="0"/>
-                        <a:t>Простой фильтр</a:t>
-                      </a:r>
-                      <a:r>
-                        <a:rPr lang="ru-RU" baseline="0" dirty="0" smtClean="0"/>
-                        <a:t> частиц</a:t>
-                      </a:r>
-                      <a:endParaRPr lang="ru-RU" dirty="0"/>
-                    </a:p>
-                  </a:txBody>
-                  <a:tcPr anchor="ctr"/>
-                </a:tc>
-                <a:tc>
-                  <a:txBody>
-                    <a:bodyPr/>
-                    <a:lstStyle/>
-                    <a:p>
-                      <a:pPr algn="ctr"/>
-                      <a:r>
-                        <a:rPr lang="ru-RU" dirty="0" smtClean="0"/>
-                        <a:t>Фильтр частиц с адаптацией погрешностей</a:t>
-                      </a:r>
-                      <a:endParaRPr lang="ru-RU" dirty="0"/>
-                    </a:p>
-                  </a:txBody>
-                  <a:tcPr anchor="ctr"/>
-                </a:tc>
-              </a:tr>
-              <a:tr h="370840">
-                <a:tc>
-                  <a:txBody>
-                    <a:bodyPr/>
-                    <a:lstStyle/>
-                    <a:p>
-                      <a:endParaRPr lang="ru-RU" dirty="0"/>
-                    </a:p>
-                  </a:txBody>
-                  <a:tcPr/>
-                </a:tc>
-                <a:tc>
-                  <a:txBody>
-                    <a:bodyPr/>
-                    <a:lstStyle/>
-                    <a:p>
-                      <a:pPr algn="ctr"/>
-                      <a:r>
-                        <a:rPr lang="ru-RU" dirty="0" smtClean="0"/>
-                        <a:t>Средняя</a:t>
-                      </a:r>
-                      <a:r>
-                        <a:rPr lang="ru-RU" baseline="0" dirty="0" smtClean="0"/>
-                        <a:t> точность отслеживания</a:t>
-                      </a:r>
-                      <a:endParaRPr lang="ru-RU" dirty="0"/>
-                    </a:p>
-                  </a:txBody>
-                  <a:tcPr anchor="ctr"/>
-                </a:tc>
-                <a:tc>
-                  <a:txBody>
-                    <a:bodyPr/>
-                    <a:lstStyle/>
-                    <a:p>
-                      <a:pPr algn="ctr"/>
-                      <a:r>
-                        <a:rPr lang="ru-RU" dirty="0" smtClean="0"/>
-                        <a:t>0,134</a:t>
-                      </a:r>
-                      <a:endParaRPr lang="ru-RU" dirty="0"/>
-                    </a:p>
-                  </a:txBody>
-                  <a:tcPr anchor="ctr"/>
-                </a:tc>
-                <a:tc>
-                  <a:txBody>
-                    <a:bodyPr/>
-                    <a:lstStyle/>
-                    <a:p>
-                      <a:pPr algn="ctr"/>
-                      <a:r>
-                        <a:rPr lang="ru-RU" dirty="0" smtClean="0"/>
-                        <a:t>0,498</a:t>
-                      </a:r>
-                      <a:endParaRPr lang="ru-RU" dirty="0"/>
-                    </a:p>
-                  </a:txBody>
-                  <a:tcPr anchor="ctr"/>
-                </a:tc>
-              </a:tr>
-              <a:tr h="370840">
-                <a:tc>
-                  <a:txBody>
-                    <a:bodyPr/>
-                    <a:lstStyle/>
-                    <a:p>
-                      <a:endParaRPr lang="ru-RU" dirty="0"/>
-                    </a:p>
-                  </a:txBody>
-                  <a:tcPr/>
-                </a:tc>
-                <a:tc>
-                  <a:txBody>
-                    <a:bodyPr/>
-                    <a:lstStyle/>
-                    <a:p>
-                      <a:pPr algn="ctr"/>
-                      <a:r>
-                        <a:rPr lang="ru-RU" dirty="0" smtClean="0"/>
-                        <a:t>Средняя точность</a:t>
-                      </a:r>
-                      <a:r>
-                        <a:rPr lang="ru-RU" baseline="0" dirty="0" smtClean="0"/>
-                        <a:t> отслеживания по «успешным» кадрам</a:t>
-                      </a:r>
-                      <a:endParaRPr lang="ru-RU" dirty="0"/>
-                    </a:p>
-                  </a:txBody>
-                  <a:tcPr anchor="ctr"/>
-                </a:tc>
-                <a:tc>
-                  <a:txBody>
-                    <a:bodyPr/>
-                    <a:lstStyle/>
-                    <a:p>
-                      <a:pPr algn="ctr"/>
-                      <a:r>
-                        <a:rPr lang="ru-RU" dirty="0" smtClean="0"/>
-                        <a:t>0,499</a:t>
-                      </a:r>
-                      <a:endParaRPr lang="ru-RU" dirty="0"/>
-                    </a:p>
-                  </a:txBody>
-                  <a:tcPr anchor="ctr"/>
-                </a:tc>
-                <a:tc>
-                  <a:txBody>
-                    <a:bodyPr/>
-                    <a:lstStyle/>
-                    <a:p>
-                      <a:pPr algn="ctr"/>
-                      <a:r>
-                        <a:rPr lang="ru-RU" dirty="0" smtClean="0"/>
-                        <a:t>0,566</a:t>
-                      </a:r>
-                      <a:endParaRPr lang="ru-RU" dirty="0"/>
-                    </a:p>
-                  </a:txBody>
-                  <a:tcPr anchor="ctr"/>
-                </a:tc>
-              </a:tr>
-              <a:tr h="370840">
-                <a:tc>
-                  <a:txBody>
-                    <a:bodyPr/>
-                    <a:lstStyle/>
-                    <a:p>
-                      <a:endParaRPr lang="ru-RU" dirty="0"/>
-                    </a:p>
-                  </a:txBody>
-                  <a:tcPr/>
-                </a:tc>
-                <a:tc>
-                  <a:txBody>
-                    <a:bodyPr/>
-                    <a:lstStyle/>
-                    <a:p>
-                      <a:pPr algn="ctr"/>
-                      <a:r>
-                        <a:rPr lang="ru-RU" dirty="0" smtClean="0"/>
-                        <a:t>Количество</a:t>
-                      </a:r>
-                      <a:r>
-                        <a:rPr lang="ru-RU" baseline="0" dirty="0" smtClean="0"/>
-                        <a:t> «успешных» кадров</a:t>
-                      </a:r>
-                      <a:endParaRPr lang="ru-RU" dirty="0"/>
-                    </a:p>
-                  </a:txBody>
-                  <a:tcPr anchor="ctr"/>
-                </a:tc>
-                <a:tc>
-                  <a:txBody>
-                    <a:bodyPr/>
-                    <a:lstStyle/>
-                    <a:p>
-                      <a:pPr algn="ctr"/>
-                      <a:r>
-                        <a:rPr lang="ru-RU" dirty="0" smtClean="0"/>
-                        <a:t>179</a:t>
-                      </a:r>
-                      <a:endParaRPr lang="ru-RU" dirty="0"/>
-                    </a:p>
-                  </a:txBody>
-                  <a:tcPr anchor="ctr"/>
-                </a:tc>
-                <a:tc>
-                  <a:txBody>
-                    <a:bodyPr/>
-                    <a:lstStyle/>
-                    <a:p>
-                      <a:pPr algn="ctr"/>
-                      <a:r>
-                        <a:rPr lang="ru-RU" dirty="0" smtClean="0"/>
-                        <a:t>1006</a:t>
-                      </a:r>
-                      <a:endParaRPr lang="ru-RU" dirty="0"/>
-                    </a:p>
-                  </a:txBody>
-                  <a:tcPr anchor="ctr"/>
-                </a:tc>
-              </a:tr>
-              <a:tr h="370840">
-                <a:tc>
-                  <a:txBody>
-                    <a:bodyPr/>
-                    <a:lstStyle/>
-                    <a:p>
-                      <a:endParaRPr lang="ru-RU" dirty="0"/>
-                    </a:p>
-                  </a:txBody>
-                  <a:tcPr/>
-                </a:tc>
-                <a:tc>
-                  <a:txBody>
-                    <a:bodyPr/>
-                    <a:lstStyle/>
-                    <a:p>
-                      <a:pPr algn="ctr"/>
-                      <a:r>
-                        <a:rPr lang="ru-RU" dirty="0" smtClean="0"/>
-                        <a:t>Среднее</a:t>
-                      </a:r>
-                      <a:r>
-                        <a:rPr lang="ru-RU" baseline="0" dirty="0" smtClean="0"/>
-                        <a:t> время восстановления </a:t>
-                      </a:r>
-                      <a:endParaRPr lang="ru-RU" dirty="0"/>
-                    </a:p>
-                  </a:txBody>
-                  <a:tcPr anchor="ctr"/>
-                </a:tc>
-                <a:tc>
-                  <a:txBody>
-                    <a:bodyPr/>
-                    <a:lstStyle/>
-                    <a:p>
-                      <a:pPr algn="ctr"/>
-                      <a:r>
-                        <a:rPr lang="ru-RU" dirty="0" smtClean="0"/>
-                        <a:t>23,751</a:t>
-                      </a:r>
-                      <a:endParaRPr lang="ru-RU" dirty="0"/>
-                    </a:p>
-                  </a:txBody>
-                  <a:tcPr anchor="ctr"/>
-                </a:tc>
-                <a:tc>
-                  <a:txBody>
-                    <a:bodyPr/>
-                    <a:lstStyle/>
-                    <a:p>
-                      <a:pPr algn="ctr"/>
-                      <a:r>
-                        <a:rPr lang="ru-RU" dirty="0" smtClean="0"/>
-                        <a:t>6,035</a:t>
-                      </a:r>
-                      <a:endParaRPr lang="ru-RU" dirty="0"/>
-                    </a:p>
-                  </a:txBody>
-                  <a:tcPr anchor="ctr"/>
-                </a:tc>
-              </a:tr>
-            </a:tbl>
-          </a:graphicData>
-        </a:graphic>
-      </p:graphicFrame>
-      <p:graphicFrame>
-        <p:nvGraphicFramePr>
-          <p:cNvPr id="5" name="Объект 4"/>
-          <p:cNvGraphicFramePr>
-            <a:graphicFrameLocks noChangeAspect="1"/>
-          </p:cNvGraphicFramePr>
-          <p:nvPr/>
-        </p:nvGraphicFramePr>
-        <p:xfrm>
-          <a:off x="1115616" y="2780928"/>
-          <a:ext cx="360040" cy="390901"/>
-        </p:xfrm>
-        <a:graphic>
-          <a:graphicData uri="http://schemas.openxmlformats.org/presentationml/2006/ole">
-            <p:oleObj spid="_x0000_s23554" name="Формула" r:id="rId3" imgW="177480" imgH="228600" progId="Equation.3">
-              <p:embed/>
-            </p:oleObj>
-          </a:graphicData>
-        </a:graphic>
-      </p:graphicFrame>
-      <p:graphicFrame>
-        <p:nvGraphicFramePr>
-          <p:cNvPr id="23556" name="Object 4"/>
-          <p:cNvGraphicFramePr>
-            <a:graphicFrameLocks noChangeAspect="1"/>
-          </p:cNvGraphicFramePr>
-          <p:nvPr/>
-        </p:nvGraphicFramePr>
-        <p:xfrm>
-          <a:off x="1084114" y="3573016"/>
-          <a:ext cx="463550" cy="433388"/>
-        </p:xfrm>
-        <a:graphic>
-          <a:graphicData uri="http://schemas.openxmlformats.org/presentationml/2006/ole">
-            <p:oleObj spid="_x0000_s23556" name="Формула" r:id="rId4" imgW="228600" imgH="253800" progId="Equation.3">
-              <p:embed/>
-            </p:oleObj>
-          </a:graphicData>
-        </a:graphic>
-      </p:graphicFrame>
-      <p:graphicFrame>
-        <p:nvGraphicFramePr>
-          <p:cNvPr id="23557" name="Object 5"/>
-          <p:cNvGraphicFramePr>
-            <a:graphicFrameLocks noChangeAspect="1"/>
-          </p:cNvGraphicFramePr>
-          <p:nvPr/>
-        </p:nvGraphicFramePr>
-        <p:xfrm>
-          <a:off x="1054522" y="4365104"/>
-          <a:ext cx="565150" cy="411163"/>
-        </p:xfrm>
-        <a:graphic>
-          <a:graphicData uri="http://schemas.openxmlformats.org/presentationml/2006/ole">
-            <p:oleObj spid="_x0000_s23557" name="Формула" r:id="rId5" imgW="279360" imgH="241200" progId="Equation.3">
-              <p:embed/>
-            </p:oleObj>
-          </a:graphicData>
-        </a:graphic>
-      </p:graphicFrame>
-      <p:graphicFrame>
-        <p:nvGraphicFramePr>
-          <p:cNvPr id="23558" name="Object 6"/>
-          <p:cNvGraphicFramePr>
-            <a:graphicFrameLocks noChangeAspect="1"/>
-          </p:cNvGraphicFramePr>
-          <p:nvPr/>
-        </p:nvGraphicFramePr>
-        <p:xfrm>
-          <a:off x="1115616" y="5013176"/>
-          <a:ext cx="255588" cy="280988"/>
-        </p:xfrm>
-        <a:graphic>
-          <a:graphicData uri="http://schemas.openxmlformats.org/presentationml/2006/ole">
-            <p:oleObj spid="_x0000_s23558" name="Формула" r:id="rId6" imgW="126720" imgH="164880" progId="Equation.3">
-              <p:embed/>
-            </p:oleObj>
-          </a:graphicData>
-        </a:graphic>
-      </p:graphicFrame>
-      <p:sp>
-        <p:nvSpPr>
-          <p:cNvPr id="10" name="Номер слайда 9"/>
-          <p:cNvSpPr>
-            <a:spLocks noGrp="1"/>
-          </p:cNvSpPr>
-          <p:nvPr>
-            <p:ph type="sldNum" sz="quarter" idx="12"/>
-          </p:nvPr>
-        </p:nvSpPr>
-        <p:spPr/>
-        <p:txBody>
-          <a:bodyPr/>
-          <a:lstStyle/>
-          <a:p>
-            <a:fld id="{F9D62829-C74A-48E8-BA30-BE2CEDDA2708}" type="slidenum">
-              <a:rPr lang="ru-RU" sz="3200" smtClean="0"/>
-              <a:pPr/>
-              <a:t>12</a:t>
-            </a:fld>
-            <a:endParaRPr lang="ru-RU" sz="3200" dirty="0"/>
-          </a:p>
-        </p:txBody>
-      </p:sp>
-    </p:spTree>
-  </p:cSld>
-  <p:clrMapOvr>
-    <a:masterClrMapping/>
-  </p:clrMapOvr>
-</p:sld>
-</file>
-
-<file path=ppt/slides/slide13.xml><?xml version="1.0" encoding="utf-8"?>
-<p:sld xmlns:a="http://schemas.openxmlformats.org/drawingml/2006/main" xmlns:r="http://schemas.openxmlformats.org/officeDocument/2006/relationships" xmlns:p="http://schemas.openxmlformats.org/presentationml/2006/main">
-  <p:cSld>
-    <p:spTree>
-      <p:nvGrpSpPr>
-        <p:cNvPr id="1" name=""/>
-        <p:cNvGrpSpPr/>
-        <p:nvPr/>
-      </p:nvGrpSpPr>
-      <p:grpSpPr>
-        <a:xfrm>
-          <a:off x="0" y="0"/>
-          <a:ext cx="0" cy="0"/>
-          <a:chOff x="0" y="0"/>
-          <a:chExt cx="0" cy="0"/>
-        </a:xfrm>
-      </p:grpSpPr>
-      <p:sp>
-        <p:nvSpPr>
-          <p:cNvPr id="2" name="Заголовок 1"/>
-          <p:cNvSpPr>
-            <a:spLocks noGrp="1"/>
-          </p:cNvSpPr>
-          <p:nvPr>
-            <p:ph type="title"/>
-          </p:nvPr>
-        </p:nvSpPr>
-        <p:spPr/>
-        <p:txBody>
-          <a:bodyPr/>
-          <a:lstStyle/>
-          <a:p>
-            <a:pPr algn="ctr"/>
-            <a:r>
-              <a:rPr lang="ru-RU" dirty="0" smtClean="0"/>
-              <a:t>Выводы</a:t>
-            </a:r>
-            <a:endParaRPr lang="ru-RU" dirty="0"/>
-          </a:p>
-        </p:txBody>
-      </p:sp>
-      <p:sp>
-        <p:nvSpPr>
-          <p:cNvPr id="3" name="Содержимое 2"/>
-          <p:cNvSpPr>
-            <a:spLocks noGrp="1"/>
-          </p:cNvSpPr>
-          <p:nvPr>
-            <p:ph idx="1"/>
-          </p:nvPr>
-        </p:nvSpPr>
-        <p:spPr/>
-        <p:txBody>
-          <a:bodyPr>
-            <a:normAutofit fontScale="70000" lnSpcReduction="20000"/>
-          </a:bodyPr>
-          <a:lstStyle/>
-          <a:p>
-            <a:r>
-              <a:rPr lang="ru-RU" b="1" dirty="0" smtClean="0"/>
-              <a:t>Адаптация погрешностей:</a:t>
-            </a:r>
-          </a:p>
-          <a:p>
-            <a:pPr lvl="1"/>
-            <a:r>
-              <a:rPr lang="ru-RU" dirty="0" smtClean="0"/>
-              <a:t>повышает среднюю точность отслеживания</a:t>
-            </a:r>
-          </a:p>
-          <a:p>
-            <a:pPr lvl="1"/>
-            <a:r>
-              <a:rPr lang="ru-RU" dirty="0" smtClean="0"/>
-              <a:t>уменьшает среднее время восстановления после потери объекта</a:t>
-            </a:r>
-          </a:p>
-          <a:p>
-            <a:r>
-              <a:rPr lang="ru-RU" b="1" dirty="0" smtClean="0"/>
-              <a:t>Недостатки:</a:t>
-            </a:r>
-          </a:p>
-          <a:p>
-            <a:pPr lvl="1"/>
-            <a:r>
-              <a:rPr lang="ru-RU" dirty="0" smtClean="0"/>
-              <a:t>слабая модель представления объекта с помощью цветовой гистограммы</a:t>
-            </a:r>
-          </a:p>
-          <a:p>
-            <a:pPr lvl="1"/>
-            <a:r>
-              <a:rPr lang="ru-RU" dirty="0" smtClean="0"/>
-              <a:t>отсутствие возможности отслеживать несколько похожих объектов</a:t>
-            </a:r>
-          </a:p>
-          <a:p>
-            <a:r>
-              <a:rPr lang="ru-RU" b="1" dirty="0" smtClean="0"/>
-              <a:t>Способы улучшения:</a:t>
-            </a:r>
-          </a:p>
-          <a:p>
-            <a:pPr lvl="1"/>
-            <a:r>
-              <a:rPr lang="ru-RU" dirty="0" smtClean="0"/>
-              <a:t>выбор альтернативного  способа представления объекта (контуры, признаки Хаара, локальные бинарные шаблоны и т.п.) </a:t>
-            </a:r>
-          </a:p>
-          <a:p>
-            <a:pPr lvl="1"/>
-            <a:r>
-              <a:rPr lang="ru-RU" dirty="0" smtClean="0"/>
-              <a:t>использование кластеризации для определения области объекта</a:t>
-            </a:r>
-          </a:p>
-        </p:txBody>
-      </p:sp>
-      <p:sp>
-        <p:nvSpPr>
-          <p:cNvPr id="5" name="Номер слайда 4"/>
-          <p:cNvSpPr>
-            <a:spLocks noGrp="1"/>
-          </p:cNvSpPr>
-          <p:nvPr>
-            <p:ph type="sldNum" sz="quarter" idx="12"/>
-          </p:nvPr>
-        </p:nvSpPr>
-        <p:spPr/>
-        <p:txBody>
-          <a:bodyPr/>
-          <a:lstStyle/>
-          <a:p>
-            <a:fld id="{F9D62829-C74A-48E8-BA30-BE2CEDDA2708}" type="slidenum">
-              <a:rPr lang="ru-RU" sz="3200" smtClean="0"/>
-              <a:pPr/>
-              <a:t>13</a:t>
-            </a:fld>
-            <a:endParaRPr lang="ru-RU" sz="3200" dirty="0"/>
-          </a:p>
-        </p:txBody>
-      </p:sp>
-    </p:spTree>
-  </p:cSld>
-  <p:clrMapOvr>
-    <a:masterClrMapping/>
-  </p:clrMapOvr>
-</p:sld>
-</file>
-
-<file path=ppt/slides/slide2.xml><?xml version="1.0" encoding="utf-8"?>
-<p:sld xmlns:a="http://schemas.openxmlformats.org/drawingml/2006/main" xmlns:r="http://schemas.openxmlformats.org/officeDocument/2006/relationships" xmlns:p="http://schemas.openxmlformats.org/presentationml/2006/main">
-  <p:cSld>
-    <p:spTree>
-      <p:nvGrpSpPr>
-        <p:cNvPr id="1" name=""/>
-        <p:cNvGrpSpPr/>
-        <p:nvPr/>
-      </p:nvGrpSpPr>
-      <p:grpSpPr>
-        <a:xfrm>
-          <a:off x="0" y="0"/>
-          <a:ext cx="0" cy="0"/>
-          <a:chOff x="0" y="0"/>
-          <a:chExt cx="0" cy="0"/>
-        </a:xfrm>
-      </p:grpSpPr>
-      <p:sp>
-        <p:nvSpPr>
-          <p:cNvPr id="2" name="Заголовок 1"/>
-          <p:cNvSpPr>
-            <a:spLocks noGrp="1"/>
-          </p:cNvSpPr>
-          <p:nvPr>
-            <p:ph type="title"/>
-          </p:nvPr>
-        </p:nvSpPr>
-        <p:spPr/>
-        <p:txBody>
-          <a:bodyPr/>
-          <a:lstStyle/>
-          <a:p>
-            <a:pPr algn="ctr"/>
-            <a:r>
-              <a:rPr lang="ru-RU" dirty="0" smtClean="0"/>
-              <a:t>Цели и задачи</a:t>
-            </a:r>
-            <a:endParaRPr lang="ru-RU" dirty="0"/>
-          </a:p>
-        </p:txBody>
-      </p:sp>
-      <p:sp>
-        <p:nvSpPr>
-          <p:cNvPr id="3" name="Содержимое 2"/>
-          <p:cNvSpPr>
-            <a:spLocks noGrp="1"/>
-          </p:cNvSpPr>
-          <p:nvPr>
-            <p:ph idx="1"/>
-          </p:nvPr>
-        </p:nvSpPr>
-        <p:spPr/>
-        <p:txBody>
-          <a:bodyPr>
-            <a:normAutofit fontScale="85000" lnSpcReduction="10000"/>
-          </a:bodyPr>
-          <a:lstStyle/>
-          <a:p>
-            <a:r>
-              <a:rPr lang="ru-RU" dirty="0" smtClean="0">
-                <a:solidFill>
-                  <a:srgbClr val="FF0000"/>
-                </a:solidFill>
-              </a:rPr>
-              <a:t>Цель</a:t>
-            </a:r>
-            <a:r>
-              <a:rPr lang="ru-RU" dirty="0" smtClean="0"/>
-              <a:t>: разработать метод вероятностного отслеживания объектов в видеопотоке</a:t>
-            </a:r>
-          </a:p>
-          <a:p>
-            <a:endParaRPr lang="ru-RU" dirty="0" smtClean="0"/>
-          </a:p>
-          <a:p>
-            <a:r>
-              <a:rPr lang="ru-RU" dirty="0" smtClean="0">
-                <a:solidFill>
-                  <a:srgbClr val="FF0000"/>
-                </a:solidFill>
-              </a:rPr>
-              <a:t>Задачи</a:t>
-            </a:r>
-            <a:r>
-              <a:rPr lang="ru-RU" dirty="0" smtClean="0"/>
-              <a:t>:</a:t>
-            </a:r>
-          </a:p>
-          <a:p>
-            <a:pPr lvl="1"/>
-            <a:r>
-              <a:rPr lang="ru-RU" dirty="0" smtClean="0"/>
-              <a:t>проанализировать существующие методы, выявить их  достоинства и недостатки;</a:t>
-            </a:r>
-          </a:p>
-          <a:p>
-            <a:pPr lvl="1"/>
-            <a:r>
-              <a:rPr lang="ru-RU" dirty="0" smtClean="0"/>
-              <a:t>разработать математический аппарат для предлагаемого метода;</a:t>
-            </a:r>
-          </a:p>
-          <a:p>
-            <a:pPr lvl="1"/>
-            <a:r>
-              <a:rPr lang="ru-RU" dirty="0" smtClean="0"/>
-              <a:t>разработать алгоритм отслеживания на основе предлагаемого метода;</a:t>
-            </a:r>
-          </a:p>
-          <a:p>
-            <a:pPr lvl="1"/>
-            <a:r>
-              <a:rPr lang="ru-RU" dirty="0" smtClean="0"/>
-              <a:t>разработать ПО, реализующее предлагаемый метод;</a:t>
-            </a:r>
-          </a:p>
-          <a:p>
-            <a:pPr lvl="1"/>
-            <a:r>
-              <a:rPr lang="ru-RU" dirty="0" smtClean="0"/>
-              <a:t>провести исследование полученных результатов</a:t>
-            </a:r>
-          </a:p>
-          <a:p>
-            <a:pPr lvl="1"/>
-            <a:endParaRPr lang="ru-RU" dirty="0"/>
-          </a:p>
-        </p:txBody>
-      </p:sp>
-      <p:sp>
-        <p:nvSpPr>
-          <p:cNvPr id="4" name="Номер слайда 3"/>
-          <p:cNvSpPr>
-            <a:spLocks noGrp="1"/>
-          </p:cNvSpPr>
-          <p:nvPr>
-            <p:ph type="sldNum" sz="quarter" idx="12"/>
-          </p:nvPr>
-        </p:nvSpPr>
-        <p:spPr/>
-        <p:txBody>
-          <a:bodyPr/>
-          <a:lstStyle/>
-          <a:p>
-            <a:fld id="{F9D62829-C74A-48E8-BA30-BE2CEDDA2708}" type="slidenum">
-              <a:rPr lang="ru-RU" sz="3200" smtClean="0"/>
-              <a:pPr/>
-              <a:t>2</a:t>
             </a:fld>
             <a:endParaRPr lang="ru-RU" sz="3200" dirty="0"/>
           </a:p>
@@ -5602,361 +4486,7 @@
 </p:sld>
 </file>
 
-<file path=ppt/slides/slide3.xml><?xml version="1.0" encoding="utf-8"?>
-<p:sld xmlns:a="http://schemas.openxmlformats.org/drawingml/2006/main" xmlns:r="http://schemas.openxmlformats.org/officeDocument/2006/relationships" xmlns:p="http://schemas.openxmlformats.org/presentationml/2006/main">
-  <p:cSld>
-    <p:spTree>
-      <p:nvGrpSpPr>
-        <p:cNvPr id="1" name=""/>
-        <p:cNvGrpSpPr/>
-        <p:nvPr/>
-      </p:nvGrpSpPr>
-      <p:grpSpPr>
-        <a:xfrm>
-          <a:off x="0" y="0"/>
-          <a:ext cx="0" cy="0"/>
-          <a:chOff x="0" y="0"/>
-          <a:chExt cx="0" cy="0"/>
-        </a:xfrm>
-      </p:grpSpPr>
-      <p:sp>
-        <p:nvSpPr>
-          <p:cNvPr id="2" name="Заголовок 1"/>
-          <p:cNvSpPr>
-            <a:spLocks noGrp="1"/>
-          </p:cNvSpPr>
-          <p:nvPr>
-            <p:ph type="title"/>
-          </p:nvPr>
-        </p:nvSpPr>
-        <p:spPr/>
-        <p:txBody>
-          <a:bodyPr>
-            <a:normAutofit fontScale="90000"/>
-          </a:bodyPr>
-          <a:lstStyle/>
-          <a:p>
-            <a:r>
-              <a:rPr lang="ru-RU" dirty="0" smtClean="0"/>
-              <a:t>Подходы к отслеживанию. Классификация</a:t>
-            </a:r>
-            <a:endParaRPr lang="ru-RU" dirty="0"/>
-          </a:p>
-        </p:txBody>
-      </p:sp>
-      <p:sp>
-        <p:nvSpPr>
-          <p:cNvPr id="4" name="Номер слайда 3"/>
-          <p:cNvSpPr>
-            <a:spLocks noGrp="1"/>
-          </p:cNvSpPr>
-          <p:nvPr>
-            <p:ph type="sldNum" sz="quarter" idx="12"/>
-          </p:nvPr>
-        </p:nvSpPr>
-        <p:spPr/>
-        <p:txBody>
-          <a:bodyPr/>
-          <a:lstStyle/>
-          <a:p>
-            <a:fld id="{F9D62829-C74A-48E8-BA30-BE2CEDDA2708}" type="slidenum">
-              <a:rPr lang="ru-RU" smtClean="0"/>
-              <a:pPr/>
-              <a:t>3</a:t>
-            </a:fld>
-            <a:endParaRPr lang="ru-RU"/>
-          </a:p>
-        </p:txBody>
-      </p:sp>
-      <p:pic>
-        <p:nvPicPr>
-          <p:cNvPr id="6" name="Содержимое 5" descr="Классификация_схема_презентация.png"/>
-          <p:cNvPicPr>
-            <a:picLocks noGrp="1" noChangeAspect="1"/>
-          </p:cNvPicPr>
-          <p:nvPr>
-            <p:ph idx="1"/>
-          </p:nvPr>
-        </p:nvPicPr>
-        <p:blipFill>
-          <a:blip r:embed="rId2" cstate="print"/>
-          <a:stretch>
-            <a:fillRect/>
-          </a:stretch>
-        </p:blipFill>
-        <p:spPr>
-          <a:xfrm>
-            <a:off x="251519" y="1844824"/>
-            <a:ext cx="8640961" cy="4536504"/>
-          </a:xfrm>
-        </p:spPr>
-      </p:pic>
-    </p:spTree>
-  </p:cSld>
-  <p:clrMapOvr>
-    <a:masterClrMapping/>
-  </p:clrMapOvr>
-  <p:timing>
-    <p:tnLst>
-      <p:par>
-        <p:cTn id="1" dur="indefinite" restart="never" nodeType="tmRoot"/>
-      </p:par>
-    </p:tnLst>
-  </p:timing>
-</p:sld>
-</file>
-
-<file path=ppt/slides/slide4.xml><?xml version="1.0" encoding="utf-8"?>
-<p:sld xmlns:a="http://schemas.openxmlformats.org/drawingml/2006/main" xmlns:r="http://schemas.openxmlformats.org/officeDocument/2006/relationships" xmlns:p="http://schemas.openxmlformats.org/presentationml/2006/main">
-  <p:cSld>
-    <p:spTree>
-      <p:nvGrpSpPr>
-        <p:cNvPr id="1" name=""/>
-        <p:cNvGrpSpPr/>
-        <p:nvPr/>
-      </p:nvGrpSpPr>
-      <p:grpSpPr>
-        <a:xfrm>
-          <a:off x="0" y="0"/>
-          <a:ext cx="0" cy="0"/>
-          <a:chOff x="0" y="0"/>
-          <a:chExt cx="0" cy="0"/>
-        </a:xfrm>
-      </p:grpSpPr>
-      <p:sp>
-        <p:nvSpPr>
-          <p:cNvPr id="2" name="Заголовок 1"/>
-          <p:cNvSpPr>
-            <a:spLocks noGrp="1"/>
-          </p:cNvSpPr>
-          <p:nvPr>
-            <p:ph type="title"/>
-          </p:nvPr>
-        </p:nvSpPr>
-        <p:spPr/>
-        <p:txBody>
-          <a:bodyPr/>
-          <a:lstStyle/>
-          <a:p>
-            <a:pPr algn="ctr"/>
-            <a:r>
-              <a:rPr lang="ru-RU" dirty="0" smtClean="0"/>
-              <a:t>Проблемы отслеживания</a:t>
-            </a:r>
-            <a:endParaRPr lang="ru-RU" dirty="0"/>
-          </a:p>
-        </p:txBody>
-      </p:sp>
-      <p:sp>
-        <p:nvSpPr>
-          <p:cNvPr id="3" name="Содержимое 2"/>
-          <p:cNvSpPr>
-            <a:spLocks noGrp="1"/>
-          </p:cNvSpPr>
-          <p:nvPr>
-            <p:ph idx="1"/>
-          </p:nvPr>
-        </p:nvSpPr>
-        <p:spPr/>
-        <p:txBody>
-          <a:bodyPr/>
-          <a:lstStyle/>
-          <a:p>
-            <a:r>
-              <a:rPr lang="ru-RU" dirty="0" smtClean="0"/>
-              <a:t>меняющийся фон</a:t>
-            </a:r>
-          </a:p>
-          <a:p>
-            <a:r>
-              <a:rPr lang="ru-RU" dirty="0" smtClean="0"/>
-              <a:t>изменение освещения</a:t>
-            </a:r>
-          </a:p>
-          <a:p>
-            <a:r>
-              <a:rPr lang="ru-RU" dirty="0" smtClean="0"/>
-              <a:t>изменение внешнего облика объекта</a:t>
-            </a:r>
-          </a:p>
-          <a:p>
-            <a:r>
-              <a:rPr lang="ru-RU" dirty="0" smtClean="0"/>
-              <a:t>резкие изменения скорости и направления движения</a:t>
-            </a:r>
-          </a:p>
-          <a:p>
-            <a:r>
-              <a:rPr lang="ru-RU" dirty="0" smtClean="0"/>
-              <a:t>изменение масштаба объекта</a:t>
-            </a:r>
-          </a:p>
-          <a:p>
-            <a:r>
-              <a:rPr lang="ru-RU" dirty="0" smtClean="0"/>
-              <a:t>частичные и полные перекрытия объекта</a:t>
-            </a:r>
-            <a:endParaRPr lang="ru-RU" dirty="0"/>
-          </a:p>
-        </p:txBody>
-      </p:sp>
-      <p:sp>
-        <p:nvSpPr>
-          <p:cNvPr id="4" name="Номер слайда 3"/>
-          <p:cNvSpPr>
-            <a:spLocks noGrp="1"/>
-          </p:cNvSpPr>
-          <p:nvPr>
-            <p:ph type="sldNum" sz="quarter" idx="12"/>
-          </p:nvPr>
-        </p:nvSpPr>
-        <p:spPr/>
-        <p:txBody>
-          <a:bodyPr/>
-          <a:lstStyle/>
-          <a:p>
-            <a:fld id="{F9D62829-C74A-48E8-BA30-BE2CEDDA2708}" type="slidenum">
-              <a:rPr lang="ru-RU" sz="3200" smtClean="0"/>
-              <a:pPr/>
-              <a:t>4</a:t>
-            </a:fld>
-            <a:endParaRPr lang="ru-RU" sz="3200" dirty="0"/>
-          </a:p>
-        </p:txBody>
-      </p:sp>
-    </p:spTree>
-  </p:cSld>
-  <p:clrMapOvr>
-    <a:masterClrMapping/>
-  </p:clrMapOvr>
-  <p:timing>
-    <p:tnLst>
-      <p:par>
-        <p:cTn id="1" dur="indefinite" restart="never" nodeType="tmRoot"/>
-      </p:par>
-    </p:tnLst>
-  </p:timing>
-</p:sld>
-</file>
-
-<file path=ppt/slides/slide5.xml><?xml version="1.0" encoding="utf-8"?>
-<p:sld xmlns:a="http://schemas.openxmlformats.org/drawingml/2006/main" xmlns:r="http://schemas.openxmlformats.org/officeDocument/2006/relationships" xmlns:p="http://schemas.openxmlformats.org/presentationml/2006/main">
-  <p:cSld>
-    <p:spTree>
-      <p:nvGrpSpPr>
-        <p:cNvPr id="1" name=""/>
-        <p:cNvGrpSpPr/>
-        <p:nvPr/>
-      </p:nvGrpSpPr>
-      <p:grpSpPr>
-        <a:xfrm>
-          <a:off x="0" y="0"/>
-          <a:ext cx="0" cy="0"/>
-          <a:chOff x="0" y="0"/>
-          <a:chExt cx="0" cy="0"/>
-        </a:xfrm>
-      </p:grpSpPr>
-      <p:sp>
-        <p:nvSpPr>
-          <p:cNvPr id="2" name="Заголовок 1"/>
-          <p:cNvSpPr>
-            <a:spLocks noGrp="1"/>
-          </p:cNvSpPr>
-          <p:nvPr>
-            <p:ph type="title"/>
-          </p:nvPr>
-        </p:nvSpPr>
-        <p:spPr/>
-        <p:txBody>
-          <a:bodyPr/>
-          <a:lstStyle/>
-          <a:p>
-            <a:pPr algn="ctr"/>
-            <a:r>
-              <a:rPr lang="ru-RU" dirty="0" smtClean="0"/>
-              <a:t>Ограничения</a:t>
-            </a:r>
-            <a:endParaRPr lang="ru-RU" dirty="0"/>
-          </a:p>
-        </p:txBody>
-      </p:sp>
-      <p:sp>
-        <p:nvSpPr>
-          <p:cNvPr id="3" name="Содержимое 2"/>
-          <p:cNvSpPr>
-            <a:spLocks noGrp="1"/>
-          </p:cNvSpPr>
-          <p:nvPr>
-            <p:ph idx="1"/>
-          </p:nvPr>
-        </p:nvSpPr>
-        <p:spPr/>
-        <p:txBody>
-          <a:bodyPr/>
-          <a:lstStyle/>
-          <a:p>
-            <a:r>
-              <a:rPr lang="ru-RU" dirty="0" smtClean="0"/>
-              <a:t>Заранее известна цветовая гистограмма объекта.</a:t>
-            </a:r>
-          </a:p>
-          <a:p>
-            <a:r>
-              <a:rPr lang="ru-RU" dirty="0" smtClean="0"/>
-              <a:t>Цветовая гистограмма объекта должна отличаться от гистограммы фона.</a:t>
-            </a:r>
-          </a:p>
-          <a:p>
-            <a:r>
-              <a:rPr lang="ru-RU" dirty="0" smtClean="0"/>
-              <a:t>В сцене не должно быть элементов с похожей цветовой гистограммой.</a:t>
-            </a:r>
-          </a:p>
-          <a:p>
-            <a:endParaRPr lang="ru-RU" dirty="0"/>
-          </a:p>
-        </p:txBody>
-      </p:sp>
-      <p:sp>
-        <p:nvSpPr>
-          <p:cNvPr id="5" name="Номер слайда 4"/>
-          <p:cNvSpPr>
-            <a:spLocks noGrp="1"/>
-          </p:cNvSpPr>
-          <p:nvPr>
-            <p:ph type="sldNum" sz="quarter" idx="12"/>
-          </p:nvPr>
-        </p:nvSpPr>
-        <p:spPr/>
-        <p:txBody>
-          <a:bodyPr/>
-          <a:lstStyle/>
-          <a:p>
-            <a:fld id="{F9D62829-C74A-48E8-BA30-BE2CEDDA2708}" type="slidenum">
-              <a:rPr lang="ru-RU" sz="3200" smtClean="0"/>
-              <a:pPr/>
-              <a:t>5</a:t>
-            </a:fld>
-            <a:endParaRPr lang="ru-RU" sz="3200" dirty="0"/>
-          </a:p>
-        </p:txBody>
-      </p:sp>
-    </p:spTree>
-  </p:cSld>
-  <p:clrMapOvr>
-    <a:masterClrMapping/>
-  </p:clrMapOvr>
-  <p:timing>
-    <p:tnLst>
-      <p:par>
-        <p:cTn id="1" dur="indefinite" restart="never" nodeType="tmRoot"/>
-      </p:par>
-    </p:tnLst>
-  </p:timing>
-</p:sld>
-</file>
-
-<file path=ppt/slides/slide6.xml><?xml version="1.0" encoding="utf-8"?>
+<file path=ppt/slides/slide11.xml><?xml version="1.0" encoding="utf-8"?>
 <p:sld xmlns:a="http://schemas.openxmlformats.org/drawingml/2006/main" xmlns:r="http://schemas.openxmlformats.org/officeDocument/2006/relationships" xmlns:p="http://schemas.openxmlformats.org/presentationml/2006/main">
   <p:cSld>
     <p:spTree>
@@ -6367,7 +4897,7 @@
             <a:fld id="{F9D62829-C74A-48E8-BA30-BE2CEDDA2708}" type="slidenum">
               <a:rPr lang="ru-RU" sz="3600" smtClean="0"/>
               <a:pPr/>
-              <a:t>6</a:t>
+              <a:t>11</a:t>
             </a:fld>
             <a:endParaRPr lang="ru-RU" sz="3600" dirty="0"/>
           </a:p>
@@ -6388,7 +4918,7 @@
 </p:sld>
 </file>
 
-<file path=ppt/slides/slide7.xml><?xml version="1.0" encoding="utf-8"?>
+<file path=ppt/slides/slide12.xml><?xml version="1.0" encoding="utf-8"?>
 <p:sld xmlns:a="http://schemas.openxmlformats.org/drawingml/2006/main" xmlns:r="http://schemas.openxmlformats.org/officeDocument/2006/relationships" xmlns:p="http://schemas.openxmlformats.org/presentationml/2006/main">
   <p:cSld>
     <p:spTree>
@@ -6616,7 +5146,7 @@
             <a:fld id="{F9D62829-C74A-48E8-BA30-BE2CEDDA2708}" type="slidenum">
               <a:rPr lang="ru-RU" sz="3200" smtClean="0"/>
               <a:pPr/>
-              <a:t>7</a:t>
+              <a:t>12</a:t>
             </a:fld>
             <a:endParaRPr lang="ru-RU" sz="3200" dirty="0"/>
           </a:p>
@@ -6637,7 +5167,7 @@
 </p:sld>
 </file>
 
-<file path=ppt/slides/slide8.xml><?xml version="1.0" encoding="utf-8"?>
+<file path=ppt/slides/slide13.xml><?xml version="1.0" encoding="utf-8"?>
 <p:sld xmlns:a="http://schemas.openxmlformats.org/drawingml/2006/main" xmlns:r="http://schemas.openxmlformats.org/officeDocument/2006/relationships" xmlns:p="http://schemas.openxmlformats.org/presentationml/2006/main">
   <p:cSld>
     <p:spTree>
@@ -7020,7 +5550,7 @@
             <a:fld id="{F9D62829-C74A-48E8-BA30-BE2CEDDA2708}" type="slidenum">
               <a:rPr lang="ru-RU" sz="3200" smtClean="0"/>
               <a:pPr/>
-              <a:t>8</a:t>
+              <a:t>13</a:t>
             </a:fld>
             <a:endParaRPr lang="ru-RU" sz="3200" dirty="0"/>
           </a:p>
@@ -7041,7 +5571,7 @@
 </p:sld>
 </file>
 
-<file path=ppt/slides/slide9.xml><?xml version="1.0" encoding="utf-8"?>
+<file path=ppt/slides/slide14.xml><?xml version="1.0" encoding="utf-8"?>
 <p:sld xmlns:a="http://schemas.openxmlformats.org/drawingml/2006/main" xmlns:r="http://schemas.openxmlformats.org/officeDocument/2006/relationships" xmlns:p="http://schemas.openxmlformats.org/presentationml/2006/main">
   <p:cSld>
     <p:spTree>
@@ -7634,7 +6164,7 @@
             <a:fld id="{F9D62829-C74A-48E8-BA30-BE2CEDDA2708}" type="slidenum">
               <a:rPr lang="ru-RU" sz="3200" smtClean="0"/>
               <a:pPr/>
-              <a:t>9</a:t>
+              <a:t>14</a:t>
             </a:fld>
             <a:endParaRPr lang="ru-RU" sz="3200" dirty="0"/>
           </a:p>
@@ -7645,6 +6175,4626 @@
   <p:clrMapOvr>
     <a:masterClrMapping/>
   </p:clrMapOvr>
+</p:sld>
+</file>
+
+<file path=ppt/slides/slide15.xml><?xml version="1.0" encoding="utf-8"?>
+<p:sld xmlns:a="http://schemas.openxmlformats.org/drawingml/2006/main" xmlns:r="http://schemas.openxmlformats.org/officeDocument/2006/relationships" xmlns:p="http://schemas.openxmlformats.org/presentationml/2006/main">
+  <p:cSld>
+    <p:spTree>
+      <p:nvGrpSpPr>
+        <p:cNvPr id="1" name=""/>
+        <p:cNvGrpSpPr/>
+        <p:nvPr/>
+      </p:nvGrpSpPr>
+      <p:grpSpPr>
+        <a:xfrm>
+          <a:off x="0" y="0"/>
+          <a:ext cx="0" cy="0"/>
+          <a:chOff x="0" y="0"/>
+          <a:chExt cx="0" cy="0"/>
+        </a:xfrm>
+      </p:grpSpPr>
+      <p:sp>
+        <p:nvSpPr>
+          <p:cNvPr id="2" name="Заголовок 1"/>
+          <p:cNvSpPr>
+            <a:spLocks noGrp="1"/>
+          </p:cNvSpPr>
+          <p:nvPr>
+            <p:ph type="title"/>
+          </p:nvPr>
+        </p:nvSpPr>
+        <p:spPr/>
+        <p:txBody>
+          <a:bodyPr/>
+          <a:lstStyle/>
+          <a:p>
+            <a:pPr algn="ctr"/>
+            <a:r>
+              <a:rPr lang="ru-RU" dirty="0" smtClean="0"/>
+              <a:t>Анализ результатов</a:t>
+            </a:r>
+            <a:endParaRPr lang="ru-RU" dirty="0"/>
+          </a:p>
+        </p:txBody>
+      </p:sp>
+      <p:sp>
+        <p:nvSpPr>
+          <p:cNvPr id="3" name="Содержимое 2"/>
+          <p:cNvSpPr>
+            <a:spLocks noGrp="1"/>
+          </p:cNvSpPr>
+          <p:nvPr>
+            <p:ph idx="1"/>
+          </p:nvPr>
+        </p:nvSpPr>
+        <p:spPr/>
+        <p:txBody>
+          <a:bodyPr>
+            <a:normAutofit fontScale="92500" lnSpcReduction="10000"/>
+          </a:bodyPr>
+          <a:lstStyle/>
+          <a:p>
+            <a:pPr>
+              <a:lnSpc>
+                <a:spcPct val="150000"/>
+              </a:lnSpc>
+            </a:pPr>
+            <a:r>
+              <a:rPr lang="ru-RU" b="1" dirty="0" smtClean="0">
+                <a:solidFill>
+                  <a:srgbClr val="FF0000"/>
+                </a:solidFill>
+              </a:rPr>
+              <a:t>Индекс точности</a:t>
+            </a:r>
+          </a:p>
+          <a:p>
+            <a:pPr lvl="1"/>
+            <a:r>
+              <a:rPr lang="ru-RU" dirty="0" smtClean="0"/>
+              <a:t>        — площадь вычисленной области объекта</a:t>
+            </a:r>
+          </a:p>
+          <a:p>
+            <a:pPr lvl="1"/>
+            <a:r>
+              <a:rPr lang="ru-RU" dirty="0" smtClean="0"/>
+              <a:t>        — площадь эталонной области объекта</a:t>
+            </a:r>
+          </a:p>
+          <a:p>
+            <a:pPr lvl="1"/>
+            <a:r>
+              <a:rPr lang="en-US" dirty="0" smtClean="0"/>
+              <a:t> </a:t>
+            </a:r>
+            <a:r>
+              <a:rPr lang="ru-RU" dirty="0" smtClean="0"/>
+              <a:t>       —</a:t>
+            </a:r>
+            <a:r>
+              <a:rPr lang="en-US" dirty="0" smtClean="0"/>
+              <a:t> </a:t>
+            </a:r>
+            <a:r>
+              <a:rPr lang="ru-RU" dirty="0" smtClean="0"/>
+              <a:t>площадь пересечения вычисленной и эталонной областей </a:t>
+            </a:r>
+          </a:p>
+          <a:p>
+            <a:pPr lvl="1"/>
+            <a:endParaRPr lang="ru-RU" dirty="0" smtClean="0"/>
+          </a:p>
+          <a:p>
+            <a:r>
+              <a:rPr lang="ru-RU" dirty="0" smtClean="0"/>
+              <a:t>                                                                              — </a:t>
+            </a:r>
+          </a:p>
+          <a:p>
+            <a:pPr>
+              <a:buNone/>
+            </a:pPr>
+            <a:r>
+              <a:rPr lang="ru-RU" dirty="0" smtClean="0"/>
+              <a:t>    число кадров, в которых объект был успешно определен</a:t>
+            </a:r>
+          </a:p>
+          <a:p>
+            <a:pPr lvl="1"/>
+            <a:r>
+              <a:rPr lang="en-US" i="1" dirty="0" smtClean="0"/>
+              <a:t>M</a:t>
+            </a:r>
+            <a:r>
+              <a:rPr lang="en-US" dirty="0" smtClean="0"/>
+              <a:t> – </a:t>
+            </a:r>
+            <a:r>
+              <a:rPr lang="ru-RU" dirty="0" smtClean="0"/>
+              <a:t>длина видеозаписи в кадрах</a:t>
+            </a:r>
+          </a:p>
+          <a:p>
+            <a:pPr lvl="1">
+              <a:buNone/>
+            </a:pPr>
+            <a:endParaRPr lang="ru-RU" dirty="0" smtClean="0"/>
+          </a:p>
+          <a:p>
+            <a:pPr lvl="1"/>
+            <a:endParaRPr lang="ru-RU" dirty="0"/>
+          </a:p>
+        </p:txBody>
+      </p:sp>
+      <p:graphicFrame>
+        <p:nvGraphicFramePr>
+          <p:cNvPr id="5122" name="Object 2"/>
+          <p:cNvGraphicFramePr>
+            <a:graphicFrameLocks noChangeAspect="1"/>
+          </p:cNvGraphicFramePr>
+          <p:nvPr/>
+        </p:nvGraphicFramePr>
+        <p:xfrm>
+          <a:off x="4283968" y="1700808"/>
+          <a:ext cx="2354754" cy="931292"/>
+        </p:xfrm>
+        <a:graphic>
+          <a:graphicData uri="http://schemas.openxmlformats.org/presentationml/2006/ole">
+            <p:oleObj spid="_x0000_s5122" name="Формула" r:id="rId3" imgW="1130040" imgH="444240" progId="Equation.3">
+              <p:embed/>
+            </p:oleObj>
+          </a:graphicData>
+        </a:graphic>
+      </p:graphicFrame>
+      <p:graphicFrame>
+        <p:nvGraphicFramePr>
+          <p:cNvPr id="5123" name="Object 3"/>
+          <p:cNvGraphicFramePr>
+            <a:graphicFrameLocks noChangeAspect="1"/>
+          </p:cNvGraphicFramePr>
+          <p:nvPr/>
+        </p:nvGraphicFramePr>
+        <p:xfrm>
+          <a:off x="1259632" y="3429000"/>
+          <a:ext cx="376932" cy="457703"/>
+        </p:xfrm>
+        <a:graphic>
+          <a:graphicData uri="http://schemas.openxmlformats.org/presentationml/2006/ole">
+            <p:oleObj spid="_x0000_s5123" name="Формула" r:id="rId4" imgW="177480" imgH="215640" progId="Equation.3">
+              <p:embed/>
+            </p:oleObj>
+          </a:graphicData>
+        </a:graphic>
+      </p:graphicFrame>
+      <p:graphicFrame>
+        <p:nvGraphicFramePr>
+          <p:cNvPr id="5125" name="Object 5"/>
+          <p:cNvGraphicFramePr>
+            <a:graphicFrameLocks noChangeAspect="1"/>
+          </p:cNvGraphicFramePr>
+          <p:nvPr/>
+        </p:nvGraphicFramePr>
+        <p:xfrm>
+          <a:off x="1259632" y="2492896"/>
+          <a:ext cx="349250" cy="484188"/>
+        </p:xfrm>
+        <a:graphic>
+          <a:graphicData uri="http://schemas.openxmlformats.org/presentationml/2006/ole">
+            <p:oleObj spid="_x0000_s5125" name="Формула" r:id="rId5" imgW="164880" imgH="228600" progId="Equation.3">
+              <p:embed/>
+            </p:oleObj>
+          </a:graphicData>
+        </a:graphic>
+      </p:graphicFrame>
+      <p:graphicFrame>
+        <p:nvGraphicFramePr>
+          <p:cNvPr id="5126" name="Object 6"/>
+          <p:cNvGraphicFramePr>
+            <a:graphicFrameLocks noChangeAspect="1"/>
+          </p:cNvGraphicFramePr>
+          <p:nvPr/>
+        </p:nvGraphicFramePr>
+        <p:xfrm>
+          <a:off x="1259632" y="2996952"/>
+          <a:ext cx="538162" cy="511175"/>
+        </p:xfrm>
+        <a:graphic>
+          <a:graphicData uri="http://schemas.openxmlformats.org/presentationml/2006/ole">
+            <p:oleObj spid="_x0000_s5126" name="Формула" r:id="rId6" imgW="253800" imgH="241200" progId="Equation.3">
+              <p:embed/>
+            </p:oleObj>
+          </a:graphicData>
+        </a:graphic>
+      </p:graphicFrame>
+      <p:graphicFrame>
+        <p:nvGraphicFramePr>
+          <p:cNvPr id="5140" name="Object 20"/>
+          <p:cNvGraphicFramePr>
+            <a:graphicFrameLocks noChangeAspect="1"/>
+          </p:cNvGraphicFramePr>
+          <p:nvPr/>
+        </p:nvGraphicFramePr>
+        <p:xfrm>
+          <a:off x="971600" y="4509120"/>
+          <a:ext cx="5897562" cy="614362"/>
+        </p:xfrm>
+        <a:graphic>
+          <a:graphicData uri="http://schemas.openxmlformats.org/presentationml/2006/ole">
+            <p:oleObj spid="_x0000_s5140" name="Формула" r:id="rId7" imgW="2158920" imgH="266400" progId="Equation.3">
+              <p:embed/>
+            </p:oleObj>
+          </a:graphicData>
+        </a:graphic>
+      </p:graphicFrame>
+      <p:sp>
+        <p:nvSpPr>
+          <p:cNvPr id="24" name="Номер слайда 23"/>
+          <p:cNvSpPr>
+            <a:spLocks noGrp="1"/>
+          </p:cNvSpPr>
+          <p:nvPr>
+            <p:ph type="sldNum" sz="quarter" idx="12"/>
+          </p:nvPr>
+        </p:nvSpPr>
+        <p:spPr/>
+        <p:txBody>
+          <a:bodyPr/>
+          <a:lstStyle/>
+          <a:p>
+            <a:fld id="{F9D62829-C74A-48E8-BA30-BE2CEDDA2708}" type="slidenum">
+              <a:rPr lang="ru-RU" sz="3200" smtClean="0"/>
+              <a:pPr/>
+              <a:t>15</a:t>
+            </a:fld>
+            <a:endParaRPr lang="ru-RU" sz="3200" dirty="0"/>
+          </a:p>
+        </p:txBody>
+      </p:sp>
+    </p:spTree>
+  </p:cSld>
+  <p:clrMapOvr>
+    <a:masterClrMapping/>
+  </p:clrMapOvr>
+</p:sld>
+</file>
+
+<file path=ppt/slides/slide16.xml><?xml version="1.0" encoding="utf-8"?>
+<p:sld xmlns:a="http://schemas.openxmlformats.org/drawingml/2006/main" xmlns:r="http://schemas.openxmlformats.org/officeDocument/2006/relationships" xmlns:p="http://schemas.openxmlformats.org/presentationml/2006/main">
+  <p:cSld>
+    <p:spTree>
+      <p:nvGrpSpPr>
+        <p:cNvPr id="1" name=""/>
+        <p:cNvGrpSpPr/>
+        <p:nvPr/>
+      </p:nvGrpSpPr>
+      <p:grpSpPr>
+        <a:xfrm>
+          <a:off x="0" y="0"/>
+          <a:ext cx="0" cy="0"/>
+          <a:chOff x="0" y="0"/>
+          <a:chExt cx="0" cy="0"/>
+        </a:xfrm>
+      </p:grpSpPr>
+      <p:sp>
+        <p:nvSpPr>
+          <p:cNvPr id="2" name="Заголовок 1"/>
+          <p:cNvSpPr>
+            <a:spLocks noGrp="1"/>
+          </p:cNvSpPr>
+          <p:nvPr>
+            <p:ph type="title"/>
+          </p:nvPr>
+        </p:nvSpPr>
+        <p:spPr/>
+        <p:txBody>
+          <a:bodyPr/>
+          <a:lstStyle/>
+          <a:p>
+            <a:pPr algn="ctr"/>
+            <a:r>
+              <a:rPr lang="ru-RU" dirty="0" smtClean="0"/>
+              <a:t>Анализ результатов</a:t>
+            </a:r>
+            <a:endParaRPr lang="ru-RU" dirty="0"/>
+          </a:p>
+        </p:txBody>
+      </p:sp>
+      <p:pic>
+        <p:nvPicPr>
+          <p:cNvPr id="4" name="Содержимое 3" descr="quality.jpg"/>
+          <p:cNvPicPr>
+            <a:picLocks noGrp="1"/>
+          </p:cNvPicPr>
+          <p:nvPr>
+            <p:ph idx="1"/>
+          </p:nvPr>
+        </p:nvPicPr>
+        <p:blipFill>
+          <a:blip r:embed="rId2" cstate="print"/>
+          <a:stretch>
+            <a:fillRect/>
+          </a:stretch>
+        </p:blipFill>
+        <p:spPr>
+          <a:xfrm>
+            <a:off x="1115616" y="1556792"/>
+            <a:ext cx="6336704" cy="4392488"/>
+          </a:xfrm>
+          <a:prstGeom prst="rect">
+            <a:avLst/>
+          </a:prstGeom>
+        </p:spPr>
+      </p:pic>
+      <p:sp>
+        <p:nvSpPr>
+          <p:cNvPr id="5" name="TextBox 4"/>
+          <p:cNvSpPr txBox="1"/>
+          <p:nvPr/>
+        </p:nvSpPr>
+        <p:spPr>
+          <a:xfrm>
+            <a:off x="2123728" y="5949280"/>
+            <a:ext cx="4879349" cy="646331"/>
+          </a:xfrm>
+          <a:prstGeom prst="rect">
+            <a:avLst/>
+          </a:prstGeom>
+          <a:noFill/>
+        </p:spPr>
+        <p:txBody>
+          <a:bodyPr wrap="none" rtlCol="0">
+            <a:spAutoFit/>
+          </a:bodyPr>
+          <a:lstStyle/>
+          <a:p>
+            <a:r>
+              <a:rPr lang="ru-RU" dirty="0" smtClean="0"/>
+              <a:t>Точность отслеживания для </a:t>
+            </a:r>
+            <a:r>
+              <a:rPr lang="ru-RU" dirty="0"/>
+              <a:t>фильтра частиц  и </a:t>
+            </a:r>
+            <a:endParaRPr lang="ru-RU" dirty="0" smtClean="0"/>
+          </a:p>
+          <a:p>
+            <a:r>
+              <a:rPr lang="ru-RU" dirty="0" smtClean="0"/>
+              <a:t>фильтра </a:t>
+            </a:r>
+            <a:r>
+              <a:rPr lang="ru-RU" dirty="0"/>
+              <a:t>частиц с адаптацией погрешностей</a:t>
+            </a:r>
+          </a:p>
+        </p:txBody>
+      </p:sp>
+      <p:sp>
+        <p:nvSpPr>
+          <p:cNvPr id="6" name="Номер слайда 5"/>
+          <p:cNvSpPr>
+            <a:spLocks noGrp="1"/>
+          </p:cNvSpPr>
+          <p:nvPr>
+            <p:ph type="sldNum" sz="quarter" idx="12"/>
+          </p:nvPr>
+        </p:nvSpPr>
+        <p:spPr/>
+        <p:txBody>
+          <a:bodyPr/>
+          <a:lstStyle/>
+          <a:p>
+            <a:fld id="{F9D62829-C74A-48E8-BA30-BE2CEDDA2708}" type="slidenum">
+              <a:rPr lang="ru-RU" sz="3200" smtClean="0"/>
+              <a:pPr/>
+              <a:t>16</a:t>
+            </a:fld>
+            <a:endParaRPr lang="ru-RU" sz="3200" dirty="0"/>
+          </a:p>
+        </p:txBody>
+      </p:sp>
+    </p:spTree>
+  </p:cSld>
+  <p:clrMapOvr>
+    <a:masterClrMapping/>
+  </p:clrMapOvr>
+</p:sld>
+</file>
+
+<file path=ppt/slides/slide17.xml><?xml version="1.0" encoding="utf-8"?>
+<p:sld xmlns:a="http://schemas.openxmlformats.org/drawingml/2006/main" xmlns:r="http://schemas.openxmlformats.org/officeDocument/2006/relationships" xmlns:p="http://schemas.openxmlformats.org/presentationml/2006/main">
+  <p:cSld>
+    <p:spTree>
+      <p:nvGrpSpPr>
+        <p:cNvPr id="1" name=""/>
+        <p:cNvGrpSpPr/>
+        <p:nvPr/>
+      </p:nvGrpSpPr>
+      <p:grpSpPr>
+        <a:xfrm>
+          <a:off x="0" y="0"/>
+          <a:ext cx="0" cy="0"/>
+          <a:chOff x="0" y="0"/>
+          <a:chExt cx="0" cy="0"/>
+        </a:xfrm>
+      </p:grpSpPr>
+      <p:sp>
+        <p:nvSpPr>
+          <p:cNvPr id="2" name="Заголовок 1"/>
+          <p:cNvSpPr>
+            <a:spLocks noGrp="1"/>
+          </p:cNvSpPr>
+          <p:nvPr>
+            <p:ph type="title"/>
+          </p:nvPr>
+        </p:nvSpPr>
+        <p:spPr/>
+        <p:txBody>
+          <a:bodyPr/>
+          <a:lstStyle/>
+          <a:p>
+            <a:pPr algn="ctr"/>
+            <a:r>
+              <a:rPr lang="ru-RU" dirty="0" smtClean="0"/>
+              <a:t>Анализ результатов</a:t>
+            </a:r>
+            <a:endParaRPr lang="ru-RU" dirty="0"/>
+          </a:p>
+        </p:txBody>
+      </p:sp>
+      <p:graphicFrame>
+        <p:nvGraphicFramePr>
+          <p:cNvPr id="4" name="Содержимое 3"/>
+          <p:cNvGraphicFramePr>
+            <a:graphicFrameLocks noGrp="1"/>
+          </p:cNvGraphicFramePr>
+          <p:nvPr>
+            <p:ph idx="1"/>
+          </p:nvPr>
+        </p:nvGraphicFramePr>
+        <p:xfrm>
+          <a:off x="539552" y="1916832"/>
+          <a:ext cx="8229600" cy="3749040"/>
+        </p:xfrm>
+        <a:graphic>
+          <a:graphicData uri="http://schemas.openxmlformats.org/drawingml/2006/table">
+            <a:tbl>
+              <a:tblPr firstRow="1" bandRow="1">
+                <a:tableStyleId>{5C22544A-7EE6-4342-B048-85BDC9FD1C3A}</a:tableStyleId>
+              </a:tblPr>
+              <a:tblGrid>
+                <a:gridCol w="1882552"/>
+                <a:gridCol w="2880320"/>
+                <a:gridCol w="1728192"/>
+                <a:gridCol w="1738536"/>
+              </a:tblGrid>
+              <a:tr h="370840">
+                <a:tc>
+                  <a:txBody>
+                    <a:bodyPr/>
+                    <a:lstStyle/>
+                    <a:p>
+                      <a:pPr algn="ctr"/>
+                      <a:r>
+                        <a:rPr lang="ru-RU" dirty="0" smtClean="0"/>
+                        <a:t>Характеристика</a:t>
+                      </a:r>
+                      <a:endParaRPr lang="ru-RU" dirty="0"/>
+                    </a:p>
+                  </a:txBody>
+                  <a:tcPr anchor="ctr"/>
+                </a:tc>
+                <a:tc>
+                  <a:txBody>
+                    <a:bodyPr/>
+                    <a:lstStyle/>
+                    <a:p>
+                      <a:pPr algn="ctr"/>
+                      <a:r>
+                        <a:rPr lang="ru-RU" dirty="0" smtClean="0"/>
+                        <a:t>Описание</a:t>
+                      </a:r>
+                      <a:endParaRPr lang="ru-RU" dirty="0"/>
+                    </a:p>
+                  </a:txBody>
+                  <a:tcPr anchor="ctr"/>
+                </a:tc>
+                <a:tc>
+                  <a:txBody>
+                    <a:bodyPr/>
+                    <a:lstStyle/>
+                    <a:p>
+                      <a:pPr algn="ctr"/>
+                      <a:r>
+                        <a:rPr lang="ru-RU" dirty="0" smtClean="0"/>
+                        <a:t>Простой фильтр</a:t>
+                      </a:r>
+                      <a:r>
+                        <a:rPr lang="ru-RU" baseline="0" dirty="0" smtClean="0"/>
+                        <a:t> частиц</a:t>
+                      </a:r>
+                      <a:endParaRPr lang="ru-RU" dirty="0"/>
+                    </a:p>
+                  </a:txBody>
+                  <a:tcPr anchor="ctr"/>
+                </a:tc>
+                <a:tc>
+                  <a:txBody>
+                    <a:bodyPr/>
+                    <a:lstStyle/>
+                    <a:p>
+                      <a:pPr algn="ctr"/>
+                      <a:r>
+                        <a:rPr lang="ru-RU" dirty="0" smtClean="0"/>
+                        <a:t>Фильтр частиц с адаптацией погрешностей</a:t>
+                      </a:r>
+                      <a:endParaRPr lang="ru-RU" dirty="0"/>
+                    </a:p>
+                  </a:txBody>
+                  <a:tcPr anchor="ctr"/>
+                </a:tc>
+              </a:tr>
+              <a:tr h="370840">
+                <a:tc>
+                  <a:txBody>
+                    <a:bodyPr/>
+                    <a:lstStyle/>
+                    <a:p>
+                      <a:endParaRPr lang="ru-RU" dirty="0"/>
+                    </a:p>
+                  </a:txBody>
+                  <a:tcPr/>
+                </a:tc>
+                <a:tc>
+                  <a:txBody>
+                    <a:bodyPr/>
+                    <a:lstStyle/>
+                    <a:p>
+                      <a:pPr algn="ctr"/>
+                      <a:r>
+                        <a:rPr lang="ru-RU" dirty="0" smtClean="0"/>
+                        <a:t>Средняя</a:t>
+                      </a:r>
+                      <a:r>
+                        <a:rPr lang="ru-RU" baseline="0" dirty="0" smtClean="0"/>
+                        <a:t> точность отслеживания</a:t>
+                      </a:r>
+                      <a:endParaRPr lang="ru-RU" dirty="0"/>
+                    </a:p>
+                  </a:txBody>
+                  <a:tcPr anchor="ctr"/>
+                </a:tc>
+                <a:tc>
+                  <a:txBody>
+                    <a:bodyPr/>
+                    <a:lstStyle/>
+                    <a:p>
+                      <a:pPr algn="ctr"/>
+                      <a:r>
+                        <a:rPr lang="ru-RU" dirty="0" smtClean="0"/>
+                        <a:t>0,134</a:t>
+                      </a:r>
+                      <a:endParaRPr lang="ru-RU" dirty="0"/>
+                    </a:p>
+                  </a:txBody>
+                  <a:tcPr anchor="ctr"/>
+                </a:tc>
+                <a:tc>
+                  <a:txBody>
+                    <a:bodyPr/>
+                    <a:lstStyle/>
+                    <a:p>
+                      <a:pPr algn="ctr"/>
+                      <a:r>
+                        <a:rPr lang="ru-RU" dirty="0" smtClean="0"/>
+                        <a:t>0,498</a:t>
+                      </a:r>
+                      <a:endParaRPr lang="ru-RU" dirty="0"/>
+                    </a:p>
+                  </a:txBody>
+                  <a:tcPr anchor="ctr"/>
+                </a:tc>
+              </a:tr>
+              <a:tr h="370840">
+                <a:tc>
+                  <a:txBody>
+                    <a:bodyPr/>
+                    <a:lstStyle/>
+                    <a:p>
+                      <a:endParaRPr lang="ru-RU" dirty="0"/>
+                    </a:p>
+                  </a:txBody>
+                  <a:tcPr/>
+                </a:tc>
+                <a:tc>
+                  <a:txBody>
+                    <a:bodyPr/>
+                    <a:lstStyle/>
+                    <a:p>
+                      <a:pPr algn="ctr"/>
+                      <a:r>
+                        <a:rPr lang="ru-RU" dirty="0" smtClean="0"/>
+                        <a:t>Средняя точность</a:t>
+                      </a:r>
+                      <a:r>
+                        <a:rPr lang="ru-RU" baseline="0" dirty="0" smtClean="0"/>
+                        <a:t> отслеживания по «успешным» кадрам</a:t>
+                      </a:r>
+                      <a:endParaRPr lang="ru-RU" dirty="0"/>
+                    </a:p>
+                  </a:txBody>
+                  <a:tcPr anchor="ctr"/>
+                </a:tc>
+                <a:tc>
+                  <a:txBody>
+                    <a:bodyPr/>
+                    <a:lstStyle/>
+                    <a:p>
+                      <a:pPr algn="ctr"/>
+                      <a:r>
+                        <a:rPr lang="ru-RU" dirty="0" smtClean="0"/>
+                        <a:t>0,499</a:t>
+                      </a:r>
+                      <a:endParaRPr lang="ru-RU" dirty="0"/>
+                    </a:p>
+                  </a:txBody>
+                  <a:tcPr anchor="ctr"/>
+                </a:tc>
+                <a:tc>
+                  <a:txBody>
+                    <a:bodyPr/>
+                    <a:lstStyle/>
+                    <a:p>
+                      <a:pPr algn="ctr"/>
+                      <a:r>
+                        <a:rPr lang="ru-RU" dirty="0" smtClean="0"/>
+                        <a:t>0,566</a:t>
+                      </a:r>
+                      <a:endParaRPr lang="ru-RU" dirty="0"/>
+                    </a:p>
+                  </a:txBody>
+                  <a:tcPr anchor="ctr"/>
+                </a:tc>
+              </a:tr>
+              <a:tr h="370840">
+                <a:tc>
+                  <a:txBody>
+                    <a:bodyPr/>
+                    <a:lstStyle/>
+                    <a:p>
+                      <a:endParaRPr lang="ru-RU" dirty="0"/>
+                    </a:p>
+                  </a:txBody>
+                  <a:tcPr/>
+                </a:tc>
+                <a:tc>
+                  <a:txBody>
+                    <a:bodyPr/>
+                    <a:lstStyle/>
+                    <a:p>
+                      <a:pPr algn="ctr"/>
+                      <a:r>
+                        <a:rPr lang="ru-RU" dirty="0" smtClean="0"/>
+                        <a:t>Количество</a:t>
+                      </a:r>
+                      <a:r>
+                        <a:rPr lang="ru-RU" baseline="0" dirty="0" smtClean="0"/>
+                        <a:t> «успешных» кадров</a:t>
+                      </a:r>
+                      <a:endParaRPr lang="ru-RU" dirty="0"/>
+                    </a:p>
+                  </a:txBody>
+                  <a:tcPr anchor="ctr"/>
+                </a:tc>
+                <a:tc>
+                  <a:txBody>
+                    <a:bodyPr/>
+                    <a:lstStyle/>
+                    <a:p>
+                      <a:pPr algn="ctr"/>
+                      <a:r>
+                        <a:rPr lang="ru-RU" dirty="0" smtClean="0"/>
+                        <a:t>179</a:t>
+                      </a:r>
+                      <a:endParaRPr lang="ru-RU" dirty="0"/>
+                    </a:p>
+                  </a:txBody>
+                  <a:tcPr anchor="ctr"/>
+                </a:tc>
+                <a:tc>
+                  <a:txBody>
+                    <a:bodyPr/>
+                    <a:lstStyle/>
+                    <a:p>
+                      <a:pPr algn="ctr"/>
+                      <a:r>
+                        <a:rPr lang="ru-RU" dirty="0" smtClean="0"/>
+                        <a:t>1006</a:t>
+                      </a:r>
+                      <a:endParaRPr lang="ru-RU" dirty="0"/>
+                    </a:p>
+                  </a:txBody>
+                  <a:tcPr anchor="ctr"/>
+                </a:tc>
+              </a:tr>
+              <a:tr h="370840">
+                <a:tc>
+                  <a:txBody>
+                    <a:bodyPr/>
+                    <a:lstStyle/>
+                    <a:p>
+                      <a:endParaRPr lang="ru-RU" dirty="0"/>
+                    </a:p>
+                  </a:txBody>
+                  <a:tcPr/>
+                </a:tc>
+                <a:tc>
+                  <a:txBody>
+                    <a:bodyPr/>
+                    <a:lstStyle/>
+                    <a:p>
+                      <a:pPr algn="ctr"/>
+                      <a:r>
+                        <a:rPr lang="ru-RU" dirty="0" smtClean="0"/>
+                        <a:t>Среднее</a:t>
+                      </a:r>
+                      <a:r>
+                        <a:rPr lang="ru-RU" baseline="0" dirty="0" smtClean="0"/>
+                        <a:t> время восстановления </a:t>
+                      </a:r>
+                      <a:endParaRPr lang="ru-RU" dirty="0"/>
+                    </a:p>
+                  </a:txBody>
+                  <a:tcPr anchor="ctr"/>
+                </a:tc>
+                <a:tc>
+                  <a:txBody>
+                    <a:bodyPr/>
+                    <a:lstStyle/>
+                    <a:p>
+                      <a:pPr algn="ctr"/>
+                      <a:r>
+                        <a:rPr lang="ru-RU" dirty="0" smtClean="0"/>
+                        <a:t>23,751</a:t>
+                      </a:r>
+                      <a:endParaRPr lang="ru-RU" dirty="0"/>
+                    </a:p>
+                  </a:txBody>
+                  <a:tcPr anchor="ctr"/>
+                </a:tc>
+                <a:tc>
+                  <a:txBody>
+                    <a:bodyPr/>
+                    <a:lstStyle/>
+                    <a:p>
+                      <a:pPr algn="ctr"/>
+                      <a:r>
+                        <a:rPr lang="ru-RU" dirty="0" smtClean="0"/>
+                        <a:t>6,035</a:t>
+                      </a:r>
+                      <a:endParaRPr lang="ru-RU" dirty="0"/>
+                    </a:p>
+                  </a:txBody>
+                  <a:tcPr anchor="ctr"/>
+                </a:tc>
+              </a:tr>
+            </a:tbl>
+          </a:graphicData>
+        </a:graphic>
+      </p:graphicFrame>
+      <p:graphicFrame>
+        <p:nvGraphicFramePr>
+          <p:cNvPr id="5" name="Объект 4"/>
+          <p:cNvGraphicFramePr>
+            <a:graphicFrameLocks noChangeAspect="1"/>
+          </p:cNvGraphicFramePr>
+          <p:nvPr/>
+        </p:nvGraphicFramePr>
+        <p:xfrm>
+          <a:off x="1115616" y="2780928"/>
+          <a:ext cx="360040" cy="390901"/>
+        </p:xfrm>
+        <a:graphic>
+          <a:graphicData uri="http://schemas.openxmlformats.org/presentationml/2006/ole">
+            <p:oleObj spid="_x0000_s23554" name="Формула" r:id="rId3" imgW="177480" imgH="228600" progId="Equation.3">
+              <p:embed/>
+            </p:oleObj>
+          </a:graphicData>
+        </a:graphic>
+      </p:graphicFrame>
+      <p:graphicFrame>
+        <p:nvGraphicFramePr>
+          <p:cNvPr id="23556" name="Object 4"/>
+          <p:cNvGraphicFramePr>
+            <a:graphicFrameLocks noChangeAspect="1"/>
+          </p:cNvGraphicFramePr>
+          <p:nvPr/>
+        </p:nvGraphicFramePr>
+        <p:xfrm>
+          <a:off x="1084114" y="3573016"/>
+          <a:ext cx="463550" cy="433388"/>
+        </p:xfrm>
+        <a:graphic>
+          <a:graphicData uri="http://schemas.openxmlformats.org/presentationml/2006/ole">
+            <p:oleObj spid="_x0000_s23556" name="Формула" r:id="rId4" imgW="228600" imgH="253800" progId="Equation.3">
+              <p:embed/>
+            </p:oleObj>
+          </a:graphicData>
+        </a:graphic>
+      </p:graphicFrame>
+      <p:graphicFrame>
+        <p:nvGraphicFramePr>
+          <p:cNvPr id="23557" name="Object 5"/>
+          <p:cNvGraphicFramePr>
+            <a:graphicFrameLocks noChangeAspect="1"/>
+          </p:cNvGraphicFramePr>
+          <p:nvPr/>
+        </p:nvGraphicFramePr>
+        <p:xfrm>
+          <a:off x="1054522" y="4365104"/>
+          <a:ext cx="565150" cy="411163"/>
+        </p:xfrm>
+        <a:graphic>
+          <a:graphicData uri="http://schemas.openxmlformats.org/presentationml/2006/ole">
+            <p:oleObj spid="_x0000_s23557" name="Формула" r:id="rId5" imgW="279360" imgH="241200" progId="Equation.3">
+              <p:embed/>
+            </p:oleObj>
+          </a:graphicData>
+        </a:graphic>
+      </p:graphicFrame>
+      <p:graphicFrame>
+        <p:nvGraphicFramePr>
+          <p:cNvPr id="23558" name="Object 6"/>
+          <p:cNvGraphicFramePr>
+            <a:graphicFrameLocks noChangeAspect="1"/>
+          </p:cNvGraphicFramePr>
+          <p:nvPr/>
+        </p:nvGraphicFramePr>
+        <p:xfrm>
+          <a:off x="1115616" y="5013176"/>
+          <a:ext cx="255588" cy="280988"/>
+        </p:xfrm>
+        <a:graphic>
+          <a:graphicData uri="http://schemas.openxmlformats.org/presentationml/2006/ole">
+            <p:oleObj spid="_x0000_s23558" name="Формула" r:id="rId6" imgW="126720" imgH="164880" progId="Equation.3">
+              <p:embed/>
+            </p:oleObj>
+          </a:graphicData>
+        </a:graphic>
+      </p:graphicFrame>
+      <p:sp>
+        <p:nvSpPr>
+          <p:cNvPr id="10" name="Номер слайда 9"/>
+          <p:cNvSpPr>
+            <a:spLocks noGrp="1"/>
+          </p:cNvSpPr>
+          <p:nvPr>
+            <p:ph type="sldNum" sz="quarter" idx="12"/>
+          </p:nvPr>
+        </p:nvSpPr>
+        <p:spPr/>
+        <p:txBody>
+          <a:bodyPr/>
+          <a:lstStyle/>
+          <a:p>
+            <a:fld id="{F9D62829-C74A-48E8-BA30-BE2CEDDA2708}" type="slidenum">
+              <a:rPr lang="ru-RU" sz="3200" smtClean="0"/>
+              <a:pPr/>
+              <a:t>17</a:t>
+            </a:fld>
+            <a:endParaRPr lang="ru-RU" sz="3200" dirty="0"/>
+          </a:p>
+        </p:txBody>
+      </p:sp>
+    </p:spTree>
+  </p:cSld>
+  <p:clrMapOvr>
+    <a:masterClrMapping/>
+  </p:clrMapOvr>
+</p:sld>
+</file>
+
+<file path=ppt/slides/slide18.xml><?xml version="1.0" encoding="utf-8"?>
+<p:sld xmlns:a="http://schemas.openxmlformats.org/drawingml/2006/main" xmlns:r="http://schemas.openxmlformats.org/officeDocument/2006/relationships" xmlns:p="http://schemas.openxmlformats.org/presentationml/2006/main">
+  <p:cSld>
+    <p:spTree>
+      <p:nvGrpSpPr>
+        <p:cNvPr id="1" name=""/>
+        <p:cNvGrpSpPr/>
+        <p:nvPr/>
+      </p:nvGrpSpPr>
+      <p:grpSpPr>
+        <a:xfrm>
+          <a:off x="0" y="0"/>
+          <a:ext cx="0" cy="0"/>
+          <a:chOff x="0" y="0"/>
+          <a:chExt cx="0" cy="0"/>
+        </a:xfrm>
+      </p:grpSpPr>
+      <p:sp>
+        <p:nvSpPr>
+          <p:cNvPr id="2" name="Заголовок 1"/>
+          <p:cNvSpPr>
+            <a:spLocks noGrp="1"/>
+          </p:cNvSpPr>
+          <p:nvPr>
+            <p:ph type="title"/>
+          </p:nvPr>
+        </p:nvSpPr>
+        <p:spPr/>
+        <p:txBody>
+          <a:bodyPr/>
+          <a:lstStyle/>
+          <a:p>
+            <a:pPr algn="ctr"/>
+            <a:r>
+              <a:rPr lang="ru-RU" dirty="0" smtClean="0"/>
+              <a:t>Выводы</a:t>
+            </a:r>
+            <a:endParaRPr lang="ru-RU" dirty="0"/>
+          </a:p>
+        </p:txBody>
+      </p:sp>
+      <p:sp>
+        <p:nvSpPr>
+          <p:cNvPr id="3" name="Содержимое 2"/>
+          <p:cNvSpPr>
+            <a:spLocks noGrp="1"/>
+          </p:cNvSpPr>
+          <p:nvPr>
+            <p:ph idx="1"/>
+          </p:nvPr>
+        </p:nvSpPr>
+        <p:spPr/>
+        <p:txBody>
+          <a:bodyPr>
+            <a:normAutofit fontScale="70000" lnSpcReduction="20000"/>
+          </a:bodyPr>
+          <a:lstStyle/>
+          <a:p>
+            <a:r>
+              <a:rPr lang="ru-RU" b="1" dirty="0" smtClean="0"/>
+              <a:t>Адаптация погрешностей:</a:t>
+            </a:r>
+          </a:p>
+          <a:p>
+            <a:pPr lvl="1"/>
+            <a:r>
+              <a:rPr lang="ru-RU" dirty="0" smtClean="0"/>
+              <a:t>повышает среднюю точность отслеживания</a:t>
+            </a:r>
+          </a:p>
+          <a:p>
+            <a:pPr lvl="1"/>
+            <a:r>
+              <a:rPr lang="ru-RU" dirty="0" smtClean="0"/>
+              <a:t>уменьшает среднее время восстановления после потери объекта</a:t>
+            </a:r>
+          </a:p>
+          <a:p>
+            <a:r>
+              <a:rPr lang="ru-RU" b="1" dirty="0" smtClean="0"/>
+              <a:t>Недостатки:</a:t>
+            </a:r>
+          </a:p>
+          <a:p>
+            <a:pPr lvl="1"/>
+            <a:r>
+              <a:rPr lang="ru-RU" dirty="0" smtClean="0"/>
+              <a:t>слабая модель представления объекта с помощью цветовой гистограммы</a:t>
+            </a:r>
+          </a:p>
+          <a:p>
+            <a:pPr lvl="1"/>
+            <a:r>
+              <a:rPr lang="ru-RU" dirty="0" smtClean="0"/>
+              <a:t>отсутствие возможности отслеживать несколько похожих объектов</a:t>
+            </a:r>
+          </a:p>
+          <a:p>
+            <a:r>
+              <a:rPr lang="ru-RU" b="1" dirty="0" smtClean="0"/>
+              <a:t>Способы улучшения:</a:t>
+            </a:r>
+          </a:p>
+          <a:p>
+            <a:pPr lvl="1"/>
+            <a:r>
+              <a:rPr lang="ru-RU" dirty="0" smtClean="0"/>
+              <a:t>выбор альтернативного  способа представления объекта (контуры, признаки Хаара, локальные бинарные шаблоны и т.п.) </a:t>
+            </a:r>
+          </a:p>
+          <a:p>
+            <a:pPr lvl="1"/>
+            <a:r>
+              <a:rPr lang="ru-RU" dirty="0" smtClean="0"/>
+              <a:t>использование кластеризации для определения области объекта</a:t>
+            </a:r>
+          </a:p>
+        </p:txBody>
+      </p:sp>
+      <p:sp>
+        <p:nvSpPr>
+          <p:cNvPr id="5" name="Номер слайда 4"/>
+          <p:cNvSpPr>
+            <a:spLocks noGrp="1"/>
+          </p:cNvSpPr>
+          <p:nvPr>
+            <p:ph type="sldNum" sz="quarter" idx="12"/>
+          </p:nvPr>
+        </p:nvSpPr>
+        <p:spPr/>
+        <p:txBody>
+          <a:bodyPr/>
+          <a:lstStyle/>
+          <a:p>
+            <a:fld id="{F9D62829-C74A-48E8-BA30-BE2CEDDA2708}" type="slidenum">
+              <a:rPr lang="ru-RU" sz="3200" smtClean="0"/>
+              <a:pPr/>
+              <a:t>18</a:t>
+            </a:fld>
+            <a:endParaRPr lang="ru-RU" sz="3200" dirty="0"/>
+          </a:p>
+        </p:txBody>
+      </p:sp>
+    </p:spTree>
+  </p:cSld>
+  <p:clrMapOvr>
+    <a:masterClrMapping/>
+  </p:clrMapOvr>
+</p:sld>
+</file>
+
+<file path=ppt/slides/slide2.xml><?xml version="1.0" encoding="utf-8"?>
+<p:sld xmlns:a="http://schemas.openxmlformats.org/drawingml/2006/main" xmlns:r="http://schemas.openxmlformats.org/officeDocument/2006/relationships" xmlns:p="http://schemas.openxmlformats.org/presentationml/2006/main">
+  <p:cSld>
+    <p:spTree>
+      <p:nvGrpSpPr>
+        <p:cNvPr id="1" name=""/>
+        <p:cNvGrpSpPr/>
+        <p:nvPr/>
+      </p:nvGrpSpPr>
+      <p:grpSpPr>
+        <a:xfrm>
+          <a:off x="0" y="0"/>
+          <a:ext cx="0" cy="0"/>
+          <a:chOff x="0" y="0"/>
+          <a:chExt cx="0" cy="0"/>
+        </a:xfrm>
+      </p:grpSpPr>
+      <p:sp>
+        <p:nvSpPr>
+          <p:cNvPr id="2" name="Заголовок 1"/>
+          <p:cNvSpPr>
+            <a:spLocks noGrp="1"/>
+          </p:cNvSpPr>
+          <p:nvPr>
+            <p:ph type="title"/>
+          </p:nvPr>
+        </p:nvSpPr>
+        <p:spPr/>
+        <p:txBody>
+          <a:bodyPr/>
+          <a:lstStyle/>
+          <a:p>
+            <a:pPr algn="ctr"/>
+            <a:r>
+              <a:rPr lang="ru-RU" dirty="0" smtClean="0"/>
+              <a:t>Цели и задачи</a:t>
+            </a:r>
+            <a:endParaRPr lang="ru-RU" dirty="0"/>
+          </a:p>
+        </p:txBody>
+      </p:sp>
+      <p:sp>
+        <p:nvSpPr>
+          <p:cNvPr id="3" name="Содержимое 2"/>
+          <p:cNvSpPr>
+            <a:spLocks noGrp="1"/>
+          </p:cNvSpPr>
+          <p:nvPr>
+            <p:ph idx="1"/>
+          </p:nvPr>
+        </p:nvSpPr>
+        <p:spPr/>
+        <p:txBody>
+          <a:bodyPr>
+            <a:normAutofit fontScale="85000" lnSpcReduction="10000"/>
+          </a:bodyPr>
+          <a:lstStyle/>
+          <a:p>
+            <a:r>
+              <a:rPr lang="ru-RU" dirty="0" smtClean="0">
+                <a:solidFill>
+                  <a:srgbClr val="FF0000"/>
+                </a:solidFill>
+              </a:rPr>
+              <a:t>Цель</a:t>
+            </a:r>
+            <a:r>
+              <a:rPr lang="ru-RU" dirty="0" smtClean="0"/>
+              <a:t>: разработать метод вероятностного отслеживания объектов в видеопотоке</a:t>
+            </a:r>
+          </a:p>
+          <a:p>
+            <a:endParaRPr lang="ru-RU" dirty="0" smtClean="0"/>
+          </a:p>
+          <a:p>
+            <a:r>
+              <a:rPr lang="ru-RU" dirty="0" smtClean="0">
+                <a:solidFill>
+                  <a:srgbClr val="FF0000"/>
+                </a:solidFill>
+              </a:rPr>
+              <a:t>Задачи</a:t>
+            </a:r>
+            <a:r>
+              <a:rPr lang="ru-RU" dirty="0" smtClean="0"/>
+              <a:t>:</a:t>
+            </a:r>
+          </a:p>
+          <a:p>
+            <a:pPr lvl="1"/>
+            <a:r>
+              <a:rPr lang="ru-RU" dirty="0" smtClean="0"/>
+              <a:t>проанализировать существующие методы, выявить их  достоинства и недостатки;</a:t>
+            </a:r>
+          </a:p>
+          <a:p>
+            <a:pPr lvl="1"/>
+            <a:r>
+              <a:rPr lang="ru-RU" dirty="0" smtClean="0"/>
+              <a:t>разработать математический аппарат для предлагаемого метода;</a:t>
+            </a:r>
+          </a:p>
+          <a:p>
+            <a:pPr lvl="1"/>
+            <a:r>
+              <a:rPr lang="ru-RU" dirty="0" smtClean="0"/>
+              <a:t>разработать алгоритм отслеживания на основе предлагаемого метода;</a:t>
+            </a:r>
+          </a:p>
+          <a:p>
+            <a:pPr lvl="1"/>
+            <a:r>
+              <a:rPr lang="ru-RU" dirty="0" smtClean="0"/>
+              <a:t>разработать ПО, реализующее предлагаемый метод;</a:t>
+            </a:r>
+          </a:p>
+          <a:p>
+            <a:pPr lvl="1"/>
+            <a:r>
+              <a:rPr lang="ru-RU" dirty="0" smtClean="0"/>
+              <a:t>провести исследование полученных результатов</a:t>
+            </a:r>
+          </a:p>
+          <a:p>
+            <a:pPr lvl="1"/>
+            <a:endParaRPr lang="ru-RU" dirty="0"/>
+          </a:p>
+        </p:txBody>
+      </p:sp>
+      <p:sp>
+        <p:nvSpPr>
+          <p:cNvPr id="4" name="Номер слайда 3"/>
+          <p:cNvSpPr>
+            <a:spLocks noGrp="1"/>
+          </p:cNvSpPr>
+          <p:nvPr>
+            <p:ph type="sldNum" sz="quarter" idx="12"/>
+          </p:nvPr>
+        </p:nvSpPr>
+        <p:spPr/>
+        <p:txBody>
+          <a:bodyPr/>
+          <a:lstStyle/>
+          <a:p>
+            <a:fld id="{F9D62829-C74A-48E8-BA30-BE2CEDDA2708}" type="slidenum">
+              <a:rPr lang="ru-RU" sz="3200" smtClean="0"/>
+              <a:pPr/>
+              <a:t>2</a:t>
+            </a:fld>
+            <a:endParaRPr lang="ru-RU" sz="3200" dirty="0"/>
+          </a:p>
+        </p:txBody>
+      </p:sp>
+    </p:spTree>
+  </p:cSld>
+  <p:clrMapOvr>
+    <a:masterClrMapping/>
+  </p:clrMapOvr>
+  <p:timing>
+    <p:tnLst>
+      <p:par>
+        <p:cTn id="1" dur="indefinite" restart="never" nodeType="tmRoot"/>
+      </p:par>
+    </p:tnLst>
+  </p:timing>
+</p:sld>
+</file>
+
+<file path=ppt/slides/slide3.xml><?xml version="1.0" encoding="utf-8"?>
+<p:sld xmlns:a="http://schemas.openxmlformats.org/drawingml/2006/main" xmlns:r="http://schemas.openxmlformats.org/officeDocument/2006/relationships" xmlns:p="http://schemas.openxmlformats.org/presentationml/2006/main">
+  <p:cSld>
+    <p:spTree>
+      <p:nvGrpSpPr>
+        <p:cNvPr id="1" name=""/>
+        <p:cNvGrpSpPr/>
+        <p:nvPr/>
+      </p:nvGrpSpPr>
+      <p:grpSpPr>
+        <a:xfrm>
+          <a:off x="0" y="0"/>
+          <a:ext cx="0" cy="0"/>
+          <a:chOff x="0" y="0"/>
+          <a:chExt cx="0" cy="0"/>
+        </a:xfrm>
+      </p:grpSpPr>
+      <p:sp>
+        <p:nvSpPr>
+          <p:cNvPr id="2" name="Заголовок 1"/>
+          <p:cNvSpPr>
+            <a:spLocks noGrp="1"/>
+          </p:cNvSpPr>
+          <p:nvPr>
+            <p:ph type="title"/>
+          </p:nvPr>
+        </p:nvSpPr>
+        <p:spPr/>
+        <p:txBody>
+          <a:bodyPr>
+            <a:normAutofit fontScale="90000"/>
+          </a:bodyPr>
+          <a:lstStyle/>
+          <a:p>
+            <a:pPr algn="ctr"/>
+            <a:r>
+              <a:rPr lang="ru-RU" dirty="0" smtClean="0"/>
+              <a:t>Подходы к отслеживанию. Классификация</a:t>
+            </a:r>
+            <a:endParaRPr lang="ru-RU" dirty="0"/>
+          </a:p>
+        </p:txBody>
+      </p:sp>
+      <p:sp>
+        <p:nvSpPr>
+          <p:cNvPr id="4" name="Номер слайда 3"/>
+          <p:cNvSpPr>
+            <a:spLocks noGrp="1"/>
+          </p:cNvSpPr>
+          <p:nvPr>
+            <p:ph type="sldNum" sz="quarter" idx="12"/>
+          </p:nvPr>
+        </p:nvSpPr>
+        <p:spPr/>
+        <p:txBody>
+          <a:bodyPr/>
+          <a:lstStyle/>
+          <a:p>
+            <a:fld id="{F9D62829-C74A-48E8-BA30-BE2CEDDA2708}" type="slidenum">
+              <a:rPr lang="ru-RU" smtClean="0"/>
+              <a:pPr/>
+              <a:t>3</a:t>
+            </a:fld>
+            <a:endParaRPr lang="ru-RU"/>
+          </a:p>
+        </p:txBody>
+      </p:sp>
+      <p:pic>
+        <p:nvPicPr>
+          <p:cNvPr id="6" name="Содержимое 5" descr="Классификация_схема_презентация.png"/>
+          <p:cNvPicPr>
+            <a:picLocks noGrp="1" noChangeAspect="1"/>
+          </p:cNvPicPr>
+          <p:nvPr>
+            <p:ph idx="1"/>
+          </p:nvPr>
+        </p:nvPicPr>
+        <p:blipFill>
+          <a:blip r:embed="rId2" cstate="print"/>
+          <a:stretch>
+            <a:fillRect/>
+          </a:stretch>
+        </p:blipFill>
+        <p:spPr>
+          <a:xfrm>
+            <a:off x="251519" y="1844824"/>
+            <a:ext cx="8640961" cy="4536504"/>
+          </a:xfrm>
+        </p:spPr>
+      </p:pic>
+    </p:spTree>
+  </p:cSld>
+  <p:clrMapOvr>
+    <a:masterClrMapping/>
+  </p:clrMapOvr>
+  <p:timing>
+    <p:tnLst>
+      <p:par>
+        <p:cTn id="1" dur="indefinite" restart="never" nodeType="tmRoot"/>
+      </p:par>
+    </p:tnLst>
+  </p:timing>
+</p:sld>
+</file>
+
+<file path=ppt/slides/slide4.xml><?xml version="1.0" encoding="utf-8"?>
+<p:sld xmlns:a="http://schemas.openxmlformats.org/drawingml/2006/main" xmlns:r="http://schemas.openxmlformats.org/officeDocument/2006/relationships" xmlns:p="http://schemas.openxmlformats.org/presentationml/2006/main">
+  <p:cSld>
+    <p:spTree>
+      <p:nvGrpSpPr>
+        <p:cNvPr id="1" name=""/>
+        <p:cNvGrpSpPr/>
+        <p:nvPr/>
+      </p:nvGrpSpPr>
+      <p:grpSpPr>
+        <a:xfrm>
+          <a:off x="0" y="0"/>
+          <a:ext cx="0" cy="0"/>
+          <a:chOff x="0" y="0"/>
+          <a:chExt cx="0" cy="0"/>
+        </a:xfrm>
+      </p:grpSpPr>
+      <p:sp>
+        <p:nvSpPr>
+          <p:cNvPr id="2" name="Заголовок 1"/>
+          <p:cNvSpPr>
+            <a:spLocks noGrp="1"/>
+          </p:cNvSpPr>
+          <p:nvPr>
+            <p:ph type="title"/>
+          </p:nvPr>
+        </p:nvSpPr>
+        <p:spPr/>
+        <p:txBody>
+          <a:bodyPr/>
+          <a:lstStyle/>
+          <a:p>
+            <a:pPr algn="ctr"/>
+            <a:r>
+              <a:rPr lang="ru-RU" dirty="0" smtClean="0"/>
+              <a:t>Байесовский подход</a:t>
+            </a:r>
+            <a:endParaRPr lang="ru-RU" dirty="0"/>
+          </a:p>
+        </p:txBody>
+      </p:sp>
+      <p:sp>
+        <p:nvSpPr>
+          <p:cNvPr id="4" name="Номер слайда 3"/>
+          <p:cNvSpPr>
+            <a:spLocks noGrp="1"/>
+          </p:cNvSpPr>
+          <p:nvPr>
+            <p:ph type="sldNum" sz="quarter" idx="12"/>
+          </p:nvPr>
+        </p:nvSpPr>
+        <p:spPr/>
+        <p:txBody>
+          <a:bodyPr/>
+          <a:lstStyle/>
+          <a:p>
+            <a:fld id="{F9D62829-C74A-48E8-BA30-BE2CEDDA2708}" type="slidenum">
+              <a:rPr lang="ru-RU" smtClean="0"/>
+              <a:pPr/>
+              <a:t>4</a:t>
+            </a:fld>
+            <a:endParaRPr lang="ru-RU"/>
+          </a:p>
+        </p:txBody>
+      </p:sp>
+      <p:sp>
+        <p:nvSpPr>
+          <p:cNvPr id="7" name="Прямоугольник 6"/>
+          <p:cNvSpPr/>
+          <p:nvPr/>
+        </p:nvSpPr>
+        <p:spPr>
+          <a:xfrm>
+            <a:off x="1835696" y="2996952"/>
+            <a:ext cx="5328592" cy="1872208"/>
+          </a:xfrm>
+          <a:prstGeom prst="rect">
+            <a:avLst/>
+          </a:prstGeom>
+          <a:solidFill>
+            <a:schemeClr val="accent1"/>
+          </a:solidFill>
+          <a:ln>
+            <a:solidFill>
+              <a:schemeClr val="accent1"/>
+            </a:solidFill>
+          </a:ln>
+        </p:spPr>
+        <p:style>
+          <a:lnRef idx="2">
+            <a:schemeClr val="accent1">
+              <a:shade val="50000"/>
+            </a:schemeClr>
+          </a:lnRef>
+          <a:fillRef idx="1">
+            <a:schemeClr val="accent1"/>
+          </a:fillRef>
+          <a:effectRef idx="0">
+            <a:schemeClr val="accent1"/>
+          </a:effectRef>
+          <a:fontRef idx="minor">
+            <a:schemeClr val="lt1"/>
+          </a:fontRef>
+        </p:style>
+        <p:txBody>
+          <a:bodyPr rtlCol="0" anchor="ctr"/>
+          <a:lstStyle/>
+          <a:p>
+            <a:pPr algn="ctr"/>
+            <a:r>
+              <a:rPr lang="ru-RU" sz="2400" b="1" dirty="0" smtClean="0">
+                <a:solidFill>
+                  <a:schemeClr val="bg1"/>
+                </a:solidFill>
+                <a:latin typeface="Times New Roman" pitchFamily="18" charset="0"/>
+                <a:cs typeface="Times New Roman" pitchFamily="18" charset="0"/>
+              </a:rPr>
+              <a:t>Вычислить плотность распределения вероятности вектора состояния объекта на </a:t>
+            </a:r>
+            <a:r>
+              <a:rPr lang="en-US" sz="2400" b="1" dirty="0" smtClean="0">
+                <a:solidFill>
+                  <a:schemeClr val="bg1"/>
+                </a:solidFill>
+                <a:latin typeface="Times New Roman" pitchFamily="18" charset="0"/>
+                <a:cs typeface="Times New Roman" pitchFamily="18" charset="0"/>
+              </a:rPr>
+              <a:t>M</a:t>
+            </a:r>
+            <a:r>
+              <a:rPr lang="ru-RU" sz="2400" b="1" dirty="0" smtClean="0">
+                <a:solidFill>
+                  <a:schemeClr val="bg1"/>
+                </a:solidFill>
+                <a:latin typeface="Times New Roman" pitchFamily="18" charset="0"/>
+                <a:cs typeface="Times New Roman" pitchFamily="18" charset="0"/>
+              </a:rPr>
+              <a:t> кадрах видеопоследовательности </a:t>
+            </a:r>
+            <a:endParaRPr lang="ru-RU" sz="2400" b="1" dirty="0">
+              <a:solidFill>
+                <a:schemeClr val="bg1"/>
+              </a:solidFill>
+              <a:latin typeface="Times New Roman" pitchFamily="18" charset="0"/>
+              <a:cs typeface="Times New Roman" pitchFamily="18" charset="0"/>
+            </a:endParaRPr>
+          </a:p>
+        </p:txBody>
+      </p:sp>
+      <p:sp>
+        <p:nvSpPr>
+          <p:cNvPr id="10" name="TextBox 9"/>
+          <p:cNvSpPr txBox="1"/>
+          <p:nvPr/>
+        </p:nvSpPr>
+        <p:spPr>
+          <a:xfrm>
+            <a:off x="-72008" y="2996952"/>
+            <a:ext cx="1907704" cy="461665"/>
+          </a:xfrm>
+          <a:prstGeom prst="rect">
+            <a:avLst/>
+          </a:prstGeom>
+          <a:noFill/>
+        </p:spPr>
+        <p:txBody>
+          <a:bodyPr wrap="square" rtlCol="0">
+            <a:spAutoFit/>
+          </a:bodyPr>
+          <a:lstStyle/>
+          <a:p>
+            <a:r>
+              <a:rPr lang="ru-RU" sz="2400" dirty="0" smtClean="0">
+                <a:latin typeface="Times New Roman" pitchFamily="18" charset="0"/>
+                <a:cs typeface="Times New Roman" pitchFamily="18" charset="0"/>
+              </a:rPr>
+              <a:t>Исходная </a:t>
+            </a:r>
+            <a:r>
+              <a:rPr lang="en-US" sz="2400" dirty="0" err="1" smtClean="0">
+                <a:latin typeface="Times New Roman" pitchFamily="18" charset="0"/>
+                <a:cs typeface="Times New Roman" pitchFamily="18" charset="0"/>
+              </a:rPr>
+              <a:t>pdf</a:t>
+            </a:r>
+            <a:endParaRPr lang="ru-RU" sz="2400" dirty="0" smtClean="0">
+              <a:latin typeface="Times New Roman" pitchFamily="18" charset="0"/>
+              <a:cs typeface="Times New Roman" pitchFamily="18" charset="0"/>
+            </a:endParaRPr>
+          </a:p>
+        </p:txBody>
+      </p:sp>
+      <p:graphicFrame>
+        <p:nvGraphicFramePr>
+          <p:cNvPr id="27651" name="Object 3"/>
+          <p:cNvGraphicFramePr>
+            <a:graphicFrameLocks noChangeAspect="1"/>
+          </p:cNvGraphicFramePr>
+          <p:nvPr/>
+        </p:nvGraphicFramePr>
+        <p:xfrm>
+          <a:off x="629508" y="3356992"/>
+          <a:ext cx="990164" cy="576064"/>
+        </p:xfrm>
+        <a:graphic>
+          <a:graphicData uri="http://schemas.openxmlformats.org/presentationml/2006/ole">
+            <p:oleObj spid="_x0000_s27651" name="Equation" r:id="rId3" imgW="393480" imgH="228600" progId="Equation.3">
+              <p:embed/>
+            </p:oleObj>
+          </a:graphicData>
+        </a:graphic>
+      </p:graphicFrame>
+      <p:cxnSp>
+        <p:nvCxnSpPr>
+          <p:cNvPr id="13" name="Прямая со стрелкой 12"/>
+          <p:cNvCxnSpPr/>
+          <p:nvPr/>
+        </p:nvCxnSpPr>
+        <p:spPr>
+          <a:xfrm>
+            <a:off x="7164288" y="3861048"/>
+            <a:ext cx="1584176" cy="0"/>
+          </a:xfrm>
+          <a:prstGeom prst="straightConnector1">
+            <a:avLst/>
+          </a:prstGeom>
+          <a:ln>
+            <a:solidFill>
+              <a:schemeClr val="accent1"/>
+            </a:solidFill>
+            <a:tailEnd type="triangle" w="lg" len="lg"/>
+          </a:ln>
+        </p:spPr>
+        <p:style>
+          <a:lnRef idx="1">
+            <a:schemeClr val="accent1"/>
+          </a:lnRef>
+          <a:fillRef idx="0">
+            <a:schemeClr val="accent1"/>
+          </a:fillRef>
+          <a:effectRef idx="0">
+            <a:schemeClr val="accent1"/>
+          </a:effectRef>
+          <a:fontRef idx="minor">
+            <a:schemeClr val="tx1"/>
+          </a:fontRef>
+        </p:style>
+      </p:cxnSp>
+      <p:sp>
+        <p:nvSpPr>
+          <p:cNvPr id="14" name="TextBox 13"/>
+          <p:cNvSpPr txBox="1"/>
+          <p:nvPr/>
+        </p:nvSpPr>
+        <p:spPr>
+          <a:xfrm>
+            <a:off x="7128792" y="2924944"/>
+            <a:ext cx="2123728" cy="461665"/>
+          </a:xfrm>
+          <a:prstGeom prst="rect">
+            <a:avLst/>
+          </a:prstGeom>
+          <a:noFill/>
+        </p:spPr>
+        <p:txBody>
+          <a:bodyPr wrap="square" rtlCol="0">
+            <a:spAutoFit/>
+          </a:bodyPr>
+          <a:lstStyle/>
+          <a:p>
+            <a:r>
+              <a:rPr lang="en-US" sz="2400" dirty="0" err="1" smtClean="0">
+                <a:latin typeface="Times New Roman" pitchFamily="18" charset="0"/>
+                <a:cs typeface="Times New Roman" pitchFamily="18" charset="0"/>
+              </a:rPr>
+              <a:t>pdf</a:t>
+            </a:r>
+            <a:r>
+              <a:rPr lang="ru-RU" sz="2400" dirty="0" smtClean="0">
+                <a:latin typeface="Times New Roman" pitchFamily="18" charset="0"/>
+                <a:cs typeface="Times New Roman" pitchFamily="18" charset="0"/>
+              </a:rPr>
+              <a:t> на кадре </a:t>
+            </a:r>
+            <a:r>
+              <a:rPr lang="en-US" sz="2400" dirty="0" smtClean="0">
+                <a:latin typeface="Times New Roman" pitchFamily="18" charset="0"/>
+                <a:cs typeface="Times New Roman" pitchFamily="18" charset="0"/>
+              </a:rPr>
+              <a:t>k</a:t>
+            </a:r>
+            <a:r>
+              <a:rPr lang="ru-RU" sz="2400" dirty="0" smtClean="0">
+                <a:latin typeface="Times New Roman" pitchFamily="18" charset="0"/>
+                <a:cs typeface="Times New Roman" pitchFamily="18" charset="0"/>
+              </a:rPr>
+              <a:t> </a:t>
+            </a:r>
+            <a:endParaRPr lang="ru-RU" sz="2400" dirty="0">
+              <a:latin typeface="Times New Roman" pitchFamily="18" charset="0"/>
+              <a:cs typeface="Times New Roman" pitchFamily="18" charset="0"/>
+            </a:endParaRPr>
+          </a:p>
+        </p:txBody>
+      </p:sp>
+      <p:graphicFrame>
+        <p:nvGraphicFramePr>
+          <p:cNvPr id="27652" name="Object 4"/>
+          <p:cNvGraphicFramePr>
+            <a:graphicFrameLocks noChangeAspect="1"/>
+          </p:cNvGraphicFramePr>
+          <p:nvPr/>
+        </p:nvGraphicFramePr>
+        <p:xfrm>
+          <a:off x="7308304" y="3284984"/>
+          <a:ext cx="1512168" cy="524848"/>
+        </p:xfrm>
+        <a:graphic>
+          <a:graphicData uri="http://schemas.openxmlformats.org/presentationml/2006/ole">
+            <p:oleObj spid="_x0000_s27652" name="Equation" r:id="rId4" imgW="660240" imgH="228600" progId="Equation.3">
+              <p:embed/>
+            </p:oleObj>
+          </a:graphicData>
+        </a:graphic>
+      </p:graphicFrame>
+      <p:sp>
+        <p:nvSpPr>
+          <p:cNvPr id="16" name="TextBox 15"/>
+          <p:cNvSpPr txBox="1"/>
+          <p:nvPr/>
+        </p:nvSpPr>
+        <p:spPr>
+          <a:xfrm>
+            <a:off x="323528" y="5746030"/>
+            <a:ext cx="8112927" cy="923330"/>
+          </a:xfrm>
+          <a:prstGeom prst="rect">
+            <a:avLst/>
+          </a:prstGeom>
+          <a:noFill/>
+        </p:spPr>
+        <p:txBody>
+          <a:bodyPr wrap="square" rtlCol="0">
+            <a:spAutoFit/>
+          </a:bodyPr>
+          <a:lstStyle/>
+          <a:p>
+            <a:r>
+              <a:rPr lang="en-US" dirty="0" err="1" smtClean="0">
+                <a:latin typeface="Times New Roman" pitchFamily="18" charset="0"/>
+                <a:cs typeface="Times New Roman" pitchFamily="18" charset="0"/>
+              </a:rPr>
+              <a:t>pdf</a:t>
+            </a:r>
+            <a:r>
+              <a:rPr lang="ru-RU" dirty="0" smtClean="0">
+                <a:latin typeface="Times New Roman" pitchFamily="18" charset="0"/>
+                <a:cs typeface="Times New Roman" pitchFamily="18" charset="0"/>
+              </a:rPr>
+              <a:t> </a:t>
+            </a:r>
+            <a:r>
+              <a:rPr lang="en-US" dirty="0" smtClean="0">
+                <a:latin typeface="Times New Roman" pitchFamily="18" charset="0"/>
+                <a:cs typeface="Times New Roman" pitchFamily="18" charset="0"/>
+              </a:rPr>
+              <a:t>–</a:t>
+            </a:r>
+            <a:r>
+              <a:rPr lang="ru-RU" dirty="0" smtClean="0">
+                <a:latin typeface="Times New Roman" pitchFamily="18" charset="0"/>
+                <a:cs typeface="Times New Roman" pitchFamily="18" charset="0"/>
+              </a:rPr>
+              <a:t> функция плотности </a:t>
+            </a:r>
+            <a:r>
+              <a:rPr lang="ru-RU" dirty="0" smtClean="0">
+                <a:latin typeface="Times New Roman" pitchFamily="18" charset="0"/>
+                <a:cs typeface="Times New Roman" pitchFamily="18" charset="0"/>
+              </a:rPr>
+              <a:t>распределения вероятности вектора состояния </a:t>
+            </a:r>
+            <a:r>
+              <a:rPr lang="ru-RU" dirty="0" smtClean="0">
+                <a:latin typeface="Times New Roman" pitchFamily="18" charset="0"/>
+                <a:cs typeface="Times New Roman" pitchFamily="18" charset="0"/>
+              </a:rPr>
+              <a:t>объекта</a:t>
+            </a:r>
+          </a:p>
+          <a:p>
+            <a:r>
+              <a:rPr lang="en-US" dirty="0" smtClean="0">
+                <a:latin typeface="Times New Roman" pitchFamily="18" charset="0"/>
+                <a:cs typeface="Times New Roman" pitchFamily="18" charset="0"/>
+              </a:rPr>
+              <a:t> </a:t>
+            </a:r>
+            <a:r>
+              <a:rPr lang="en-US" dirty="0" smtClean="0">
+                <a:latin typeface="Times New Roman" pitchFamily="18" charset="0"/>
+                <a:cs typeface="Times New Roman" pitchFamily="18" charset="0"/>
+              </a:rPr>
+              <a:t>      – </a:t>
+            </a:r>
+            <a:r>
+              <a:rPr lang="ru-RU" dirty="0" smtClean="0">
+                <a:latin typeface="Times New Roman" pitchFamily="18" charset="0"/>
+                <a:cs typeface="Times New Roman" pitchFamily="18" charset="0"/>
+              </a:rPr>
+              <a:t>вектор состояния объекта на кадре </a:t>
+            </a:r>
+            <a:r>
+              <a:rPr lang="en-US" dirty="0" smtClean="0">
+                <a:latin typeface="Times New Roman" pitchFamily="18" charset="0"/>
+                <a:cs typeface="Times New Roman" pitchFamily="18" charset="0"/>
+              </a:rPr>
+              <a:t>k</a:t>
+            </a:r>
+            <a:endParaRPr lang="ru-RU" dirty="0" smtClean="0">
+              <a:latin typeface="Times New Roman" pitchFamily="18" charset="0"/>
+              <a:cs typeface="Times New Roman" pitchFamily="18" charset="0"/>
+            </a:endParaRPr>
+          </a:p>
+          <a:p>
+            <a:r>
+              <a:rPr lang="ru-RU" dirty="0" smtClean="0">
+                <a:latin typeface="Times New Roman" pitchFamily="18" charset="0"/>
+                <a:cs typeface="Times New Roman" pitchFamily="18" charset="0"/>
+              </a:rPr>
+              <a:t> </a:t>
+            </a:r>
+            <a:r>
+              <a:rPr lang="ru-RU" dirty="0" smtClean="0">
+                <a:latin typeface="Times New Roman" pitchFamily="18" charset="0"/>
+                <a:cs typeface="Times New Roman" pitchFamily="18" charset="0"/>
+              </a:rPr>
+              <a:t>     </a:t>
+            </a:r>
+            <a:r>
+              <a:rPr lang="en-US" dirty="0" smtClean="0">
+                <a:latin typeface="Times New Roman" pitchFamily="18" charset="0"/>
+                <a:cs typeface="Times New Roman" pitchFamily="18" charset="0"/>
+              </a:rPr>
+              <a:t> – </a:t>
+            </a:r>
+            <a:r>
+              <a:rPr lang="ru-RU" dirty="0" smtClean="0">
+                <a:latin typeface="Times New Roman" pitchFamily="18" charset="0"/>
+                <a:cs typeface="Times New Roman" pitchFamily="18" charset="0"/>
+              </a:rPr>
+              <a:t>наблюдаемое состояние</a:t>
+            </a:r>
+            <a:r>
+              <a:rPr lang="en-US" dirty="0" smtClean="0">
+                <a:latin typeface="Times New Roman" pitchFamily="18" charset="0"/>
+                <a:cs typeface="Times New Roman" pitchFamily="18" charset="0"/>
+              </a:rPr>
+              <a:t> </a:t>
+            </a:r>
+            <a:r>
+              <a:rPr lang="ru-RU" dirty="0" smtClean="0">
+                <a:latin typeface="Times New Roman" pitchFamily="18" charset="0"/>
+                <a:cs typeface="Times New Roman" pitchFamily="18" charset="0"/>
+              </a:rPr>
+              <a:t>объекта на кадре </a:t>
+            </a:r>
+            <a:r>
+              <a:rPr lang="en-US" dirty="0" smtClean="0">
+                <a:latin typeface="Times New Roman" pitchFamily="18" charset="0"/>
+                <a:cs typeface="Times New Roman" pitchFamily="18" charset="0"/>
+              </a:rPr>
+              <a:t>k</a:t>
+            </a:r>
+            <a:endParaRPr lang="ru-RU" dirty="0"/>
+          </a:p>
+        </p:txBody>
+      </p:sp>
+      <p:cxnSp>
+        <p:nvCxnSpPr>
+          <p:cNvPr id="20" name="Прямая со стрелкой 19"/>
+          <p:cNvCxnSpPr/>
+          <p:nvPr/>
+        </p:nvCxnSpPr>
+        <p:spPr>
+          <a:xfrm>
+            <a:off x="0" y="3861048"/>
+            <a:ext cx="1835696" cy="0"/>
+          </a:xfrm>
+          <a:prstGeom prst="straightConnector1">
+            <a:avLst/>
+          </a:prstGeom>
+          <a:ln>
+            <a:solidFill>
+              <a:schemeClr val="accent1"/>
+            </a:solidFill>
+            <a:tailEnd type="triangle" w="lg" len="lg"/>
+          </a:ln>
+        </p:spPr>
+        <p:style>
+          <a:lnRef idx="1">
+            <a:schemeClr val="accent1"/>
+          </a:lnRef>
+          <a:fillRef idx="0">
+            <a:schemeClr val="accent1"/>
+          </a:fillRef>
+          <a:effectRef idx="0">
+            <a:schemeClr val="accent1"/>
+          </a:effectRef>
+          <a:fontRef idx="minor">
+            <a:schemeClr val="tx1"/>
+          </a:fontRef>
+        </p:style>
+      </p:cxnSp>
+      <p:cxnSp>
+        <p:nvCxnSpPr>
+          <p:cNvPr id="27" name="Прямая со стрелкой 26"/>
+          <p:cNvCxnSpPr/>
+          <p:nvPr/>
+        </p:nvCxnSpPr>
+        <p:spPr>
+          <a:xfrm>
+            <a:off x="3817542" y="1772816"/>
+            <a:ext cx="0" cy="1224136"/>
+          </a:xfrm>
+          <a:prstGeom prst="straightConnector1">
+            <a:avLst/>
+          </a:prstGeom>
+          <a:ln w="15875">
+            <a:solidFill>
+              <a:schemeClr val="accent1"/>
+            </a:solidFill>
+            <a:tailEnd type="triangle" w="lg" len="lg"/>
+          </a:ln>
+        </p:spPr>
+        <p:style>
+          <a:lnRef idx="1">
+            <a:schemeClr val="accent1"/>
+          </a:lnRef>
+          <a:fillRef idx="0">
+            <a:schemeClr val="accent1"/>
+          </a:fillRef>
+          <a:effectRef idx="0">
+            <a:schemeClr val="accent1"/>
+          </a:effectRef>
+          <a:fontRef idx="minor">
+            <a:schemeClr val="tx1"/>
+          </a:fontRef>
+        </p:style>
+      </p:cxnSp>
+      <p:sp>
+        <p:nvSpPr>
+          <p:cNvPr id="28" name="TextBox 27"/>
+          <p:cNvSpPr txBox="1"/>
+          <p:nvPr/>
+        </p:nvSpPr>
+        <p:spPr>
+          <a:xfrm>
+            <a:off x="1187624" y="1700808"/>
+            <a:ext cx="2559803" cy="830997"/>
+          </a:xfrm>
+          <a:prstGeom prst="rect">
+            <a:avLst/>
+          </a:prstGeom>
+          <a:noFill/>
+        </p:spPr>
+        <p:txBody>
+          <a:bodyPr wrap="none" rtlCol="0">
+            <a:spAutoFit/>
+          </a:bodyPr>
+          <a:lstStyle/>
+          <a:p>
+            <a:pPr algn="r"/>
+            <a:r>
+              <a:rPr lang="ru-RU" sz="2400" dirty="0" smtClean="0">
+                <a:latin typeface="Times New Roman" pitchFamily="18" charset="0"/>
+                <a:cs typeface="Times New Roman" pitchFamily="18" charset="0"/>
+              </a:rPr>
+              <a:t>Модель динамики</a:t>
+            </a:r>
+          </a:p>
+          <a:p>
+            <a:pPr algn="r"/>
+            <a:r>
+              <a:rPr lang="ru-RU" sz="2400" dirty="0" smtClean="0">
+                <a:latin typeface="Times New Roman" pitchFamily="18" charset="0"/>
+                <a:cs typeface="Times New Roman" pitchFamily="18" charset="0"/>
+              </a:rPr>
+              <a:t>объекта</a:t>
+            </a:r>
+            <a:endParaRPr lang="ru-RU" sz="2400" dirty="0">
+              <a:latin typeface="Times New Roman" pitchFamily="18" charset="0"/>
+              <a:cs typeface="Times New Roman" pitchFamily="18" charset="0"/>
+            </a:endParaRPr>
+          </a:p>
+        </p:txBody>
+      </p:sp>
+      <p:graphicFrame>
+        <p:nvGraphicFramePr>
+          <p:cNvPr id="27653" name="Object 5"/>
+          <p:cNvGraphicFramePr>
+            <a:graphicFrameLocks noChangeAspect="1"/>
+          </p:cNvGraphicFramePr>
+          <p:nvPr/>
+        </p:nvGraphicFramePr>
+        <p:xfrm>
+          <a:off x="2017342" y="2383036"/>
+          <a:ext cx="1774016" cy="541908"/>
+        </p:xfrm>
+        <a:graphic>
+          <a:graphicData uri="http://schemas.openxmlformats.org/presentationml/2006/ole">
+            <p:oleObj spid="_x0000_s27653" name="Equation" r:id="rId5" imgW="749160" imgH="228600" progId="Equation.3">
+              <p:embed/>
+            </p:oleObj>
+          </a:graphicData>
+        </a:graphic>
+      </p:graphicFrame>
+      <p:cxnSp>
+        <p:nvCxnSpPr>
+          <p:cNvPr id="31" name="Прямая со стрелкой 30"/>
+          <p:cNvCxnSpPr/>
+          <p:nvPr/>
+        </p:nvCxnSpPr>
+        <p:spPr>
+          <a:xfrm>
+            <a:off x="6372200" y="1772816"/>
+            <a:ext cx="0" cy="1224136"/>
+          </a:xfrm>
+          <a:prstGeom prst="straightConnector1">
+            <a:avLst/>
+          </a:prstGeom>
+          <a:ln>
+            <a:solidFill>
+              <a:schemeClr val="accent1"/>
+            </a:solidFill>
+            <a:tailEnd type="triangle" w="lg" len="lg"/>
+          </a:ln>
+        </p:spPr>
+        <p:style>
+          <a:lnRef idx="1">
+            <a:schemeClr val="accent1"/>
+          </a:lnRef>
+          <a:fillRef idx="0">
+            <a:schemeClr val="accent1"/>
+          </a:fillRef>
+          <a:effectRef idx="0">
+            <a:schemeClr val="accent1"/>
+          </a:effectRef>
+          <a:fontRef idx="minor">
+            <a:schemeClr val="tx1"/>
+          </a:fontRef>
+        </p:style>
+      </p:cxnSp>
+      <p:sp>
+        <p:nvSpPr>
+          <p:cNvPr id="32" name="TextBox 31"/>
+          <p:cNvSpPr txBox="1"/>
+          <p:nvPr/>
+        </p:nvSpPr>
+        <p:spPr>
+          <a:xfrm>
+            <a:off x="3995936" y="1661899"/>
+            <a:ext cx="2173480" cy="830997"/>
+          </a:xfrm>
+          <a:prstGeom prst="rect">
+            <a:avLst/>
+          </a:prstGeom>
+          <a:noFill/>
+        </p:spPr>
+        <p:txBody>
+          <a:bodyPr wrap="none" rtlCol="0">
+            <a:spAutoFit/>
+          </a:bodyPr>
+          <a:lstStyle/>
+          <a:p>
+            <a:pPr algn="r"/>
+            <a:r>
+              <a:rPr lang="ru-RU" sz="2400" dirty="0" smtClean="0">
+                <a:latin typeface="Times New Roman" pitchFamily="18" charset="0"/>
+                <a:cs typeface="Times New Roman" pitchFamily="18" charset="0"/>
+              </a:rPr>
+              <a:t>Функция</a:t>
+            </a:r>
+          </a:p>
+          <a:p>
+            <a:pPr algn="r"/>
+            <a:r>
+              <a:rPr lang="ru-RU" sz="2400" dirty="0" smtClean="0">
+                <a:latin typeface="Times New Roman" pitchFamily="18" charset="0"/>
+                <a:cs typeface="Times New Roman" pitchFamily="18" charset="0"/>
+              </a:rPr>
+              <a:t>правдоподобия</a:t>
+            </a:r>
+            <a:endParaRPr lang="ru-RU" sz="2400" dirty="0">
+              <a:latin typeface="Times New Roman" pitchFamily="18" charset="0"/>
+              <a:cs typeface="Times New Roman" pitchFamily="18" charset="0"/>
+            </a:endParaRPr>
+          </a:p>
+        </p:txBody>
+      </p:sp>
+      <p:graphicFrame>
+        <p:nvGraphicFramePr>
+          <p:cNvPr id="27654" name="Object 6"/>
+          <p:cNvGraphicFramePr>
+            <a:graphicFrameLocks noChangeAspect="1"/>
+          </p:cNvGraphicFramePr>
+          <p:nvPr/>
+        </p:nvGraphicFramePr>
+        <p:xfrm>
+          <a:off x="4694017" y="2400947"/>
+          <a:ext cx="1394966" cy="523997"/>
+        </p:xfrm>
+        <a:graphic>
+          <a:graphicData uri="http://schemas.openxmlformats.org/presentationml/2006/ole">
+            <p:oleObj spid="_x0000_s27654" name="Equation" r:id="rId6" imgW="609480" imgH="228600" progId="Equation.3">
+              <p:embed/>
+            </p:oleObj>
+          </a:graphicData>
+        </a:graphic>
+      </p:graphicFrame>
+      <p:graphicFrame>
+        <p:nvGraphicFramePr>
+          <p:cNvPr id="27655" name="Object 7"/>
+          <p:cNvGraphicFramePr>
+            <a:graphicFrameLocks noChangeAspect="1"/>
+          </p:cNvGraphicFramePr>
+          <p:nvPr/>
+        </p:nvGraphicFramePr>
+        <p:xfrm>
+          <a:off x="467544" y="6237312"/>
+          <a:ext cx="338138" cy="469900"/>
+        </p:xfrm>
+        <a:graphic>
+          <a:graphicData uri="http://schemas.openxmlformats.org/presentationml/2006/ole">
+            <p:oleObj spid="_x0000_s27655" name="Equation" r:id="rId7" imgW="164880" imgH="228600" progId="Equation.3">
+              <p:embed/>
+            </p:oleObj>
+          </a:graphicData>
+        </a:graphic>
+      </p:graphicFrame>
+      <p:graphicFrame>
+        <p:nvGraphicFramePr>
+          <p:cNvPr id="27656" name="Object 8"/>
+          <p:cNvGraphicFramePr>
+            <a:graphicFrameLocks noChangeAspect="1"/>
+          </p:cNvGraphicFramePr>
+          <p:nvPr/>
+        </p:nvGraphicFramePr>
+        <p:xfrm>
+          <a:off x="462459" y="5949280"/>
+          <a:ext cx="365125" cy="469900"/>
+        </p:xfrm>
+        <a:graphic>
+          <a:graphicData uri="http://schemas.openxmlformats.org/presentationml/2006/ole">
+            <p:oleObj spid="_x0000_s27656" name="Equation" r:id="rId8" imgW="177480" imgH="228600" progId="Equation.3">
+              <p:embed/>
+            </p:oleObj>
+          </a:graphicData>
+        </a:graphic>
+      </p:graphicFrame>
+      <p:cxnSp>
+        <p:nvCxnSpPr>
+          <p:cNvPr id="95" name="Прямая соединительная линия 94"/>
+          <p:cNvCxnSpPr/>
+          <p:nvPr/>
+        </p:nvCxnSpPr>
+        <p:spPr>
+          <a:xfrm>
+            <a:off x="7956376" y="3861048"/>
+            <a:ext cx="0" cy="1728192"/>
+          </a:xfrm>
+          <a:prstGeom prst="line">
+            <a:avLst/>
+          </a:prstGeom>
+          <a:ln>
+            <a:solidFill>
+              <a:schemeClr val="accent1"/>
+            </a:solidFill>
+          </a:ln>
+        </p:spPr>
+        <p:style>
+          <a:lnRef idx="1">
+            <a:schemeClr val="accent1"/>
+          </a:lnRef>
+          <a:fillRef idx="0">
+            <a:schemeClr val="accent1"/>
+          </a:fillRef>
+          <a:effectRef idx="0">
+            <a:schemeClr val="accent1"/>
+          </a:effectRef>
+          <a:fontRef idx="minor">
+            <a:schemeClr val="tx1"/>
+          </a:fontRef>
+        </p:style>
+      </p:cxnSp>
+      <p:cxnSp>
+        <p:nvCxnSpPr>
+          <p:cNvPr id="98" name="Прямая соединительная линия 97"/>
+          <p:cNvCxnSpPr/>
+          <p:nvPr/>
+        </p:nvCxnSpPr>
+        <p:spPr>
+          <a:xfrm flipH="1">
+            <a:off x="827584" y="5589240"/>
+            <a:ext cx="7128792" cy="0"/>
+          </a:xfrm>
+          <a:prstGeom prst="line">
+            <a:avLst/>
+          </a:prstGeom>
+          <a:ln>
+            <a:solidFill>
+              <a:schemeClr val="accent1"/>
+            </a:solidFill>
+          </a:ln>
+        </p:spPr>
+        <p:style>
+          <a:lnRef idx="1">
+            <a:schemeClr val="accent1"/>
+          </a:lnRef>
+          <a:fillRef idx="0">
+            <a:schemeClr val="accent1"/>
+          </a:fillRef>
+          <a:effectRef idx="0">
+            <a:schemeClr val="accent1"/>
+          </a:effectRef>
+          <a:fontRef idx="minor">
+            <a:schemeClr val="tx1"/>
+          </a:fontRef>
+        </p:style>
+      </p:cxnSp>
+      <p:cxnSp>
+        <p:nvCxnSpPr>
+          <p:cNvPr id="103" name="Прямая соединительная линия 102"/>
+          <p:cNvCxnSpPr/>
+          <p:nvPr/>
+        </p:nvCxnSpPr>
+        <p:spPr>
+          <a:xfrm flipV="1">
+            <a:off x="827584" y="4293096"/>
+            <a:ext cx="0" cy="1296144"/>
+          </a:xfrm>
+          <a:prstGeom prst="line">
+            <a:avLst/>
+          </a:prstGeom>
+          <a:ln>
+            <a:solidFill>
+              <a:schemeClr val="accent1"/>
+            </a:solidFill>
+          </a:ln>
+        </p:spPr>
+        <p:style>
+          <a:lnRef idx="1">
+            <a:schemeClr val="accent1"/>
+          </a:lnRef>
+          <a:fillRef idx="0">
+            <a:schemeClr val="accent1"/>
+          </a:fillRef>
+          <a:effectRef idx="0">
+            <a:schemeClr val="accent1"/>
+          </a:effectRef>
+          <a:fontRef idx="minor">
+            <a:schemeClr val="tx1"/>
+          </a:fontRef>
+        </p:style>
+      </p:cxnSp>
+      <p:cxnSp>
+        <p:nvCxnSpPr>
+          <p:cNvPr id="111" name="Прямая со стрелкой 110"/>
+          <p:cNvCxnSpPr/>
+          <p:nvPr/>
+        </p:nvCxnSpPr>
+        <p:spPr>
+          <a:xfrm>
+            <a:off x="827584" y="4293096"/>
+            <a:ext cx="1008112" cy="0"/>
+          </a:xfrm>
+          <a:prstGeom prst="straightConnector1">
+            <a:avLst/>
+          </a:prstGeom>
+          <a:ln>
+            <a:solidFill>
+              <a:schemeClr val="accent1"/>
+            </a:solidFill>
+            <a:tailEnd type="triangle" w="lg" len="lg"/>
+          </a:ln>
+        </p:spPr>
+        <p:style>
+          <a:lnRef idx="1">
+            <a:schemeClr val="accent1"/>
+          </a:lnRef>
+          <a:fillRef idx="0">
+            <a:schemeClr val="accent1"/>
+          </a:fillRef>
+          <a:effectRef idx="0">
+            <a:schemeClr val="accent1"/>
+          </a:effectRef>
+          <a:fontRef idx="minor">
+            <a:schemeClr val="tx1"/>
+          </a:fontRef>
+        </p:style>
+      </p:cxnSp>
+      <p:graphicFrame>
+        <p:nvGraphicFramePr>
+          <p:cNvPr id="27657" name="Object 6"/>
+          <p:cNvGraphicFramePr>
+            <a:graphicFrameLocks noChangeAspect="1"/>
+          </p:cNvGraphicFramePr>
+          <p:nvPr/>
+        </p:nvGraphicFramePr>
+        <p:xfrm>
+          <a:off x="3623865" y="5160168"/>
+          <a:ext cx="2100263" cy="501080"/>
+        </p:xfrm>
+        <a:graphic>
+          <a:graphicData uri="http://schemas.openxmlformats.org/presentationml/2006/ole">
+            <p:oleObj spid="_x0000_s27657" name="Equation" r:id="rId9" imgW="838080" imgH="228600" progId="Equation.3">
+              <p:embed/>
+            </p:oleObj>
+          </a:graphicData>
+        </a:graphic>
+      </p:graphicFrame>
+      <p:sp>
+        <p:nvSpPr>
+          <p:cNvPr id="115" name="TextBox 114"/>
+          <p:cNvSpPr txBox="1"/>
+          <p:nvPr/>
+        </p:nvSpPr>
+        <p:spPr>
+          <a:xfrm>
+            <a:off x="6732240" y="4581128"/>
+            <a:ext cx="449162" cy="369332"/>
+          </a:xfrm>
+          <a:prstGeom prst="rect">
+            <a:avLst/>
+          </a:prstGeom>
+          <a:noFill/>
+        </p:spPr>
+        <p:txBody>
+          <a:bodyPr wrap="none" rtlCol="0">
+            <a:spAutoFit/>
+          </a:bodyPr>
+          <a:lstStyle/>
+          <a:p>
+            <a:r>
+              <a:rPr lang="en-US" dirty="0" smtClean="0">
+                <a:solidFill>
+                  <a:schemeClr val="bg1"/>
+                </a:solidFill>
+              </a:rPr>
+              <a:t>A0</a:t>
+            </a:r>
+            <a:endParaRPr lang="ru-RU" dirty="0">
+              <a:solidFill>
+                <a:schemeClr val="bg1"/>
+              </a:solidFill>
+            </a:endParaRPr>
+          </a:p>
+        </p:txBody>
+      </p:sp>
+      <p:sp>
+        <p:nvSpPr>
+          <p:cNvPr id="120" name="TextBox 119"/>
+          <p:cNvSpPr txBox="1"/>
+          <p:nvPr/>
+        </p:nvSpPr>
+        <p:spPr>
+          <a:xfrm>
+            <a:off x="3635896" y="4869160"/>
+            <a:ext cx="2520280" cy="461665"/>
+          </a:xfrm>
+          <a:prstGeom prst="rect">
+            <a:avLst/>
+          </a:prstGeom>
+          <a:noFill/>
+        </p:spPr>
+        <p:txBody>
+          <a:bodyPr wrap="square" rtlCol="0">
+            <a:spAutoFit/>
+          </a:bodyPr>
+          <a:lstStyle/>
+          <a:p>
+            <a:r>
+              <a:rPr lang="en-US" sz="2400" dirty="0" err="1" smtClean="0">
+                <a:latin typeface="Times New Roman" pitchFamily="18" charset="0"/>
+                <a:cs typeface="Times New Roman" pitchFamily="18" charset="0"/>
+              </a:rPr>
+              <a:t>pdf</a:t>
+            </a:r>
+            <a:r>
+              <a:rPr lang="ru-RU" sz="2400" dirty="0" smtClean="0">
+                <a:latin typeface="Times New Roman" pitchFamily="18" charset="0"/>
+                <a:cs typeface="Times New Roman" pitchFamily="18" charset="0"/>
+              </a:rPr>
+              <a:t> </a:t>
+            </a:r>
+            <a:r>
+              <a:rPr lang="en-US" sz="2400" dirty="0" smtClean="0">
+                <a:latin typeface="Times New Roman" pitchFamily="18" charset="0"/>
+                <a:cs typeface="Times New Roman" pitchFamily="18" charset="0"/>
+              </a:rPr>
+              <a:t>c</a:t>
+            </a:r>
+            <a:r>
+              <a:rPr lang="ru-RU" sz="2400" dirty="0" smtClean="0">
+                <a:latin typeface="Times New Roman" pitchFamily="18" charset="0"/>
+                <a:cs typeface="Times New Roman" pitchFamily="18" charset="0"/>
+              </a:rPr>
+              <a:t> кадр</a:t>
+            </a:r>
+            <a:r>
+              <a:rPr lang="ru-RU" sz="2400" dirty="0" smtClean="0">
+                <a:latin typeface="Times New Roman" pitchFamily="18" charset="0"/>
+                <a:cs typeface="Times New Roman" pitchFamily="18" charset="0"/>
+              </a:rPr>
+              <a:t>а</a:t>
+            </a:r>
+            <a:r>
+              <a:rPr lang="en-US" sz="2400" dirty="0" smtClean="0">
+                <a:latin typeface="Times New Roman" pitchFamily="18" charset="0"/>
+                <a:cs typeface="Times New Roman" pitchFamily="18" charset="0"/>
+              </a:rPr>
+              <a:t> k</a:t>
+            </a:r>
+            <a:r>
+              <a:rPr lang="ru-RU" sz="2400" dirty="0" smtClean="0">
+                <a:latin typeface="Times New Roman" pitchFamily="18" charset="0"/>
+                <a:cs typeface="Times New Roman" pitchFamily="18" charset="0"/>
+              </a:rPr>
+              <a:t>-1 </a:t>
+            </a:r>
+            <a:endParaRPr lang="ru-RU" sz="2400" dirty="0">
+              <a:latin typeface="Times New Roman" pitchFamily="18" charset="0"/>
+              <a:cs typeface="Times New Roman" pitchFamily="18" charset="0"/>
+            </a:endParaRPr>
+          </a:p>
+        </p:txBody>
+      </p:sp>
+    </p:spTree>
+  </p:cSld>
+  <p:clrMapOvr>
+    <a:masterClrMapping/>
+  </p:clrMapOvr>
+  <p:timing>
+    <p:tnLst>
+      <p:par>
+        <p:cTn id="1" dur="indefinite" restart="never" nodeType="tmRoot"/>
+      </p:par>
+    </p:tnLst>
+  </p:timing>
+</p:sld>
+</file>
+
+<file path=ppt/slides/slide5.xml><?xml version="1.0" encoding="utf-8"?>
+<p:sld xmlns:a="http://schemas.openxmlformats.org/drawingml/2006/main" xmlns:r="http://schemas.openxmlformats.org/officeDocument/2006/relationships" xmlns:p="http://schemas.openxmlformats.org/presentationml/2006/main">
+  <p:cSld>
+    <p:spTree>
+      <p:nvGrpSpPr>
+        <p:cNvPr id="1" name=""/>
+        <p:cNvGrpSpPr/>
+        <p:nvPr/>
+      </p:nvGrpSpPr>
+      <p:grpSpPr>
+        <a:xfrm>
+          <a:off x="0" y="0"/>
+          <a:ext cx="0" cy="0"/>
+          <a:chOff x="0" y="0"/>
+          <a:chExt cx="0" cy="0"/>
+        </a:xfrm>
+      </p:grpSpPr>
+      <p:sp>
+        <p:nvSpPr>
+          <p:cNvPr id="2" name="Заголовок 1"/>
+          <p:cNvSpPr>
+            <a:spLocks noGrp="1"/>
+          </p:cNvSpPr>
+          <p:nvPr>
+            <p:ph type="title"/>
+          </p:nvPr>
+        </p:nvSpPr>
+        <p:spPr/>
+        <p:txBody>
+          <a:bodyPr>
+            <a:normAutofit fontScale="90000"/>
+          </a:bodyPr>
+          <a:lstStyle/>
+          <a:p>
+            <a:pPr algn="ctr"/>
+            <a:r>
+              <a:rPr lang="ru-RU" dirty="0" smtClean="0"/>
+              <a:t>Байесовский подход: предсказание и коррекция</a:t>
+            </a:r>
+            <a:endParaRPr lang="ru-RU" dirty="0"/>
+          </a:p>
+        </p:txBody>
+      </p:sp>
+      <p:sp>
+        <p:nvSpPr>
+          <p:cNvPr id="4" name="Номер слайда 3"/>
+          <p:cNvSpPr>
+            <a:spLocks noGrp="1"/>
+          </p:cNvSpPr>
+          <p:nvPr>
+            <p:ph type="sldNum" sz="quarter" idx="12"/>
+          </p:nvPr>
+        </p:nvSpPr>
+        <p:spPr/>
+        <p:txBody>
+          <a:bodyPr/>
+          <a:lstStyle/>
+          <a:p>
+            <a:fld id="{F9D62829-C74A-48E8-BA30-BE2CEDDA2708}" type="slidenum">
+              <a:rPr lang="ru-RU" smtClean="0"/>
+              <a:pPr/>
+              <a:t>5</a:t>
+            </a:fld>
+            <a:endParaRPr lang="ru-RU"/>
+          </a:p>
+        </p:txBody>
+      </p:sp>
+      <p:sp>
+        <p:nvSpPr>
+          <p:cNvPr id="5" name="Прямоугольник 4"/>
+          <p:cNvSpPr/>
+          <p:nvPr/>
+        </p:nvSpPr>
+        <p:spPr>
+          <a:xfrm>
+            <a:off x="1169676" y="2852936"/>
+            <a:ext cx="2880320" cy="1440160"/>
+          </a:xfrm>
+          <a:prstGeom prst="rect">
+            <a:avLst/>
+          </a:prstGeom>
+        </p:spPr>
+        <p:style>
+          <a:lnRef idx="2">
+            <a:schemeClr val="accent1">
+              <a:shade val="50000"/>
+            </a:schemeClr>
+          </a:lnRef>
+          <a:fillRef idx="1">
+            <a:schemeClr val="accent1"/>
+          </a:fillRef>
+          <a:effectRef idx="0">
+            <a:schemeClr val="accent1"/>
+          </a:effectRef>
+          <a:fontRef idx="minor">
+            <a:schemeClr val="lt1"/>
+          </a:fontRef>
+        </p:style>
+        <p:txBody>
+          <a:bodyPr rtlCol="0" anchor="ctr"/>
+          <a:lstStyle/>
+          <a:p>
+            <a:pPr algn="ctr"/>
+            <a:r>
+              <a:rPr lang="ru-RU" sz="2400" b="1" dirty="0" smtClean="0">
+                <a:latin typeface="Times New Roman" pitchFamily="18" charset="0"/>
+                <a:cs typeface="Times New Roman" pitchFamily="18" charset="0"/>
+              </a:rPr>
+              <a:t>Предсказать </a:t>
+            </a:r>
+            <a:r>
+              <a:rPr lang="en-US" sz="2400" b="1" dirty="0" err="1" smtClean="0">
+                <a:latin typeface="Times New Roman" pitchFamily="18" charset="0"/>
+                <a:cs typeface="Times New Roman" pitchFamily="18" charset="0"/>
+              </a:rPr>
+              <a:t>pdf</a:t>
+            </a:r>
+            <a:r>
+              <a:rPr lang="ru-RU" sz="2400" b="1" dirty="0" smtClean="0">
+                <a:latin typeface="Times New Roman" pitchFamily="18" charset="0"/>
+                <a:cs typeface="Times New Roman" pitchFamily="18" charset="0"/>
+              </a:rPr>
+              <a:t> на кадре </a:t>
+            </a:r>
+            <a:r>
+              <a:rPr lang="en-US" sz="2400" b="1" dirty="0" smtClean="0">
+                <a:latin typeface="Times New Roman" pitchFamily="18" charset="0"/>
+                <a:cs typeface="Times New Roman" pitchFamily="18" charset="0"/>
+              </a:rPr>
+              <a:t>k</a:t>
+            </a:r>
+            <a:endParaRPr lang="ru-RU" sz="2400" b="1" dirty="0">
+              <a:latin typeface="Times New Roman" pitchFamily="18" charset="0"/>
+              <a:cs typeface="Times New Roman" pitchFamily="18" charset="0"/>
+            </a:endParaRPr>
+          </a:p>
+        </p:txBody>
+      </p:sp>
+      <p:sp>
+        <p:nvSpPr>
+          <p:cNvPr id="6" name="Прямоугольник 5"/>
+          <p:cNvSpPr/>
+          <p:nvPr/>
+        </p:nvSpPr>
+        <p:spPr>
+          <a:xfrm>
+            <a:off x="4572000" y="4005064"/>
+            <a:ext cx="2880320" cy="1440160"/>
+          </a:xfrm>
+          <a:prstGeom prst="rect">
+            <a:avLst/>
+          </a:prstGeom>
+        </p:spPr>
+        <p:style>
+          <a:lnRef idx="2">
+            <a:schemeClr val="accent1">
+              <a:shade val="50000"/>
+            </a:schemeClr>
+          </a:lnRef>
+          <a:fillRef idx="1">
+            <a:schemeClr val="accent1"/>
+          </a:fillRef>
+          <a:effectRef idx="0">
+            <a:schemeClr val="accent1"/>
+          </a:effectRef>
+          <a:fontRef idx="minor">
+            <a:schemeClr val="lt1"/>
+          </a:fontRef>
+        </p:style>
+        <p:txBody>
+          <a:bodyPr rtlCol="0" anchor="ctr"/>
+          <a:lstStyle/>
+          <a:p>
+            <a:pPr algn="ctr"/>
+            <a:r>
+              <a:rPr lang="ru-RU" sz="2400" b="1" dirty="0" smtClean="0">
+                <a:latin typeface="Times New Roman" pitchFamily="18" charset="0"/>
+                <a:cs typeface="Times New Roman" pitchFamily="18" charset="0"/>
+              </a:rPr>
+              <a:t>Скорректировать </a:t>
+            </a:r>
+            <a:r>
+              <a:rPr lang="en-US" sz="2400" b="1" dirty="0" err="1" smtClean="0">
+                <a:latin typeface="Times New Roman" pitchFamily="18" charset="0"/>
+                <a:cs typeface="Times New Roman" pitchFamily="18" charset="0"/>
+              </a:rPr>
+              <a:t>pdf</a:t>
+            </a:r>
+            <a:r>
+              <a:rPr lang="en-US" sz="2400" b="1" dirty="0" smtClean="0">
+                <a:latin typeface="Times New Roman" pitchFamily="18" charset="0"/>
+                <a:cs typeface="Times New Roman" pitchFamily="18" charset="0"/>
+              </a:rPr>
+              <a:t> </a:t>
+            </a:r>
+            <a:r>
+              <a:rPr lang="ru-RU" sz="2400" b="1" dirty="0" smtClean="0">
+                <a:latin typeface="Times New Roman" pitchFamily="18" charset="0"/>
+                <a:cs typeface="Times New Roman" pitchFamily="18" charset="0"/>
+              </a:rPr>
+              <a:t>на кадре </a:t>
+            </a:r>
+            <a:r>
+              <a:rPr lang="en-US" sz="2400" b="1" dirty="0" smtClean="0">
+                <a:latin typeface="Times New Roman" pitchFamily="18" charset="0"/>
+                <a:cs typeface="Times New Roman" pitchFamily="18" charset="0"/>
+              </a:rPr>
+              <a:t>k</a:t>
+            </a:r>
+            <a:endParaRPr lang="ru-RU" sz="2400" b="1" dirty="0">
+              <a:latin typeface="Times New Roman" pitchFamily="18" charset="0"/>
+              <a:cs typeface="Times New Roman" pitchFamily="18" charset="0"/>
+            </a:endParaRPr>
+          </a:p>
+        </p:txBody>
+      </p:sp>
+      <p:graphicFrame>
+        <p:nvGraphicFramePr>
+          <p:cNvPr id="8" name="Object 3"/>
+          <p:cNvGraphicFramePr>
+            <a:graphicFrameLocks noChangeAspect="1"/>
+          </p:cNvGraphicFramePr>
+          <p:nvPr/>
+        </p:nvGraphicFramePr>
+        <p:xfrm>
+          <a:off x="107504" y="2852936"/>
+          <a:ext cx="990164" cy="576064"/>
+        </p:xfrm>
+        <a:graphic>
+          <a:graphicData uri="http://schemas.openxmlformats.org/presentationml/2006/ole">
+            <p:oleObj spid="_x0000_s28674" name="Equation" r:id="rId3" imgW="393480" imgH="228600" progId="Equation.3">
+              <p:embed/>
+            </p:oleObj>
+          </a:graphicData>
+        </a:graphic>
+      </p:graphicFrame>
+      <p:cxnSp>
+        <p:nvCxnSpPr>
+          <p:cNvPr id="9" name="Прямая со стрелкой 8"/>
+          <p:cNvCxnSpPr/>
+          <p:nvPr/>
+        </p:nvCxnSpPr>
+        <p:spPr>
+          <a:xfrm>
+            <a:off x="0" y="3356992"/>
+            <a:ext cx="1115616" cy="0"/>
+          </a:xfrm>
+          <a:prstGeom prst="straightConnector1">
+            <a:avLst/>
+          </a:prstGeom>
+          <a:ln>
+            <a:tailEnd type="triangle" w="lg" len="lg"/>
+          </a:ln>
+        </p:spPr>
+        <p:style>
+          <a:lnRef idx="1">
+            <a:schemeClr val="accent1"/>
+          </a:lnRef>
+          <a:fillRef idx="0">
+            <a:schemeClr val="accent1"/>
+          </a:fillRef>
+          <a:effectRef idx="0">
+            <a:schemeClr val="accent1"/>
+          </a:effectRef>
+          <a:fontRef idx="minor">
+            <a:schemeClr val="tx1"/>
+          </a:fontRef>
+        </p:style>
+      </p:cxnSp>
+      <p:cxnSp>
+        <p:nvCxnSpPr>
+          <p:cNvPr id="10" name="Прямая со стрелкой 9"/>
+          <p:cNvCxnSpPr/>
+          <p:nvPr/>
+        </p:nvCxnSpPr>
+        <p:spPr>
+          <a:xfrm>
+            <a:off x="2483768" y="1556792"/>
+            <a:ext cx="0" cy="1296144"/>
+          </a:xfrm>
+          <a:prstGeom prst="straightConnector1">
+            <a:avLst/>
+          </a:prstGeom>
+          <a:ln w="15875">
+            <a:tailEnd type="triangle" w="lg" len="lg"/>
+          </a:ln>
+        </p:spPr>
+        <p:style>
+          <a:lnRef idx="1">
+            <a:schemeClr val="accent1"/>
+          </a:lnRef>
+          <a:fillRef idx="0">
+            <a:schemeClr val="accent1"/>
+          </a:fillRef>
+          <a:effectRef idx="0">
+            <a:schemeClr val="accent1"/>
+          </a:effectRef>
+          <a:fontRef idx="minor">
+            <a:schemeClr val="tx1"/>
+          </a:fontRef>
+        </p:style>
+      </p:cxnSp>
+      <p:graphicFrame>
+        <p:nvGraphicFramePr>
+          <p:cNvPr id="12" name="Object 5"/>
+          <p:cNvGraphicFramePr>
+            <a:graphicFrameLocks noChangeAspect="1"/>
+          </p:cNvGraphicFramePr>
+          <p:nvPr/>
+        </p:nvGraphicFramePr>
+        <p:xfrm>
+          <a:off x="665620" y="2311028"/>
+          <a:ext cx="1774016" cy="541908"/>
+        </p:xfrm>
+        <a:graphic>
+          <a:graphicData uri="http://schemas.openxmlformats.org/presentationml/2006/ole">
+            <p:oleObj spid="_x0000_s28675" name="Equation" r:id="rId4" imgW="749160" imgH="228600" progId="Equation.3">
+              <p:embed/>
+            </p:oleObj>
+          </a:graphicData>
+        </a:graphic>
+      </p:graphicFrame>
+      <p:cxnSp>
+        <p:nvCxnSpPr>
+          <p:cNvPr id="15" name="Прямая со стрелкой 14"/>
+          <p:cNvCxnSpPr/>
+          <p:nvPr/>
+        </p:nvCxnSpPr>
+        <p:spPr>
+          <a:xfrm>
+            <a:off x="6084168" y="1556792"/>
+            <a:ext cx="0" cy="2448272"/>
+          </a:xfrm>
+          <a:prstGeom prst="straightConnector1">
+            <a:avLst/>
+          </a:prstGeom>
+          <a:ln>
+            <a:tailEnd type="triangle" w="lg" len="lg"/>
+          </a:ln>
+        </p:spPr>
+        <p:style>
+          <a:lnRef idx="1">
+            <a:schemeClr val="accent1"/>
+          </a:lnRef>
+          <a:fillRef idx="0">
+            <a:schemeClr val="accent1"/>
+          </a:fillRef>
+          <a:effectRef idx="0">
+            <a:schemeClr val="accent1"/>
+          </a:effectRef>
+          <a:fontRef idx="minor">
+            <a:schemeClr val="tx1"/>
+          </a:fontRef>
+        </p:style>
+      </p:cxnSp>
+      <p:graphicFrame>
+        <p:nvGraphicFramePr>
+          <p:cNvPr id="16" name="Object 6"/>
+          <p:cNvGraphicFramePr>
+            <a:graphicFrameLocks noChangeAspect="1"/>
+          </p:cNvGraphicFramePr>
+          <p:nvPr/>
+        </p:nvGraphicFramePr>
+        <p:xfrm>
+          <a:off x="4617194" y="2544963"/>
+          <a:ext cx="1394966" cy="523997"/>
+        </p:xfrm>
+        <a:graphic>
+          <a:graphicData uri="http://schemas.openxmlformats.org/presentationml/2006/ole">
+            <p:oleObj spid="_x0000_s28676" name="Equation" r:id="rId5" imgW="609480" imgH="228600" progId="Equation.3">
+              <p:embed/>
+            </p:oleObj>
+          </a:graphicData>
+        </a:graphic>
+      </p:graphicFrame>
+      <p:cxnSp>
+        <p:nvCxnSpPr>
+          <p:cNvPr id="19" name="Соединительная линия уступом 18"/>
+          <p:cNvCxnSpPr>
+            <a:stCxn id="5" idx="3"/>
+            <a:endCxn id="6" idx="1"/>
+          </p:cNvCxnSpPr>
+          <p:nvPr/>
+        </p:nvCxnSpPr>
+        <p:spPr>
+          <a:xfrm>
+            <a:off x="4049996" y="3573016"/>
+            <a:ext cx="522004" cy="1152128"/>
+          </a:xfrm>
+          <a:prstGeom prst="bentConnector3">
+            <a:avLst>
+              <a:gd name="adj1" fmla="val 50000"/>
+            </a:avLst>
+          </a:prstGeom>
+          <a:ln>
+            <a:tailEnd type="triangle" w="lg" len="lg"/>
+          </a:ln>
+        </p:spPr>
+        <p:style>
+          <a:lnRef idx="1">
+            <a:schemeClr val="accent1"/>
+          </a:lnRef>
+          <a:fillRef idx="0">
+            <a:schemeClr val="accent1"/>
+          </a:fillRef>
+          <a:effectRef idx="0">
+            <a:schemeClr val="accent1"/>
+          </a:effectRef>
+          <a:fontRef idx="minor">
+            <a:schemeClr val="tx1"/>
+          </a:fontRef>
+        </p:style>
+      </p:cxnSp>
+      <p:graphicFrame>
+        <p:nvGraphicFramePr>
+          <p:cNvPr id="28677" name="Object 5"/>
+          <p:cNvGraphicFramePr>
+            <a:graphicFrameLocks noChangeAspect="1"/>
+          </p:cNvGraphicFramePr>
+          <p:nvPr/>
+        </p:nvGraphicFramePr>
+        <p:xfrm>
+          <a:off x="2555776" y="4797152"/>
+          <a:ext cx="1714500" cy="523875"/>
+        </p:xfrm>
+        <a:graphic>
+          <a:graphicData uri="http://schemas.openxmlformats.org/presentationml/2006/ole">
+            <p:oleObj spid="_x0000_s28677" name="Equation" r:id="rId6" imgW="749160" imgH="228600" progId="Equation.3">
+              <p:embed/>
+            </p:oleObj>
+          </a:graphicData>
+        </a:graphic>
+      </p:graphicFrame>
+      <p:cxnSp>
+        <p:nvCxnSpPr>
+          <p:cNvPr id="22" name="Прямая соединительная линия 21"/>
+          <p:cNvCxnSpPr>
+            <a:stCxn id="6" idx="3"/>
+          </p:cNvCxnSpPr>
+          <p:nvPr/>
+        </p:nvCxnSpPr>
+        <p:spPr>
+          <a:xfrm>
+            <a:off x="7452320" y="4725144"/>
+            <a:ext cx="504056" cy="0"/>
+          </a:xfrm>
+          <a:prstGeom prst="line">
+            <a:avLst/>
+          </a:prstGeom>
+        </p:spPr>
+        <p:style>
+          <a:lnRef idx="1">
+            <a:schemeClr val="accent1"/>
+          </a:lnRef>
+          <a:fillRef idx="0">
+            <a:schemeClr val="accent1"/>
+          </a:fillRef>
+          <a:effectRef idx="0">
+            <a:schemeClr val="accent1"/>
+          </a:effectRef>
+          <a:fontRef idx="minor">
+            <a:schemeClr val="tx1"/>
+          </a:fontRef>
+        </p:style>
+      </p:cxnSp>
+      <p:cxnSp>
+        <p:nvCxnSpPr>
+          <p:cNvPr id="24" name="Прямая соединительная линия 23"/>
+          <p:cNvCxnSpPr/>
+          <p:nvPr/>
+        </p:nvCxnSpPr>
+        <p:spPr>
+          <a:xfrm>
+            <a:off x="8388424" y="4725144"/>
+            <a:ext cx="0" cy="1440160"/>
+          </a:xfrm>
+          <a:prstGeom prst="line">
+            <a:avLst/>
+          </a:prstGeom>
+        </p:spPr>
+        <p:style>
+          <a:lnRef idx="1">
+            <a:schemeClr val="accent1"/>
+          </a:lnRef>
+          <a:fillRef idx="0">
+            <a:schemeClr val="accent1"/>
+          </a:fillRef>
+          <a:effectRef idx="0">
+            <a:schemeClr val="accent1"/>
+          </a:effectRef>
+          <a:fontRef idx="minor">
+            <a:schemeClr val="tx1"/>
+          </a:fontRef>
+        </p:style>
+      </p:cxnSp>
+      <p:cxnSp>
+        <p:nvCxnSpPr>
+          <p:cNvPr id="29" name="Прямая со стрелкой 28"/>
+          <p:cNvCxnSpPr/>
+          <p:nvPr/>
+        </p:nvCxnSpPr>
+        <p:spPr>
+          <a:xfrm flipH="1">
+            <a:off x="251520" y="6165304"/>
+            <a:ext cx="8136904" cy="0"/>
+          </a:xfrm>
+          <a:prstGeom prst="straightConnector1">
+            <a:avLst/>
+          </a:prstGeom>
+          <a:ln>
+            <a:tailEnd type="none"/>
+          </a:ln>
+        </p:spPr>
+        <p:style>
+          <a:lnRef idx="1">
+            <a:schemeClr val="accent1"/>
+          </a:lnRef>
+          <a:fillRef idx="0">
+            <a:schemeClr val="accent1"/>
+          </a:fillRef>
+          <a:effectRef idx="0">
+            <a:schemeClr val="accent1"/>
+          </a:effectRef>
+          <a:fontRef idx="minor">
+            <a:schemeClr val="tx1"/>
+          </a:fontRef>
+        </p:style>
+      </p:cxnSp>
+      <p:cxnSp>
+        <p:nvCxnSpPr>
+          <p:cNvPr id="35" name="Прямая со стрелкой 34"/>
+          <p:cNvCxnSpPr/>
+          <p:nvPr/>
+        </p:nvCxnSpPr>
+        <p:spPr>
+          <a:xfrm>
+            <a:off x="251520" y="3933056"/>
+            <a:ext cx="864096" cy="0"/>
+          </a:xfrm>
+          <a:prstGeom prst="straightConnector1">
+            <a:avLst/>
+          </a:prstGeom>
+          <a:ln>
+            <a:tailEnd type="triangle" w="lg" len="lg"/>
+          </a:ln>
+        </p:spPr>
+        <p:style>
+          <a:lnRef idx="1">
+            <a:schemeClr val="accent1"/>
+          </a:lnRef>
+          <a:fillRef idx="0">
+            <a:schemeClr val="accent1"/>
+          </a:fillRef>
+          <a:effectRef idx="0">
+            <a:schemeClr val="accent1"/>
+          </a:effectRef>
+          <a:fontRef idx="minor">
+            <a:schemeClr val="tx1"/>
+          </a:fontRef>
+        </p:style>
+      </p:cxnSp>
+      <p:cxnSp>
+        <p:nvCxnSpPr>
+          <p:cNvPr id="39" name="Прямая со стрелкой 38"/>
+          <p:cNvCxnSpPr>
+            <a:stCxn id="6" idx="3"/>
+          </p:cNvCxnSpPr>
+          <p:nvPr/>
+        </p:nvCxnSpPr>
+        <p:spPr>
+          <a:xfrm>
+            <a:off x="7452320" y="4725144"/>
+            <a:ext cx="1547664" cy="0"/>
+          </a:xfrm>
+          <a:prstGeom prst="straightConnector1">
+            <a:avLst/>
+          </a:prstGeom>
+          <a:ln>
+            <a:tailEnd type="triangle" w="lg" len="lg"/>
+          </a:ln>
+        </p:spPr>
+        <p:style>
+          <a:lnRef idx="1">
+            <a:schemeClr val="accent1"/>
+          </a:lnRef>
+          <a:fillRef idx="0">
+            <a:schemeClr val="accent1"/>
+          </a:fillRef>
+          <a:effectRef idx="0">
+            <a:schemeClr val="accent1"/>
+          </a:effectRef>
+          <a:fontRef idx="minor">
+            <a:schemeClr val="tx1"/>
+          </a:fontRef>
+        </p:style>
+      </p:cxnSp>
+      <p:graphicFrame>
+        <p:nvGraphicFramePr>
+          <p:cNvPr id="28678" name="Object 6"/>
+          <p:cNvGraphicFramePr>
+            <a:graphicFrameLocks noChangeAspect="1"/>
+          </p:cNvGraphicFramePr>
+          <p:nvPr/>
+        </p:nvGraphicFramePr>
+        <p:xfrm>
+          <a:off x="7524328" y="4079287"/>
+          <a:ext cx="1653729" cy="573849"/>
+        </p:xfrm>
+        <a:graphic>
+          <a:graphicData uri="http://schemas.openxmlformats.org/presentationml/2006/ole">
+            <p:oleObj spid="_x0000_s28678" name="Equation" r:id="rId7" imgW="660240" imgH="228600" progId="Equation.3">
+              <p:embed/>
+            </p:oleObj>
+          </a:graphicData>
+        </a:graphic>
+      </p:graphicFrame>
+      <p:graphicFrame>
+        <p:nvGraphicFramePr>
+          <p:cNvPr id="47" name="Object 6"/>
+          <p:cNvGraphicFramePr>
+            <a:graphicFrameLocks noChangeAspect="1"/>
+          </p:cNvGraphicFramePr>
+          <p:nvPr/>
+        </p:nvGraphicFramePr>
+        <p:xfrm>
+          <a:off x="3203848" y="6093296"/>
+          <a:ext cx="2100263" cy="573088"/>
+        </p:xfrm>
+        <a:graphic>
+          <a:graphicData uri="http://schemas.openxmlformats.org/presentationml/2006/ole">
+            <p:oleObj spid="_x0000_s28679" name="Equation" r:id="rId8" imgW="838080" imgH="228600" progId="Equation.3">
+              <p:embed/>
+            </p:oleObj>
+          </a:graphicData>
+        </a:graphic>
+      </p:graphicFrame>
+      <p:sp>
+        <p:nvSpPr>
+          <p:cNvPr id="49" name="TextBox 48"/>
+          <p:cNvSpPr txBox="1"/>
+          <p:nvPr/>
+        </p:nvSpPr>
+        <p:spPr>
+          <a:xfrm>
+            <a:off x="0" y="1590948"/>
+            <a:ext cx="2559803" cy="830997"/>
+          </a:xfrm>
+          <a:prstGeom prst="rect">
+            <a:avLst/>
+          </a:prstGeom>
+          <a:noFill/>
+        </p:spPr>
+        <p:txBody>
+          <a:bodyPr wrap="none" rtlCol="0">
+            <a:spAutoFit/>
+          </a:bodyPr>
+          <a:lstStyle/>
+          <a:p>
+            <a:pPr algn="r"/>
+            <a:r>
+              <a:rPr lang="ru-RU" sz="2400" dirty="0" smtClean="0">
+                <a:latin typeface="Times New Roman" pitchFamily="18" charset="0"/>
+                <a:cs typeface="Times New Roman" pitchFamily="18" charset="0"/>
+              </a:rPr>
+              <a:t>Модель динамики</a:t>
+            </a:r>
+          </a:p>
+          <a:p>
+            <a:pPr algn="r"/>
+            <a:r>
+              <a:rPr lang="ru-RU" sz="2400" dirty="0" smtClean="0">
+                <a:latin typeface="Times New Roman" pitchFamily="18" charset="0"/>
+                <a:cs typeface="Times New Roman" pitchFamily="18" charset="0"/>
+              </a:rPr>
+              <a:t>объекта</a:t>
+            </a:r>
+            <a:endParaRPr lang="ru-RU" sz="2400" dirty="0">
+              <a:latin typeface="Times New Roman" pitchFamily="18" charset="0"/>
+              <a:cs typeface="Times New Roman" pitchFamily="18" charset="0"/>
+            </a:endParaRPr>
+          </a:p>
+        </p:txBody>
+      </p:sp>
+      <p:cxnSp>
+        <p:nvCxnSpPr>
+          <p:cNvPr id="58" name="Прямая соединительная линия 57"/>
+          <p:cNvCxnSpPr/>
+          <p:nvPr/>
+        </p:nvCxnSpPr>
+        <p:spPr>
+          <a:xfrm>
+            <a:off x="251520" y="3933056"/>
+            <a:ext cx="0" cy="2232248"/>
+          </a:xfrm>
+          <a:prstGeom prst="line">
+            <a:avLst/>
+          </a:prstGeom>
+        </p:spPr>
+        <p:style>
+          <a:lnRef idx="1">
+            <a:schemeClr val="accent1"/>
+          </a:lnRef>
+          <a:fillRef idx="0">
+            <a:schemeClr val="accent1"/>
+          </a:fillRef>
+          <a:effectRef idx="0">
+            <a:schemeClr val="accent1"/>
+          </a:effectRef>
+          <a:fontRef idx="minor">
+            <a:schemeClr val="tx1"/>
+          </a:fontRef>
+        </p:style>
+      </p:cxnSp>
+      <p:sp>
+        <p:nvSpPr>
+          <p:cNvPr id="69" name="TextBox 68"/>
+          <p:cNvSpPr txBox="1"/>
+          <p:nvPr/>
+        </p:nvSpPr>
+        <p:spPr>
+          <a:xfrm>
+            <a:off x="3851920" y="1785974"/>
+            <a:ext cx="2173480" cy="830997"/>
+          </a:xfrm>
+          <a:prstGeom prst="rect">
+            <a:avLst/>
+          </a:prstGeom>
+          <a:noFill/>
+        </p:spPr>
+        <p:txBody>
+          <a:bodyPr wrap="none" rtlCol="0">
+            <a:spAutoFit/>
+          </a:bodyPr>
+          <a:lstStyle/>
+          <a:p>
+            <a:pPr algn="r"/>
+            <a:r>
+              <a:rPr lang="ru-RU" sz="2400" dirty="0" smtClean="0">
+                <a:latin typeface="Times New Roman" pitchFamily="18" charset="0"/>
+                <a:cs typeface="Times New Roman" pitchFamily="18" charset="0"/>
+              </a:rPr>
+              <a:t>Функция</a:t>
+            </a:r>
+          </a:p>
+          <a:p>
+            <a:pPr algn="r"/>
+            <a:r>
+              <a:rPr lang="ru-RU" sz="2400" dirty="0" smtClean="0">
+                <a:latin typeface="Times New Roman" pitchFamily="18" charset="0"/>
+                <a:cs typeface="Times New Roman" pitchFamily="18" charset="0"/>
+              </a:rPr>
+              <a:t>правдоподобия</a:t>
+            </a:r>
+            <a:endParaRPr lang="ru-RU" sz="2400" dirty="0">
+              <a:latin typeface="Times New Roman" pitchFamily="18" charset="0"/>
+              <a:cs typeface="Times New Roman" pitchFamily="18" charset="0"/>
+            </a:endParaRPr>
+          </a:p>
+        </p:txBody>
+      </p:sp>
+      <p:sp>
+        <p:nvSpPr>
+          <p:cNvPr id="72" name="TextBox 71"/>
+          <p:cNvSpPr txBox="1"/>
+          <p:nvPr/>
+        </p:nvSpPr>
+        <p:spPr>
+          <a:xfrm>
+            <a:off x="7524328" y="3390091"/>
+            <a:ext cx="1224136" cy="830997"/>
+          </a:xfrm>
+          <a:prstGeom prst="rect">
+            <a:avLst/>
+          </a:prstGeom>
+          <a:noFill/>
+        </p:spPr>
+        <p:txBody>
+          <a:bodyPr wrap="square" rtlCol="0">
+            <a:spAutoFit/>
+          </a:bodyPr>
+          <a:lstStyle/>
+          <a:p>
+            <a:r>
+              <a:rPr lang="en-US" sz="2400" dirty="0" err="1" smtClean="0">
+                <a:latin typeface="Times New Roman" pitchFamily="18" charset="0"/>
+                <a:cs typeface="Times New Roman" pitchFamily="18" charset="0"/>
+              </a:rPr>
+              <a:t>pdf</a:t>
+            </a:r>
+            <a:r>
+              <a:rPr lang="ru-RU" sz="2400" dirty="0" smtClean="0">
+                <a:latin typeface="Times New Roman" pitchFamily="18" charset="0"/>
+                <a:cs typeface="Times New Roman" pitchFamily="18" charset="0"/>
+              </a:rPr>
+              <a:t> на кадре</a:t>
+            </a:r>
+            <a:r>
+              <a:rPr lang="en-US" sz="2400" dirty="0" smtClean="0">
+                <a:latin typeface="Times New Roman" pitchFamily="18" charset="0"/>
+                <a:cs typeface="Times New Roman" pitchFamily="18" charset="0"/>
+              </a:rPr>
+              <a:t> k</a:t>
+            </a:r>
+            <a:r>
+              <a:rPr lang="ru-RU" sz="2400" dirty="0" smtClean="0">
+                <a:latin typeface="Times New Roman" pitchFamily="18" charset="0"/>
+                <a:cs typeface="Times New Roman" pitchFamily="18" charset="0"/>
+              </a:rPr>
+              <a:t> </a:t>
+            </a:r>
+            <a:endParaRPr lang="ru-RU" sz="2400" dirty="0">
+              <a:latin typeface="Times New Roman" pitchFamily="18" charset="0"/>
+              <a:cs typeface="Times New Roman" pitchFamily="18" charset="0"/>
+            </a:endParaRPr>
+          </a:p>
+        </p:txBody>
+      </p:sp>
+      <p:sp>
+        <p:nvSpPr>
+          <p:cNvPr id="73" name="TextBox 72"/>
+          <p:cNvSpPr txBox="1"/>
+          <p:nvPr/>
+        </p:nvSpPr>
+        <p:spPr>
+          <a:xfrm>
+            <a:off x="3275856" y="5661248"/>
+            <a:ext cx="2520280" cy="461665"/>
+          </a:xfrm>
+          <a:prstGeom prst="rect">
+            <a:avLst/>
+          </a:prstGeom>
+          <a:noFill/>
+        </p:spPr>
+        <p:txBody>
+          <a:bodyPr wrap="square" rtlCol="0">
+            <a:spAutoFit/>
+          </a:bodyPr>
+          <a:lstStyle/>
+          <a:p>
+            <a:r>
+              <a:rPr lang="en-US" sz="2400" dirty="0" err="1" smtClean="0">
+                <a:latin typeface="Times New Roman" pitchFamily="18" charset="0"/>
+                <a:cs typeface="Times New Roman" pitchFamily="18" charset="0"/>
+              </a:rPr>
+              <a:t>pdf</a:t>
+            </a:r>
+            <a:r>
+              <a:rPr lang="ru-RU" sz="2400" dirty="0" smtClean="0">
+                <a:latin typeface="Times New Roman" pitchFamily="18" charset="0"/>
+                <a:cs typeface="Times New Roman" pitchFamily="18" charset="0"/>
+              </a:rPr>
+              <a:t> </a:t>
+            </a:r>
+            <a:r>
+              <a:rPr lang="en-US" sz="2400" dirty="0" smtClean="0">
+                <a:latin typeface="Times New Roman" pitchFamily="18" charset="0"/>
+                <a:cs typeface="Times New Roman" pitchFamily="18" charset="0"/>
+              </a:rPr>
+              <a:t>c</a:t>
+            </a:r>
+            <a:r>
+              <a:rPr lang="ru-RU" sz="2400" dirty="0" smtClean="0">
+                <a:latin typeface="Times New Roman" pitchFamily="18" charset="0"/>
+                <a:cs typeface="Times New Roman" pitchFamily="18" charset="0"/>
+              </a:rPr>
+              <a:t> кадр</a:t>
+            </a:r>
+            <a:r>
+              <a:rPr lang="ru-RU" sz="2400" dirty="0" smtClean="0">
+                <a:latin typeface="Times New Roman" pitchFamily="18" charset="0"/>
+                <a:cs typeface="Times New Roman" pitchFamily="18" charset="0"/>
+              </a:rPr>
+              <a:t>а</a:t>
+            </a:r>
+            <a:r>
+              <a:rPr lang="en-US" sz="2400" dirty="0" smtClean="0">
+                <a:latin typeface="Times New Roman" pitchFamily="18" charset="0"/>
+                <a:cs typeface="Times New Roman" pitchFamily="18" charset="0"/>
+              </a:rPr>
+              <a:t> k</a:t>
+            </a:r>
+            <a:r>
+              <a:rPr lang="ru-RU" sz="2400" dirty="0" smtClean="0">
+                <a:latin typeface="Times New Roman" pitchFamily="18" charset="0"/>
+                <a:cs typeface="Times New Roman" pitchFamily="18" charset="0"/>
+              </a:rPr>
+              <a:t>-1 </a:t>
+            </a:r>
+            <a:endParaRPr lang="ru-RU" sz="2400" dirty="0">
+              <a:latin typeface="Times New Roman" pitchFamily="18" charset="0"/>
+              <a:cs typeface="Times New Roman" pitchFamily="18" charset="0"/>
+            </a:endParaRPr>
+          </a:p>
+        </p:txBody>
+      </p:sp>
+      <p:sp>
+        <p:nvSpPr>
+          <p:cNvPr id="74" name="TextBox 73"/>
+          <p:cNvSpPr txBox="1"/>
+          <p:nvPr/>
+        </p:nvSpPr>
+        <p:spPr>
+          <a:xfrm>
+            <a:off x="2195736" y="4437112"/>
+            <a:ext cx="2520280" cy="461665"/>
+          </a:xfrm>
+          <a:prstGeom prst="rect">
+            <a:avLst/>
+          </a:prstGeom>
+          <a:noFill/>
+        </p:spPr>
+        <p:txBody>
+          <a:bodyPr wrap="square" rtlCol="0">
+            <a:spAutoFit/>
+          </a:bodyPr>
+          <a:lstStyle/>
+          <a:p>
+            <a:r>
+              <a:rPr lang="ru-RU" sz="2400" dirty="0" smtClean="0">
+                <a:latin typeface="Times New Roman" pitchFamily="18" charset="0"/>
+                <a:cs typeface="Times New Roman" pitchFamily="18" charset="0"/>
+              </a:rPr>
+              <a:t>Априорная </a:t>
+            </a:r>
+            <a:r>
+              <a:rPr lang="en-US" sz="2400" dirty="0" err="1" smtClean="0">
+                <a:latin typeface="Times New Roman" pitchFamily="18" charset="0"/>
+                <a:cs typeface="Times New Roman" pitchFamily="18" charset="0"/>
+              </a:rPr>
+              <a:t>pdf</a:t>
+            </a:r>
+            <a:endParaRPr lang="ru-RU" sz="2400" dirty="0">
+              <a:latin typeface="Times New Roman" pitchFamily="18" charset="0"/>
+              <a:cs typeface="Times New Roman" pitchFamily="18" charset="0"/>
+            </a:endParaRPr>
+          </a:p>
+        </p:txBody>
+      </p:sp>
+      <p:sp>
+        <p:nvSpPr>
+          <p:cNvPr id="75" name="TextBox 74"/>
+          <p:cNvSpPr txBox="1"/>
+          <p:nvPr/>
+        </p:nvSpPr>
+        <p:spPr>
+          <a:xfrm>
+            <a:off x="3563888" y="3933056"/>
+            <a:ext cx="434734" cy="369332"/>
+          </a:xfrm>
+          <a:prstGeom prst="rect">
+            <a:avLst/>
+          </a:prstGeom>
+          <a:noFill/>
+        </p:spPr>
+        <p:txBody>
+          <a:bodyPr wrap="none" rtlCol="0">
+            <a:spAutoFit/>
+          </a:bodyPr>
+          <a:lstStyle/>
+          <a:p>
+            <a:r>
+              <a:rPr lang="en-US" dirty="0" smtClean="0">
+                <a:solidFill>
+                  <a:schemeClr val="bg1"/>
+                </a:solidFill>
+              </a:rPr>
+              <a:t>A1</a:t>
+            </a:r>
+            <a:endParaRPr lang="ru-RU" dirty="0">
+              <a:solidFill>
+                <a:schemeClr val="bg1"/>
+              </a:solidFill>
+            </a:endParaRPr>
+          </a:p>
+        </p:txBody>
+      </p:sp>
+      <p:sp>
+        <p:nvSpPr>
+          <p:cNvPr id="76" name="TextBox 75"/>
+          <p:cNvSpPr txBox="1"/>
+          <p:nvPr/>
+        </p:nvSpPr>
+        <p:spPr>
+          <a:xfrm>
+            <a:off x="7020272" y="5085184"/>
+            <a:ext cx="449162" cy="369332"/>
+          </a:xfrm>
+          <a:prstGeom prst="rect">
+            <a:avLst/>
+          </a:prstGeom>
+          <a:noFill/>
+        </p:spPr>
+        <p:txBody>
+          <a:bodyPr wrap="none" rtlCol="0">
+            <a:spAutoFit/>
+          </a:bodyPr>
+          <a:lstStyle/>
+          <a:p>
+            <a:r>
+              <a:rPr lang="en-US" dirty="0" smtClean="0">
+                <a:solidFill>
+                  <a:schemeClr val="bg1"/>
+                </a:solidFill>
+              </a:rPr>
+              <a:t>A2</a:t>
+            </a:r>
+            <a:endParaRPr lang="ru-RU" dirty="0">
+              <a:solidFill>
+                <a:schemeClr val="bg1"/>
+              </a:solidFill>
+            </a:endParaRPr>
+          </a:p>
+        </p:txBody>
+      </p:sp>
+    </p:spTree>
+  </p:cSld>
+  <p:clrMapOvr>
+    <a:masterClrMapping/>
+  </p:clrMapOvr>
+  <p:timing>
+    <p:tnLst>
+      <p:par>
+        <p:cTn id="1" dur="indefinite" restart="never" nodeType="tmRoot"/>
+      </p:par>
+    </p:tnLst>
+  </p:timing>
+</p:sld>
+</file>
+
+<file path=ppt/slides/slide6.xml><?xml version="1.0" encoding="utf-8"?>
+<p:sld xmlns:a="http://schemas.openxmlformats.org/drawingml/2006/main" xmlns:r="http://schemas.openxmlformats.org/officeDocument/2006/relationships" xmlns:p="http://schemas.openxmlformats.org/presentationml/2006/main">
+  <p:cSld>
+    <p:spTree>
+      <p:nvGrpSpPr>
+        <p:cNvPr id="1" name=""/>
+        <p:cNvGrpSpPr/>
+        <p:nvPr/>
+      </p:nvGrpSpPr>
+      <p:grpSpPr>
+        <a:xfrm>
+          <a:off x="0" y="0"/>
+          <a:ext cx="0" cy="0"/>
+          <a:chOff x="0" y="0"/>
+          <a:chExt cx="0" cy="0"/>
+        </a:xfrm>
+      </p:grpSpPr>
+      <p:sp>
+        <p:nvSpPr>
+          <p:cNvPr id="2" name="Заголовок 1"/>
+          <p:cNvSpPr>
+            <a:spLocks noGrp="1"/>
+          </p:cNvSpPr>
+          <p:nvPr>
+            <p:ph type="title"/>
+          </p:nvPr>
+        </p:nvSpPr>
+        <p:spPr/>
+        <p:txBody>
+          <a:bodyPr/>
+          <a:lstStyle/>
+          <a:p>
+            <a:pPr algn="ctr"/>
+            <a:r>
+              <a:rPr lang="ru-RU" dirty="0" smtClean="0"/>
+              <a:t>Фильтр частиц</a:t>
+            </a:r>
+            <a:endParaRPr lang="ru-RU" dirty="0"/>
+          </a:p>
+        </p:txBody>
+      </p:sp>
+      <p:sp>
+        <p:nvSpPr>
+          <p:cNvPr id="3" name="Содержимое 2"/>
+          <p:cNvSpPr>
+            <a:spLocks noGrp="1"/>
+          </p:cNvSpPr>
+          <p:nvPr>
+            <p:ph idx="1"/>
+          </p:nvPr>
+        </p:nvSpPr>
+        <p:spPr>
+          <a:xfrm>
+            <a:off x="457200" y="1775191"/>
+            <a:ext cx="8229600" cy="4606137"/>
+          </a:xfrm>
+        </p:spPr>
+        <p:txBody>
+          <a:bodyPr>
+            <a:normAutofit lnSpcReduction="10000"/>
+          </a:bodyPr>
+          <a:lstStyle/>
+          <a:p>
+            <a:pPr>
+              <a:lnSpc>
+                <a:spcPct val="110000"/>
+              </a:lnSpc>
+            </a:pPr>
+            <a:r>
+              <a:rPr lang="ru-RU" dirty="0" smtClean="0"/>
+              <a:t>Частица – одно из возможных состояний объекта</a:t>
+            </a:r>
+          </a:p>
+          <a:p>
+            <a:pPr>
+              <a:lnSpc>
+                <a:spcPct val="110000"/>
+              </a:lnSpc>
+            </a:pPr>
+            <a:r>
+              <a:rPr lang="ru-RU" dirty="0" smtClean="0"/>
+              <a:t>Вес частицы – вероятность, с которой объект примет данное состояние</a:t>
+            </a:r>
+          </a:p>
+          <a:p>
+            <a:pPr>
+              <a:lnSpc>
+                <a:spcPct val="110000"/>
+              </a:lnSpc>
+            </a:pPr>
+            <a:r>
+              <a:rPr lang="ru-RU" dirty="0" smtClean="0"/>
+              <a:t>Функция плотности распределения вероятности                    </a:t>
+            </a:r>
+            <a:r>
+              <a:rPr lang="ru-RU" dirty="0" err="1" smtClean="0"/>
+              <a:t>аппроксимируется</a:t>
+            </a:r>
+            <a:r>
+              <a:rPr lang="ru-RU" dirty="0" smtClean="0"/>
+              <a:t> набором  из </a:t>
+            </a:r>
+            <a:r>
+              <a:rPr lang="en-US" dirty="0" smtClean="0"/>
+              <a:t>N</a:t>
+            </a:r>
+            <a:r>
+              <a:rPr lang="ru-RU" dirty="0" smtClean="0"/>
+              <a:t> частиц:</a:t>
+            </a:r>
+          </a:p>
+          <a:p>
+            <a:pPr>
+              <a:lnSpc>
+                <a:spcPct val="110000"/>
+              </a:lnSpc>
+            </a:pPr>
+            <a:r>
+              <a:rPr lang="ru-RU" dirty="0" smtClean="0"/>
+              <a:t>Функция правдоподобия задает вес частицы</a:t>
+            </a:r>
+          </a:p>
+          <a:p>
+            <a:endParaRPr lang="ru-RU" dirty="0"/>
+          </a:p>
+        </p:txBody>
+      </p:sp>
+      <p:sp>
+        <p:nvSpPr>
+          <p:cNvPr id="4" name="Номер слайда 3"/>
+          <p:cNvSpPr>
+            <a:spLocks noGrp="1"/>
+          </p:cNvSpPr>
+          <p:nvPr>
+            <p:ph type="sldNum" sz="quarter" idx="12"/>
+          </p:nvPr>
+        </p:nvSpPr>
+        <p:spPr/>
+        <p:txBody>
+          <a:bodyPr/>
+          <a:lstStyle/>
+          <a:p>
+            <a:fld id="{F9D62829-C74A-48E8-BA30-BE2CEDDA2708}" type="slidenum">
+              <a:rPr lang="ru-RU" smtClean="0"/>
+              <a:pPr/>
+              <a:t>6</a:t>
+            </a:fld>
+            <a:endParaRPr lang="ru-RU"/>
+          </a:p>
+        </p:txBody>
+      </p:sp>
+      <p:graphicFrame>
+        <p:nvGraphicFramePr>
+          <p:cNvPr id="30723" name="Object 3"/>
+          <p:cNvGraphicFramePr>
+            <a:graphicFrameLocks noChangeAspect="1"/>
+          </p:cNvGraphicFramePr>
+          <p:nvPr/>
+        </p:nvGraphicFramePr>
+        <p:xfrm>
+          <a:off x="3204716" y="4343698"/>
+          <a:ext cx="1511300" cy="525462"/>
+        </p:xfrm>
+        <a:graphic>
+          <a:graphicData uri="http://schemas.openxmlformats.org/presentationml/2006/ole">
+            <p:oleObj spid="_x0000_s30723" name="Equation" r:id="rId3" imgW="660240" imgH="228600" progId="Equation.3">
+              <p:embed/>
+            </p:oleObj>
+          </a:graphicData>
+        </a:graphic>
+      </p:graphicFrame>
+      <p:graphicFrame>
+        <p:nvGraphicFramePr>
+          <p:cNvPr id="30724" name="Object 4"/>
+          <p:cNvGraphicFramePr>
+            <a:graphicFrameLocks noChangeAspect="1"/>
+          </p:cNvGraphicFramePr>
+          <p:nvPr/>
+        </p:nvGraphicFramePr>
+        <p:xfrm>
+          <a:off x="4860032" y="4728589"/>
+          <a:ext cx="1872208" cy="716635"/>
+        </p:xfrm>
+        <a:graphic>
+          <a:graphicData uri="http://schemas.openxmlformats.org/presentationml/2006/ole">
+            <p:oleObj spid="_x0000_s30724" name="Equation" r:id="rId4" imgW="761760" imgH="241200" progId="Equation.3">
+              <p:embed/>
+            </p:oleObj>
+          </a:graphicData>
+        </a:graphic>
+      </p:graphicFrame>
+    </p:spTree>
+  </p:cSld>
+  <p:clrMapOvr>
+    <a:masterClrMapping/>
+  </p:clrMapOvr>
+  <p:timing>
+    <p:tnLst>
+      <p:par>
+        <p:cTn id="1" dur="indefinite" restart="never" nodeType="tmRoot"/>
+      </p:par>
+    </p:tnLst>
+  </p:timing>
+</p:sld>
+</file>
+
+<file path=ppt/slides/slide7.xml><?xml version="1.0" encoding="utf-8"?>
+<p:sld xmlns:a="http://schemas.openxmlformats.org/drawingml/2006/main" xmlns:r="http://schemas.openxmlformats.org/officeDocument/2006/relationships" xmlns:p="http://schemas.openxmlformats.org/presentationml/2006/main">
+  <p:cSld>
+    <p:spTree>
+      <p:nvGrpSpPr>
+        <p:cNvPr id="1" name=""/>
+        <p:cNvGrpSpPr/>
+        <p:nvPr/>
+      </p:nvGrpSpPr>
+      <p:grpSpPr>
+        <a:xfrm>
+          <a:off x="0" y="0"/>
+          <a:ext cx="0" cy="0"/>
+          <a:chOff x="0" y="0"/>
+          <a:chExt cx="0" cy="0"/>
+        </a:xfrm>
+      </p:grpSpPr>
+      <p:pic>
+        <p:nvPicPr>
+          <p:cNvPr id="20" name="Рисунок 19" descr="Vid_I_person_crossing.avi_frame_1(gt).jpg"/>
+          <p:cNvPicPr>
+            <a:picLocks noChangeAspect="1"/>
+          </p:cNvPicPr>
+          <p:nvPr/>
+        </p:nvPicPr>
+        <p:blipFill>
+          <a:blip r:embed="rId3" cstate="print"/>
+          <a:stretch>
+            <a:fillRect/>
+          </a:stretch>
+        </p:blipFill>
+        <p:spPr>
+          <a:xfrm>
+            <a:off x="2267744" y="1682806"/>
+            <a:ext cx="4608512" cy="3456384"/>
+          </a:xfrm>
+          <a:prstGeom prst="rect">
+            <a:avLst/>
+          </a:prstGeom>
+        </p:spPr>
+      </p:pic>
+      <p:sp>
+        <p:nvSpPr>
+          <p:cNvPr id="2" name="Заголовок 1"/>
+          <p:cNvSpPr>
+            <a:spLocks noGrp="1"/>
+          </p:cNvSpPr>
+          <p:nvPr>
+            <p:ph type="title"/>
+          </p:nvPr>
+        </p:nvSpPr>
+        <p:spPr/>
+        <p:txBody>
+          <a:bodyPr>
+            <a:normAutofit fontScale="90000"/>
+          </a:bodyPr>
+          <a:lstStyle/>
+          <a:p>
+            <a:pPr algn="ctr"/>
+            <a:r>
+              <a:rPr lang="ru-RU" dirty="0" smtClean="0"/>
+              <a:t>Модель представления объекта</a:t>
+            </a:r>
+            <a:endParaRPr lang="ru-RU" dirty="0"/>
+          </a:p>
+        </p:txBody>
+      </p:sp>
+      <p:sp>
+        <p:nvSpPr>
+          <p:cNvPr id="4" name="Номер слайда 3"/>
+          <p:cNvSpPr>
+            <a:spLocks noGrp="1"/>
+          </p:cNvSpPr>
+          <p:nvPr>
+            <p:ph type="sldNum" sz="quarter" idx="12"/>
+          </p:nvPr>
+        </p:nvSpPr>
+        <p:spPr/>
+        <p:txBody>
+          <a:bodyPr/>
+          <a:lstStyle/>
+          <a:p>
+            <a:fld id="{F9D62829-C74A-48E8-BA30-BE2CEDDA2708}" type="slidenum">
+              <a:rPr lang="ru-RU" smtClean="0"/>
+              <a:pPr/>
+              <a:t>7</a:t>
+            </a:fld>
+            <a:endParaRPr lang="ru-RU"/>
+          </a:p>
+        </p:txBody>
+      </p:sp>
+      <p:sp>
+        <p:nvSpPr>
+          <p:cNvPr id="7" name="Правая фигурная скобка 6"/>
+          <p:cNvSpPr/>
+          <p:nvPr/>
+        </p:nvSpPr>
+        <p:spPr>
+          <a:xfrm>
+            <a:off x="4644008" y="2348880"/>
+            <a:ext cx="216024" cy="2232248"/>
+          </a:xfrm>
+          <a:prstGeom prst="rightBrace">
+            <a:avLst/>
+          </a:prstGeom>
+          <a:ln w="19050">
+            <a:solidFill>
+              <a:srgbClr val="FF0000"/>
+            </a:solidFill>
+          </a:ln>
+        </p:spPr>
+        <p:style>
+          <a:lnRef idx="1">
+            <a:schemeClr val="accent1"/>
+          </a:lnRef>
+          <a:fillRef idx="0">
+            <a:schemeClr val="accent1"/>
+          </a:fillRef>
+          <a:effectRef idx="0">
+            <a:schemeClr val="accent1"/>
+          </a:effectRef>
+          <a:fontRef idx="minor">
+            <a:schemeClr val="tx1"/>
+          </a:fontRef>
+        </p:style>
+        <p:txBody>
+          <a:bodyPr rtlCol="0" anchor="ctr"/>
+          <a:lstStyle/>
+          <a:p>
+            <a:pPr algn="ctr"/>
+            <a:endParaRPr lang="ru-RU"/>
+          </a:p>
+        </p:txBody>
+      </p:sp>
+      <p:sp>
+        <p:nvSpPr>
+          <p:cNvPr id="8" name="TextBox 7"/>
+          <p:cNvSpPr txBox="1"/>
+          <p:nvPr/>
+        </p:nvSpPr>
+        <p:spPr>
+          <a:xfrm>
+            <a:off x="4020500" y="1628800"/>
+            <a:ext cx="407484" cy="461665"/>
+          </a:xfrm>
+          <a:prstGeom prst="rect">
+            <a:avLst/>
+          </a:prstGeom>
+          <a:noFill/>
+        </p:spPr>
+        <p:txBody>
+          <a:bodyPr wrap="none" rtlCol="0">
+            <a:spAutoFit/>
+          </a:bodyPr>
+          <a:lstStyle/>
+          <a:p>
+            <a:r>
+              <a:rPr lang="en-US" sz="2400" b="1" dirty="0" smtClean="0">
+                <a:solidFill>
+                  <a:srgbClr val="FF0000"/>
+                </a:solidFill>
+                <a:latin typeface="Times New Roman" pitchFamily="18" charset="0"/>
+                <a:cs typeface="Times New Roman" pitchFamily="18" charset="0"/>
+              </a:rPr>
+              <a:t>w</a:t>
+            </a:r>
+            <a:endParaRPr lang="ru-RU" sz="2400" b="1" dirty="0">
+              <a:solidFill>
+                <a:srgbClr val="FF0000"/>
+              </a:solidFill>
+              <a:latin typeface="Times New Roman" pitchFamily="18" charset="0"/>
+              <a:cs typeface="Times New Roman" pitchFamily="18" charset="0"/>
+            </a:endParaRPr>
+          </a:p>
+        </p:txBody>
+      </p:sp>
+      <p:sp>
+        <p:nvSpPr>
+          <p:cNvPr id="9" name="TextBox 8"/>
+          <p:cNvSpPr txBox="1"/>
+          <p:nvPr/>
+        </p:nvSpPr>
+        <p:spPr>
+          <a:xfrm>
+            <a:off x="4932040" y="3212976"/>
+            <a:ext cx="432048" cy="461665"/>
+          </a:xfrm>
+          <a:prstGeom prst="rect">
+            <a:avLst/>
+          </a:prstGeom>
+          <a:noFill/>
+        </p:spPr>
+        <p:txBody>
+          <a:bodyPr wrap="square" rtlCol="0">
+            <a:spAutoFit/>
+          </a:bodyPr>
+          <a:lstStyle/>
+          <a:p>
+            <a:r>
+              <a:rPr lang="en-US" sz="2400" b="1" dirty="0" smtClean="0">
+                <a:solidFill>
+                  <a:srgbClr val="FF0000"/>
+                </a:solidFill>
+                <a:latin typeface="Times New Roman" pitchFamily="18" charset="0"/>
+                <a:cs typeface="Times New Roman" pitchFamily="18" charset="0"/>
+              </a:rPr>
+              <a:t>h</a:t>
+            </a:r>
+            <a:endParaRPr lang="ru-RU" sz="2400" b="1" dirty="0">
+              <a:solidFill>
+                <a:srgbClr val="FF0000"/>
+              </a:solidFill>
+              <a:latin typeface="Times New Roman" pitchFamily="18" charset="0"/>
+              <a:cs typeface="Times New Roman" pitchFamily="18" charset="0"/>
+            </a:endParaRPr>
+          </a:p>
+        </p:txBody>
+      </p:sp>
+      <p:sp>
+        <p:nvSpPr>
+          <p:cNvPr id="10" name="Правая фигурная скобка 9"/>
+          <p:cNvSpPr/>
+          <p:nvPr/>
+        </p:nvSpPr>
+        <p:spPr>
+          <a:xfrm rot="16200000">
+            <a:off x="4103948" y="1736812"/>
+            <a:ext cx="216023" cy="864096"/>
+          </a:xfrm>
+          <a:prstGeom prst="rightBrace">
+            <a:avLst>
+              <a:gd name="adj1" fmla="val 8333"/>
+              <a:gd name="adj2" fmla="val 50000"/>
+            </a:avLst>
+          </a:prstGeom>
+          <a:ln w="25400">
+            <a:solidFill>
+              <a:srgbClr val="FF0000"/>
+            </a:solidFill>
+          </a:ln>
+        </p:spPr>
+        <p:style>
+          <a:lnRef idx="1">
+            <a:schemeClr val="accent1"/>
+          </a:lnRef>
+          <a:fillRef idx="0">
+            <a:schemeClr val="accent1"/>
+          </a:fillRef>
+          <a:effectRef idx="0">
+            <a:schemeClr val="accent1"/>
+          </a:effectRef>
+          <a:fontRef idx="minor">
+            <a:schemeClr val="tx1"/>
+          </a:fontRef>
+        </p:style>
+        <p:txBody>
+          <a:bodyPr rtlCol="0" anchor="ctr"/>
+          <a:lstStyle/>
+          <a:p>
+            <a:pPr algn="ctr"/>
+            <a:endParaRPr lang="ru-RU"/>
+          </a:p>
+        </p:txBody>
+      </p:sp>
+      <p:sp>
+        <p:nvSpPr>
+          <p:cNvPr id="11" name="Овал 10"/>
+          <p:cNvSpPr/>
+          <p:nvPr/>
+        </p:nvSpPr>
+        <p:spPr>
+          <a:xfrm>
+            <a:off x="3707904" y="2298576"/>
+            <a:ext cx="144016" cy="122312"/>
+          </a:xfrm>
+          <a:prstGeom prst="ellipse">
+            <a:avLst/>
+          </a:prstGeom>
+          <a:solidFill>
+            <a:srgbClr val="FF0000"/>
+          </a:solidFill>
+          <a:ln>
+            <a:solidFill>
+              <a:srgbClr val="FF0000"/>
+            </a:solidFill>
+          </a:ln>
+        </p:spPr>
+        <p:style>
+          <a:lnRef idx="2">
+            <a:schemeClr val="accent1">
+              <a:shade val="50000"/>
+            </a:schemeClr>
+          </a:lnRef>
+          <a:fillRef idx="1">
+            <a:schemeClr val="accent1"/>
+          </a:fillRef>
+          <a:effectRef idx="0">
+            <a:schemeClr val="accent1"/>
+          </a:effectRef>
+          <a:fontRef idx="minor">
+            <a:schemeClr val="lt1"/>
+          </a:fontRef>
+        </p:style>
+        <p:txBody>
+          <a:bodyPr rtlCol="0" anchor="ctr"/>
+          <a:lstStyle/>
+          <a:p>
+            <a:pPr algn="ctr"/>
+            <a:endParaRPr lang="ru-RU"/>
+          </a:p>
+        </p:txBody>
+      </p:sp>
+      <p:sp>
+        <p:nvSpPr>
+          <p:cNvPr id="12" name="TextBox 11"/>
+          <p:cNvSpPr txBox="1"/>
+          <p:nvPr/>
+        </p:nvSpPr>
+        <p:spPr>
+          <a:xfrm>
+            <a:off x="2915816" y="1988840"/>
+            <a:ext cx="774571" cy="461665"/>
+          </a:xfrm>
+          <a:prstGeom prst="rect">
+            <a:avLst/>
+          </a:prstGeom>
+          <a:noFill/>
+        </p:spPr>
+        <p:txBody>
+          <a:bodyPr wrap="none" rtlCol="0">
+            <a:spAutoFit/>
+          </a:bodyPr>
+          <a:lstStyle/>
+          <a:p>
+            <a:r>
+              <a:rPr lang="en-US" sz="2400" b="1" dirty="0" smtClean="0">
+                <a:solidFill>
+                  <a:srgbClr val="FF0000"/>
+                </a:solidFill>
+                <a:latin typeface="Times New Roman" pitchFamily="18" charset="0"/>
+                <a:cs typeface="Times New Roman" pitchFamily="18" charset="0"/>
+              </a:rPr>
+              <a:t>(</a:t>
+            </a:r>
+            <a:r>
+              <a:rPr lang="en-US" sz="2400" b="1" dirty="0" err="1" smtClean="0">
+                <a:solidFill>
+                  <a:srgbClr val="FF0000"/>
+                </a:solidFill>
+                <a:latin typeface="Times New Roman" pitchFamily="18" charset="0"/>
+                <a:cs typeface="Times New Roman" pitchFamily="18" charset="0"/>
+              </a:rPr>
+              <a:t>x,y</a:t>
+            </a:r>
+            <a:r>
+              <a:rPr lang="en-US" sz="2400" b="1" dirty="0" smtClean="0">
+                <a:solidFill>
+                  <a:srgbClr val="FF0000"/>
+                </a:solidFill>
+                <a:latin typeface="Times New Roman" pitchFamily="18" charset="0"/>
+                <a:cs typeface="Times New Roman" pitchFamily="18" charset="0"/>
+              </a:rPr>
+              <a:t>)</a:t>
+            </a:r>
+            <a:endParaRPr lang="ru-RU" sz="2400" b="1" dirty="0">
+              <a:solidFill>
+                <a:srgbClr val="FF0000"/>
+              </a:solidFill>
+              <a:latin typeface="Times New Roman" pitchFamily="18" charset="0"/>
+              <a:cs typeface="Times New Roman" pitchFamily="18" charset="0"/>
+            </a:endParaRPr>
+          </a:p>
+        </p:txBody>
+      </p:sp>
+      <p:graphicFrame>
+        <p:nvGraphicFramePr>
+          <p:cNvPr id="29698" name="Object 2"/>
+          <p:cNvGraphicFramePr>
+            <a:graphicFrameLocks noChangeAspect="1"/>
+          </p:cNvGraphicFramePr>
+          <p:nvPr/>
+        </p:nvGraphicFramePr>
+        <p:xfrm>
+          <a:off x="1612900" y="5970588"/>
+          <a:ext cx="5592763" cy="660400"/>
+        </p:xfrm>
+        <a:graphic>
+          <a:graphicData uri="http://schemas.openxmlformats.org/presentationml/2006/ole">
+            <p:oleObj spid="_x0000_s29698" name="Equation" r:id="rId4" imgW="2044440" imgH="241200" progId="Equation.3">
+              <p:embed/>
+            </p:oleObj>
+          </a:graphicData>
+        </a:graphic>
+      </p:graphicFrame>
+      <p:sp>
+        <p:nvSpPr>
+          <p:cNvPr id="14" name="TextBox 13"/>
+          <p:cNvSpPr txBox="1"/>
+          <p:nvPr/>
+        </p:nvSpPr>
+        <p:spPr>
+          <a:xfrm>
+            <a:off x="2411760" y="5373216"/>
+            <a:ext cx="4177106" cy="523220"/>
+          </a:xfrm>
+          <a:prstGeom prst="rect">
+            <a:avLst/>
+          </a:prstGeom>
+          <a:noFill/>
+        </p:spPr>
+        <p:txBody>
+          <a:bodyPr wrap="none" rtlCol="0">
+            <a:spAutoFit/>
+          </a:bodyPr>
+          <a:lstStyle/>
+          <a:p>
+            <a:r>
+              <a:rPr lang="ru-RU" sz="2800" dirty="0" smtClean="0">
+                <a:latin typeface="Times New Roman" pitchFamily="18" charset="0"/>
+                <a:cs typeface="Times New Roman" pitchFamily="18" charset="0"/>
+              </a:rPr>
+              <a:t>Вектор состояния объекта</a:t>
+            </a:r>
+            <a:endParaRPr lang="ru-RU" sz="2800" dirty="0">
+              <a:latin typeface="Times New Roman" pitchFamily="18" charset="0"/>
+              <a:cs typeface="Times New Roman" pitchFamily="18" charset="0"/>
+            </a:endParaRPr>
+          </a:p>
+        </p:txBody>
+      </p:sp>
+    </p:spTree>
+  </p:cSld>
+  <p:clrMapOvr>
+    <a:masterClrMapping/>
+  </p:clrMapOvr>
+  <p:timing>
+    <p:tnLst>
+      <p:par>
+        <p:cTn id="1" dur="indefinite" restart="never" nodeType="tmRoot"/>
+      </p:par>
+    </p:tnLst>
+  </p:timing>
+</p:sld>
+</file>
+
+<file path=ppt/slides/slide8.xml><?xml version="1.0" encoding="utf-8"?>
+<p:sld xmlns:a="http://schemas.openxmlformats.org/drawingml/2006/main" xmlns:r="http://schemas.openxmlformats.org/officeDocument/2006/relationships" xmlns:p="http://schemas.openxmlformats.org/presentationml/2006/main">
+  <p:cSld>
+    <p:spTree>
+      <p:nvGrpSpPr>
+        <p:cNvPr id="1" name=""/>
+        <p:cNvGrpSpPr/>
+        <p:nvPr/>
+      </p:nvGrpSpPr>
+      <p:grpSpPr>
+        <a:xfrm>
+          <a:off x="0" y="0"/>
+          <a:ext cx="0" cy="0"/>
+          <a:chOff x="0" y="0"/>
+          <a:chExt cx="0" cy="0"/>
+        </a:xfrm>
+      </p:grpSpPr>
+      <p:sp>
+        <p:nvSpPr>
+          <p:cNvPr id="2" name="Заголовок 1"/>
+          <p:cNvSpPr>
+            <a:spLocks noGrp="1"/>
+          </p:cNvSpPr>
+          <p:nvPr>
+            <p:ph type="title"/>
+          </p:nvPr>
+        </p:nvSpPr>
+        <p:spPr/>
+        <p:txBody>
+          <a:bodyPr/>
+          <a:lstStyle/>
+          <a:p>
+            <a:pPr algn="ctr"/>
+            <a:r>
+              <a:rPr lang="ru-RU" dirty="0" smtClean="0"/>
+              <a:t>Модель динамики объекта</a:t>
+            </a:r>
+            <a:endParaRPr lang="ru-RU" dirty="0"/>
+          </a:p>
+        </p:txBody>
+      </p:sp>
+      <p:sp>
+        <p:nvSpPr>
+          <p:cNvPr id="4" name="Номер слайда 3"/>
+          <p:cNvSpPr>
+            <a:spLocks noGrp="1"/>
+          </p:cNvSpPr>
+          <p:nvPr>
+            <p:ph type="sldNum" sz="quarter" idx="12"/>
+          </p:nvPr>
+        </p:nvSpPr>
+        <p:spPr/>
+        <p:txBody>
+          <a:bodyPr/>
+          <a:lstStyle/>
+          <a:p>
+            <a:fld id="{F9D62829-C74A-48E8-BA30-BE2CEDDA2708}" type="slidenum">
+              <a:rPr lang="ru-RU" smtClean="0"/>
+              <a:pPr/>
+              <a:t>8</a:t>
+            </a:fld>
+            <a:endParaRPr lang="ru-RU"/>
+          </a:p>
+        </p:txBody>
+      </p:sp>
+      <p:graphicFrame>
+        <p:nvGraphicFramePr>
+          <p:cNvPr id="31746" name="Object 2"/>
+          <p:cNvGraphicFramePr>
+            <a:graphicFrameLocks noChangeAspect="1"/>
+          </p:cNvGraphicFramePr>
+          <p:nvPr/>
+        </p:nvGraphicFramePr>
+        <p:xfrm>
+          <a:off x="2627784" y="2194990"/>
+          <a:ext cx="3456384" cy="945977"/>
+        </p:xfrm>
+        <a:graphic>
+          <a:graphicData uri="http://schemas.openxmlformats.org/presentationml/2006/ole">
+            <p:oleObj spid="_x0000_s31746" name="Equation" r:id="rId3" imgW="1002960" imgH="228600" progId="Equation.3">
+              <p:embed/>
+            </p:oleObj>
+          </a:graphicData>
+        </a:graphic>
+      </p:graphicFrame>
+      <p:graphicFrame>
+        <p:nvGraphicFramePr>
+          <p:cNvPr id="31747" name="Object 3"/>
+          <p:cNvGraphicFramePr>
+            <a:graphicFrameLocks noChangeAspect="1"/>
+          </p:cNvGraphicFramePr>
+          <p:nvPr/>
+        </p:nvGraphicFramePr>
+        <p:xfrm>
+          <a:off x="150813" y="2937967"/>
+          <a:ext cx="1987400" cy="1283121"/>
+        </p:xfrm>
+        <a:graphic>
+          <a:graphicData uri="http://schemas.openxmlformats.org/presentationml/2006/ole">
+            <p:oleObj spid="_x0000_s31747" name="Equation" r:id="rId4" imgW="850680" imgH="457200" progId="Equation.3">
+              <p:embed/>
+            </p:oleObj>
+          </a:graphicData>
+        </a:graphic>
+      </p:graphicFrame>
+      <p:graphicFrame>
+        <p:nvGraphicFramePr>
+          <p:cNvPr id="31748" name="Object 4"/>
+          <p:cNvGraphicFramePr>
+            <a:graphicFrameLocks noChangeAspect="1"/>
+          </p:cNvGraphicFramePr>
+          <p:nvPr/>
+        </p:nvGraphicFramePr>
+        <p:xfrm>
+          <a:off x="2771800" y="3212976"/>
+          <a:ext cx="637283" cy="592584"/>
+        </p:xfrm>
+        <a:graphic>
+          <a:graphicData uri="http://schemas.openxmlformats.org/presentationml/2006/ole">
+            <p:oleObj spid="_x0000_s31748" name="Equation" r:id="rId5" imgW="279360" imgH="215640" progId="Equation.3">
+              <p:embed/>
+            </p:oleObj>
+          </a:graphicData>
+        </a:graphic>
+      </p:graphicFrame>
+      <p:sp>
+        <p:nvSpPr>
+          <p:cNvPr id="8" name="TextBox 7"/>
+          <p:cNvSpPr txBox="1"/>
+          <p:nvPr/>
+        </p:nvSpPr>
+        <p:spPr>
+          <a:xfrm>
+            <a:off x="3406026" y="3140968"/>
+            <a:ext cx="4146391" cy="584775"/>
+          </a:xfrm>
+          <a:prstGeom prst="rect">
+            <a:avLst/>
+          </a:prstGeom>
+          <a:noFill/>
+        </p:spPr>
+        <p:txBody>
+          <a:bodyPr wrap="none" rtlCol="0">
+            <a:spAutoFit/>
+          </a:bodyPr>
+          <a:lstStyle/>
+          <a:p>
+            <a:r>
+              <a:rPr lang="ru-RU" sz="2800" dirty="0" smtClean="0">
+                <a:latin typeface="Times New Roman" pitchFamily="18" charset="0"/>
+                <a:cs typeface="Times New Roman" pitchFamily="18" charset="0"/>
+              </a:rPr>
+              <a:t>единичная матрица </a:t>
+            </a:r>
+            <a:r>
+              <a:rPr lang="en-US" sz="3200" dirty="0" smtClean="0">
+                <a:latin typeface="Times New Roman" pitchFamily="18" charset="0"/>
+                <a:cs typeface="Times New Roman" pitchFamily="18" charset="0"/>
+              </a:rPr>
+              <a:t>4</a:t>
+            </a:r>
+            <a:r>
+              <a:rPr lang="ru-RU" sz="3200" dirty="0" smtClean="0">
+                <a:latin typeface="Times New Roman" pitchFamily="18" charset="0"/>
+                <a:cs typeface="Times New Roman" pitchFamily="18" charset="0"/>
+              </a:rPr>
+              <a:t> </a:t>
+            </a:r>
+            <a:r>
+              <a:rPr lang="en-US" sz="3200" dirty="0" smtClean="0">
+                <a:latin typeface="Times New Roman" pitchFamily="18" charset="0"/>
+                <a:cs typeface="Times New Roman" pitchFamily="18" charset="0"/>
+              </a:rPr>
+              <a:t>X</a:t>
+            </a:r>
+            <a:r>
+              <a:rPr lang="ru-RU" sz="3200" dirty="0" smtClean="0">
+                <a:latin typeface="Times New Roman" pitchFamily="18" charset="0"/>
+                <a:cs typeface="Times New Roman" pitchFamily="18" charset="0"/>
+              </a:rPr>
+              <a:t> </a:t>
+            </a:r>
+            <a:r>
+              <a:rPr lang="en-US" sz="3200" dirty="0" smtClean="0">
+                <a:latin typeface="Times New Roman" pitchFamily="18" charset="0"/>
+                <a:cs typeface="Times New Roman" pitchFamily="18" charset="0"/>
+              </a:rPr>
+              <a:t>4</a:t>
+            </a:r>
+            <a:endParaRPr lang="ru-RU" sz="3200" dirty="0">
+              <a:latin typeface="Times New Roman" pitchFamily="18" charset="0"/>
+              <a:cs typeface="Times New Roman" pitchFamily="18" charset="0"/>
+            </a:endParaRPr>
+          </a:p>
+        </p:txBody>
+      </p:sp>
+      <p:graphicFrame>
+        <p:nvGraphicFramePr>
+          <p:cNvPr id="31749" name="Object 5"/>
+          <p:cNvGraphicFramePr>
+            <a:graphicFrameLocks noChangeAspect="1"/>
+          </p:cNvGraphicFramePr>
+          <p:nvPr/>
+        </p:nvGraphicFramePr>
+        <p:xfrm>
+          <a:off x="150813" y="4149080"/>
+          <a:ext cx="2376264" cy="650360"/>
+        </p:xfrm>
+        <a:graphic>
+          <a:graphicData uri="http://schemas.openxmlformats.org/presentationml/2006/ole">
+            <p:oleObj spid="_x0000_s31749" name="Equation" r:id="rId6" imgW="1002960" imgH="228600" progId="Equation.3">
+              <p:embed/>
+            </p:oleObj>
+          </a:graphicData>
+        </a:graphic>
+      </p:graphicFrame>
+      <p:sp>
+        <p:nvSpPr>
+          <p:cNvPr id="11" name="TextBox 10"/>
+          <p:cNvSpPr txBox="1"/>
+          <p:nvPr/>
+        </p:nvSpPr>
+        <p:spPr>
+          <a:xfrm>
+            <a:off x="2483768" y="4201924"/>
+            <a:ext cx="5079789" cy="523220"/>
+          </a:xfrm>
+          <a:prstGeom prst="rect">
+            <a:avLst/>
+          </a:prstGeom>
+          <a:noFill/>
+        </p:spPr>
+        <p:txBody>
+          <a:bodyPr wrap="none" rtlCol="0">
+            <a:spAutoFit/>
+          </a:bodyPr>
+          <a:lstStyle/>
+          <a:p>
+            <a:r>
+              <a:rPr lang="ru-RU" sz="2800" dirty="0" smtClean="0">
+                <a:latin typeface="Times New Roman" pitchFamily="18" charset="0"/>
+                <a:cs typeface="Times New Roman" pitchFamily="18" charset="0"/>
+              </a:rPr>
+              <a:t>аддитивный белый гауссов шум</a:t>
+            </a:r>
+            <a:endParaRPr lang="ru-RU" sz="2800" dirty="0">
+              <a:latin typeface="Times New Roman" pitchFamily="18" charset="0"/>
+              <a:cs typeface="Times New Roman" pitchFamily="18" charset="0"/>
+            </a:endParaRPr>
+          </a:p>
+        </p:txBody>
+      </p:sp>
+      <p:sp>
+        <p:nvSpPr>
+          <p:cNvPr id="14" name="TextBox 13"/>
+          <p:cNvSpPr txBox="1"/>
+          <p:nvPr/>
+        </p:nvSpPr>
+        <p:spPr>
+          <a:xfrm>
+            <a:off x="323528" y="1628800"/>
+            <a:ext cx="8823313" cy="584775"/>
+          </a:xfrm>
+          <a:prstGeom prst="rect">
+            <a:avLst/>
+          </a:prstGeom>
+          <a:noFill/>
+        </p:spPr>
+        <p:txBody>
+          <a:bodyPr wrap="none" rtlCol="0">
+            <a:spAutoFit/>
+          </a:bodyPr>
+          <a:lstStyle/>
+          <a:p>
+            <a:r>
+              <a:rPr lang="ru-RU" sz="3200" b="1" dirty="0" smtClean="0">
+                <a:solidFill>
+                  <a:srgbClr val="FF0000"/>
+                </a:solidFill>
+                <a:latin typeface="Times New Roman" pitchFamily="18" charset="0"/>
+                <a:cs typeface="Times New Roman" pitchFamily="18" charset="0"/>
+              </a:rPr>
+              <a:t>Уравнение динамики для модели 1-го порядка</a:t>
+            </a:r>
+            <a:endParaRPr lang="ru-RU" sz="3200" b="1" dirty="0">
+              <a:solidFill>
+                <a:srgbClr val="FF0000"/>
+              </a:solidFill>
+              <a:latin typeface="Times New Roman" pitchFamily="18" charset="0"/>
+              <a:cs typeface="Times New Roman" pitchFamily="18" charset="0"/>
+            </a:endParaRPr>
+          </a:p>
+        </p:txBody>
+      </p:sp>
+      <p:sp>
+        <p:nvSpPr>
+          <p:cNvPr id="15" name="TextBox 14"/>
+          <p:cNvSpPr txBox="1"/>
+          <p:nvPr/>
+        </p:nvSpPr>
+        <p:spPr>
+          <a:xfrm>
+            <a:off x="683568" y="4869160"/>
+            <a:ext cx="8064895" cy="954107"/>
+          </a:xfrm>
+          <a:prstGeom prst="rect">
+            <a:avLst/>
+          </a:prstGeom>
+          <a:noFill/>
+        </p:spPr>
+        <p:txBody>
+          <a:bodyPr wrap="square" rtlCol="0">
+            <a:spAutoFit/>
+          </a:bodyPr>
+          <a:lstStyle/>
+          <a:p>
+            <a:r>
+              <a:rPr lang="ru-RU" sz="2800" dirty="0" smtClean="0">
+                <a:latin typeface="Times New Roman" pitchFamily="18" charset="0"/>
+                <a:cs typeface="Times New Roman" pitchFamily="18" charset="0"/>
+              </a:rPr>
+              <a:t>м</a:t>
+            </a:r>
+            <a:r>
+              <a:rPr lang="ru-RU" sz="2800" dirty="0" smtClean="0">
+                <a:latin typeface="Times New Roman" pitchFamily="18" charset="0"/>
+                <a:cs typeface="Times New Roman" pitchFamily="18" charset="0"/>
+              </a:rPr>
+              <a:t>атрица ковариации, задается вектором стандартных отклонений</a:t>
+            </a:r>
+            <a:endParaRPr lang="ru-RU" sz="2800" dirty="0">
+              <a:latin typeface="Times New Roman" pitchFamily="18" charset="0"/>
+              <a:cs typeface="Times New Roman" pitchFamily="18" charset="0"/>
+            </a:endParaRPr>
+          </a:p>
+        </p:txBody>
+      </p:sp>
+      <p:graphicFrame>
+        <p:nvGraphicFramePr>
+          <p:cNvPr id="31751" name="Object 7"/>
+          <p:cNvGraphicFramePr>
+            <a:graphicFrameLocks noChangeAspect="1"/>
+          </p:cNvGraphicFramePr>
+          <p:nvPr/>
+        </p:nvGraphicFramePr>
+        <p:xfrm>
+          <a:off x="150813" y="5013176"/>
+          <a:ext cx="568390" cy="520725"/>
+        </p:xfrm>
+        <a:graphic>
+          <a:graphicData uri="http://schemas.openxmlformats.org/presentationml/2006/ole">
+            <p:oleObj spid="_x0000_s31751" name="Equation" r:id="rId7" imgW="266400" imgH="203040" progId="Equation.3">
+              <p:embed/>
+            </p:oleObj>
+          </a:graphicData>
+        </a:graphic>
+      </p:graphicFrame>
+      <p:graphicFrame>
+        <p:nvGraphicFramePr>
+          <p:cNvPr id="31752" name="Object 8"/>
+          <p:cNvGraphicFramePr>
+            <a:graphicFrameLocks noChangeAspect="1"/>
+          </p:cNvGraphicFramePr>
+          <p:nvPr/>
+        </p:nvGraphicFramePr>
+        <p:xfrm>
+          <a:off x="5148064" y="5365750"/>
+          <a:ext cx="298450" cy="390525"/>
+        </p:xfrm>
+        <a:graphic>
+          <a:graphicData uri="http://schemas.openxmlformats.org/presentationml/2006/ole">
+            <p:oleObj spid="_x0000_s31752" name="Equation" r:id="rId8" imgW="139680" imgH="152280" progId="Equation.3">
+              <p:embed/>
+            </p:oleObj>
+          </a:graphicData>
+        </a:graphic>
+      </p:graphicFrame>
+      <p:graphicFrame>
+        <p:nvGraphicFramePr>
+          <p:cNvPr id="31753" name="Object 9"/>
+          <p:cNvGraphicFramePr>
+            <a:graphicFrameLocks noChangeAspect="1"/>
+          </p:cNvGraphicFramePr>
+          <p:nvPr/>
+        </p:nvGraphicFramePr>
+        <p:xfrm>
+          <a:off x="150813" y="5805488"/>
+          <a:ext cx="7321550" cy="600075"/>
+        </p:xfrm>
+        <a:graphic>
+          <a:graphicData uri="http://schemas.openxmlformats.org/presentationml/2006/ole">
+            <p:oleObj spid="_x0000_s31753" name="Equation" r:id="rId9" imgW="2946240" imgH="241200" progId="Equation.3">
+              <p:embed/>
+            </p:oleObj>
+          </a:graphicData>
+        </a:graphic>
+      </p:graphicFrame>
+    </p:spTree>
+  </p:cSld>
+  <p:clrMapOvr>
+    <a:masterClrMapping/>
+  </p:clrMapOvr>
+  <p:timing>
+    <p:tnLst>
+      <p:par>
+        <p:cTn id="1" dur="indefinite" restart="never" nodeType="tmRoot"/>
+      </p:par>
+    </p:tnLst>
+  </p:timing>
+</p:sld>
+</file>
+
+<file path=ppt/slides/slide9.xml><?xml version="1.0" encoding="utf-8"?>
+<p:sld xmlns:a="http://schemas.openxmlformats.org/drawingml/2006/main" xmlns:r="http://schemas.openxmlformats.org/officeDocument/2006/relationships" xmlns:p="http://schemas.openxmlformats.org/presentationml/2006/main">
+  <p:cSld>
+    <p:spTree>
+      <p:nvGrpSpPr>
+        <p:cNvPr id="1" name=""/>
+        <p:cNvGrpSpPr/>
+        <p:nvPr/>
+      </p:nvGrpSpPr>
+      <p:grpSpPr>
+        <a:xfrm>
+          <a:off x="0" y="0"/>
+          <a:ext cx="0" cy="0"/>
+          <a:chOff x="0" y="0"/>
+          <a:chExt cx="0" cy="0"/>
+        </a:xfrm>
+      </p:grpSpPr>
+      <p:sp>
+        <p:nvSpPr>
+          <p:cNvPr id="2" name="Заголовок 1"/>
+          <p:cNvSpPr>
+            <a:spLocks noGrp="1"/>
+          </p:cNvSpPr>
+          <p:nvPr>
+            <p:ph type="title"/>
+          </p:nvPr>
+        </p:nvSpPr>
+        <p:spPr/>
+        <p:txBody>
+          <a:bodyPr/>
+          <a:lstStyle/>
+          <a:p>
+            <a:pPr algn="ctr"/>
+            <a:r>
+              <a:rPr lang="ru-RU" dirty="0" smtClean="0"/>
+              <a:t>Проблемы отслеживания</a:t>
+            </a:r>
+            <a:endParaRPr lang="ru-RU" dirty="0"/>
+          </a:p>
+        </p:txBody>
+      </p:sp>
+      <p:sp>
+        <p:nvSpPr>
+          <p:cNvPr id="3" name="Содержимое 2"/>
+          <p:cNvSpPr>
+            <a:spLocks noGrp="1"/>
+          </p:cNvSpPr>
+          <p:nvPr>
+            <p:ph idx="1"/>
+          </p:nvPr>
+        </p:nvSpPr>
+        <p:spPr/>
+        <p:txBody>
+          <a:bodyPr/>
+          <a:lstStyle/>
+          <a:p>
+            <a:r>
+              <a:rPr lang="ru-RU" dirty="0" smtClean="0"/>
+              <a:t>меняющийся фон</a:t>
+            </a:r>
+          </a:p>
+          <a:p>
+            <a:r>
+              <a:rPr lang="ru-RU" dirty="0" smtClean="0"/>
+              <a:t>изменение освещения</a:t>
+            </a:r>
+          </a:p>
+          <a:p>
+            <a:r>
+              <a:rPr lang="ru-RU" dirty="0" smtClean="0"/>
+              <a:t>изменение внешнего облика объекта</a:t>
+            </a:r>
+          </a:p>
+          <a:p>
+            <a:r>
+              <a:rPr lang="ru-RU" dirty="0" smtClean="0"/>
+              <a:t>резкие изменения скорости и направления движения</a:t>
+            </a:r>
+          </a:p>
+          <a:p>
+            <a:r>
+              <a:rPr lang="ru-RU" dirty="0" smtClean="0"/>
+              <a:t>изменение масштаба объекта</a:t>
+            </a:r>
+          </a:p>
+          <a:p>
+            <a:r>
+              <a:rPr lang="ru-RU" dirty="0" smtClean="0"/>
+              <a:t>частичные и полные перекрытия объекта</a:t>
+            </a:r>
+            <a:endParaRPr lang="ru-RU" dirty="0"/>
+          </a:p>
+        </p:txBody>
+      </p:sp>
+      <p:sp>
+        <p:nvSpPr>
+          <p:cNvPr id="4" name="Номер слайда 3"/>
+          <p:cNvSpPr>
+            <a:spLocks noGrp="1"/>
+          </p:cNvSpPr>
+          <p:nvPr>
+            <p:ph type="sldNum" sz="quarter" idx="12"/>
+          </p:nvPr>
+        </p:nvSpPr>
+        <p:spPr/>
+        <p:txBody>
+          <a:bodyPr/>
+          <a:lstStyle/>
+          <a:p>
+            <a:fld id="{F9D62829-C74A-48E8-BA30-BE2CEDDA2708}" type="slidenum">
+              <a:rPr lang="ru-RU" sz="3200" smtClean="0"/>
+              <a:pPr/>
+              <a:t>9</a:t>
+            </a:fld>
+            <a:endParaRPr lang="ru-RU" sz="3200" dirty="0"/>
+          </a:p>
+        </p:txBody>
+      </p:sp>
+    </p:spTree>
+  </p:cSld>
+  <p:clrMapOvr>
+    <a:masterClrMapping/>
+  </p:clrMapOvr>
+  <p:timing>
+    <p:tnLst>
+      <p:par>
+        <p:cTn id="1" dur="indefinite" restart="never" nodeType="tmRoot"/>
+      </p:par>
+    </p:tnLst>
+  </p:timing>
 </p:sld>
 </file>
 

--- a/Разработка вероятностного метода  отслеживания объектов в видеопотоке.pptx
+++ b/Разработка вероятностного метода  отслеживания объектов в видеопотоке.pptx
@@ -5,7 +5,7 @@
     <p:sldMasterId id="2147483660" r:id="rId1"/>
   </p:sldMasterIdLst>
   <p:notesMasterIdLst>
-    <p:notesMasterId r:id="rId20"/>
+    <p:notesMasterId r:id="rId19"/>
   </p:notesMasterIdLst>
   <p:sldIdLst>
     <p:sldId id="256" r:id="rId2"/>
@@ -16,16 +16,15 @@
     <p:sldId id="272" r:id="rId7"/>
     <p:sldId id="271" r:id="rId8"/>
     <p:sldId id="274" r:id="rId9"/>
-    <p:sldId id="258" r:id="rId10"/>
-    <p:sldId id="259" r:id="rId11"/>
-    <p:sldId id="260" r:id="rId12"/>
-    <p:sldId id="261" r:id="rId13"/>
-    <p:sldId id="262" r:id="rId14"/>
-    <p:sldId id="263" r:id="rId15"/>
-    <p:sldId id="264" r:id="rId16"/>
-    <p:sldId id="265" r:id="rId17"/>
-    <p:sldId id="266" r:id="rId18"/>
-    <p:sldId id="267" r:id="rId19"/>
+    <p:sldId id="275" r:id="rId10"/>
+    <p:sldId id="276" r:id="rId11"/>
+    <p:sldId id="277" r:id="rId12"/>
+    <p:sldId id="258" r:id="rId13"/>
+    <p:sldId id="259" r:id="rId14"/>
+    <p:sldId id="264" r:id="rId15"/>
+    <p:sldId id="265" r:id="rId16"/>
+    <p:sldId id="266" r:id="rId17"/>
+    <p:sldId id="267" r:id="rId18"/>
   </p:sldIdLst>
   <p:sldSz cx="9144000" cy="6858000" type="screen4x3"/>
   <p:notesSz cx="6858000" cy="9144000"/>
@@ -210,7 +209,7 @@
             <a:fld id="{53081E6D-8C6E-4711-813E-E2FA21F30C0E}" type="datetimeFigureOut">
               <a:rPr lang="ru-RU" smtClean="0"/>
               <a:pPr/>
-              <a:t>16.05.2014</a:t>
+              <a:t>17.05.2014</a:t>
             </a:fld>
             <a:endParaRPr lang="ru-RU"/>
           </a:p>
@@ -807,7 +806,7 @@
             <a:fld id="{4641F885-48D2-4260-9120-FA9BBCEB77D6}" type="datetime1">
               <a:rPr lang="ru-RU" smtClean="0"/>
               <a:pPr/>
-              <a:t>16.05.2014</a:t>
+              <a:t>17.05.2014</a:t>
             </a:fld>
             <a:endParaRPr lang="ru-RU"/>
           </a:p>
@@ -1032,7 +1031,7 @@
             <a:fld id="{5CE8E11B-C095-4A16-A3F7-79F83ACC1E4E}" type="datetime1">
               <a:rPr lang="ru-RU" smtClean="0"/>
               <a:pPr/>
-              <a:t>16.05.2014</a:t>
+              <a:t>17.05.2014</a:t>
             </a:fld>
             <a:endParaRPr lang="ru-RU"/>
           </a:p>
@@ -1314,7 +1313,7 @@
             <a:fld id="{F215F34A-F843-4053-8B10-C2353028FC71}" type="datetime1">
               <a:rPr lang="ru-RU" smtClean="0"/>
               <a:pPr/>
-              <a:t>16.05.2014</a:t>
+              <a:t>17.05.2014</a:t>
             </a:fld>
             <a:endParaRPr lang="ru-RU"/>
           </a:p>
@@ -1495,7 +1494,7 @@
             <a:fld id="{AA883DE3-4AFD-486A-96FE-D1AEA3679642}" type="datetime1">
               <a:rPr lang="ru-RU" smtClean="0"/>
               <a:pPr/>
-              <a:t>16.05.2014</a:t>
+              <a:t>17.05.2014</a:t>
             </a:fld>
             <a:endParaRPr lang="ru-RU"/>
           </a:p>
@@ -1855,7 +1854,7 @@
             <a:fld id="{4B103306-F3D7-497F-89C2-D4FA44B7D765}" type="datetime1">
               <a:rPr lang="ru-RU" smtClean="0"/>
               <a:pPr/>
-              <a:t>16.05.2014</a:t>
+              <a:t>17.05.2014</a:t>
             </a:fld>
             <a:endParaRPr lang="ru-RU"/>
           </a:p>
@@ -2144,7 +2143,7 @@
             <a:fld id="{D0015848-C03C-46EA-9103-C8590DC23437}" type="datetime1">
               <a:rPr lang="ru-RU" smtClean="0"/>
               <a:pPr/>
-              <a:t>16.05.2014</a:t>
+              <a:t>17.05.2014</a:t>
             </a:fld>
             <a:endParaRPr lang="ru-RU"/>
           </a:p>
@@ -2568,7 +2567,7 @@
             <a:fld id="{A31CBC74-5B64-4A8E-A796-A95BF2DA3177}" type="datetime1">
               <a:rPr lang="ru-RU" smtClean="0"/>
               <a:pPr/>
-              <a:t>16.05.2014</a:t>
+              <a:t>17.05.2014</a:t>
             </a:fld>
             <a:endParaRPr lang="ru-RU"/>
           </a:p>
@@ -2685,7 +2684,7 @@
             <a:fld id="{B134833C-94C4-4380-8C3E-FDCCA862BA07}" type="datetime1">
               <a:rPr lang="ru-RU" smtClean="0"/>
               <a:pPr/>
-              <a:t>16.05.2014</a:t>
+              <a:t>17.05.2014</a:t>
             </a:fld>
             <a:endParaRPr lang="ru-RU"/>
           </a:p>
@@ -2777,7 +2776,7 @@
             <a:fld id="{D58EDACC-0373-4819-A4FB-6098255A2B87}" type="datetime1">
               <a:rPr lang="ru-RU" smtClean="0"/>
               <a:pPr/>
-              <a:t>16.05.2014</a:t>
+              <a:t>17.05.2014</a:t>
             </a:fld>
             <a:endParaRPr lang="ru-RU"/>
           </a:p>
@@ -3057,7 +3056,7 @@
             <a:fld id="{FC087297-2D8B-4F15-81E7-D131F16C91A3}" type="datetime1">
               <a:rPr lang="ru-RU" smtClean="0"/>
               <a:pPr/>
-              <a:t>16.05.2014</a:t>
+              <a:t>17.05.2014</a:t>
             </a:fld>
             <a:endParaRPr lang="ru-RU"/>
           </a:p>
@@ -3425,7 +3424,7 @@
             <a:fld id="{E6149E41-6746-48B2-8A6F-D68C6EC9C686}" type="datetime1">
               <a:rPr lang="ru-RU" smtClean="0"/>
               <a:pPr/>
-              <a:t>16.05.2014</a:t>
+              <a:t>17.05.2014</a:t>
             </a:fld>
             <a:endParaRPr lang="ru-RU"/>
           </a:p>
@@ -3864,7 +3863,7 @@
             <a:fld id="{E11633FC-756B-4CF3-A295-C028E58888D3}" type="datetime1">
               <a:rPr lang="ru-RU" smtClean="0"/>
               <a:pPr/>
-              <a:t>16.05.2014</a:t>
+              <a:t>17.05.2014</a:t>
             </a:fld>
             <a:endParaRPr lang="ru-RU"/>
           </a:p>
@@ -4398,79 +4397,345 @@
         </p:nvSpPr>
         <p:spPr/>
         <p:txBody>
+          <a:bodyPr>
+            <a:normAutofit fontScale="90000"/>
+          </a:bodyPr>
+          <a:lstStyle/>
+          <a:p>
+            <a:pPr algn="ctr"/>
+            <a:r>
+              <a:rPr lang="ru-RU" dirty="0" smtClean="0"/>
+              <a:t>Адаптация стохастической компоненты</a:t>
+            </a:r>
+            <a:endParaRPr lang="ru-RU" dirty="0"/>
+          </a:p>
+        </p:txBody>
+      </p:sp>
+      <p:sp>
+        <p:nvSpPr>
+          <p:cNvPr id="4" name="Номер слайда 3"/>
+          <p:cNvSpPr>
+            <a:spLocks noGrp="1"/>
+          </p:cNvSpPr>
+          <p:nvPr>
+            <p:ph type="sldNum" sz="quarter" idx="12"/>
+          </p:nvPr>
+        </p:nvSpPr>
+        <p:spPr/>
+        <p:txBody>
           <a:bodyPr/>
           <a:lstStyle/>
           <a:p>
-            <a:pPr algn="ctr"/>
-            <a:r>
-              <a:rPr lang="ru-RU" dirty="0" smtClean="0"/>
-              <a:t>Ограничения</a:t>
-            </a:r>
-            <a:endParaRPr lang="ru-RU" dirty="0"/>
-          </a:p>
-        </p:txBody>
-      </p:sp>
-      <p:sp>
-        <p:nvSpPr>
-          <p:cNvPr id="3" name="Содержимое 2"/>
-          <p:cNvSpPr>
-            <a:spLocks noGrp="1"/>
-          </p:cNvSpPr>
-          <p:nvPr>
-            <p:ph idx="1"/>
-          </p:nvPr>
-        </p:nvSpPr>
-        <p:spPr/>
-        <p:txBody>
-          <a:bodyPr/>
-          <a:lstStyle/>
-          <a:p>
-            <a:r>
-              <a:rPr lang="ru-RU" dirty="0" smtClean="0"/>
-              <a:t>Заранее известна цветовая гистограмма объекта.</a:t>
-            </a:r>
-          </a:p>
-          <a:p>
-            <a:r>
-              <a:rPr lang="ru-RU" dirty="0" smtClean="0"/>
-              <a:t>Цветовая гистограмма объекта должна отличаться от гистограммы фона.</a:t>
-            </a:r>
-          </a:p>
-          <a:p>
-            <a:r>
-              <a:rPr lang="ru-RU" dirty="0" smtClean="0"/>
-              <a:t>В сцене не должно быть элементов с похожей цветовой гистограммой.</a:t>
-            </a:r>
-          </a:p>
-          <a:p>
-            <a:endParaRPr lang="ru-RU" dirty="0"/>
-          </a:p>
-        </p:txBody>
-      </p:sp>
-      <p:sp>
-        <p:nvSpPr>
-          <p:cNvPr id="5" name="Номер слайда 4"/>
-          <p:cNvSpPr>
-            <a:spLocks noGrp="1"/>
-          </p:cNvSpPr>
-          <p:nvPr>
-            <p:ph type="sldNum" sz="quarter" idx="12"/>
-          </p:nvPr>
-        </p:nvSpPr>
-        <p:spPr/>
-        <p:txBody>
-          <a:bodyPr/>
-          <a:lstStyle/>
-          <a:p>
             <a:fld id="{F9D62829-C74A-48E8-BA30-BE2CEDDA2708}" type="slidenum">
-              <a:rPr lang="ru-RU" sz="3200" smtClean="0"/>
+              <a:rPr lang="ru-RU" smtClean="0"/>
               <a:pPr/>
               <a:t>10</a:t>
             </a:fld>
-            <a:endParaRPr lang="ru-RU" sz="3200" dirty="0"/>
-          </a:p>
-        </p:txBody>
-      </p:sp>
+            <a:endParaRPr lang="ru-RU"/>
+          </a:p>
+        </p:txBody>
+      </p:sp>
+      <p:sp>
+        <p:nvSpPr>
+          <p:cNvPr id="6" name="TextBox 5"/>
+          <p:cNvSpPr txBox="1"/>
+          <p:nvPr/>
+        </p:nvSpPr>
+        <p:spPr>
+          <a:xfrm>
+            <a:off x="323528" y="1556792"/>
+            <a:ext cx="8028384" cy="923330"/>
+          </a:xfrm>
+          <a:prstGeom prst="rect">
+            <a:avLst/>
+          </a:prstGeom>
+          <a:noFill/>
+        </p:spPr>
+        <p:txBody>
+          <a:bodyPr wrap="square" rtlCol="0">
+            <a:spAutoFit/>
+          </a:bodyPr>
+          <a:lstStyle/>
+          <a:p>
+            <a:pPr marL="0" lvl="1"/>
+            <a:r>
+              <a:rPr lang="ru-RU" dirty="0" smtClean="0">
+                <a:latin typeface="Times New Roman" pitchFamily="18" charset="0"/>
+                <a:cs typeface="Times New Roman" pitchFamily="18" charset="0"/>
+              </a:rPr>
+              <a:t>Чем дальше гистограмма объекта от эталонной на кадре </a:t>
+            </a:r>
+            <a:r>
+              <a:rPr lang="en-US" i="1" dirty="0" smtClean="0">
+                <a:latin typeface="Times New Roman" pitchFamily="18" charset="0"/>
+                <a:cs typeface="Times New Roman" pitchFamily="18" charset="0"/>
+              </a:rPr>
+              <a:t>k</a:t>
+            </a:r>
+            <a:r>
+              <a:rPr lang="ru-RU" dirty="0" smtClean="0">
+                <a:latin typeface="Times New Roman" pitchFamily="18" charset="0"/>
+                <a:cs typeface="Times New Roman" pitchFamily="18" charset="0"/>
+              </a:rPr>
+              <a:t>, тем ближе модель динамики к модели случайных блужданий</a:t>
+            </a:r>
+          </a:p>
+          <a:p>
+            <a:endParaRPr lang="ru-RU" dirty="0">
+              <a:latin typeface="Times New Roman" pitchFamily="18" charset="0"/>
+              <a:cs typeface="Times New Roman" pitchFamily="18" charset="0"/>
+            </a:endParaRPr>
+          </a:p>
+        </p:txBody>
+      </p:sp>
+      <p:sp>
+        <p:nvSpPr>
+          <p:cNvPr id="7" name="TextBox 6"/>
+          <p:cNvSpPr txBox="1"/>
+          <p:nvPr/>
+        </p:nvSpPr>
+        <p:spPr>
+          <a:xfrm>
+            <a:off x="323528" y="2276872"/>
+            <a:ext cx="2832699" cy="369332"/>
+          </a:xfrm>
+          <a:prstGeom prst="rect">
+            <a:avLst/>
+          </a:prstGeom>
+          <a:noFill/>
+        </p:spPr>
+        <p:txBody>
+          <a:bodyPr wrap="none" rtlCol="0">
+            <a:spAutoFit/>
+          </a:bodyPr>
+          <a:lstStyle/>
+          <a:p>
+            <a:r>
+              <a:rPr lang="ru-RU" b="1" dirty="0" err="1" smtClean="0">
+                <a:solidFill>
+                  <a:srgbClr val="FF0000"/>
+                </a:solidFill>
+                <a:latin typeface="Times New Roman" pitchFamily="18" charset="0"/>
+                <a:cs typeface="Times New Roman" pitchFamily="18" charset="0"/>
+              </a:rPr>
+              <a:t>Сигмоидальная</a:t>
+            </a:r>
+            <a:r>
+              <a:rPr lang="ru-RU" b="1" dirty="0" smtClean="0">
+                <a:solidFill>
+                  <a:srgbClr val="FF0000"/>
+                </a:solidFill>
+                <a:latin typeface="Times New Roman" pitchFamily="18" charset="0"/>
+                <a:cs typeface="Times New Roman" pitchFamily="18" charset="0"/>
+              </a:rPr>
+              <a:t> функция</a:t>
+            </a:r>
+            <a:endParaRPr lang="ru-RU" b="1" dirty="0">
+              <a:solidFill>
+                <a:srgbClr val="FF0000"/>
+              </a:solidFill>
+              <a:latin typeface="Times New Roman" pitchFamily="18" charset="0"/>
+              <a:cs typeface="Times New Roman" pitchFamily="18" charset="0"/>
+            </a:endParaRPr>
+          </a:p>
+        </p:txBody>
+      </p:sp>
+      <p:graphicFrame>
+        <p:nvGraphicFramePr>
+          <p:cNvPr id="54274" name="Object 2"/>
+          <p:cNvGraphicFramePr>
+            <a:graphicFrameLocks noChangeAspect="1"/>
+          </p:cNvGraphicFramePr>
+          <p:nvPr/>
+        </p:nvGraphicFramePr>
+        <p:xfrm>
+          <a:off x="323528" y="2901553"/>
+          <a:ext cx="3306763" cy="1679575"/>
+        </p:xfrm>
+        <a:graphic>
+          <a:graphicData uri="http://schemas.openxmlformats.org/presentationml/2006/ole">
+            <p:oleObj spid="_x0000_s54274" name="Equation" r:id="rId3" imgW="1803240" imgH="761760" progId="Equation.3">
+              <p:embed/>
+            </p:oleObj>
+          </a:graphicData>
+        </a:graphic>
+      </p:graphicFrame>
+      <p:pic>
+        <p:nvPicPr>
+          <p:cNvPr id="54276" name="Picture 4"/>
+          <p:cNvPicPr>
+            <a:picLocks noChangeAspect="1" noChangeArrowheads="1"/>
+          </p:cNvPicPr>
+          <p:nvPr/>
+        </p:nvPicPr>
+        <p:blipFill>
+          <a:blip r:embed="rId4" cstate="print"/>
+          <a:srcRect/>
+          <a:stretch>
+            <a:fillRect/>
+          </a:stretch>
+        </p:blipFill>
+        <p:spPr bwMode="auto">
+          <a:xfrm>
+            <a:off x="4139952" y="2132856"/>
+            <a:ext cx="3448050" cy="2828925"/>
+          </a:xfrm>
+          <a:prstGeom prst="rect">
+            <a:avLst/>
+          </a:prstGeom>
+          <a:noFill/>
+          <a:ln w="9525">
+            <a:noFill/>
+            <a:miter lim="800000"/>
+            <a:headEnd/>
+            <a:tailEnd/>
+          </a:ln>
+        </p:spPr>
+      </p:pic>
+      <p:graphicFrame>
+        <p:nvGraphicFramePr>
+          <p:cNvPr id="54277" name="Object 5"/>
+          <p:cNvGraphicFramePr>
+            <a:graphicFrameLocks noChangeAspect="1"/>
+          </p:cNvGraphicFramePr>
+          <p:nvPr/>
+        </p:nvGraphicFramePr>
+        <p:xfrm>
+          <a:off x="7164288" y="3071068"/>
+          <a:ext cx="908050" cy="952500"/>
+        </p:xfrm>
+        <a:graphic>
+          <a:graphicData uri="http://schemas.openxmlformats.org/presentationml/2006/ole">
+            <p:oleObj spid="_x0000_s54277" name="Equation" r:id="rId5" imgW="495000" imgH="431640" progId="Equation.3">
+              <p:embed/>
+            </p:oleObj>
+          </a:graphicData>
+        </a:graphic>
+      </p:graphicFrame>
+      <p:sp>
+        <p:nvSpPr>
+          <p:cNvPr id="18" name="TextBox 17"/>
+          <p:cNvSpPr txBox="1"/>
+          <p:nvPr/>
+        </p:nvSpPr>
+        <p:spPr>
+          <a:xfrm>
+            <a:off x="323528" y="5013176"/>
+            <a:ext cx="3096344" cy="646331"/>
+          </a:xfrm>
+          <a:prstGeom prst="rect">
+            <a:avLst/>
+          </a:prstGeom>
+          <a:noFill/>
+        </p:spPr>
+        <p:txBody>
+          <a:bodyPr wrap="square" rtlCol="0">
+            <a:spAutoFit/>
+          </a:bodyPr>
+          <a:lstStyle/>
+          <a:p>
+            <a:r>
+              <a:rPr lang="ru-RU" b="1" dirty="0" smtClean="0">
+                <a:latin typeface="Times New Roman" pitchFamily="18" charset="0"/>
+                <a:cs typeface="Times New Roman" pitchFamily="18" charset="0"/>
+              </a:rPr>
+              <a:t>Обновление вектора стандартных отклонений</a:t>
+            </a:r>
+          </a:p>
+        </p:txBody>
+      </p:sp>
+      <p:graphicFrame>
+        <p:nvGraphicFramePr>
+          <p:cNvPr id="54278" name="Object 6"/>
+          <p:cNvGraphicFramePr>
+            <a:graphicFrameLocks noChangeAspect="1"/>
+          </p:cNvGraphicFramePr>
+          <p:nvPr/>
+        </p:nvGraphicFramePr>
+        <p:xfrm>
+          <a:off x="323528" y="5733256"/>
+          <a:ext cx="3462338" cy="1065213"/>
+        </p:xfrm>
+        <a:graphic>
+          <a:graphicData uri="http://schemas.openxmlformats.org/presentationml/2006/ole">
+            <p:oleObj spid="_x0000_s54278" name="Equation" r:id="rId6" imgW="1892160" imgH="482400" progId="Equation.3">
+              <p:embed/>
+            </p:oleObj>
+          </a:graphicData>
+        </a:graphic>
+      </p:graphicFrame>
+      <p:graphicFrame>
+        <p:nvGraphicFramePr>
+          <p:cNvPr id="54279" name="Object 7"/>
+          <p:cNvGraphicFramePr>
+            <a:graphicFrameLocks noChangeAspect="1"/>
+          </p:cNvGraphicFramePr>
+          <p:nvPr/>
+        </p:nvGraphicFramePr>
+        <p:xfrm>
+          <a:off x="3131840" y="5148608"/>
+          <a:ext cx="360040" cy="471117"/>
+        </p:xfrm>
+        <a:graphic>
+          <a:graphicData uri="http://schemas.openxmlformats.org/presentationml/2006/ole">
+            <p:oleObj spid="_x0000_s54279" name="Equation" r:id="rId7" imgW="139680" imgH="152280" progId="Equation.3">
+              <p:embed/>
+            </p:oleObj>
+          </a:graphicData>
+        </a:graphic>
+      </p:graphicFrame>
+      <p:sp>
+        <p:nvSpPr>
+          <p:cNvPr id="21" name="TextBox 20"/>
+          <p:cNvSpPr txBox="1"/>
+          <p:nvPr/>
+        </p:nvSpPr>
+        <p:spPr>
+          <a:xfrm>
+            <a:off x="4716016" y="5013176"/>
+            <a:ext cx="3672408" cy="646331"/>
+          </a:xfrm>
+          <a:prstGeom prst="rect">
+            <a:avLst/>
+          </a:prstGeom>
+          <a:noFill/>
+        </p:spPr>
+        <p:txBody>
+          <a:bodyPr wrap="square" rtlCol="0">
+            <a:spAutoFit/>
+          </a:bodyPr>
+          <a:lstStyle/>
+          <a:p>
+            <a:r>
+              <a:rPr lang="ru-RU" b="1" dirty="0" smtClean="0">
+                <a:latin typeface="Times New Roman" pitchFamily="18" charset="0"/>
+                <a:cs typeface="Times New Roman" pitchFamily="18" charset="0"/>
+              </a:rPr>
+              <a:t>Обновление динамической компоненты вектора состояния</a:t>
+            </a:r>
+          </a:p>
+        </p:txBody>
+      </p:sp>
+      <p:graphicFrame>
+        <p:nvGraphicFramePr>
+          <p:cNvPr id="54280" name="Object 8"/>
+          <p:cNvGraphicFramePr>
+            <a:graphicFrameLocks noChangeAspect="1"/>
+          </p:cNvGraphicFramePr>
+          <p:nvPr/>
+        </p:nvGraphicFramePr>
+        <p:xfrm>
+          <a:off x="4716016" y="5733256"/>
+          <a:ext cx="2095500" cy="504825"/>
+        </p:xfrm>
+        <a:graphic>
+          <a:graphicData uri="http://schemas.openxmlformats.org/presentationml/2006/ole">
+            <p:oleObj spid="_x0000_s54280" name="Equation" r:id="rId8" imgW="1143000" imgH="228600" progId="Equation.3">
+              <p:embed/>
+            </p:oleObj>
+          </a:graphicData>
+        </a:graphic>
+      </p:graphicFrame>
     </p:spTree>
   </p:cSld>
   <p:clrMapOvr>
@@ -4518,10 +4783,9 @@
           <a:bodyPr/>
           <a:lstStyle/>
           <a:p>
-            <a:pPr algn="ctr"/>
             <a:r>
               <a:rPr lang="ru-RU" dirty="0" smtClean="0"/>
-              <a:t>Основная идея</a:t>
+              <a:t>Алгоритм отслеживания</a:t>
             </a:r>
             <a:endParaRPr lang="ru-RU" dirty="0"/>
           </a:p>
@@ -4544,344 +4808,15 @@
           <a:p>
             <a:r>
               <a:rPr lang="ru-RU" dirty="0" smtClean="0"/>
-              <a:t>аппроксимация функции плотности распределения вероятности  вектора состояния набором взвешенных частиц</a:t>
-            </a:r>
-          </a:p>
-          <a:p>
-            <a:endParaRPr lang="ru-RU" dirty="0" smtClean="0"/>
-          </a:p>
-          <a:p>
-            <a:r>
-              <a:rPr lang="ru-RU" dirty="0" smtClean="0"/>
-              <a:t>вектор состояния</a:t>
-            </a:r>
-          </a:p>
-          <a:p>
-            <a:endParaRPr lang="ru-RU" dirty="0" smtClean="0"/>
-          </a:p>
-          <a:p>
-            <a:r>
-              <a:rPr lang="ru-RU" dirty="0" smtClean="0"/>
-              <a:t>                – цветовая </a:t>
-            </a:r>
-          </a:p>
-          <a:p>
-            <a:pPr>
-              <a:buNone/>
-            </a:pPr>
-            <a:r>
-              <a:rPr lang="ru-RU" dirty="0" smtClean="0"/>
-              <a:t>гистограмма</a:t>
-            </a:r>
-            <a:r>
-              <a:rPr lang="en-US" dirty="0" smtClean="0"/>
-              <a:t> </a:t>
-            </a:r>
-            <a:r>
-              <a:rPr lang="ru-RU" dirty="0" smtClean="0"/>
-              <a:t>области </a:t>
-            </a:r>
-            <a:r>
-              <a:rPr lang="en-US" dirty="0" smtClean="0"/>
-              <a:t>R</a:t>
-            </a:r>
-            <a:endParaRPr lang="ru-RU" dirty="0" smtClean="0"/>
-          </a:p>
-        </p:txBody>
-      </p:sp>
-      <p:graphicFrame>
-        <p:nvGraphicFramePr>
-          <p:cNvPr id="1027" name="Object 3"/>
-          <p:cNvGraphicFramePr>
-            <a:graphicFrameLocks noChangeAspect="1"/>
-          </p:cNvGraphicFramePr>
-          <p:nvPr/>
-        </p:nvGraphicFramePr>
-        <p:xfrm>
-          <a:off x="4139952" y="3645024"/>
-          <a:ext cx="4242122" cy="1180887"/>
-        </p:xfrm>
-        <a:graphic>
-          <a:graphicData uri="http://schemas.openxmlformats.org/presentationml/2006/ole">
-            <p:oleObj spid="_x0000_s1027" name="Формула" r:id="rId3" imgW="1460160" imgH="406080" progId="Equation.3">
-              <p:embed/>
-            </p:oleObj>
-          </a:graphicData>
-        </a:graphic>
-      </p:graphicFrame>
-      <p:graphicFrame>
-        <p:nvGraphicFramePr>
-          <p:cNvPr id="1029" name="Object 5"/>
-          <p:cNvGraphicFramePr>
-            <a:graphicFrameLocks noChangeAspect="1"/>
-          </p:cNvGraphicFramePr>
-          <p:nvPr/>
-        </p:nvGraphicFramePr>
-        <p:xfrm>
-          <a:off x="7956376" y="2781008"/>
-          <a:ext cx="664102" cy="720000"/>
-        </p:xfrm>
-        <a:graphic>
-          <a:graphicData uri="http://schemas.openxmlformats.org/presentationml/2006/ole">
-            <p:oleObj spid="_x0000_s1029" name="Equation" r:id="rId4" imgW="253800" imgH="228600" progId="Equation.3">
-              <p:embed/>
-            </p:oleObj>
-          </a:graphicData>
-        </a:graphic>
-      </p:graphicFrame>
-      <p:pic>
-        <p:nvPicPr>
-          <p:cNvPr id="10" name="Рисунок 9" descr="boundingRect.jpg"/>
-          <p:cNvPicPr>
-            <a:picLocks noChangeAspect="1"/>
-          </p:cNvPicPr>
-          <p:nvPr/>
-        </p:nvPicPr>
-        <p:blipFill>
-          <a:blip r:embed="rId5" cstate="print"/>
-          <a:stretch>
-            <a:fillRect/>
-          </a:stretch>
-        </p:blipFill>
-        <p:spPr>
-          <a:xfrm>
-            <a:off x="6012160" y="4797152"/>
-            <a:ext cx="2376264" cy="1584176"/>
-          </a:xfrm>
-          <a:prstGeom prst="rect">
-            <a:avLst/>
-          </a:prstGeom>
-        </p:spPr>
-      </p:pic>
-      <p:sp>
-        <p:nvSpPr>
-          <p:cNvPr id="13" name="TextBox 12"/>
-          <p:cNvSpPr txBox="1"/>
-          <p:nvPr/>
-        </p:nvSpPr>
-        <p:spPr>
-          <a:xfrm>
-            <a:off x="6012160" y="4941168"/>
-            <a:ext cx="630429" cy="369332"/>
-          </a:xfrm>
-          <a:prstGeom prst="rect">
-            <a:avLst/>
-          </a:prstGeom>
-          <a:noFill/>
-        </p:spPr>
-        <p:txBody>
-          <a:bodyPr wrap="none" rtlCol="0">
-            <a:spAutoFit/>
-          </a:bodyPr>
-          <a:lstStyle/>
-          <a:p>
-            <a:r>
-              <a:rPr lang="ru-RU" b="1" dirty="0" smtClean="0">
-                <a:solidFill>
-                  <a:schemeClr val="bg1"/>
-                </a:solidFill>
-              </a:rPr>
-              <a:t>(</a:t>
-            </a:r>
-            <a:r>
-              <a:rPr lang="en-US" b="1" dirty="0" err="1" smtClean="0">
-                <a:solidFill>
-                  <a:schemeClr val="bg1"/>
-                </a:solidFill>
-              </a:rPr>
-              <a:t>x,y</a:t>
-            </a:r>
-            <a:r>
-              <a:rPr lang="en-US" b="1" dirty="0" smtClean="0">
-                <a:solidFill>
-                  <a:schemeClr val="bg1"/>
-                </a:solidFill>
-              </a:rPr>
-              <a:t>)</a:t>
-            </a:r>
-            <a:endParaRPr lang="ru-RU" b="1" dirty="0">
-              <a:solidFill>
-                <a:schemeClr val="bg1"/>
-              </a:solidFill>
-            </a:endParaRPr>
-          </a:p>
-        </p:txBody>
-      </p:sp>
-      <p:sp>
-        <p:nvSpPr>
-          <p:cNvPr id="14" name="TextBox 13"/>
-          <p:cNvSpPr txBox="1"/>
-          <p:nvPr/>
-        </p:nvSpPr>
-        <p:spPr>
-          <a:xfrm>
-            <a:off x="7020272" y="4797152"/>
-            <a:ext cx="357790" cy="369332"/>
-          </a:xfrm>
-          <a:prstGeom prst="rect">
-            <a:avLst/>
-          </a:prstGeom>
-          <a:noFill/>
-        </p:spPr>
-        <p:txBody>
-          <a:bodyPr wrap="none" rtlCol="0">
-            <a:spAutoFit/>
-          </a:bodyPr>
-          <a:lstStyle/>
-          <a:p>
-            <a:r>
-              <a:rPr lang="en-US" b="1" dirty="0" smtClean="0">
-                <a:solidFill>
-                  <a:schemeClr val="bg1"/>
-                </a:solidFill>
-              </a:rPr>
-              <a:t>w</a:t>
-            </a:r>
-            <a:endParaRPr lang="ru-RU" b="1" dirty="0">
-              <a:solidFill>
-                <a:schemeClr val="bg1"/>
-              </a:solidFill>
-            </a:endParaRPr>
-          </a:p>
-        </p:txBody>
-      </p:sp>
-      <p:sp>
-        <p:nvSpPr>
-          <p:cNvPr id="15" name="TextBox 14"/>
-          <p:cNvSpPr txBox="1"/>
-          <p:nvPr/>
-        </p:nvSpPr>
-        <p:spPr>
-          <a:xfrm>
-            <a:off x="7884368" y="5301208"/>
-            <a:ext cx="314510" cy="369332"/>
-          </a:xfrm>
-          <a:prstGeom prst="rect">
-            <a:avLst/>
-          </a:prstGeom>
-          <a:noFill/>
-        </p:spPr>
-        <p:txBody>
-          <a:bodyPr wrap="none" rtlCol="0">
-            <a:spAutoFit/>
-          </a:bodyPr>
-          <a:lstStyle/>
-          <a:p>
-            <a:r>
-              <a:rPr lang="en-US" b="1" dirty="0" smtClean="0">
-                <a:solidFill>
-                  <a:schemeClr val="bg1"/>
-                </a:solidFill>
-              </a:rPr>
-              <a:t>h</a:t>
-            </a:r>
-            <a:endParaRPr lang="ru-RU" b="1" dirty="0">
-              <a:solidFill>
-                <a:schemeClr val="bg1"/>
-              </a:solidFill>
-            </a:endParaRPr>
-          </a:p>
-        </p:txBody>
-      </p:sp>
-      <p:sp>
-        <p:nvSpPr>
-          <p:cNvPr id="16" name="TextBox 15"/>
-          <p:cNvSpPr txBox="1"/>
-          <p:nvPr/>
-        </p:nvSpPr>
-        <p:spPr>
-          <a:xfrm>
-            <a:off x="6012160" y="6237312"/>
-            <a:ext cx="328936" cy="369332"/>
-          </a:xfrm>
-          <a:prstGeom prst="rect">
-            <a:avLst/>
-          </a:prstGeom>
-          <a:noFill/>
-        </p:spPr>
-        <p:txBody>
-          <a:bodyPr wrap="none" rtlCol="0">
-            <a:spAutoFit/>
-          </a:bodyPr>
-          <a:lstStyle/>
-          <a:p>
-            <a:r>
-              <a:rPr lang="en-US" b="1" dirty="0" smtClean="0">
-                <a:solidFill>
-                  <a:schemeClr val="bg1"/>
-                </a:solidFill>
-              </a:rPr>
-              <a:t>R</a:t>
-            </a:r>
-            <a:endParaRPr lang="ru-RU" b="1" dirty="0">
-              <a:solidFill>
-                <a:schemeClr val="bg1"/>
-              </a:solidFill>
-            </a:endParaRPr>
-          </a:p>
-        </p:txBody>
-      </p:sp>
-      <p:cxnSp>
-        <p:nvCxnSpPr>
-          <p:cNvPr id="18" name="Прямая со стрелкой 17"/>
-          <p:cNvCxnSpPr/>
-          <p:nvPr/>
-        </p:nvCxnSpPr>
-        <p:spPr>
-          <a:xfrm flipV="1">
-            <a:off x="6300192" y="5949280"/>
-            <a:ext cx="360040" cy="400690"/>
-          </a:xfrm>
-          <a:prstGeom prst="straightConnector1">
-            <a:avLst/>
-          </a:prstGeom>
-          <a:ln w="25400">
-            <a:solidFill>
-              <a:schemeClr val="bg2">
-                <a:lumMod val="10000"/>
-              </a:schemeClr>
-            </a:solidFill>
-            <a:tailEnd type="arrow"/>
-          </a:ln>
-        </p:spPr>
-        <p:style>
-          <a:lnRef idx="1">
-            <a:schemeClr val="accent1"/>
-          </a:lnRef>
-          <a:fillRef idx="0">
-            <a:schemeClr val="accent1"/>
-          </a:fillRef>
-          <a:effectRef idx="0">
-            <a:schemeClr val="accent1"/>
-          </a:effectRef>
-          <a:fontRef idx="minor">
-            <a:schemeClr val="tx1"/>
-          </a:fontRef>
-        </p:style>
-      </p:cxnSp>
-      <p:graphicFrame>
-        <p:nvGraphicFramePr>
-          <p:cNvPr id="1033" name="Object 9"/>
-          <p:cNvGraphicFramePr>
-            <a:graphicFrameLocks noChangeAspect="1"/>
-          </p:cNvGraphicFramePr>
-          <p:nvPr/>
-        </p:nvGraphicFramePr>
-        <p:xfrm>
-          <a:off x="971600" y="4797152"/>
-          <a:ext cx="1224136" cy="529510"/>
-        </p:xfrm>
-        <a:graphic>
-          <a:graphicData uri="http://schemas.openxmlformats.org/presentationml/2006/ole">
-            <p:oleObj spid="_x0000_s1033" name="Формула" r:id="rId6" imgW="469800" imgH="203040" progId="Equation.3">
-              <p:embed/>
-            </p:oleObj>
-          </a:graphicData>
-        </a:graphic>
-      </p:graphicFrame>
-      <p:sp>
-        <p:nvSpPr>
-          <p:cNvPr id="23" name="Номер слайда 22"/>
+              <a:t>Здесь будет блок-схема алгоритма</a:t>
+            </a:r>
+            <a:endParaRPr lang="ru-RU" dirty="0"/>
+          </a:p>
+        </p:txBody>
+      </p:sp>
+      <p:sp>
+        <p:nvSpPr>
+          <p:cNvPr id="4" name="Номер слайда 3"/>
           <p:cNvSpPr>
             <a:spLocks noGrp="1"/>
           </p:cNvSpPr>
@@ -4895,11 +4830,11 @@
           <a:lstStyle/>
           <a:p>
             <a:fld id="{F9D62829-C74A-48E8-BA30-BE2CEDDA2708}" type="slidenum">
-              <a:rPr lang="ru-RU" sz="3600" smtClean="0"/>
+              <a:rPr lang="ru-RU" smtClean="0"/>
               <a:pPr/>
               <a:t>11</a:t>
             </a:fld>
-            <a:endParaRPr lang="ru-RU" sz="3600" dirty="0"/>
+            <a:endParaRPr lang="ru-RU"/>
           </a:p>
         </p:txBody>
       </p:sp>
@@ -4908,13 +4843,6 @@
   <p:clrMapOvr>
     <a:masterClrMapping/>
   </p:clrMapOvr>
-  <p:timing>
-    <p:tnLst>
-      <p:par>
-        <p:cTn id="1" dur="indefinite" restart="never" nodeType="tmRoot"/>
-      </p:par>
-    </p:tnLst>
-  </p:timing>
 </p:sld>
 </file>
 
@@ -4953,7 +4881,7 @@
             <a:pPr algn="ctr"/>
             <a:r>
               <a:rPr lang="ru-RU" dirty="0" smtClean="0"/>
-              <a:t>Фильтр частиц</a:t>
+              <a:t>Проблемы отслеживания</a:t>
             </a:r>
             <a:endParaRPr lang="ru-RU" dirty="0"/>
           </a:p>
@@ -4969,168 +4897,52 @@
             <p:ph idx="1"/>
           </p:nvPr>
         </p:nvSpPr>
-        <p:spPr>
-          <a:xfrm>
-            <a:off x="395536" y="1844824"/>
-            <a:ext cx="8229600" cy="4555976"/>
-          </a:xfrm>
-        </p:spPr>
-        <p:txBody>
-          <a:bodyPr>
-            <a:noAutofit/>
-          </a:bodyPr>
-          <a:lstStyle/>
-          <a:p>
-            <a:pPr>
-              <a:lnSpc>
-                <a:spcPct val="150000"/>
-              </a:lnSpc>
-              <a:buNone/>
-            </a:pPr>
+        <p:spPr/>
+        <p:txBody>
+          <a:bodyPr/>
+          <a:lstStyle/>
+          <a:p>
             <a:r>
               <a:rPr lang="ru-RU" dirty="0" smtClean="0"/>
-              <a:t>              — набор частиц с предыдущего кадра</a:t>
-            </a:r>
-          </a:p>
-          <a:p>
-            <a:pPr>
-              <a:lnSpc>
-                <a:spcPct val="150000"/>
-              </a:lnSpc>
-              <a:buNone/>
-            </a:pPr>
+              <a:t>меняющийся фон</a:t>
+            </a:r>
+          </a:p>
+          <a:p>
             <a:r>
               <a:rPr lang="ru-RU" dirty="0" smtClean="0"/>
-              <a:t>              — эталонная цветовая гистограмма объекта</a:t>
-            </a:r>
-          </a:p>
-          <a:p>
-            <a:pPr>
-              <a:lnSpc>
-                <a:spcPct val="150000"/>
-              </a:lnSpc>
-              <a:buNone/>
-            </a:pPr>
+              <a:t>изменение освещения</a:t>
+            </a:r>
+          </a:p>
+          <a:p>
             <a:r>
               <a:rPr lang="ru-RU" dirty="0" smtClean="0"/>
-              <a:t>				              — уравнение движения</a:t>
-            </a:r>
-          </a:p>
-          <a:p>
-            <a:pPr>
-              <a:lnSpc>
-                <a:spcPct val="150000"/>
-              </a:lnSpc>
-              <a:buNone/>
-            </a:pPr>
+              <a:t>изменение внешнего облика объекта</a:t>
+            </a:r>
+          </a:p>
+          <a:p>
             <a:r>
               <a:rPr lang="ru-RU" dirty="0" smtClean="0"/>
-              <a:t>                                              — расстояние до эталонной гистограммы</a:t>
-            </a:r>
-          </a:p>
-          <a:p>
-            <a:pPr>
-              <a:lnSpc>
-                <a:spcPct val="150000"/>
-              </a:lnSpc>
-              <a:buNone/>
-            </a:pPr>
-            <a:endParaRPr lang="ru-RU" dirty="0" smtClean="0"/>
-          </a:p>
-          <a:p>
-            <a:pPr>
-              <a:lnSpc>
-                <a:spcPct val="150000"/>
-              </a:lnSpc>
-              <a:buNone/>
-            </a:pPr>
-            <a:endParaRPr lang="ru-RU" sz="2800" dirty="0"/>
-          </a:p>
-        </p:txBody>
-      </p:sp>
-      <p:graphicFrame>
-        <p:nvGraphicFramePr>
-          <p:cNvPr id="2053" name="Object 5"/>
-          <p:cNvGraphicFramePr>
-            <a:graphicFrameLocks noChangeAspect="1"/>
-          </p:cNvGraphicFramePr>
-          <p:nvPr/>
-        </p:nvGraphicFramePr>
-        <p:xfrm>
-          <a:off x="899592" y="2132856"/>
-          <a:ext cx="504056" cy="546482"/>
-        </p:xfrm>
-        <a:graphic>
-          <a:graphicData uri="http://schemas.openxmlformats.org/presentationml/2006/ole">
-            <p:oleObj spid="_x0000_s2053" name="Equation" r:id="rId3" imgW="253800" imgH="228600" progId="Equation.3">
-              <p:embed/>
-            </p:oleObj>
-          </a:graphicData>
-        </a:graphic>
-      </p:graphicFrame>
-      <p:graphicFrame>
-        <p:nvGraphicFramePr>
-          <p:cNvPr id="2062" name="Object 14"/>
-          <p:cNvGraphicFramePr>
-            <a:graphicFrameLocks noChangeAspect="1"/>
-          </p:cNvGraphicFramePr>
-          <p:nvPr/>
-        </p:nvGraphicFramePr>
-        <p:xfrm>
-          <a:off x="873100" y="2852936"/>
-          <a:ext cx="746572" cy="553607"/>
-        </p:xfrm>
-        <a:graphic>
-          <a:graphicData uri="http://schemas.openxmlformats.org/presentationml/2006/ole">
-            <p:oleObj spid="_x0000_s2062" name="Формула" r:id="rId4" imgW="393480" imgH="241200" progId="Equation.3">
-              <p:embed/>
-            </p:oleObj>
-          </a:graphicData>
-        </a:graphic>
-      </p:graphicFrame>
-      <p:graphicFrame>
-        <p:nvGraphicFramePr>
-          <p:cNvPr id="2064" name="Object 16"/>
-          <p:cNvGraphicFramePr>
-            <a:graphicFrameLocks noChangeAspect="1"/>
-          </p:cNvGraphicFramePr>
-          <p:nvPr/>
-        </p:nvGraphicFramePr>
-        <p:xfrm>
-          <a:off x="971600" y="4221088"/>
-          <a:ext cx="3240360" cy="594440"/>
-        </p:xfrm>
-        <a:graphic>
-          <a:graphicData uri="http://schemas.openxmlformats.org/presentationml/2006/ole">
-            <p:oleObj spid="_x0000_s2064" name="Формула" r:id="rId5" imgW="1663560" imgH="253800" progId="Equation.3">
-              <p:embed/>
-            </p:oleObj>
-          </a:graphicData>
-        </a:graphic>
-      </p:graphicFrame>
-      <p:graphicFrame>
-        <p:nvGraphicFramePr>
-          <p:cNvPr id="2066" name="Object 18"/>
-          <p:cNvGraphicFramePr>
-            <a:graphicFrameLocks noChangeAspect="1"/>
-          </p:cNvGraphicFramePr>
-          <p:nvPr/>
-        </p:nvGraphicFramePr>
-        <p:xfrm>
-          <a:off x="971600" y="5013176"/>
-          <a:ext cx="3017837" cy="593725"/>
-        </p:xfrm>
-        <a:graphic>
-          <a:graphicData uri="http://schemas.openxmlformats.org/presentationml/2006/ole">
-            <p:oleObj spid="_x0000_s2066" name="Формула" r:id="rId6" imgW="1549080" imgH="253800" progId="Equation.3">
-              <p:embed/>
-            </p:oleObj>
-          </a:graphicData>
-        </a:graphic>
-      </p:graphicFrame>
-      <p:sp>
-        <p:nvSpPr>
-          <p:cNvPr id="22" name="Номер слайда 21"/>
+              <a:t>резкие изменения скорости и направления движения</a:t>
+            </a:r>
+          </a:p>
+          <a:p>
+            <a:r>
+              <a:rPr lang="ru-RU" dirty="0" smtClean="0"/>
+              <a:t>изменение масштаба объекта</a:t>
+            </a:r>
+          </a:p>
+          <a:p>
+            <a:r>
+              <a:rPr lang="ru-RU" dirty="0" smtClean="0"/>
+              <a:t>частичные и полные перекрытия объекта</a:t>
+            </a:r>
+            <a:endParaRPr lang="ru-RU" dirty="0"/>
+          </a:p>
+        </p:txBody>
+      </p:sp>
+      <p:sp>
+        <p:nvSpPr>
+          <p:cNvPr id="4" name="Номер слайда 3"/>
           <p:cNvSpPr>
             <a:spLocks noGrp="1"/>
           </p:cNvSpPr>
@@ -5202,7 +5014,7 @@
             <a:pPr algn="ctr"/>
             <a:r>
               <a:rPr lang="ru-RU" dirty="0" smtClean="0"/>
-              <a:t>Фильтр частиц</a:t>
+              <a:t>Ограничения</a:t>
             </a:r>
             <a:endParaRPr lang="ru-RU" dirty="0"/>
           </a:p>
@@ -5225,316 +5037,29 @@
           <a:p>
             <a:r>
               <a:rPr lang="ru-RU" dirty="0" smtClean="0"/>
-              <a:t> </a:t>
+              <a:t>Заранее известна цветовая гистограмма объекта.</a:t>
             </a:r>
           </a:p>
           <a:p>
             <a:r>
               <a:rPr lang="ru-RU" dirty="0" smtClean="0"/>
-              <a:t>Выбрать из        частицу             с вероятностью</a:t>
-            </a:r>
-          </a:p>
-          <a:p>
-            <a:r>
-              <a:rPr lang="ru-RU" b="1" dirty="0" smtClean="0">
-                <a:solidFill>
-                  <a:srgbClr val="FF0000"/>
-                </a:solidFill>
-              </a:rPr>
-              <a:t>Предсказание:</a:t>
-            </a:r>
-          </a:p>
-          <a:p>
-            <a:endParaRPr lang="ru-RU" dirty="0" smtClean="0"/>
-          </a:p>
-          <a:p>
-            <a:r>
-              <a:rPr lang="ru-RU" b="1" dirty="0" smtClean="0">
-                <a:solidFill>
-                  <a:srgbClr val="FF0000"/>
-                </a:solidFill>
-              </a:rPr>
-              <a:t>Коррекция веса:</a:t>
-            </a:r>
-          </a:p>
-          <a:p>
-            <a:endParaRPr lang="ru-RU" dirty="0" smtClean="0">
-              <a:solidFill>
-                <a:srgbClr val="FF0000"/>
-              </a:solidFill>
-            </a:endParaRPr>
-          </a:p>
-          <a:p>
-            <a:endParaRPr lang="ru-RU" dirty="0" smtClean="0">
-              <a:solidFill>
-                <a:srgbClr val="FF0000"/>
-              </a:solidFill>
-            </a:endParaRPr>
-          </a:p>
-          <a:p>
-            <a:r>
-              <a:rPr lang="ru-RU" dirty="0" smtClean="0">
-                <a:solidFill>
-                  <a:srgbClr val="FF0000"/>
-                </a:solidFill>
-              </a:rPr>
-              <a:t> </a:t>
-            </a:r>
-          </a:p>
-          <a:p>
-            <a:endParaRPr lang="ru-RU" dirty="0" smtClean="0"/>
+              <a:t>Цветовая гистограмма объекта должна отличаться от гистограммы фона.</a:t>
+            </a:r>
+          </a:p>
+          <a:p>
+            <a:r>
+              <a:rPr lang="ru-RU" dirty="0" smtClean="0"/>
+              <a:t>В сцене не должно быть элементов с похожей цветовой гистограммой.</a:t>
+            </a:r>
           </a:p>
           <a:p>
             <a:endParaRPr lang="ru-RU" dirty="0"/>
           </a:p>
         </p:txBody>
       </p:sp>
-      <p:graphicFrame>
-        <p:nvGraphicFramePr>
-          <p:cNvPr id="3074" name="Object 2"/>
-          <p:cNvGraphicFramePr>
-            <a:graphicFrameLocks noChangeAspect="1"/>
-          </p:cNvGraphicFramePr>
-          <p:nvPr/>
-        </p:nvGraphicFramePr>
-        <p:xfrm>
-          <a:off x="3059832" y="2348880"/>
-          <a:ext cx="503237" cy="546100"/>
-        </p:xfrm>
-        <a:graphic>
-          <a:graphicData uri="http://schemas.openxmlformats.org/presentationml/2006/ole">
-            <p:oleObj spid="_x0000_s3074" name="Equation" r:id="rId3" imgW="253800" imgH="228600" progId="Equation.3">
-              <p:embed/>
-            </p:oleObj>
-          </a:graphicData>
-        </a:graphic>
-      </p:graphicFrame>
-      <p:graphicFrame>
-        <p:nvGraphicFramePr>
-          <p:cNvPr id="3075" name="Object 3"/>
-          <p:cNvGraphicFramePr>
-            <a:graphicFrameLocks noChangeAspect="1"/>
-          </p:cNvGraphicFramePr>
-          <p:nvPr/>
-        </p:nvGraphicFramePr>
-        <p:xfrm>
-          <a:off x="5076056" y="2204864"/>
-          <a:ext cx="864499" cy="867222"/>
-        </p:xfrm>
-        <a:graphic>
-          <a:graphicData uri="http://schemas.openxmlformats.org/presentationml/2006/ole">
-            <p:oleObj spid="_x0000_s3075" name="Equation" r:id="rId4" imgW="304560" imgH="253800" progId="Equation.3">
-              <p:embed/>
-            </p:oleObj>
-          </a:graphicData>
-        </a:graphic>
-      </p:graphicFrame>
-      <p:graphicFrame>
-        <p:nvGraphicFramePr>
-          <p:cNvPr id="3076" name="Object 4"/>
-          <p:cNvGraphicFramePr>
-            <a:graphicFrameLocks noChangeAspect="1"/>
-          </p:cNvGraphicFramePr>
-          <p:nvPr/>
-        </p:nvGraphicFramePr>
-        <p:xfrm>
-          <a:off x="3491880" y="2792809"/>
-          <a:ext cx="654831" cy="708199"/>
-        </p:xfrm>
-        <a:graphic>
-          <a:graphicData uri="http://schemas.openxmlformats.org/presentationml/2006/ole">
-            <p:oleObj spid="_x0000_s3076" name="Equation" r:id="rId5" imgW="253800" imgH="228600" progId="Equation.3">
-              <p:embed/>
-            </p:oleObj>
-          </a:graphicData>
-        </a:graphic>
-      </p:graphicFrame>
-      <p:graphicFrame>
-        <p:nvGraphicFramePr>
-          <p:cNvPr id="3078" name="Object 6"/>
-          <p:cNvGraphicFramePr>
-            <a:graphicFrameLocks noChangeAspect="1"/>
-          </p:cNvGraphicFramePr>
-          <p:nvPr/>
-        </p:nvGraphicFramePr>
-        <p:xfrm>
-          <a:off x="2195736" y="3717032"/>
-          <a:ext cx="2491027" cy="658784"/>
-        </p:xfrm>
-        <a:graphic>
-          <a:graphicData uri="http://schemas.openxmlformats.org/presentationml/2006/ole">
-            <p:oleObj spid="_x0000_s3078" name="Формула" r:id="rId6" imgW="1155600" imgH="253800" progId="Equation.3">
-              <p:embed/>
-            </p:oleObj>
-          </a:graphicData>
-        </a:graphic>
-      </p:graphicFrame>
-      <p:graphicFrame>
-        <p:nvGraphicFramePr>
-          <p:cNvPr id="3079" name="Object 7"/>
-          <p:cNvGraphicFramePr>
-            <a:graphicFrameLocks noChangeAspect="1"/>
-          </p:cNvGraphicFramePr>
-          <p:nvPr/>
-        </p:nvGraphicFramePr>
-        <p:xfrm>
-          <a:off x="2266909" y="4581128"/>
-          <a:ext cx="3385211" cy="1126228"/>
-        </p:xfrm>
-        <a:graphic>
-          <a:graphicData uri="http://schemas.openxmlformats.org/presentationml/2006/ole">
-            <p:oleObj spid="_x0000_s3079" name="Формула" r:id="rId7" imgW="1650960" imgH="457200" progId="Equation.3">
-              <p:embed/>
-            </p:oleObj>
-          </a:graphicData>
-        </a:graphic>
-      </p:graphicFrame>
-      <p:graphicFrame>
-        <p:nvGraphicFramePr>
-          <p:cNvPr id="3080" name="Object 8"/>
-          <p:cNvGraphicFramePr>
-            <a:graphicFrameLocks noChangeAspect="1"/>
-          </p:cNvGraphicFramePr>
-          <p:nvPr/>
-        </p:nvGraphicFramePr>
-        <p:xfrm>
-          <a:off x="971600" y="1844675"/>
-          <a:ext cx="904875" cy="546100"/>
-        </p:xfrm>
-        <a:graphic>
-          <a:graphicData uri="http://schemas.openxmlformats.org/presentationml/2006/ole">
-            <p:oleObj spid="_x0000_s3080" name="Формула" r:id="rId8" imgW="457200" imgH="228600" progId="Equation.3">
-              <p:embed/>
-            </p:oleObj>
-          </a:graphicData>
-        </a:graphic>
-      </p:graphicFrame>
-      <p:graphicFrame>
-        <p:nvGraphicFramePr>
-          <p:cNvPr id="3081" name="Object 9"/>
-          <p:cNvGraphicFramePr>
-            <a:graphicFrameLocks noChangeAspect="1"/>
-          </p:cNvGraphicFramePr>
-          <p:nvPr/>
-        </p:nvGraphicFramePr>
-        <p:xfrm>
-          <a:off x="971600" y="5733256"/>
-          <a:ext cx="1582737" cy="608013"/>
-        </p:xfrm>
-        <a:graphic>
-          <a:graphicData uri="http://schemas.openxmlformats.org/presentationml/2006/ole">
-            <p:oleObj spid="_x0000_s3081" name="Формула" r:id="rId9" imgW="799920" imgH="253800" progId="Equation.3">
-              <p:embed/>
-            </p:oleObj>
-          </a:graphicData>
-        </a:graphic>
-      </p:graphicFrame>
-      <p:sp>
-        <p:nvSpPr>
-          <p:cNvPr id="12" name="Правая фигурная скобка 11"/>
-          <p:cNvSpPr/>
-          <p:nvPr/>
-        </p:nvSpPr>
-        <p:spPr>
-          <a:xfrm>
-            <a:off x="6372200" y="2420888"/>
-            <a:ext cx="792088" cy="3888432"/>
-          </a:xfrm>
-          <a:prstGeom prst="rightBrace">
-            <a:avLst/>
-          </a:prstGeom>
-          <a:ln w="25400">
-            <a:solidFill>
-              <a:srgbClr val="002060"/>
-            </a:solidFill>
-          </a:ln>
-        </p:spPr>
-        <p:style>
-          <a:lnRef idx="1">
-            <a:schemeClr val="accent1"/>
-          </a:lnRef>
-          <a:fillRef idx="0">
-            <a:schemeClr val="accent1"/>
-          </a:fillRef>
-          <a:effectRef idx="0">
-            <a:schemeClr val="accent1"/>
-          </a:effectRef>
-          <a:fontRef idx="minor">
-            <a:schemeClr val="tx1"/>
-          </a:fontRef>
-        </p:style>
-        <p:txBody>
-          <a:bodyPr rtlCol="0" anchor="ctr"/>
-          <a:lstStyle/>
-          <a:p>
-            <a:pPr algn="ctr"/>
-            <a:endParaRPr lang="ru-RU"/>
-          </a:p>
-        </p:txBody>
-      </p:sp>
-      <p:graphicFrame>
-        <p:nvGraphicFramePr>
-          <p:cNvPr id="3082" name="Object 10"/>
-          <p:cNvGraphicFramePr>
-            <a:graphicFrameLocks noChangeAspect="1"/>
-          </p:cNvGraphicFramePr>
-          <p:nvPr/>
-        </p:nvGraphicFramePr>
-        <p:xfrm>
-          <a:off x="7308304" y="4005064"/>
-          <a:ext cx="1157287" cy="577850"/>
-        </p:xfrm>
-        <a:graphic>
-          <a:graphicData uri="http://schemas.openxmlformats.org/presentationml/2006/ole">
-            <p:oleObj spid="_x0000_s3082" name="Формула" r:id="rId10" imgW="583920" imgH="241200" progId="Equation.3">
-              <p:embed/>
-            </p:oleObj>
-          </a:graphicData>
-        </a:graphic>
-      </p:graphicFrame>
-      <p:sp>
-        <p:nvSpPr>
-          <p:cNvPr id="14" name="TextBox 13"/>
-          <p:cNvSpPr txBox="1"/>
-          <p:nvPr/>
-        </p:nvSpPr>
-        <p:spPr>
-          <a:xfrm>
-            <a:off x="6897808" y="4653136"/>
-            <a:ext cx="2246192" cy="830997"/>
-          </a:xfrm>
-          <a:prstGeom prst="rect">
-            <a:avLst/>
-          </a:prstGeom>
-          <a:noFill/>
-        </p:spPr>
-        <p:txBody>
-          <a:bodyPr wrap="none" rtlCol="0">
-            <a:spAutoFit/>
-          </a:bodyPr>
-          <a:lstStyle/>
-          <a:p>
-            <a:r>
-              <a:rPr lang="en-US" sz="2400" dirty="0" smtClean="0"/>
-              <a:t>N –</a:t>
-            </a:r>
-            <a:r>
-              <a:rPr lang="ru-RU" sz="2400" dirty="0" smtClean="0"/>
-              <a:t> количество </a:t>
-            </a:r>
-          </a:p>
-          <a:p>
-            <a:r>
-              <a:rPr lang="ru-RU" sz="2400" dirty="0" smtClean="0"/>
-              <a:t>частиц</a:t>
-            </a:r>
-            <a:endParaRPr lang="ru-RU" sz="2400" dirty="0"/>
-          </a:p>
-        </p:txBody>
-      </p:sp>
-      <p:sp>
-        <p:nvSpPr>
-          <p:cNvPr id="15" name="Номер слайда 14"/>
+      <p:sp>
+        <p:nvSpPr>
+          <p:cNvPr id="5" name="Номер слайда 4"/>
           <p:cNvSpPr>
             <a:spLocks noGrp="1"/>
           </p:cNvSpPr>
@@ -5606,7 +5131,7 @@
             <a:pPr algn="ctr"/>
             <a:r>
               <a:rPr lang="ru-RU" dirty="0" smtClean="0"/>
-              <a:t>Адаптация погрешности</a:t>
+              <a:t>Анализ результатов</a:t>
             </a:r>
             <a:endParaRPr lang="ru-RU" dirty="0"/>
           </a:p>
@@ -5625,27 +5150,55 @@
         <p:spPr/>
         <p:txBody>
           <a:bodyPr>
-            <a:normAutofit/>
+            <a:normAutofit fontScale="92500" lnSpcReduction="10000"/>
           </a:bodyPr>
           <a:lstStyle/>
           <a:p>
+            <a:pPr>
+              <a:lnSpc>
+                <a:spcPct val="150000"/>
+              </a:lnSpc>
+            </a:pPr>
+            <a:r>
+              <a:rPr lang="ru-RU" b="1" dirty="0" smtClean="0">
+                <a:solidFill>
+                  <a:srgbClr val="FF0000"/>
+                </a:solidFill>
+              </a:rPr>
+              <a:t>Индекс точности</a:t>
+            </a:r>
+          </a:p>
+          <a:p>
+            <a:pPr lvl="1"/>
             <a:r>
               <a:rPr lang="ru-RU" dirty="0" smtClean="0"/>
-              <a:t>Стандартные отклонения для</a:t>
+              <a:t>        — площадь вычисленной области объекта</a:t>
             </a:r>
           </a:p>
           <a:p>
             <a:pPr lvl="1"/>
             <a:r>
               <a:rPr lang="ru-RU" dirty="0" smtClean="0"/>
-              <a:t>                                               — статическая часть</a:t>
+              <a:t>        — площадь эталонной области объекта</a:t>
             </a:r>
           </a:p>
           <a:p>
             <a:pPr lvl="1"/>
             <a:r>
+              <a:rPr lang="en-US" dirty="0" smtClean="0"/>
+              <a:t> </a:t>
+            </a:r>
+            <a:r>
               <a:rPr lang="ru-RU" dirty="0" smtClean="0"/>
-              <a:t>                                               — динамическая часть</a:t>
+              <a:t>       —</a:t>
+            </a:r>
+            <a:r>
+              <a:rPr lang="en-US" dirty="0" smtClean="0"/>
+              <a:t> </a:t>
+            </a:r>
+            <a:r>
+              <a:rPr lang="ru-RU" dirty="0" smtClean="0"/>
+              <a:t>площадь пересечения вычисленной и эталонной областей </a:t>
             </a:r>
           </a:p>
           <a:p>
@@ -5655,17 +5208,37 @@
           <a:p>
             <a:r>
               <a:rPr lang="ru-RU" dirty="0" smtClean="0"/>
-              <a:t>Основная идея</a:t>
+              <a:t>                                                                              — </a:t>
             </a:r>
           </a:p>
           <a:p>
             <a:pPr>
               <a:buNone/>
             </a:pPr>
-            <a:endParaRPr lang="ru-RU" dirty="0" smtClean="0"/>
+            <a:r>
+              <a:rPr lang="ru-RU" dirty="0" smtClean="0"/>
+              <a:t>    число кадров, в которых объект был успешно определен</a:t>
+            </a:r>
           </a:p>
           <a:p>
             <a:pPr lvl="1"/>
+            <a:r>
+              <a:rPr lang="en-US" i="1" dirty="0" smtClean="0"/>
+              <a:t>M</a:t>
+            </a:r>
+            <a:r>
+              <a:rPr lang="en-US" dirty="0" smtClean="0"/>
+              <a:t> – </a:t>
+            </a:r>
+            <a:r>
+              <a:rPr lang="ru-RU" dirty="0" smtClean="0"/>
+              <a:t>длина видеозаписи в кадрах</a:t>
+            </a:r>
+          </a:p>
+          <a:p>
+            <a:pPr lvl="1">
+              <a:buNone/>
+            </a:pPr>
             <a:endParaRPr lang="ru-RU" dirty="0" smtClean="0"/>
           </a:p>
           <a:p>
@@ -5676,19 +5249,19 @@
       </p:sp>
       <p:graphicFrame>
         <p:nvGraphicFramePr>
-          <p:cNvPr id="4101" name="Object 5"/>
+          <p:cNvPr id="5122" name="Object 2"/>
           <p:cNvGraphicFramePr>
             <a:graphicFrameLocks noChangeAspect="1"/>
           </p:cNvGraphicFramePr>
           <p:nvPr/>
         </p:nvGraphicFramePr>
         <p:xfrm>
-          <a:off x="6227763" y="1773238"/>
-          <a:ext cx="835025" cy="690562"/>
+          <a:off x="4283968" y="1700808"/>
+          <a:ext cx="2354754" cy="931292"/>
         </p:xfrm>
         <a:graphic>
           <a:graphicData uri="http://schemas.openxmlformats.org/presentationml/2006/ole">
-            <p:oleObj spid="_x0000_s4101" name="Equation" r:id="rId3" imgW="228600" imgH="228600" progId="Equation.3">
+            <p:oleObj spid="_x0000_s5122" name="Формула" r:id="rId3" imgW="1130040" imgH="444240" progId="Equation.3">
               <p:embed/>
             </p:oleObj>
           </a:graphicData>
@@ -5696,19 +5269,19 @@
       </p:graphicFrame>
       <p:graphicFrame>
         <p:nvGraphicFramePr>
-          <p:cNvPr id="4102" name="Object 6"/>
+          <p:cNvPr id="5123" name="Object 3"/>
           <p:cNvGraphicFramePr>
             <a:graphicFrameLocks noChangeAspect="1"/>
           </p:cNvGraphicFramePr>
           <p:nvPr/>
         </p:nvGraphicFramePr>
         <p:xfrm>
-          <a:off x="1185222" y="2388570"/>
-          <a:ext cx="3314770" cy="609027"/>
+          <a:off x="1259632" y="3429000"/>
+          <a:ext cx="376932" cy="457703"/>
         </p:xfrm>
         <a:graphic>
           <a:graphicData uri="http://schemas.openxmlformats.org/presentationml/2006/ole">
-            <p:oleObj spid="_x0000_s4102" name="Формула" r:id="rId4" imgW="1320480" imgH="241200" progId="Equation.3">
+            <p:oleObj spid="_x0000_s5123" name="Формула" r:id="rId4" imgW="177480" imgH="215640" progId="Equation.3">
               <p:embed/>
             </p:oleObj>
           </a:graphicData>
@@ -5716,19 +5289,19 @@
       </p:graphicFrame>
       <p:graphicFrame>
         <p:nvGraphicFramePr>
-          <p:cNvPr id="4103" name="Object 7"/>
+          <p:cNvPr id="5125" name="Object 5"/>
           <p:cNvGraphicFramePr>
             <a:graphicFrameLocks noChangeAspect="1"/>
           </p:cNvGraphicFramePr>
           <p:nvPr/>
         </p:nvGraphicFramePr>
         <p:xfrm>
-          <a:off x="1187625" y="2852936"/>
-          <a:ext cx="3312368" cy="630927"/>
+          <a:off x="1259632" y="2492896"/>
+          <a:ext cx="349250" cy="484188"/>
         </p:xfrm>
         <a:graphic>
           <a:graphicData uri="http://schemas.openxmlformats.org/presentationml/2006/ole">
-            <p:oleObj spid="_x0000_s4103" name="Формула" r:id="rId5" imgW="1333440" imgH="253800" progId="Equation.3">
+            <p:oleObj spid="_x0000_s5125" name="Формула" r:id="rId5" imgW="164880" imgH="228600" progId="Equation.3">
               <p:embed/>
             </p:oleObj>
           </a:graphicData>
@@ -5736,419 +5309,47 @@
       </p:graphicFrame>
       <p:graphicFrame>
         <p:nvGraphicFramePr>
-          <p:cNvPr id="10" name="Таблица 9"/>
+          <p:cNvPr id="5126" name="Object 6"/>
           <p:cNvGraphicFramePr>
-            <a:graphicFrameLocks noGrp="1"/>
+            <a:graphicFrameLocks noChangeAspect="1"/>
           </p:cNvGraphicFramePr>
           <p:nvPr/>
         </p:nvGraphicFramePr>
         <p:xfrm>
-          <a:off x="1115614" y="4437111"/>
-          <a:ext cx="7128795" cy="1944220"/>
+          <a:off x="1259632" y="2996952"/>
+          <a:ext cx="538162" cy="511175"/>
         </p:xfrm>
         <a:graphic>
-          <a:graphicData uri="http://schemas.openxmlformats.org/drawingml/2006/table">
-            <a:tbl>
-              <a:tblPr firstRow="1" bandRow="1">
-                <a:tableStyleId>{69CF1AB2-1976-4502-BF36-3FF5EA218861}</a:tableStyleId>
-              </a:tblPr>
-              <a:tblGrid>
-                <a:gridCol w="2376265"/>
-                <a:gridCol w="2376265"/>
-                <a:gridCol w="2376265"/>
-              </a:tblGrid>
-              <a:tr h="900630">
-                <a:tc>
-                  <a:txBody>
-                    <a:bodyPr/>
-                    <a:lstStyle/>
-                    <a:p>
-                      <a:pPr algn="ctr"/>
-                      <a:r>
-                        <a:rPr lang="ru-RU" dirty="0" smtClean="0">
-                          <a:solidFill>
-                            <a:schemeClr val="accent5">
-                              <a:lumMod val="75000"/>
-                            </a:schemeClr>
-                          </a:solidFill>
-                        </a:rPr>
-                        <a:t>Результаты</a:t>
-                      </a:r>
-                      <a:r>
-                        <a:rPr lang="ru-RU" baseline="0" dirty="0" smtClean="0">
-                          <a:solidFill>
-                            <a:schemeClr val="accent5">
-                              <a:lumMod val="75000"/>
-                            </a:schemeClr>
-                          </a:solidFill>
-                        </a:rPr>
-                        <a:t> отслеживания</a:t>
-                      </a:r>
-                      <a:endParaRPr lang="ru-RU" dirty="0">
-                        <a:solidFill>
-                          <a:schemeClr val="accent5">
-                            <a:lumMod val="75000"/>
-                          </a:schemeClr>
-                        </a:solidFill>
-                      </a:endParaRPr>
-                    </a:p>
-                  </a:txBody>
-                  <a:tcPr>
-                    <a:lnL w="12700" cmpd="sng">
-                      <a:noFill/>
-                    </a:lnL>
-                    <a:lnR w="12700" cmpd="sng">
-                      <a:noFill/>
-                    </a:lnR>
-                    <a:lnT w="12700" cmpd="sng">
-                      <a:noFill/>
-                    </a:lnT>
-                    <a:lnB w="12700" cmpd="sng">
-                      <a:noFill/>
-                    </a:lnB>
-                    <a:lnTlToBr w="12700" cmpd="sng">
-                      <a:noFill/>
-                      <a:prstDash val="solid"/>
-                    </a:lnTlToBr>
-                    <a:lnBlToTr w="12700" cmpd="sng">
-                      <a:noFill/>
-                      <a:prstDash val="solid"/>
-                    </a:lnBlToTr>
-                    <a:noFill/>
-                  </a:tcPr>
-                </a:tc>
-                <a:tc>
-                  <a:txBody>
-                    <a:bodyPr/>
-                    <a:lstStyle/>
-                    <a:p>
-                      <a:pPr algn="ctr"/>
-                      <a:r>
-                        <a:rPr lang="ru-RU" dirty="0" smtClean="0">
-                          <a:solidFill>
-                            <a:schemeClr val="accent5">
-                              <a:lumMod val="75000"/>
-                            </a:schemeClr>
-                          </a:solidFill>
-                        </a:rPr>
-                        <a:t>Статическая часть</a:t>
-                      </a:r>
-                      <a:endParaRPr lang="ru-RU" dirty="0">
-                        <a:solidFill>
-                          <a:schemeClr val="accent5">
-                            <a:lumMod val="75000"/>
-                          </a:schemeClr>
-                        </a:solidFill>
-                      </a:endParaRPr>
-                    </a:p>
-                  </a:txBody>
-                  <a:tcPr>
-                    <a:lnL w="12700" cmpd="sng">
-                      <a:noFill/>
-                    </a:lnL>
-                    <a:lnR w="12700" cmpd="sng">
-                      <a:noFill/>
-                    </a:lnR>
-                    <a:lnT w="12700" cmpd="sng">
-                      <a:noFill/>
-                    </a:lnT>
-                    <a:lnB w="12700" cmpd="sng">
-                      <a:noFill/>
-                    </a:lnB>
-                    <a:lnTlToBr w="12700" cmpd="sng">
-                      <a:noFill/>
-                      <a:prstDash val="solid"/>
-                    </a:lnTlToBr>
-                    <a:lnBlToTr w="12700" cmpd="sng">
-                      <a:noFill/>
-                      <a:prstDash val="solid"/>
-                    </a:lnBlToTr>
-                    <a:noFill/>
-                  </a:tcPr>
-                </a:tc>
-                <a:tc>
-                  <a:txBody>
-                    <a:bodyPr/>
-                    <a:lstStyle/>
-                    <a:p>
-                      <a:pPr algn="ctr"/>
-                      <a:r>
-                        <a:rPr lang="ru-RU" dirty="0" smtClean="0">
-                          <a:solidFill>
-                            <a:schemeClr val="accent5">
-                              <a:lumMod val="75000"/>
-                            </a:schemeClr>
-                          </a:solidFill>
-                        </a:rPr>
-                        <a:t>Динамическая часть</a:t>
-                      </a:r>
-                      <a:endParaRPr lang="ru-RU" dirty="0">
-                        <a:solidFill>
-                          <a:schemeClr val="accent5">
-                            <a:lumMod val="75000"/>
-                          </a:schemeClr>
-                        </a:solidFill>
-                      </a:endParaRPr>
-                    </a:p>
-                  </a:txBody>
-                  <a:tcPr>
-                    <a:lnL w="12700" cmpd="sng">
-                      <a:noFill/>
-                    </a:lnL>
-                    <a:lnR w="12700" cmpd="sng">
-                      <a:noFill/>
-                    </a:lnR>
-                    <a:lnT w="12700" cmpd="sng">
-                      <a:noFill/>
-                    </a:lnT>
-                    <a:lnB w="12700" cmpd="sng">
-                      <a:noFill/>
-                    </a:lnB>
-                    <a:lnTlToBr w="12700" cmpd="sng">
-                      <a:noFill/>
-                      <a:prstDash val="solid"/>
-                    </a:lnTlToBr>
-                    <a:lnBlToTr w="12700" cmpd="sng">
-                      <a:noFill/>
-                      <a:prstDash val="solid"/>
-                    </a:lnBlToTr>
-                    <a:noFill/>
-                  </a:tcPr>
-                </a:tc>
-              </a:tr>
-              <a:tr h="521795">
-                <a:tc>
-                  <a:txBody>
-                    <a:bodyPr/>
-                    <a:lstStyle/>
-                    <a:p>
-                      <a:pPr algn="ctr"/>
-                      <a:r>
-                        <a:rPr lang="ru-RU" dirty="0" smtClean="0"/>
-                        <a:t>Более точные</a:t>
-                      </a:r>
-                      <a:endParaRPr lang="ru-RU" dirty="0"/>
-                    </a:p>
-                  </a:txBody>
-                  <a:tcPr>
-                    <a:lnL w="12700" cmpd="sng">
-                      <a:noFill/>
-                    </a:lnL>
-                    <a:lnR w="12700" cmpd="sng">
-                      <a:noFill/>
-                    </a:lnR>
-                    <a:lnT w="12700" cmpd="sng">
-                      <a:noFill/>
-                    </a:lnT>
-                    <a:lnB w="12700" cmpd="sng">
-                      <a:noFill/>
-                    </a:lnB>
-                    <a:lnTlToBr w="12700" cmpd="sng">
-                      <a:noFill/>
-                      <a:prstDash val="solid"/>
-                    </a:lnTlToBr>
-                    <a:lnBlToTr w="12700" cmpd="sng">
-                      <a:noFill/>
-                      <a:prstDash val="solid"/>
-                    </a:lnBlToTr>
-                    <a:noFill/>
-                  </a:tcPr>
-                </a:tc>
-                <a:tc>
-                  <a:txBody>
-                    <a:bodyPr/>
-                    <a:lstStyle/>
-                    <a:p>
-                      <a:pPr algn="ctr"/>
-                      <a:r>
-                        <a:rPr lang="ru-RU" dirty="0" smtClean="0"/>
-                        <a:t>Уменьшается</a:t>
-                      </a:r>
-                      <a:endParaRPr lang="ru-RU" dirty="0"/>
-                    </a:p>
-                  </a:txBody>
-                  <a:tcPr>
-                    <a:lnL w="12700" cmpd="sng">
-                      <a:noFill/>
-                    </a:lnL>
-                    <a:lnR w="12700" cmpd="sng">
-                      <a:noFill/>
-                    </a:lnR>
-                    <a:lnT w="12700" cmpd="sng">
-                      <a:noFill/>
-                    </a:lnT>
-                    <a:lnB w="12700" cmpd="sng">
-                      <a:noFill/>
-                    </a:lnB>
-                    <a:lnTlToBr w="12700" cmpd="sng">
-                      <a:noFill/>
-                      <a:prstDash val="solid"/>
-                    </a:lnTlToBr>
-                    <a:lnBlToTr w="12700" cmpd="sng">
-                      <a:noFill/>
-                      <a:prstDash val="solid"/>
-                    </a:lnBlToTr>
-                    <a:noFill/>
-                  </a:tcPr>
-                </a:tc>
-                <a:tc>
-                  <a:txBody>
-                    <a:bodyPr/>
-                    <a:lstStyle/>
-                    <a:p>
-                      <a:pPr algn="ctr"/>
-                      <a:r>
-                        <a:rPr lang="ru-RU" dirty="0" smtClean="0"/>
-                        <a:t>Возрастает</a:t>
-                      </a:r>
-                      <a:endParaRPr lang="ru-RU" dirty="0"/>
-                    </a:p>
-                  </a:txBody>
-                  <a:tcPr>
-                    <a:lnL w="12700" cmpd="sng">
-                      <a:noFill/>
-                    </a:lnL>
-                    <a:lnR w="12700" cmpd="sng">
-                      <a:noFill/>
-                    </a:lnR>
-                    <a:lnT w="12700" cmpd="sng">
-                      <a:noFill/>
-                    </a:lnT>
-                    <a:lnB w="12700" cmpd="sng">
-                      <a:noFill/>
-                    </a:lnB>
-                    <a:lnTlToBr w="12700" cmpd="sng">
-                      <a:noFill/>
-                      <a:prstDash val="solid"/>
-                    </a:lnTlToBr>
-                    <a:lnBlToTr w="12700" cmpd="sng">
-                      <a:noFill/>
-                      <a:prstDash val="solid"/>
-                    </a:lnBlToTr>
-                    <a:noFill/>
-                  </a:tcPr>
-                </a:tc>
-              </a:tr>
-              <a:tr h="521795">
-                <a:tc>
-                  <a:txBody>
-                    <a:bodyPr/>
-                    <a:lstStyle/>
-                    <a:p>
-                      <a:pPr algn="ctr"/>
-                      <a:r>
-                        <a:rPr lang="ru-RU" dirty="0" smtClean="0"/>
-                        <a:t>Менее точные</a:t>
-                      </a:r>
-                      <a:endParaRPr lang="ru-RU" dirty="0"/>
-                    </a:p>
-                  </a:txBody>
-                  <a:tcPr>
-                    <a:lnL w="12700" cmpd="sng">
-                      <a:noFill/>
-                    </a:lnL>
-                    <a:lnR w="12700" cmpd="sng">
-                      <a:noFill/>
-                    </a:lnR>
-                    <a:lnT w="12700" cmpd="sng">
-                      <a:noFill/>
-                    </a:lnT>
-                    <a:lnB w="12700" cmpd="sng">
-                      <a:noFill/>
-                    </a:lnB>
-                    <a:lnTlToBr w="12700" cmpd="sng">
-                      <a:noFill/>
-                      <a:prstDash val="solid"/>
-                    </a:lnTlToBr>
-                    <a:lnBlToTr w="12700" cmpd="sng">
-                      <a:noFill/>
-                      <a:prstDash val="solid"/>
-                    </a:lnBlToTr>
-                    <a:noFill/>
-                  </a:tcPr>
-                </a:tc>
-                <a:tc>
-                  <a:txBody>
-                    <a:bodyPr/>
-                    <a:lstStyle/>
-                    <a:p>
-                      <a:pPr algn="ctr"/>
-                      <a:r>
-                        <a:rPr lang="ru-RU" dirty="0" smtClean="0"/>
-                        <a:t>Возрастает</a:t>
-                      </a:r>
-                      <a:endParaRPr lang="ru-RU" dirty="0"/>
-                    </a:p>
-                  </a:txBody>
-                  <a:tcPr>
-                    <a:lnL w="12700" cmpd="sng">
-                      <a:noFill/>
-                    </a:lnL>
-                    <a:lnR w="12700" cmpd="sng">
-                      <a:noFill/>
-                    </a:lnR>
-                    <a:lnT w="12700" cmpd="sng">
-                      <a:noFill/>
-                    </a:lnT>
-                    <a:lnB w="12700" cmpd="sng">
-                      <a:noFill/>
-                    </a:lnB>
-                    <a:lnTlToBr w="12700" cmpd="sng">
-                      <a:noFill/>
-                      <a:prstDash val="solid"/>
-                    </a:lnTlToBr>
-                    <a:lnBlToTr w="12700" cmpd="sng">
-                      <a:noFill/>
-                      <a:prstDash val="solid"/>
-                    </a:lnBlToTr>
-                    <a:noFill/>
-                  </a:tcPr>
-                </a:tc>
-                <a:tc>
-                  <a:txBody>
-                    <a:bodyPr/>
-                    <a:lstStyle/>
-                    <a:p>
-                      <a:pPr algn="ctr"/>
-                      <a:r>
-                        <a:rPr lang="ru-RU" dirty="0" smtClean="0"/>
-                        <a:t>Уменьшается</a:t>
-                      </a:r>
-                      <a:endParaRPr lang="ru-RU" dirty="0"/>
-                    </a:p>
-                  </a:txBody>
-                  <a:tcPr>
-                    <a:lnL w="12700" cmpd="sng">
-                      <a:noFill/>
-                    </a:lnL>
-                    <a:lnR w="12700" cmpd="sng">
-                      <a:noFill/>
-                    </a:lnR>
-                    <a:lnT w="12700" cmpd="sng">
-                      <a:noFill/>
-                    </a:lnT>
-                    <a:lnB w="12700" cmpd="sng">
-                      <a:noFill/>
-                    </a:lnB>
-                    <a:lnTlToBr w="12700" cmpd="sng">
-                      <a:noFill/>
-                      <a:prstDash val="solid"/>
-                    </a:lnTlToBr>
-                    <a:lnBlToTr w="12700" cmpd="sng">
-                      <a:noFill/>
-                      <a:prstDash val="solid"/>
-                    </a:lnBlToTr>
-                    <a:noFill/>
-                  </a:tcPr>
-                </a:tc>
-              </a:tr>
-            </a:tbl>
+          <a:graphicData uri="http://schemas.openxmlformats.org/presentationml/2006/ole">
+            <p:oleObj spid="_x0000_s5126" name="Формула" r:id="rId6" imgW="253800" imgH="241200" progId="Equation.3">
+              <p:embed/>
+            </p:oleObj>
           </a:graphicData>
         </a:graphic>
       </p:graphicFrame>
-      <p:sp>
-        <p:nvSpPr>
-          <p:cNvPr id="11" name="Номер слайда 10"/>
+      <p:graphicFrame>
+        <p:nvGraphicFramePr>
+          <p:cNvPr id="5140" name="Object 20"/>
+          <p:cNvGraphicFramePr>
+            <a:graphicFrameLocks noChangeAspect="1"/>
+          </p:cNvGraphicFramePr>
+          <p:nvPr/>
+        </p:nvGraphicFramePr>
+        <p:xfrm>
+          <a:off x="971600" y="4509120"/>
+          <a:ext cx="5897562" cy="614362"/>
+        </p:xfrm>
+        <a:graphic>
+          <a:graphicData uri="http://schemas.openxmlformats.org/presentationml/2006/ole">
+            <p:oleObj spid="_x0000_s5140" name="Формула" r:id="rId7" imgW="2158920" imgH="266400" progId="Equation.3">
+              <p:embed/>
+            </p:oleObj>
+          </a:graphicData>
+        </a:graphic>
+      </p:graphicFrame>
+      <p:sp>
+        <p:nvSpPr>
+          <p:cNvPr id="24" name="Номер слайда 23"/>
           <p:cNvSpPr>
             <a:spLocks noGrp="1"/>
           </p:cNvSpPr>
@@ -6219,219 +5420,79 @@
           </a:p>
         </p:txBody>
       </p:sp>
-      <p:sp>
-        <p:nvSpPr>
-          <p:cNvPr id="3" name="Содержимое 2"/>
-          <p:cNvSpPr>
-            <a:spLocks noGrp="1"/>
-          </p:cNvSpPr>
+      <p:pic>
+        <p:nvPicPr>
+          <p:cNvPr id="4" name="Содержимое 3" descr="quality.jpg"/>
+          <p:cNvPicPr>
+            <a:picLocks noGrp="1"/>
+          </p:cNvPicPr>
           <p:nvPr>
             <p:ph idx="1"/>
           </p:nvPr>
-        </p:nvSpPr>
-        <p:spPr/>
-        <p:txBody>
-          <a:bodyPr>
-            <a:normAutofit fontScale="92500" lnSpcReduction="10000"/>
+        </p:nvPicPr>
+        <p:blipFill>
+          <a:blip r:embed="rId2" cstate="print"/>
+          <a:stretch>
+            <a:fillRect/>
+          </a:stretch>
+        </p:blipFill>
+        <p:spPr>
+          <a:xfrm>
+            <a:off x="1115616" y="1556792"/>
+            <a:ext cx="6336704" cy="4392488"/>
+          </a:xfrm>
+          <a:prstGeom prst="rect">
+            <a:avLst/>
+          </a:prstGeom>
+        </p:spPr>
+      </p:pic>
+      <p:sp>
+        <p:nvSpPr>
+          <p:cNvPr id="5" name="TextBox 4"/>
+          <p:cNvSpPr txBox="1"/>
+          <p:nvPr/>
+        </p:nvSpPr>
+        <p:spPr>
+          <a:xfrm>
+            <a:off x="2123728" y="5949280"/>
+            <a:ext cx="4879349" cy="646331"/>
+          </a:xfrm>
+          <a:prstGeom prst="rect">
+            <a:avLst/>
+          </a:prstGeom>
+          <a:noFill/>
+        </p:spPr>
+        <p:txBody>
+          <a:bodyPr wrap="none" rtlCol="0">
+            <a:spAutoFit/>
           </a:bodyPr>
           <a:lstStyle/>
           <a:p>
-            <a:pPr>
-              <a:lnSpc>
-                <a:spcPct val="150000"/>
-              </a:lnSpc>
-            </a:pPr>
-            <a:r>
-              <a:rPr lang="ru-RU" b="1" dirty="0" smtClean="0">
-                <a:solidFill>
-                  <a:srgbClr val="FF0000"/>
-                </a:solidFill>
-              </a:rPr>
-              <a:t>Индекс точности</a:t>
-            </a:r>
-          </a:p>
-          <a:p>
-            <a:pPr lvl="1"/>
             <a:r>
               <a:rPr lang="ru-RU" dirty="0" smtClean="0"/>
-              <a:t>        — площадь вычисленной области объекта</a:t>
-            </a:r>
-          </a:p>
-          <a:p>
-            <a:pPr lvl="1"/>
+              <a:t>Точность отслеживания для </a:t>
+            </a:r>
+            <a:r>
+              <a:rPr lang="ru-RU" dirty="0"/>
+              <a:t>фильтра частиц  и </a:t>
+            </a:r>
+            <a:endParaRPr lang="ru-RU" dirty="0" smtClean="0"/>
+          </a:p>
+          <a:p>
             <a:r>
               <a:rPr lang="ru-RU" dirty="0" smtClean="0"/>
-              <a:t>        — площадь эталонной области объекта</a:t>
-            </a:r>
-          </a:p>
-          <a:p>
-            <a:pPr lvl="1"/>
-            <a:r>
-              <a:rPr lang="en-US" dirty="0" smtClean="0"/>
-              <a:t> </a:t>
-            </a:r>
-            <a:r>
-              <a:rPr lang="ru-RU" dirty="0" smtClean="0"/>
-              <a:t>       —</a:t>
-            </a:r>
-            <a:r>
-              <a:rPr lang="en-US" dirty="0" smtClean="0"/>
-              <a:t> </a:t>
-            </a:r>
-            <a:r>
-              <a:rPr lang="ru-RU" dirty="0" smtClean="0"/>
-              <a:t>площадь пересечения вычисленной и эталонной областей </a:t>
-            </a:r>
-          </a:p>
-          <a:p>
-            <a:pPr lvl="1"/>
-            <a:endParaRPr lang="ru-RU" dirty="0" smtClean="0"/>
-          </a:p>
-          <a:p>
-            <a:r>
-              <a:rPr lang="ru-RU" dirty="0" smtClean="0"/>
-              <a:t>                                                                              — </a:t>
-            </a:r>
-          </a:p>
-          <a:p>
-            <a:pPr>
-              <a:buNone/>
-            </a:pPr>
-            <a:r>
-              <a:rPr lang="ru-RU" dirty="0" smtClean="0"/>
-              <a:t>    число кадров, в которых объект был успешно определен</a:t>
-            </a:r>
-          </a:p>
-          <a:p>
-            <a:pPr lvl="1"/>
-            <a:r>
-              <a:rPr lang="en-US" i="1" dirty="0" smtClean="0"/>
-              <a:t>M</a:t>
-            </a:r>
-            <a:r>
-              <a:rPr lang="en-US" dirty="0" smtClean="0"/>
-              <a:t> – </a:t>
-            </a:r>
-            <a:r>
-              <a:rPr lang="ru-RU" dirty="0" smtClean="0"/>
-              <a:t>длина видеозаписи в кадрах</a:t>
-            </a:r>
-          </a:p>
-          <a:p>
-            <a:pPr lvl="1">
-              <a:buNone/>
-            </a:pPr>
-            <a:endParaRPr lang="ru-RU" dirty="0" smtClean="0"/>
-          </a:p>
-          <a:p>
-            <a:pPr lvl="1"/>
-            <a:endParaRPr lang="ru-RU" dirty="0"/>
-          </a:p>
-        </p:txBody>
-      </p:sp>
-      <p:graphicFrame>
-        <p:nvGraphicFramePr>
-          <p:cNvPr id="5122" name="Object 2"/>
-          <p:cNvGraphicFramePr>
-            <a:graphicFrameLocks noChangeAspect="1"/>
-          </p:cNvGraphicFramePr>
-          <p:nvPr/>
-        </p:nvGraphicFramePr>
-        <p:xfrm>
-          <a:off x="4283968" y="1700808"/>
-          <a:ext cx="2354754" cy="931292"/>
-        </p:xfrm>
-        <a:graphic>
-          <a:graphicData uri="http://schemas.openxmlformats.org/presentationml/2006/ole">
-            <p:oleObj spid="_x0000_s5122" name="Формула" r:id="rId3" imgW="1130040" imgH="444240" progId="Equation.3">
-              <p:embed/>
-            </p:oleObj>
-          </a:graphicData>
-        </a:graphic>
-      </p:graphicFrame>
-      <p:graphicFrame>
-        <p:nvGraphicFramePr>
-          <p:cNvPr id="5123" name="Object 3"/>
-          <p:cNvGraphicFramePr>
-            <a:graphicFrameLocks noChangeAspect="1"/>
-          </p:cNvGraphicFramePr>
-          <p:nvPr/>
-        </p:nvGraphicFramePr>
-        <p:xfrm>
-          <a:off x="1259632" y="3429000"/>
-          <a:ext cx="376932" cy="457703"/>
-        </p:xfrm>
-        <a:graphic>
-          <a:graphicData uri="http://schemas.openxmlformats.org/presentationml/2006/ole">
-            <p:oleObj spid="_x0000_s5123" name="Формула" r:id="rId4" imgW="177480" imgH="215640" progId="Equation.3">
-              <p:embed/>
-            </p:oleObj>
-          </a:graphicData>
-        </a:graphic>
-      </p:graphicFrame>
-      <p:graphicFrame>
-        <p:nvGraphicFramePr>
-          <p:cNvPr id="5125" name="Object 5"/>
-          <p:cNvGraphicFramePr>
-            <a:graphicFrameLocks noChangeAspect="1"/>
-          </p:cNvGraphicFramePr>
-          <p:nvPr/>
-        </p:nvGraphicFramePr>
-        <p:xfrm>
-          <a:off x="1259632" y="2492896"/>
-          <a:ext cx="349250" cy="484188"/>
-        </p:xfrm>
-        <a:graphic>
-          <a:graphicData uri="http://schemas.openxmlformats.org/presentationml/2006/ole">
-            <p:oleObj spid="_x0000_s5125" name="Формула" r:id="rId5" imgW="164880" imgH="228600" progId="Equation.3">
-              <p:embed/>
-            </p:oleObj>
-          </a:graphicData>
-        </a:graphic>
-      </p:graphicFrame>
-      <p:graphicFrame>
-        <p:nvGraphicFramePr>
-          <p:cNvPr id="5126" name="Object 6"/>
-          <p:cNvGraphicFramePr>
-            <a:graphicFrameLocks noChangeAspect="1"/>
-          </p:cNvGraphicFramePr>
-          <p:nvPr/>
-        </p:nvGraphicFramePr>
-        <p:xfrm>
-          <a:off x="1259632" y="2996952"/>
-          <a:ext cx="538162" cy="511175"/>
-        </p:xfrm>
-        <a:graphic>
-          <a:graphicData uri="http://schemas.openxmlformats.org/presentationml/2006/ole">
-            <p:oleObj spid="_x0000_s5126" name="Формула" r:id="rId6" imgW="253800" imgH="241200" progId="Equation.3">
-              <p:embed/>
-            </p:oleObj>
-          </a:graphicData>
-        </a:graphic>
-      </p:graphicFrame>
-      <p:graphicFrame>
-        <p:nvGraphicFramePr>
-          <p:cNvPr id="5140" name="Object 20"/>
-          <p:cNvGraphicFramePr>
-            <a:graphicFrameLocks noChangeAspect="1"/>
-          </p:cNvGraphicFramePr>
-          <p:nvPr/>
-        </p:nvGraphicFramePr>
-        <p:xfrm>
-          <a:off x="971600" y="4509120"/>
-          <a:ext cx="5897562" cy="614362"/>
-        </p:xfrm>
-        <a:graphic>
-          <a:graphicData uri="http://schemas.openxmlformats.org/presentationml/2006/ole">
-            <p:oleObj spid="_x0000_s5140" name="Формула" r:id="rId7" imgW="2158920" imgH="266400" progId="Equation.3">
-              <p:embed/>
-            </p:oleObj>
-          </a:graphicData>
-        </a:graphic>
-      </p:graphicFrame>
-      <p:sp>
-        <p:nvSpPr>
-          <p:cNvPr id="24" name="Номер слайда 23"/>
+              <a:t>фильтра </a:t>
+            </a:r>
+            <a:r>
+              <a:rPr lang="ru-RU" dirty="0"/>
+              <a:t>частиц с адаптацией погрешностей</a:t>
+            </a:r>
+          </a:p>
+        </p:txBody>
+      </p:sp>
+      <p:sp>
+        <p:nvSpPr>
+          <p:cNvPr id="6" name="Номер слайда 5"/>
           <p:cNvSpPr>
             <a:spLocks noGrp="1"/>
           </p:cNvSpPr>
@@ -6462,149 +5523,6 @@
 </file>
 
 <file path=ppt/slides/slide16.xml><?xml version="1.0" encoding="utf-8"?>
-<p:sld xmlns:a="http://schemas.openxmlformats.org/drawingml/2006/main" xmlns:r="http://schemas.openxmlformats.org/officeDocument/2006/relationships" xmlns:p="http://schemas.openxmlformats.org/presentationml/2006/main">
-  <p:cSld>
-    <p:spTree>
-      <p:nvGrpSpPr>
-        <p:cNvPr id="1" name=""/>
-        <p:cNvGrpSpPr/>
-        <p:nvPr/>
-      </p:nvGrpSpPr>
-      <p:grpSpPr>
-        <a:xfrm>
-          <a:off x="0" y="0"/>
-          <a:ext cx="0" cy="0"/>
-          <a:chOff x="0" y="0"/>
-          <a:chExt cx="0" cy="0"/>
-        </a:xfrm>
-      </p:grpSpPr>
-      <p:sp>
-        <p:nvSpPr>
-          <p:cNvPr id="2" name="Заголовок 1"/>
-          <p:cNvSpPr>
-            <a:spLocks noGrp="1"/>
-          </p:cNvSpPr>
-          <p:nvPr>
-            <p:ph type="title"/>
-          </p:nvPr>
-        </p:nvSpPr>
-        <p:spPr/>
-        <p:txBody>
-          <a:bodyPr/>
-          <a:lstStyle/>
-          <a:p>
-            <a:pPr algn="ctr"/>
-            <a:r>
-              <a:rPr lang="ru-RU" dirty="0" smtClean="0"/>
-              <a:t>Анализ результатов</a:t>
-            </a:r>
-            <a:endParaRPr lang="ru-RU" dirty="0"/>
-          </a:p>
-        </p:txBody>
-      </p:sp>
-      <p:pic>
-        <p:nvPicPr>
-          <p:cNvPr id="4" name="Содержимое 3" descr="quality.jpg"/>
-          <p:cNvPicPr>
-            <a:picLocks noGrp="1"/>
-          </p:cNvPicPr>
-          <p:nvPr>
-            <p:ph idx="1"/>
-          </p:nvPr>
-        </p:nvPicPr>
-        <p:blipFill>
-          <a:blip r:embed="rId2" cstate="print"/>
-          <a:stretch>
-            <a:fillRect/>
-          </a:stretch>
-        </p:blipFill>
-        <p:spPr>
-          <a:xfrm>
-            <a:off x="1115616" y="1556792"/>
-            <a:ext cx="6336704" cy="4392488"/>
-          </a:xfrm>
-          <a:prstGeom prst="rect">
-            <a:avLst/>
-          </a:prstGeom>
-        </p:spPr>
-      </p:pic>
-      <p:sp>
-        <p:nvSpPr>
-          <p:cNvPr id="5" name="TextBox 4"/>
-          <p:cNvSpPr txBox="1"/>
-          <p:nvPr/>
-        </p:nvSpPr>
-        <p:spPr>
-          <a:xfrm>
-            <a:off x="2123728" y="5949280"/>
-            <a:ext cx="4879349" cy="646331"/>
-          </a:xfrm>
-          <a:prstGeom prst="rect">
-            <a:avLst/>
-          </a:prstGeom>
-          <a:noFill/>
-        </p:spPr>
-        <p:txBody>
-          <a:bodyPr wrap="none" rtlCol="0">
-            <a:spAutoFit/>
-          </a:bodyPr>
-          <a:lstStyle/>
-          <a:p>
-            <a:r>
-              <a:rPr lang="ru-RU" dirty="0" smtClean="0"/>
-              <a:t>Точность отслеживания для </a:t>
-            </a:r>
-            <a:r>
-              <a:rPr lang="ru-RU" dirty="0"/>
-              <a:t>фильтра частиц  и </a:t>
-            </a:r>
-            <a:endParaRPr lang="ru-RU" dirty="0" smtClean="0"/>
-          </a:p>
-          <a:p>
-            <a:r>
-              <a:rPr lang="ru-RU" dirty="0" smtClean="0"/>
-              <a:t>фильтра </a:t>
-            </a:r>
-            <a:r>
-              <a:rPr lang="ru-RU" dirty="0"/>
-              <a:t>частиц с адаптацией погрешностей</a:t>
-            </a:r>
-          </a:p>
-        </p:txBody>
-      </p:sp>
-      <p:sp>
-        <p:nvSpPr>
-          <p:cNvPr id="6" name="Номер слайда 5"/>
-          <p:cNvSpPr>
-            <a:spLocks noGrp="1"/>
-          </p:cNvSpPr>
-          <p:nvPr>
-            <p:ph type="sldNum" sz="quarter" idx="12"/>
-          </p:nvPr>
-        </p:nvSpPr>
-        <p:spPr/>
-        <p:txBody>
-          <a:bodyPr/>
-          <a:lstStyle/>
-          <a:p>
-            <a:fld id="{F9D62829-C74A-48E8-BA30-BE2CEDDA2708}" type="slidenum">
-              <a:rPr lang="ru-RU" sz="3200" smtClean="0"/>
-              <a:pPr/>
-              <a:t>16</a:t>
-            </a:fld>
-            <a:endParaRPr lang="ru-RU" sz="3200" dirty="0"/>
-          </a:p>
-        </p:txBody>
-      </p:sp>
-    </p:spTree>
-  </p:cSld>
-  <p:clrMapOvr>
-    <a:masterClrMapping/>
-  </p:clrMapOvr>
-</p:sld>
-</file>
-
-<file path=ppt/slides/slide17.xml><?xml version="1.0" encoding="utf-8"?>
 <p:sld xmlns:a="http://schemas.openxmlformats.org/drawingml/2006/main" xmlns:r="http://schemas.openxmlformats.org/officeDocument/2006/relationships" xmlns:p="http://schemas.openxmlformats.org/presentationml/2006/main">
   <p:cSld>
     <p:spTree>
@@ -7083,7 +6001,7 @@
             <a:fld id="{F9D62829-C74A-48E8-BA30-BE2CEDDA2708}" type="slidenum">
               <a:rPr lang="ru-RU" sz="3200" smtClean="0"/>
               <a:pPr/>
-              <a:t>17</a:t>
+              <a:t>16</a:t>
             </a:fld>
             <a:endParaRPr lang="ru-RU" sz="3200" dirty="0"/>
           </a:p>
@@ -7097,7 +6015,7 @@
 </p:sld>
 </file>
 
-<file path=ppt/slides/slide18.xml><?xml version="1.0" encoding="utf-8"?>
+<file path=ppt/slides/slide17.xml><?xml version="1.0" encoding="utf-8"?>
 <p:sld xmlns:a="http://schemas.openxmlformats.org/drawingml/2006/main" xmlns:r="http://schemas.openxmlformats.org/officeDocument/2006/relationships" xmlns:p="http://schemas.openxmlformats.org/presentationml/2006/main">
   <p:cSld>
     <p:spTree>
@@ -7234,7 +6152,7 @@
             <a:fld id="{F9D62829-C74A-48E8-BA30-BE2CEDDA2708}" type="slidenum">
               <a:rPr lang="ru-RU" sz="3200" smtClean="0"/>
               <a:pPr/>
-              <a:t>18</a:t>
+              <a:t>17</a:t>
             </a:fld>
             <a:endParaRPr lang="ru-RU" sz="3200" dirty="0"/>
           </a:p>
@@ -7894,21 +6812,7 @@
                 <a:latin typeface="Times New Roman" pitchFamily="18" charset="0"/>
                 <a:cs typeface="Times New Roman" pitchFamily="18" charset="0"/>
               </a:rPr>
-              <a:t> функция плотности </a:t>
-            </a:r>
-            <a:r>
-              <a:rPr lang="ru-RU" dirty="0" smtClean="0">
-                <a:latin typeface="Times New Roman" pitchFamily="18" charset="0"/>
-                <a:cs typeface="Times New Roman" pitchFamily="18" charset="0"/>
-              </a:rPr>
-              <a:t>распределения вероятности вектора состояния </a:t>
-            </a:r>
-            <a:r>
-              <a:rPr lang="ru-RU" dirty="0" smtClean="0">
-                <a:latin typeface="Times New Roman" pitchFamily="18" charset="0"/>
-                <a:cs typeface="Times New Roman" pitchFamily="18" charset="0"/>
-              </a:rPr>
-              <a:t>объекта</a:t>
+              <a:t> функция плотности распределения вероятности вектора состояния объекта</a:t>
             </a:r>
           </a:p>
           <a:p>
@@ -7917,14 +6821,7 @@
                 <a:latin typeface="Times New Roman" pitchFamily="18" charset="0"/>
                 <a:cs typeface="Times New Roman" pitchFamily="18" charset="0"/>
               </a:rPr>
-              <a:t> </a:t>
-            </a:r>
-            <a:r>
-              <a:rPr lang="en-US" dirty="0" smtClean="0">
-                <a:latin typeface="Times New Roman" pitchFamily="18" charset="0"/>
-                <a:cs typeface="Times New Roman" pitchFamily="18" charset="0"/>
-              </a:rPr>
-              <a:t>      – </a:t>
+              <a:t>       – </a:t>
             </a:r>
             <a:r>
               <a:rPr lang="ru-RU" dirty="0" smtClean="0">
@@ -7951,14 +6848,7 @@
                 <a:latin typeface="Times New Roman" pitchFamily="18" charset="0"/>
                 <a:cs typeface="Times New Roman" pitchFamily="18" charset="0"/>
               </a:rPr>
-              <a:t> </a:t>
-            </a:r>
-            <a:r>
-              <a:rPr lang="ru-RU" dirty="0" smtClean="0">
-                <a:latin typeface="Times New Roman" pitchFamily="18" charset="0"/>
-                <a:cs typeface="Times New Roman" pitchFamily="18" charset="0"/>
-              </a:rPr>
-              <a:t>     </a:t>
+              <a:t>      </a:t>
             </a:r>
             <a:r>
               <a:rPr lang="en-US" dirty="0" smtClean="0">
@@ -7972,21 +6862,14 @@
                 <a:latin typeface="Times New Roman" pitchFamily="18" charset="0"/>
                 <a:cs typeface="Times New Roman" pitchFamily="18" charset="0"/>
               </a:rPr>
-              <a:t>наблюдаемое состояние</a:t>
-            </a:r>
-            <a:r>
-              <a:rPr lang="en-US" dirty="0" smtClean="0">
-                <a:latin typeface="Times New Roman" pitchFamily="18" charset="0"/>
-                <a:cs typeface="Times New Roman" pitchFamily="18" charset="0"/>
-              </a:rPr>
-              <a:t> </a:t>
+              <a:t>наблюдение объекта </a:t>
             </a:r>
             <a:r>
               <a:rPr lang="ru-RU" dirty="0" smtClean="0">
                 <a:latin typeface="Times New Roman" pitchFamily="18" charset="0"/>
                 <a:cs typeface="Times New Roman" pitchFamily="18" charset="0"/>
               </a:rPr>
-              <a:t>объекта на кадре </a:t>
+              <a:t>на кадре </a:t>
             </a:r>
             <a:r>
               <a:rPr lang="en-US" dirty="0" smtClean="0">
@@ -8528,14 +7411,7 @@
                 <a:latin typeface="Times New Roman" pitchFamily="18" charset="0"/>
                 <a:cs typeface="Times New Roman" pitchFamily="18" charset="0"/>
               </a:rPr>
-              <a:t> кадр</a:t>
-            </a:r>
-            <a:r>
-              <a:rPr lang="ru-RU" sz="2400" dirty="0" smtClean="0">
-                <a:latin typeface="Times New Roman" pitchFamily="18" charset="0"/>
-                <a:cs typeface="Times New Roman" pitchFamily="18" charset="0"/>
-              </a:rPr>
-              <a:t>а</a:t>
+              <a:t> кадра</a:t>
             </a:r>
             <a:r>
               <a:rPr lang="en-US" sz="2400" dirty="0" smtClean="0">
@@ -9438,14 +8314,7 @@
                 <a:latin typeface="Times New Roman" pitchFamily="18" charset="0"/>
                 <a:cs typeface="Times New Roman" pitchFamily="18" charset="0"/>
               </a:rPr>
-              <a:t> кадр</a:t>
-            </a:r>
-            <a:r>
-              <a:rPr lang="ru-RU" sz="2400" dirty="0" smtClean="0">
-                <a:latin typeface="Times New Roman" pitchFamily="18" charset="0"/>
-                <a:cs typeface="Times New Roman" pitchFamily="18" charset="0"/>
-              </a:rPr>
-              <a:t>а</a:t>
+              <a:t> кадра</a:t>
             </a:r>
             <a:r>
               <a:rPr lang="en-US" sz="2400" dirty="0" smtClean="0">
@@ -10574,14 +9443,7 @@
                 <a:latin typeface="Times New Roman" pitchFamily="18" charset="0"/>
                 <a:cs typeface="Times New Roman" pitchFamily="18" charset="0"/>
               </a:rPr>
-              <a:t>м</a:t>
-            </a:r>
-            <a:r>
-              <a:rPr lang="ru-RU" sz="2800" dirty="0" smtClean="0">
-                <a:latin typeface="Times New Roman" pitchFamily="18" charset="0"/>
-                <a:cs typeface="Times New Roman" pitchFamily="18" charset="0"/>
-              </a:rPr>
-              <a:t>атрица ковариации, задается вектором стандартных отклонений</a:t>
+              <a:t>матрица ковариации, задается вектором стандартных отклонений</a:t>
             </a:r>
             <a:endParaRPr lang="ru-RU" sz="2800" dirty="0">
               <a:latin typeface="Times New Roman" pitchFamily="18" charset="0"/>
@@ -10619,7 +9481,7 @@
           <p:nvPr/>
         </p:nvGraphicFramePr>
         <p:xfrm>
-          <a:off x="5148064" y="5365750"/>
+          <a:off x="4788024" y="5365750"/>
           <a:ext cx="298450" cy="390525"/>
         </p:xfrm>
         <a:graphic>
@@ -10700,7 +9562,7 @@
             <a:pPr algn="ctr"/>
             <a:r>
               <a:rPr lang="ru-RU" dirty="0" smtClean="0"/>
-              <a:t>Проблемы отслеживания</a:t>
+              <a:t>Процесс измерения</a:t>
             </a:r>
             <a:endParaRPr lang="ru-RU" dirty="0"/>
           </a:p>
@@ -10708,12 +9570,12 @@
       </p:sp>
       <p:sp>
         <p:nvSpPr>
-          <p:cNvPr id="3" name="Содержимое 2"/>
-          <p:cNvSpPr>
-            <a:spLocks noGrp="1"/>
-          </p:cNvSpPr>
-          <p:nvPr>
-            <p:ph idx="1"/>
+          <p:cNvPr id="4" name="Номер слайда 3"/>
+          <p:cNvSpPr>
+            <a:spLocks noGrp="1"/>
+          </p:cNvSpPr>
+          <p:nvPr>
+            <p:ph type="sldNum" sz="quarter" idx="12"/>
           </p:nvPr>
         </p:nvSpPr>
         <p:spPr/>
@@ -10721,68 +9583,485 @@
           <a:bodyPr/>
           <a:lstStyle/>
           <a:p>
-            <a:r>
-              <a:rPr lang="ru-RU" dirty="0" smtClean="0"/>
-              <a:t>меняющийся фон</a:t>
-            </a:r>
-          </a:p>
-          <a:p>
-            <a:r>
-              <a:rPr lang="ru-RU" dirty="0" smtClean="0"/>
-              <a:t>изменение освещения</a:t>
-            </a:r>
-          </a:p>
-          <a:p>
-            <a:r>
-              <a:rPr lang="ru-RU" dirty="0" smtClean="0"/>
-              <a:t>изменение внешнего облика объекта</a:t>
-            </a:r>
-          </a:p>
-          <a:p>
-            <a:r>
-              <a:rPr lang="ru-RU" dirty="0" smtClean="0"/>
-              <a:t>резкие изменения скорости и направления движения</a:t>
-            </a:r>
-          </a:p>
-          <a:p>
-            <a:r>
-              <a:rPr lang="ru-RU" dirty="0" smtClean="0"/>
-              <a:t>изменение масштаба объекта</a:t>
-            </a:r>
-          </a:p>
-          <a:p>
-            <a:r>
-              <a:rPr lang="ru-RU" dirty="0" smtClean="0"/>
-              <a:t>частичные и полные перекрытия объекта</a:t>
-            </a:r>
-            <a:endParaRPr lang="ru-RU" dirty="0"/>
-          </a:p>
-        </p:txBody>
-      </p:sp>
-      <p:sp>
-        <p:nvSpPr>
-          <p:cNvPr id="4" name="Номер слайда 3"/>
-          <p:cNvSpPr>
-            <a:spLocks noGrp="1"/>
-          </p:cNvSpPr>
-          <p:nvPr>
-            <p:ph type="sldNum" sz="quarter" idx="12"/>
-          </p:nvPr>
-        </p:nvSpPr>
-        <p:spPr/>
-        <p:txBody>
-          <a:bodyPr/>
-          <a:lstStyle/>
-          <a:p>
             <a:fld id="{F9D62829-C74A-48E8-BA30-BE2CEDDA2708}" type="slidenum">
-              <a:rPr lang="ru-RU" sz="3200" smtClean="0"/>
+              <a:rPr lang="ru-RU" smtClean="0"/>
               <a:pPr/>
               <a:t>9</a:t>
             </a:fld>
-            <a:endParaRPr lang="ru-RU" sz="3200" dirty="0"/>
-          </a:p>
-        </p:txBody>
-      </p:sp>
+            <a:endParaRPr lang="ru-RU"/>
+          </a:p>
+        </p:txBody>
+      </p:sp>
+      <p:pic>
+        <p:nvPicPr>
+          <p:cNvPr id="6" name="Рисунок 5" descr="Vid_I_person_crossing.avi_frame_1(gt).jpg"/>
+          <p:cNvPicPr>
+            <a:picLocks noChangeAspect="1"/>
+          </p:cNvPicPr>
+          <p:nvPr/>
+        </p:nvPicPr>
+        <p:blipFill>
+          <a:blip r:embed="rId3" cstate="print"/>
+          <a:stretch>
+            <a:fillRect/>
+          </a:stretch>
+        </p:blipFill>
+        <p:spPr>
+          <a:xfrm>
+            <a:off x="719741" y="2924944"/>
+            <a:ext cx="2196075" cy="1647056"/>
+          </a:xfrm>
+          <a:prstGeom prst="rect">
+            <a:avLst/>
+          </a:prstGeom>
+        </p:spPr>
+      </p:pic>
+      <p:pic>
+        <p:nvPicPr>
+          <p:cNvPr id="8" name="Рисунок 7" descr="colorHist.jpg"/>
+          <p:cNvPicPr>
+            <a:picLocks noChangeAspect="1"/>
+          </p:cNvPicPr>
+          <p:nvPr/>
+        </p:nvPicPr>
+        <p:blipFill>
+          <a:blip r:embed="rId4" cstate="print"/>
+          <a:stretch>
+            <a:fillRect/>
+          </a:stretch>
+        </p:blipFill>
+        <p:spPr>
+          <a:xfrm>
+            <a:off x="3808685" y="1772816"/>
+            <a:ext cx="5083795" cy="3456384"/>
+          </a:xfrm>
+          <a:prstGeom prst="rect">
+            <a:avLst/>
+          </a:prstGeom>
+        </p:spPr>
+      </p:pic>
+      <p:sp>
+        <p:nvSpPr>
+          <p:cNvPr id="10" name="TextBox 9"/>
+          <p:cNvSpPr txBox="1"/>
+          <p:nvPr/>
+        </p:nvSpPr>
+        <p:spPr>
+          <a:xfrm>
+            <a:off x="683568" y="1656065"/>
+            <a:ext cx="5832648" cy="369332"/>
+          </a:xfrm>
+          <a:prstGeom prst="rect">
+            <a:avLst/>
+          </a:prstGeom>
+          <a:noFill/>
+        </p:spPr>
+        <p:txBody>
+          <a:bodyPr wrap="square" rtlCol="0">
+            <a:spAutoFit/>
+          </a:bodyPr>
+          <a:lstStyle/>
+          <a:p>
+            <a:r>
+              <a:rPr lang="ru-RU" dirty="0" smtClean="0">
+                <a:latin typeface="Times New Roman" pitchFamily="18" charset="0"/>
+                <a:cs typeface="Times New Roman" pitchFamily="18" charset="0"/>
+              </a:rPr>
+              <a:t>– </a:t>
+            </a:r>
+            <a:r>
+              <a:rPr lang="en-US" dirty="0" smtClean="0">
+                <a:latin typeface="Times New Roman" pitchFamily="18" charset="0"/>
+                <a:cs typeface="Times New Roman" pitchFamily="18" charset="0"/>
+              </a:rPr>
+              <a:t> </a:t>
+            </a:r>
+            <a:r>
+              <a:rPr lang="ru-RU" dirty="0" smtClean="0">
+                <a:latin typeface="Times New Roman" pitchFamily="18" charset="0"/>
+                <a:cs typeface="Times New Roman" pitchFamily="18" charset="0"/>
+              </a:rPr>
+              <a:t>цветовая гистограмма объекта в  пространстве </a:t>
+            </a:r>
+            <a:r>
+              <a:rPr lang="en-US" dirty="0" smtClean="0">
+                <a:latin typeface="Times New Roman" pitchFamily="18" charset="0"/>
+                <a:cs typeface="Times New Roman" pitchFamily="18" charset="0"/>
+              </a:rPr>
+              <a:t>HSV</a:t>
+            </a:r>
+            <a:r>
+              <a:rPr lang="ru-RU" dirty="0" smtClean="0">
+                <a:latin typeface="Times New Roman" pitchFamily="18" charset="0"/>
+                <a:cs typeface="Times New Roman" pitchFamily="18" charset="0"/>
+              </a:rPr>
+              <a:t> </a:t>
+            </a:r>
+            <a:endParaRPr lang="ru-RU" dirty="0">
+              <a:latin typeface="Times New Roman" pitchFamily="18" charset="0"/>
+              <a:cs typeface="Times New Roman" pitchFamily="18" charset="0"/>
+            </a:endParaRPr>
+          </a:p>
+        </p:txBody>
+      </p:sp>
+      <p:graphicFrame>
+        <p:nvGraphicFramePr>
+          <p:cNvPr id="53251" name="Object 3"/>
+          <p:cNvGraphicFramePr>
+            <a:graphicFrameLocks noChangeAspect="1"/>
+          </p:cNvGraphicFramePr>
+          <p:nvPr/>
+        </p:nvGraphicFramePr>
+        <p:xfrm>
+          <a:off x="395536" y="1628800"/>
+          <a:ext cx="271463" cy="423862"/>
+        </p:xfrm>
+        <a:graphic>
+          <a:graphicData uri="http://schemas.openxmlformats.org/presentationml/2006/ole">
+            <p:oleObj spid="_x0000_s53251" name="Equation" r:id="rId5" imgW="126720" imgH="164880" progId="Equation.3">
+              <p:embed/>
+            </p:oleObj>
+          </a:graphicData>
+        </a:graphic>
+      </p:graphicFrame>
+      <p:graphicFrame>
+        <p:nvGraphicFramePr>
+          <p:cNvPr id="53252" name="Object 4"/>
+          <p:cNvGraphicFramePr>
+            <a:graphicFrameLocks noChangeAspect="1"/>
+          </p:cNvGraphicFramePr>
+          <p:nvPr/>
+        </p:nvGraphicFramePr>
+        <p:xfrm>
+          <a:off x="395536" y="2348671"/>
+          <a:ext cx="504055" cy="576273"/>
+        </p:xfrm>
+        <a:graphic>
+          <a:graphicData uri="http://schemas.openxmlformats.org/presentationml/2006/ole">
+            <p:oleObj spid="_x0000_s53252" name="Equation" r:id="rId6" imgW="253800" imgH="241200" progId="Equation.3">
+              <p:embed/>
+            </p:oleObj>
+          </a:graphicData>
+        </a:graphic>
+      </p:graphicFrame>
+      <p:sp>
+        <p:nvSpPr>
+          <p:cNvPr id="13" name="TextBox 12"/>
+          <p:cNvSpPr txBox="1"/>
+          <p:nvPr/>
+        </p:nvSpPr>
+        <p:spPr>
+          <a:xfrm>
+            <a:off x="827584" y="2452141"/>
+            <a:ext cx="5832648" cy="369332"/>
+          </a:xfrm>
+          <a:prstGeom prst="rect">
+            <a:avLst/>
+          </a:prstGeom>
+          <a:noFill/>
+        </p:spPr>
+        <p:txBody>
+          <a:bodyPr wrap="square" rtlCol="0">
+            <a:spAutoFit/>
+          </a:bodyPr>
+          <a:lstStyle/>
+          <a:p>
+            <a:r>
+              <a:rPr lang="ru-RU" dirty="0" smtClean="0">
+                <a:latin typeface="Times New Roman" pitchFamily="18" charset="0"/>
+                <a:cs typeface="Times New Roman" pitchFamily="18" charset="0"/>
+              </a:rPr>
+              <a:t>– эталонная гистограмма</a:t>
+            </a:r>
+            <a:endParaRPr lang="ru-RU" dirty="0">
+              <a:latin typeface="Times New Roman" pitchFamily="18" charset="0"/>
+              <a:cs typeface="Times New Roman" pitchFamily="18" charset="0"/>
+            </a:endParaRPr>
+          </a:p>
+        </p:txBody>
+      </p:sp>
+      <p:graphicFrame>
+        <p:nvGraphicFramePr>
+          <p:cNvPr id="53253" name="Object 5"/>
+          <p:cNvGraphicFramePr>
+            <a:graphicFrameLocks noChangeAspect="1"/>
+          </p:cNvGraphicFramePr>
+          <p:nvPr/>
+        </p:nvGraphicFramePr>
+        <p:xfrm>
+          <a:off x="395536" y="1916832"/>
+          <a:ext cx="454025" cy="576262"/>
+        </p:xfrm>
+        <a:graphic>
+          <a:graphicData uri="http://schemas.openxmlformats.org/presentationml/2006/ole">
+            <p:oleObj spid="_x0000_s53253" name="Equation" r:id="rId7" imgW="228600" imgH="241200" progId="Equation.3">
+              <p:embed/>
+            </p:oleObj>
+          </a:graphicData>
+        </a:graphic>
+      </p:graphicFrame>
+      <p:sp>
+        <p:nvSpPr>
+          <p:cNvPr id="15" name="TextBox 14"/>
+          <p:cNvSpPr txBox="1"/>
+          <p:nvPr/>
+        </p:nvSpPr>
+        <p:spPr>
+          <a:xfrm>
+            <a:off x="827584" y="2020297"/>
+            <a:ext cx="5832648" cy="369332"/>
+          </a:xfrm>
+          <a:prstGeom prst="rect">
+            <a:avLst/>
+          </a:prstGeom>
+          <a:noFill/>
+        </p:spPr>
+        <p:txBody>
+          <a:bodyPr wrap="square" rtlCol="0">
+            <a:spAutoFit/>
+          </a:bodyPr>
+          <a:lstStyle/>
+          <a:p>
+            <a:r>
+              <a:rPr lang="ru-RU" dirty="0" smtClean="0">
+                <a:latin typeface="Times New Roman" pitchFamily="18" charset="0"/>
+                <a:cs typeface="Times New Roman" pitchFamily="18" charset="0"/>
+              </a:rPr>
+              <a:t>– гистограмма для частицы </a:t>
+            </a:r>
+            <a:r>
+              <a:rPr lang="en-US" i="1" dirty="0" err="1" smtClean="0">
+                <a:latin typeface="Times New Roman" pitchFamily="18" charset="0"/>
+                <a:cs typeface="Times New Roman" pitchFamily="18" charset="0"/>
+              </a:rPr>
+              <a:t>i</a:t>
+            </a:r>
+            <a:r>
+              <a:rPr lang="en-US" dirty="0" smtClean="0">
+                <a:latin typeface="Times New Roman" pitchFamily="18" charset="0"/>
+                <a:cs typeface="Times New Roman" pitchFamily="18" charset="0"/>
+              </a:rPr>
+              <a:t> </a:t>
+            </a:r>
+            <a:r>
+              <a:rPr lang="ru-RU" dirty="0" smtClean="0">
+                <a:latin typeface="Times New Roman" pitchFamily="18" charset="0"/>
+                <a:cs typeface="Times New Roman" pitchFamily="18" charset="0"/>
+              </a:rPr>
+              <a:t>на кадре </a:t>
+            </a:r>
+            <a:r>
+              <a:rPr lang="en-US" dirty="0" smtClean="0">
+                <a:latin typeface="Times New Roman" pitchFamily="18" charset="0"/>
+                <a:cs typeface="Times New Roman" pitchFamily="18" charset="0"/>
+              </a:rPr>
+              <a:t>k</a:t>
+            </a:r>
+            <a:endParaRPr lang="ru-RU" dirty="0">
+              <a:latin typeface="Times New Roman" pitchFamily="18" charset="0"/>
+              <a:cs typeface="Times New Roman" pitchFamily="18" charset="0"/>
+            </a:endParaRPr>
+          </a:p>
+        </p:txBody>
+      </p:sp>
+      <p:sp>
+        <p:nvSpPr>
+          <p:cNvPr id="16" name="TextBox 15"/>
+          <p:cNvSpPr txBox="1"/>
+          <p:nvPr/>
+        </p:nvSpPr>
+        <p:spPr>
+          <a:xfrm>
+            <a:off x="395536" y="4725144"/>
+            <a:ext cx="2761910" cy="369332"/>
+          </a:xfrm>
+          <a:prstGeom prst="rect">
+            <a:avLst/>
+          </a:prstGeom>
+          <a:noFill/>
+        </p:spPr>
+        <p:txBody>
+          <a:bodyPr wrap="none" rtlCol="0">
+            <a:spAutoFit/>
+          </a:bodyPr>
+          <a:lstStyle/>
+          <a:p>
+            <a:r>
+              <a:rPr lang="ru-RU" b="1" dirty="0" smtClean="0">
+                <a:solidFill>
+                  <a:srgbClr val="FF0000"/>
+                </a:solidFill>
+                <a:latin typeface="Times New Roman" pitchFamily="18" charset="0"/>
+                <a:cs typeface="Times New Roman" pitchFamily="18" charset="0"/>
+              </a:rPr>
+              <a:t>Расстояние </a:t>
+            </a:r>
+            <a:r>
+              <a:rPr lang="ru-RU" b="1" dirty="0" err="1" smtClean="0">
+                <a:solidFill>
+                  <a:srgbClr val="FF0000"/>
+                </a:solidFill>
+                <a:latin typeface="Times New Roman" pitchFamily="18" charset="0"/>
+                <a:cs typeface="Times New Roman" pitchFamily="18" charset="0"/>
+              </a:rPr>
+              <a:t>Бхаттачария</a:t>
+            </a:r>
+            <a:endParaRPr lang="ru-RU" b="1" dirty="0">
+              <a:solidFill>
+                <a:srgbClr val="FF0000"/>
+              </a:solidFill>
+              <a:latin typeface="Times New Roman" pitchFamily="18" charset="0"/>
+              <a:cs typeface="Times New Roman" pitchFamily="18" charset="0"/>
+            </a:endParaRPr>
+          </a:p>
+        </p:txBody>
+      </p:sp>
+      <p:graphicFrame>
+        <p:nvGraphicFramePr>
+          <p:cNvPr id="53254" name="Object 6"/>
+          <p:cNvGraphicFramePr>
+            <a:graphicFrameLocks noChangeAspect="1"/>
+          </p:cNvGraphicFramePr>
+          <p:nvPr/>
+        </p:nvGraphicFramePr>
+        <p:xfrm>
+          <a:off x="395536" y="5013176"/>
+          <a:ext cx="3913188" cy="1030288"/>
+        </p:xfrm>
+        <a:graphic>
+          <a:graphicData uri="http://schemas.openxmlformats.org/presentationml/2006/ole">
+            <p:oleObj spid="_x0000_s53254" name="Equation" r:id="rId8" imgW="1968480" imgH="431640" progId="Equation.3">
+              <p:embed/>
+            </p:oleObj>
+          </a:graphicData>
+        </a:graphic>
+      </p:graphicFrame>
+      <p:sp>
+        <p:nvSpPr>
+          <p:cNvPr id="18" name="TextBox 17"/>
+          <p:cNvSpPr txBox="1"/>
+          <p:nvPr/>
+        </p:nvSpPr>
+        <p:spPr>
+          <a:xfrm>
+            <a:off x="4427984" y="5085184"/>
+            <a:ext cx="3456384" cy="646331"/>
+          </a:xfrm>
+          <a:prstGeom prst="rect">
+            <a:avLst/>
+          </a:prstGeom>
+          <a:noFill/>
+        </p:spPr>
+        <p:txBody>
+          <a:bodyPr wrap="square" rtlCol="0">
+            <a:spAutoFit/>
+          </a:bodyPr>
+          <a:lstStyle/>
+          <a:p>
+            <a:r>
+              <a:rPr lang="en-US" i="1" dirty="0" smtClean="0">
+                <a:latin typeface="Times New Roman" pitchFamily="18" charset="0"/>
+                <a:cs typeface="Times New Roman" pitchFamily="18" charset="0"/>
+              </a:rPr>
+              <a:t>u</a:t>
+            </a:r>
+            <a:r>
+              <a:rPr lang="en-US" dirty="0" smtClean="0">
+                <a:latin typeface="Times New Roman" pitchFamily="18" charset="0"/>
+                <a:cs typeface="Times New Roman" pitchFamily="18" charset="0"/>
+              </a:rPr>
+              <a:t> – </a:t>
+            </a:r>
+            <a:r>
+              <a:rPr lang="ru-RU" dirty="0" smtClean="0">
+                <a:latin typeface="Times New Roman" pitchFamily="18" charset="0"/>
+                <a:cs typeface="Times New Roman" pitchFamily="18" charset="0"/>
+              </a:rPr>
+              <a:t>номер кармана гистограммы, </a:t>
+            </a:r>
+            <a:r>
+              <a:rPr lang="en-US" i="1" dirty="0" smtClean="0">
+                <a:latin typeface="Times New Roman" pitchFamily="18" charset="0"/>
+                <a:cs typeface="Times New Roman" pitchFamily="18" charset="0"/>
+              </a:rPr>
+              <a:t>m</a:t>
+            </a:r>
+            <a:r>
+              <a:rPr lang="ru-RU" i="1" dirty="0" smtClean="0">
+                <a:latin typeface="Times New Roman" pitchFamily="18" charset="0"/>
+                <a:cs typeface="Times New Roman" pitchFamily="18" charset="0"/>
+              </a:rPr>
+              <a:t> – количество карманов</a:t>
+            </a:r>
+            <a:endParaRPr lang="ru-RU" i="1" dirty="0">
+              <a:latin typeface="Times New Roman" pitchFamily="18" charset="0"/>
+              <a:cs typeface="Times New Roman" pitchFamily="18" charset="0"/>
+            </a:endParaRPr>
+          </a:p>
+        </p:txBody>
+      </p:sp>
+      <p:sp>
+        <p:nvSpPr>
+          <p:cNvPr id="19" name="TextBox 18"/>
+          <p:cNvSpPr txBox="1"/>
+          <p:nvPr/>
+        </p:nvSpPr>
+        <p:spPr>
+          <a:xfrm>
+            <a:off x="395536" y="5980033"/>
+            <a:ext cx="2789931" cy="369332"/>
+          </a:xfrm>
+          <a:prstGeom prst="rect">
+            <a:avLst/>
+          </a:prstGeom>
+          <a:noFill/>
+        </p:spPr>
+        <p:txBody>
+          <a:bodyPr wrap="none" rtlCol="0">
+            <a:spAutoFit/>
+          </a:bodyPr>
+          <a:lstStyle/>
+          <a:p>
+            <a:r>
+              <a:rPr lang="ru-RU" b="1" dirty="0" smtClean="0">
+                <a:solidFill>
+                  <a:srgbClr val="FF0000"/>
+                </a:solidFill>
+                <a:latin typeface="Times New Roman" pitchFamily="18" charset="0"/>
+                <a:cs typeface="Times New Roman" pitchFamily="18" charset="0"/>
+              </a:rPr>
+              <a:t>Функция правдоподобия</a:t>
+            </a:r>
+            <a:endParaRPr lang="ru-RU" b="1" dirty="0">
+              <a:solidFill>
+                <a:srgbClr val="FF0000"/>
+              </a:solidFill>
+              <a:latin typeface="Times New Roman" pitchFamily="18" charset="0"/>
+              <a:cs typeface="Times New Roman" pitchFamily="18" charset="0"/>
+            </a:endParaRPr>
+          </a:p>
+        </p:txBody>
+      </p:sp>
+      <p:graphicFrame>
+        <p:nvGraphicFramePr>
+          <p:cNvPr id="53256" name="Object 8"/>
+          <p:cNvGraphicFramePr>
+            <a:graphicFrameLocks noChangeAspect="1"/>
+          </p:cNvGraphicFramePr>
+          <p:nvPr/>
+        </p:nvGraphicFramePr>
+        <p:xfrm>
+          <a:off x="3203848" y="5734466"/>
+          <a:ext cx="3888432" cy="1006902"/>
+        </p:xfrm>
+        <a:graphic>
+          <a:graphicData uri="http://schemas.openxmlformats.org/presentationml/2006/ole">
+            <p:oleObj spid="_x0000_s53256" name="Equation" r:id="rId9" imgW="2120760" imgH="457200" progId="Equation.3">
+              <p:embed/>
+            </p:oleObj>
+          </a:graphicData>
+        </a:graphic>
+      </p:graphicFrame>
     </p:spTree>
   </p:cSld>
   <p:clrMapOvr>
